--- a/pres-source/06-mr-hadoop.pptx
+++ b/pres-source/06-mr-hadoop.pptx
@@ -235,7 +235,7 @@
             <a:fld id="{7307762F-A706-E543-A832-3C298AA3103F}" type="datetimeFigureOut">
               <a:rPr lang="en-US" smtClean="0"/>
               <a:pPr/>
-              <a:t>22/08/17</a:t>
+              <a:t>18/07/18</a:t>
             </a:fld>
             <a:endParaRPr lang="en-US" dirty="0"/>
           </a:p>
@@ -887,7 +887,7 @@
           <a:p>
             <a:fld id="{875CF0EB-321F-0749-B37A-89BBA859503C}" type="datetimeFigureOut">
               <a:rPr lang="en-US" smtClean="0"/>
-              <a:t>22/08/17</a:t>
+              <a:t>18/07/18</a:t>
             </a:fld>
             <a:endParaRPr lang="en-US"/>
           </a:p>
@@ -1091,7 +1091,7 @@
           <a:p>
             <a:fld id="{875CF0EB-321F-0749-B37A-89BBA859503C}" type="datetimeFigureOut">
               <a:rPr lang="en-US" smtClean="0"/>
-              <a:t>22/08/17</a:t>
+              <a:t>18/07/18</a:t>
             </a:fld>
             <a:endParaRPr lang="en-US"/>
           </a:p>
@@ -1285,7 +1285,7 @@
           <a:p>
             <a:fld id="{875CF0EB-321F-0749-B37A-89BBA859503C}" type="datetimeFigureOut">
               <a:rPr lang="en-US" smtClean="0"/>
-              <a:t>22/08/17</a:t>
+              <a:t>18/07/18</a:t>
             </a:fld>
             <a:endParaRPr lang="en-US"/>
           </a:p>
@@ -1555,7 +1555,7 @@
           <a:p>
             <a:fld id="{875CF0EB-321F-0749-B37A-89BBA859503C}" type="datetimeFigureOut">
               <a:rPr lang="en-US" smtClean="0"/>
-              <a:t>22/08/17</a:t>
+              <a:t>18/07/18</a:t>
             </a:fld>
             <a:endParaRPr lang="en-US"/>
           </a:p>
@@ -1867,7 +1867,7 @@
           <a:p>
             <a:fld id="{875CF0EB-321F-0749-B37A-89BBA859503C}" type="datetimeFigureOut">
               <a:rPr lang="en-US" smtClean="0"/>
-              <a:t>22/08/17</a:t>
+              <a:t>18/07/18</a:t>
             </a:fld>
             <a:endParaRPr lang="en-US"/>
           </a:p>
@@ -2313,7 +2313,7 @@
           <a:p>
             <a:fld id="{875CF0EB-321F-0749-B37A-89BBA859503C}" type="datetimeFigureOut">
               <a:rPr lang="en-US" smtClean="0"/>
-              <a:t>22/08/17</a:t>
+              <a:t>18/07/18</a:t>
             </a:fld>
             <a:endParaRPr lang="en-US"/>
           </a:p>
@@ -2455,7 +2455,7 @@
           <a:p>
             <a:fld id="{875CF0EB-321F-0749-B37A-89BBA859503C}" type="datetimeFigureOut">
               <a:rPr lang="en-US" smtClean="0"/>
-              <a:t>22/08/17</a:t>
+              <a:t>18/07/18</a:t>
             </a:fld>
             <a:endParaRPr lang="en-US"/>
           </a:p>
@@ -2574,7 +2574,7 @@
           <a:p>
             <a:fld id="{875CF0EB-321F-0749-B37A-89BBA859503C}" type="datetimeFigureOut">
               <a:rPr lang="en-US" smtClean="0"/>
-              <a:t>22/08/17</a:t>
+              <a:t>18/07/18</a:t>
             </a:fld>
             <a:endParaRPr lang="en-US"/>
           </a:p>
@@ -2875,7 +2875,7 @@
           <a:p>
             <a:fld id="{875CF0EB-321F-0749-B37A-89BBA859503C}" type="datetimeFigureOut">
               <a:rPr lang="en-US" smtClean="0"/>
-              <a:t>22/08/17</a:t>
+              <a:t>18/07/18</a:t>
             </a:fld>
             <a:endParaRPr lang="en-US"/>
           </a:p>
@@ -3152,7 +3152,7 @@
           <a:p>
             <a:fld id="{875CF0EB-321F-0749-B37A-89BBA859503C}" type="datetimeFigureOut">
               <a:rPr lang="en-US" smtClean="0"/>
-              <a:t>22/08/17</a:t>
+              <a:t>18/07/18</a:t>
             </a:fld>
             <a:endParaRPr lang="en-US"/>
           </a:p>
@@ -4079,7 +4079,7 @@
                 <a:ea typeface="ヒラギノ角ゴ ProN W3" charset="0"/>
                 <a:cs typeface="ヒラギノ角ゴ ProN W3" charset="0"/>
               </a:rPr>
-              <a:t>Sept 2017</a:t>
+              <a:t>July 2018</a:t>
             </a:r>
             <a:endParaRPr lang="en-US" dirty="0">
               <a:ea typeface="ヒラギノ角ゴ ProN W3" charset="0"/>

--- a/pres-source/06-mr-hadoop.pptx
+++ b/pres-source/06-mr-hadoop.pptx
@@ -235,7 +235,7 @@
             <a:fld id="{7307762F-A706-E543-A832-3C298AA3103F}" type="datetimeFigureOut">
               <a:rPr lang="en-US" smtClean="0"/>
               <a:pPr/>
-              <a:t>18/07/18</a:t>
+              <a:t>02/07/19</a:t>
             </a:fld>
             <a:endParaRPr lang="en-US" dirty="0"/>
           </a:p>
@@ -887,7 +887,7 @@
           <a:p>
             <a:fld id="{875CF0EB-321F-0749-B37A-89BBA859503C}" type="datetimeFigureOut">
               <a:rPr lang="en-US" smtClean="0"/>
-              <a:t>18/07/18</a:t>
+              <a:t>02/07/19</a:t>
             </a:fld>
             <a:endParaRPr lang="en-US"/>
           </a:p>
@@ -1091,7 +1091,7 @@
           <a:p>
             <a:fld id="{875CF0EB-321F-0749-B37A-89BBA859503C}" type="datetimeFigureOut">
               <a:rPr lang="en-US" smtClean="0"/>
-              <a:t>18/07/18</a:t>
+              <a:t>02/07/19</a:t>
             </a:fld>
             <a:endParaRPr lang="en-US"/>
           </a:p>
@@ -1285,7 +1285,7 @@
           <a:p>
             <a:fld id="{875CF0EB-321F-0749-B37A-89BBA859503C}" type="datetimeFigureOut">
               <a:rPr lang="en-US" smtClean="0"/>
-              <a:t>18/07/18</a:t>
+              <a:t>02/07/19</a:t>
             </a:fld>
             <a:endParaRPr lang="en-US"/>
           </a:p>
@@ -1555,7 +1555,7 @@
           <a:p>
             <a:fld id="{875CF0EB-321F-0749-B37A-89BBA859503C}" type="datetimeFigureOut">
               <a:rPr lang="en-US" smtClean="0"/>
-              <a:t>18/07/18</a:t>
+              <a:t>02/07/19</a:t>
             </a:fld>
             <a:endParaRPr lang="en-US"/>
           </a:p>
@@ -1867,7 +1867,7 @@
           <a:p>
             <a:fld id="{875CF0EB-321F-0749-B37A-89BBA859503C}" type="datetimeFigureOut">
               <a:rPr lang="en-US" smtClean="0"/>
-              <a:t>18/07/18</a:t>
+              <a:t>02/07/19</a:t>
             </a:fld>
             <a:endParaRPr lang="en-US"/>
           </a:p>
@@ -2313,7 +2313,7 @@
           <a:p>
             <a:fld id="{875CF0EB-321F-0749-B37A-89BBA859503C}" type="datetimeFigureOut">
               <a:rPr lang="en-US" smtClean="0"/>
-              <a:t>18/07/18</a:t>
+              <a:t>02/07/19</a:t>
             </a:fld>
             <a:endParaRPr lang="en-US"/>
           </a:p>
@@ -2455,7 +2455,7 @@
           <a:p>
             <a:fld id="{875CF0EB-321F-0749-B37A-89BBA859503C}" type="datetimeFigureOut">
               <a:rPr lang="en-US" smtClean="0"/>
-              <a:t>18/07/18</a:t>
+              <a:t>02/07/19</a:t>
             </a:fld>
             <a:endParaRPr lang="en-US"/>
           </a:p>
@@ -2574,7 +2574,7 @@
           <a:p>
             <a:fld id="{875CF0EB-321F-0749-B37A-89BBA859503C}" type="datetimeFigureOut">
               <a:rPr lang="en-US" smtClean="0"/>
-              <a:t>18/07/18</a:t>
+              <a:t>02/07/19</a:t>
             </a:fld>
             <a:endParaRPr lang="en-US"/>
           </a:p>
@@ -2875,7 +2875,7 @@
           <a:p>
             <a:fld id="{875CF0EB-321F-0749-B37A-89BBA859503C}" type="datetimeFigureOut">
               <a:rPr lang="en-US" smtClean="0"/>
-              <a:t>18/07/18</a:t>
+              <a:t>02/07/19</a:t>
             </a:fld>
             <a:endParaRPr lang="en-US"/>
           </a:p>
@@ -3152,7 +3152,7 @@
           <a:p>
             <a:fld id="{875CF0EB-321F-0749-B37A-89BBA859503C}" type="datetimeFigureOut">
               <a:rPr lang="en-US" smtClean="0"/>
-              <a:t>18/07/18</a:t>
+              <a:t>02/07/19</a:t>
             </a:fld>
             <a:endParaRPr lang="en-US"/>
           </a:p>
@@ -8183,18 +8183,25 @@
               <a:t>        print '%s\</a:t>
             </a:r>
             <a:r>
-              <a:rPr lang="en-US" dirty="0" err="1">
-                <a:latin typeface="Lucida Console"/>
-                <a:cs typeface="Lucida Console"/>
-              </a:rPr>
-              <a:t>t%s</a:t>
+              <a:rPr lang="en-US" err="1">
+                <a:latin typeface="Lucida Console"/>
+                <a:cs typeface="Lucida Console"/>
+              </a:rPr>
+              <a:t>t</a:t>
+            </a:r>
+            <a:r>
+              <a:rPr lang="en-US" smtClean="0">
+                <a:latin typeface="Lucida Console"/>
+                <a:cs typeface="Lucida Console"/>
+              </a:rPr>
+              <a:t>%d' </a:t>
             </a:r>
             <a:r>
               <a:rPr lang="en-US" dirty="0">
                 <a:latin typeface="Lucida Console"/>
                 <a:cs typeface="Lucida Console"/>
               </a:rPr>
-              <a:t>' % (word, 1)</a:t>
+              <a:t>% (word, 1)</a:t>
             </a:r>
           </a:p>
         </p:txBody>

--- a/pres-source/06-mr-hadoop.pptx
+++ b/pres-source/06-mr-hadoop.pptx
@@ -41,22 +41,16 @@
     <p:sldId id="286" r:id="rId36"/>
     <p:sldId id="287" r:id="rId37"/>
     <p:sldId id="288" r:id="rId38"/>
-    <p:sldId id="289" r:id="rId39"/>
-    <p:sldId id="290" r:id="rId40"/>
-    <p:sldId id="291" r:id="rId41"/>
-    <p:sldId id="292" r:id="rId42"/>
-    <p:sldId id="293" r:id="rId43"/>
-    <p:sldId id="294" r:id="rId44"/>
   </p:sldIdLst>
   <p:sldSz cy="6858000" cx="9144000"/>
   <p:notesSz cx="6858000" cy="9144000"/>
   <p:embeddedFontLst>
     <p:embeddedFont>
       <p:font typeface="Montserrat"/>
-      <p:regular r:id="rId45"/>
-      <p:bold r:id="rId46"/>
-      <p:italic r:id="rId47"/>
-      <p:boldItalic r:id="rId48"/>
+      <p:regular r:id="rId39"/>
+      <p:bold r:id="rId40"/>
+      <p:italic r:id="rId41"/>
+      <p:boldItalic r:id="rId42"/>
     </p:embeddedFont>
   </p:embeddedFontLst>
   <p:defaultTextStyle>
@@ -3983,7 +3977,7 @@
       </p:grpSpPr>
       <p:sp>
         <p:nvSpPr>
-          <p:cNvPr id="291" name="Google Shape;291;p32:notes"/>
+          <p:cNvPr id="291" name="Google Shape;291;p38:notes"/>
           <p:cNvSpPr txBox="1"/>
           <p:nvPr>
             <p:ph idx="1" type="body"/>
@@ -4022,7 +4016,7 @@
       </p:sp>
       <p:sp>
         <p:nvSpPr>
-          <p:cNvPr id="292" name="Google Shape;292;p32:notes"/>
+          <p:cNvPr id="292" name="Google Shape;292;p38:notes"/>
           <p:cNvSpPr/>
           <p:nvPr>
             <p:ph idx="2" type="sldImg"/>
@@ -4082,7 +4076,7 @@
       </p:grpSpPr>
       <p:sp>
         <p:nvSpPr>
-          <p:cNvPr id="297" name="Google Shape;297;p33:notes"/>
+          <p:cNvPr id="297" name="Google Shape;297;p39:notes"/>
           <p:cNvSpPr txBox="1"/>
           <p:nvPr>
             <p:ph idx="1" type="body"/>
@@ -4121,601 +4115,7 @@
       </p:sp>
       <p:sp>
         <p:nvSpPr>
-          <p:cNvPr id="298" name="Google Shape;298;p33:notes"/>
-          <p:cNvSpPr/>
-          <p:nvPr>
-            <p:ph idx="2" type="sldImg"/>
-          </p:nvPr>
-        </p:nvSpPr>
-        <p:spPr>
-          <a:xfrm>
-            <a:off x="1143000" y="685800"/>
-            <a:ext cx="4572000" cy="3429000"/>
-          </a:xfrm>
-          <a:custGeom>
-            <a:rect b="b" l="l" r="r" t="t"/>
-            <a:pathLst>
-              <a:path extrusionOk="0" h="120000" w="120000">
-                <a:moveTo>
-                  <a:pt x="0" y="0"/>
-                </a:moveTo>
-                <a:lnTo>
-                  <a:pt x="120000" y="0"/>
-                </a:lnTo>
-                <a:lnTo>
-                  <a:pt x="120000" y="120000"/>
-                </a:lnTo>
-                <a:lnTo>
-                  <a:pt x="0" y="120000"/>
-                </a:lnTo>
-                <a:close/>
-              </a:path>
-            </a:pathLst>
-          </a:custGeom>
-        </p:spPr>
-      </p:sp>
-    </p:spTree>
-  </p:cSld>
-  <p:clrMapOvr>
-    <a:masterClrMapping/>
-  </p:clrMapOvr>
-</p:notes>
-</file>
-
-<file path=ppt/notesSlides/notesSlide34.xml><?xml version="1.0" encoding="utf-8"?>
-<p:notes xmlns:a="http://schemas.openxmlformats.org/drawingml/2006/main" xmlns:r="http://schemas.openxmlformats.org/officeDocument/2006/relationships" xmlns:mc="http://schemas.openxmlformats.org/markup-compatibility/2006" xmlns:mv="urn:schemas-microsoft-com:mac:vml" xmlns:p="http://schemas.openxmlformats.org/presentationml/2006/main" xmlns:c="http://schemas.openxmlformats.org/drawingml/2006/chart" xmlns:dgm="http://schemas.openxmlformats.org/drawingml/2006/diagram" xmlns:o="urn:schemas-microsoft-com:office:office" xmlns:v="urn:schemas-microsoft-com:vml" xmlns:pvml="urn:schemas-microsoft-com:office:powerpoint" xmlns:com="http://schemas.openxmlformats.org/drawingml/2006/compatibility" xmlns:p14="http://schemas.microsoft.com/office/powerpoint/2010/main" xmlns:p15="http://schemas.microsoft.com/office/powerpoint/2012/main" showMasterPhAnim="0" showMasterSp="0">
-  <p:cSld>
-    <p:spTree>
-      <p:nvGrpSpPr>
-        <p:cNvPr id="302" name="Shape 302"/>
-        <p:cNvGrpSpPr/>
-        <p:nvPr/>
-      </p:nvGrpSpPr>
-      <p:grpSpPr>
-        <a:xfrm>
-          <a:off x="0" y="0"/>
-          <a:ext cx="0" cy="0"/>
-          <a:chOff x="0" y="0"/>
-          <a:chExt cx="0" cy="0"/>
-        </a:xfrm>
-      </p:grpSpPr>
-      <p:sp>
-        <p:nvSpPr>
-          <p:cNvPr id="303" name="Google Shape;303;p34:notes"/>
-          <p:cNvSpPr txBox="1"/>
-          <p:nvPr>
-            <p:ph idx="1" type="body"/>
-          </p:nvPr>
-        </p:nvSpPr>
-        <p:spPr>
-          <a:xfrm>
-            <a:off x="685800" y="4343400"/>
-            <a:ext cx="5486400" cy="4114800"/>
-          </a:xfrm>
-          <a:prstGeom prst="rect">
-            <a:avLst/>
-          </a:prstGeom>
-        </p:spPr>
-        <p:txBody>
-          <a:bodyPr anchorCtr="0" anchor="t" bIns="45700" lIns="91425" spcFirstLastPara="1" rIns="91425" wrap="square" tIns="45700">
-            <a:noAutofit/>
-          </a:bodyPr>
-          <a:lstStyle/>
-          <a:p>
-            <a:pPr indent="0" lvl="0" marL="0" rtl="0" algn="l">
-              <a:spcBef>
-                <a:spcPts val="0"/>
-              </a:spcBef>
-              <a:spcAft>
-                <a:spcPts val="0"/>
-              </a:spcAft>
-              <a:buNone/>
-            </a:pPr>
-            <a:r>
-              <a:t/>
-            </a:r>
-            <a:endParaRPr/>
-          </a:p>
-        </p:txBody>
-      </p:sp>
-      <p:sp>
-        <p:nvSpPr>
-          <p:cNvPr id="304" name="Google Shape;304;p34:notes"/>
-          <p:cNvSpPr/>
-          <p:nvPr>
-            <p:ph idx="2" type="sldImg"/>
-          </p:nvPr>
-        </p:nvSpPr>
-        <p:spPr>
-          <a:xfrm>
-            <a:off x="1143000" y="685800"/>
-            <a:ext cx="4572000" cy="3429000"/>
-          </a:xfrm>
-          <a:custGeom>
-            <a:rect b="b" l="l" r="r" t="t"/>
-            <a:pathLst>
-              <a:path extrusionOk="0" h="120000" w="120000">
-                <a:moveTo>
-                  <a:pt x="0" y="0"/>
-                </a:moveTo>
-                <a:lnTo>
-                  <a:pt x="120000" y="0"/>
-                </a:lnTo>
-                <a:lnTo>
-                  <a:pt x="120000" y="120000"/>
-                </a:lnTo>
-                <a:lnTo>
-                  <a:pt x="0" y="120000"/>
-                </a:lnTo>
-                <a:close/>
-              </a:path>
-            </a:pathLst>
-          </a:custGeom>
-        </p:spPr>
-      </p:sp>
-    </p:spTree>
-  </p:cSld>
-  <p:clrMapOvr>
-    <a:masterClrMapping/>
-  </p:clrMapOvr>
-</p:notes>
-</file>
-
-<file path=ppt/notesSlides/notesSlide35.xml><?xml version="1.0" encoding="utf-8"?>
-<p:notes xmlns:a="http://schemas.openxmlformats.org/drawingml/2006/main" xmlns:r="http://schemas.openxmlformats.org/officeDocument/2006/relationships" xmlns:mc="http://schemas.openxmlformats.org/markup-compatibility/2006" xmlns:mv="urn:schemas-microsoft-com:mac:vml" xmlns:p="http://schemas.openxmlformats.org/presentationml/2006/main" xmlns:c="http://schemas.openxmlformats.org/drawingml/2006/chart" xmlns:dgm="http://schemas.openxmlformats.org/drawingml/2006/diagram" xmlns:o="urn:schemas-microsoft-com:office:office" xmlns:v="urn:schemas-microsoft-com:vml" xmlns:pvml="urn:schemas-microsoft-com:office:powerpoint" xmlns:com="http://schemas.openxmlformats.org/drawingml/2006/compatibility" xmlns:p14="http://schemas.microsoft.com/office/powerpoint/2010/main" xmlns:p15="http://schemas.microsoft.com/office/powerpoint/2012/main" showMasterPhAnim="0" showMasterSp="0">
-  <p:cSld>
-    <p:spTree>
-      <p:nvGrpSpPr>
-        <p:cNvPr id="308" name="Shape 308"/>
-        <p:cNvGrpSpPr/>
-        <p:nvPr/>
-      </p:nvGrpSpPr>
-      <p:grpSpPr>
-        <a:xfrm>
-          <a:off x="0" y="0"/>
-          <a:ext cx="0" cy="0"/>
-          <a:chOff x="0" y="0"/>
-          <a:chExt cx="0" cy="0"/>
-        </a:xfrm>
-      </p:grpSpPr>
-      <p:sp>
-        <p:nvSpPr>
-          <p:cNvPr id="309" name="Google Shape;309;p35:notes"/>
-          <p:cNvSpPr txBox="1"/>
-          <p:nvPr>
-            <p:ph idx="1" type="body"/>
-          </p:nvPr>
-        </p:nvSpPr>
-        <p:spPr>
-          <a:xfrm>
-            <a:off x="685800" y="4343400"/>
-            <a:ext cx="5486400" cy="4114800"/>
-          </a:xfrm>
-          <a:prstGeom prst="rect">
-            <a:avLst/>
-          </a:prstGeom>
-        </p:spPr>
-        <p:txBody>
-          <a:bodyPr anchorCtr="0" anchor="t" bIns="45700" lIns="91425" spcFirstLastPara="1" rIns="91425" wrap="square" tIns="45700">
-            <a:noAutofit/>
-          </a:bodyPr>
-          <a:lstStyle/>
-          <a:p>
-            <a:pPr indent="0" lvl="0" marL="0" rtl="0" algn="l">
-              <a:spcBef>
-                <a:spcPts val="0"/>
-              </a:spcBef>
-              <a:spcAft>
-                <a:spcPts val="0"/>
-              </a:spcAft>
-              <a:buNone/>
-            </a:pPr>
-            <a:r>
-              <a:t/>
-            </a:r>
-            <a:endParaRPr/>
-          </a:p>
-        </p:txBody>
-      </p:sp>
-      <p:sp>
-        <p:nvSpPr>
-          <p:cNvPr id="310" name="Google Shape;310;p35:notes"/>
-          <p:cNvSpPr/>
-          <p:nvPr>
-            <p:ph idx="2" type="sldImg"/>
-          </p:nvPr>
-        </p:nvSpPr>
-        <p:spPr>
-          <a:xfrm>
-            <a:off x="1143000" y="685800"/>
-            <a:ext cx="4572000" cy="3429000"/>
-          </a:xfrm>
-          <a:custGeom>
-            <a:rect b="b" l="l" r="r" t="t"/>
-            <a:pathLst>
-              <a:path extrusionOk="0" h="120000" w="120000">
-                <a:moveTo>
-                  <a:pt x="0" y="0"/>
-                </a:moveTo>
-                <a:lnTo>
-                  <a:pt x="120000" y="0"/>
-                </a:lnTo>
-                <a:lnTo>
-                  <a:pt x="120000" y="120000"/>
-                </a:lnTo>
-                <a:lnTo>
-                  <a:pt x="0" y="120000"/>
-                </a:lnTo>
-                <a:close/>
-              </a:path>
-            </a:pathLst>
-          </a:custGeom>
-        </p:spPr>
-      </p:sp>
-    </p:spTree>
-  </p:cSld>
-  <p:clrMapOvr>
-    <a:masterClrMapping/>
-  </p:clrMapOvr>
-</p:notes>
-</file>
-
-<file path=ppt/notesSlides/notesSlide36.xml><?xml version="1.0" encoding="utf-8"?>
-<p:notes xmlns:a="http://schemas.openxmlformats.org/drawingml/2006/main" xmlns:r="http://schemas.openxmlformats.org/officeDocument/2006/relationships" xmlns:mc="http://schemas.openxmlformats.org/markup-compatibility/2006" xmlns:mv="urn:schemas-microsoft-com:mac:vml" xmlns:p="http://schemas.openxmlformats.org/presentationml/2006/main" xmlns:c="http://schemas.openxmlformats.org/drawingml/2006/chart" xmlns:dgm="http://schemas.openxmlformats.org/drawingml/2006/diagram" xmlns:o="urn:schemas-microsoft-com:office:office" xmlns:v="urn:schemas-microsoft-com:vml" xmlns:pvml="urn:schemas-microsoft-com:office:powerpoint" xmlns:com="http://schemas.openxmlformats.org/drawingml/2006/compatibility" xmlns:p14="http://schemas.microsoft.com/office/powerpoint/2010/main" xmlns:p15="http://schemas.microsoft.com/office/powerpoint/2012/main" showMasterPhAnim="0" showMasterSp="0">
-  <p:cSld>
-    <p:spTree>
-      <p:nvGrpSpPr>
-        <p:cNvPr id="314" name="Shape 314"/>
-        <p:cNvGrpSpPr/>
-        <p:nvPr/>
-      </p:nvGrpSpPr>
-      <p:grpSpPr>
-        <a:xfrm>
-          <a:off x="0" y="0"/>
-          <a:ext cx="0" cy="0"/>
-          <a:chOff x="0" y="0"/>
-          <a:chExt cx="0" cy="0"/>
-        </a:xfrm>
-      </p:grpSpPr>
-      <p:sp>
-        <p:nvSpPr>
-          <p:cNvPr id="315" name="Google Shape;315;p36:notes"/>
-          <p:cNvSpPr txBox="1"/>
-          <p:nvPr>
-            <p:ph idx="1" type="body"/>
-          </p:nvPr>
-        </p:nvSpPr>
-        <p:spPr>
-          <a:xfrm>
-            <a:off x="685800" y="4343400"/>
-            <a:ext cx="5486400" cy="4114800"/>
-          </a:xfrm>
-          <a:prstGeom prst="rect">
-            <a:avLst/>
-          </a:prstGeom>
-        </p:spPr>
-        <p:txBody>
-          <a:bodyPr anchorCtr="0" anchor="t" bIns="45700" lIns="91425" spcFirstLastPara="1" rIns="91425" wrap="square" tIns="45700">
-            <a:noAutofit/>
-          </a:bodyPr>
-          <a:lstStyle/>
-          <a:p>
-            <a:pPr indent="0" lvl="0" marL="0" rtl="0" algn="l">
-              <a:spcBef>
-                <a:spcPts val="0"/>
-              </a:spcBef>
-              <a:spcAft>
-                <a:spcPts val="0"/>
-              </a:spcAft>
-              <a:buNone/>
-            </a:pPr>
-            <a:r>
-              <a:t/>
-            </a:r>
-            <a:endParaRPr/>
-          </a:p>
-        </p:txBody>
-      </p:sp>
-      <p:sp>
-        <p:nvSpPr>
-          <p:cNvPr id="316" name="Google Shape;316;p36:notes"/>
-          <p:cNvSpPr/>
-          <p:nvPr>
-            <p:ph idx="2" type="sldImg"/>
-          </p:nvPr>
-        </p:nvSpPr>
-        <p:spPr>
-          <a:xfrm>
-            <a:off x="1143000" y="685800"/>
-            <a:ext cx="4572000" cy="3429000"/>
-          </a:xfrm>
-          <a:custGeom>
-            <a:rect b="b" l="l" r="r" t="t"/>
-            <a:pathLst>
-              <a:path extrusionOk="0" h="120000" w="120000">
-                <a:moveTo>
-                  <a:pt x="0" y="0"/>
-                </a:moveTo>
-                <a:lnTo>
-                  <a:pt x="120000" y="0"/>
-                </a:lnTo>
-                <a:lnTo>
-                  <a:pt x="120000" y="120000"/>
-                </a:lnTo>
-                <a:lnTo>
-                  <a:pt x="0" y="120000"/>
-                </a:lnTo>
-                <a:close/>
-              </a:path>
-            </a:pathLst>
-          </a:custGeom>
-        </p:spPr>
-      </p:sp>
-    </p:spTree>
-  </p:cSld>
-  <p:clrMapOvr>
-    <a:masterClrMapping/>
-  </p:clrMapOvr>
-</p:notes>
-</file>
-
-<file path=ppt/notesSlides/notesSlide37.xml><?xml version="1.0" encoding="utf-8"?>
-<p:notes xmlns:a="http://schemas.openxmlformats.org/drawingml/2006/main" xmlns:r="http://schemas.openxmlformats.org/officeDocument/2006/relationships" xmlns:mc="http://schemas.openxmlformats.org/markup-compatibility/2006" xmlns:mv="urn:schemas-microsoft-com:mac:vml" xmlns:p="http://schemas.openxmlformats.org/presentationml/2006/main" xmlns:c="http://schemas.openxmlformats.org/drawingml/2006/chart" xmlns:dgm="http://schemas.openxmlformats.org/drawingml/2006/diagram" xmlns:o="urn:schemas-microsoft-com:office:office" xmlns:v="urn:schemas-microsoft-com:vml" xmlns:pvml="urn:schemas-microsoft-com:office:powerpoint" xmlns:com="http://schemas.openxmlformats.org/drawingml/2006/compatibility" xmlns:p14="http://schemas.microsoft.com/office/powerpoint/2010/main" xmlns:p15="http://schemas.microsoft.com/office/powerpoint/2012/main" showMasterPhAnim="0" showMasterSp="0">
-  <p:cSld>
-    <p:spTree>
-      <p:nvGrpSpPr>
-        <p:cNvPr id="320" name="Shape 320"/>
-        <p:cNvGrpSpPr/>
-        <p:nvPr/>
-      </p:nvGrpSpPr>
-      <p:grpSpPr>
-        <a:xfrm>
-          <a:off x="0" y="0"/>
-          <a:ext cx="0" cy="0"/>
-          <a:chOff x="0" y="0"/>
-          <a:chExt cx="0" cy="0"/>
-        </a:xfrm>
-      </p:grpSpPr>
-      <p:sp>
-        <p:nvSpPr>
-          <p:cNvPr id="321" name="Google Shape;321;p37:notes"/>
-          <p:cNvSpPr txBox="1"/>
-          <p:nvPr>
-            <p:ph idx="1" type="body"/>
-          </p:nvPr>
-        </p:nvSpPr>
-        <p:spPr>
-          <a:xfrm>
-            <a:off x="685800" y="4343400"/>
-            <a:ext cx="5486400" cy="4114800"/>
-          </a:xfrm>
-          <a:prstGeom prst="rect">
-            <a:avLst/>
-          </a:prstGeom>
-        </p:spPr>
-        <p:txBody>
-          <a:bodyPr anchorCtr="0" anchor="t" bIns="45700" lIns="91425" spcFirstLastPara="1" rIns="91425" wrap="square" tIns="45700">
-            <a:noAutofit/>
-          </a:bodyPr>
-          <a:lstStyle/>
-          <a:p>
-            <a:pPr indent="0" lvl="0" marL="0" rtl="0" algn="l">
-              <a:spcBef>
-                <a:spcPts val="0"/>
-              </a:spcBef>
-              <a:spcAft>
-                <a:spcPts val="0"/>
-              </a:spcAft>
-              <a:buNone/>
-            </a:pPr>
-            <a:r>
-              <a:t/>
-            </a:r>
-            <a:endParaRPr/>
-          </a:p>
-        </p:txBody>
-      </p:sp>
-      <p:sp>
-        <p:nvSpPr>
-          <p:cNvPr id="322" name="Google Shape;322;p37:notes"/>
-          <p:cNvSpPr/>
-          <p:nvPr>
-            <p:ph idx="2" type="sldImg"/>
-          </p:nvPr>
-        </p:nvSpPr>
-        <p:spPr>
-          <a:xfrm>
-            <a:off x="1143000" y="685800"/>
-            <a:ext cx="4572000" cy="3429000"/>
-          </a:xfrm>
-          <a:custGeom>
-            <a:rect b="b" l="l" r="r" t="t"/>
-            <a:pathLst>
-              <a:path extrusionOk="0" h="120000" w="120000">
-                <a:moveTo>
-                  <a:pt x="0" y="0"/>
-                </a:moveTo>
-                <a:lnTo>
-                  <a:pt x="120000" y="0"/>
-                </a:lnTo>
-                <a:lnTo>
-                  <a:pt x="120000" y="120000"/>
-                </a:lnTo>
-                <a:lnTo>
-                  <a:pt x="0" y="120000"/>
-                </a:lnTo>
-                <a:close/>
-              </a:path>
-            </a:pathLst>
-          </a:custGeom>
-        </p:spPr>
-      </p:sp>
-    </p:spTree>
-  </p:cSld>
-  <p:clrMapOvr>
-    <a:masterClrMapping/>
-  </p:clrMapOvr>
-</p:notes>
-</file>
-
-<file path=ppt/notesSlides/notesSlide38.xml><?xml version="1.0" encoding="utf-8"?>
-<p:notes xmlns:a="http://schemas.openxmlformats.org/drawingml/2006/main" xmlns:r="http://schemas.openxmlformats.org/officeDocument/2006/relationships" xmlns:mc="http://schemas.openxmlformats.org/markup-compatibility/2006" xmlns:mv="urn:schemas-microsoft-com:mac:vml" xmlns:p="http://schemas.openxmlformats.org/presentationml/2006/main" xmlns:c="http://schemas.openxmlformats.org/drawingml/2006/chart" xmlns:dgm="http://schemas.openxmlformats.org/drawingml/2006/diagram" xmlns:o="urn:schemas-microsoft-com:office:office" xmlns:v="urn:schemas-microsoft-com:vml" xmlns:pvml="urn:schemas-microsoft-com:office:powerpoint" xmlns:com="http://schemas.openxmlformats.org/drawingml/2006/compatibility" xmlns:p14="http://schemas.microsoft.com/office/powerpoint/2010/main" xmlns:p15="http://schemas.microsoft.com/office/powerpoint/2012/main" showMasterPhAnim="0" showMasterSp="0">
-  <p:cSld>
-    <p:spTree>
-      <p:nvGrpSpPr>
-        <p:cNvPr id="326" name="Shape 326"/>
-        <p:cNvGrpSpPr/>
-        <p:nvPr/>
-      </p:nvGrpSpPr>
-      <p:grpSpPr>
-        <a:xfrm>
-          <a:off x="0" y="0"/>
-          <a:ext cx="0" cy="0"/>
-          <a:chOff x="0" y="0"/>
-          <a:chExt cx="0" cy="0"/>
-        </a:xfrm>
-      </p:grpSpPr>
-      <p:sp>
-        <p:nvSpPr>
-          <p:cNvPr id="327" name="Google Shape;327;p38:notes"/>
-          <p:cNvSpPr txBox="1"/>
-          <p:nvPr>
-            <p:ph idx="1" type="body"/>
-          </p:nvPr>
-        </p:nvSpPr>
-        <p:spPr>
-          <a:xfrm>
-            <a:off x="685800" y="4343400"/>
-            <a:ext cx="5486400" cy="4114800"/>
-          </a:xfrm>
-          <a:prstGeom prst="rect">
-            <a:avLst/>
-          </a:prstGeom>
-        </p:spPr>
-        <p:txBody>
-          <a:bodyPr anchorCtr="0" anchor="t" bIns="45700" lIns="91425" spcFirstLastPara="1" rIns="91425" wrap="square" tIns="45700">
-            <a:noAutofit/>
-          </a:bodyPr>
-          <a:lstStyle/>
-          <a:p>
-            <a:pPr indent="0" lvl="0" marL="0" rtl="0" algn="l">
-              <a:spcBef>
-                <a:spcPts val="0"/>
-              </a:spcBef>
-              <a:spcAft>
-                <a:spcPts val="0"/>
-              </a:spcAft>
-              <a:buNone/>
-            </a:pPr>
-            <a:r>
-              <a:t/>
-            </a:r>
-            <a:endParaRPr/>
-          </a:p>
-        </p:txBody>
-      </p:sp>
-      <p:sp>
-        <p:nvSpPr>
-          <p:cNvPr id="328" name="Google Shape;328;p38:notes"/>
-          <p:cNvSpPr/>
-          <p:nvPr>
-            <p:ph idx="2" type="sldImg"/>
-          </p:nvPr>
-        </p:nvSpPr>
-        <p:spPr>
-          <a:xfrm>
-            <a:off x="1143000" y="685800"/>
-            <a:ext cx="4572000" cy="3429000"/>
-          </a:xfrm>
-          <a:custGeom>
-            <a:rect b="b" l="l" r="r" t="t"/>
-            <a:pathLst>
-              <a:path extrusionOk="0" h="120000" w="120000">
-                <a:moveTo>
-                  <a:pt x="0" y="0"/>
-                </a:moveTo>
-                <a:lnTo>
-                  <a:pt x="120000" y="0"/>
-                </a:lnTo>
-                <a:lnTo>
-                  <a:pt x="120000" y="120000"/>
-                </a:lnTo>
-                <a:lnTo>
-                  <a:pt x="0" y="120000"/>
-                </a:lnTo>
-                <a:close/>
-              </a:path>
-            </a:pathLst>
-          </a:custGeom>
-        </p:spPr>
-      </p:sp>
-    </p:spTree>
-  </p:cSld>
-  <p:clrMapOvr>
-    <a:masterClrMapping/>
-  </p:clrMapOvr>
-</p:notes>
-</file>
-
-<file path=ppt/notesSlides/notesSlide39.xml><?xml version="1.0" encoding="utf-8"?>
-<p:notes xmlns:a="http://schemas.openxmlformats.org/drawingml/2006/main" xmlns:r="http://schemas.openxmlformats.org/officeDocument/2006/relationships" xmlns:mc="http://schemas.openxmlformats.org/markup-compatibility/2006" xmlns:mv="urn:schemas-microsoft-com:mac:vml" xmlns:p="http://schemas.openxmlformats.org/presentationml/2006/main" xmlns:c="http://schemas.openxmlformats.org/drawingml/2006/chart" xmlns:dgm="http://schemas.openxmlformats.org/drawingml/2006/diagram" xmlns:o="urn:schemas-microsoft-com:office:office" xmlns:v="urn:schemas-microsoft-com:vml" xmlns:pvml="urn:schemas-microsoft-com:office:powerpoint" xmlns:com="http://schemas.openxmlformats.org/drawingml/2006/compatibility" xmlns:p14="http://schemas.microsoft.com/office/powerpoint/2010/main" xmlns:p15="http://schemas.microsoft.com/office/powerpoint/2012/main" showMasterPhAnim="0" showMasterSp="0">
-  <p:cSld>
-    <p:spTree>
-      <p:nvGrpSpPr>
-        <p:cNvPr id="332" name="Shape 332"/>
-        <p:cNvGrpSpPr/>
-        <p:nvPr/>
-      </p:nvGrpSpPr>
-      <p:grpSpPr>
-        <a:xfrm>
-          <a:off x="0" y="0"/>
-          <a:ext cx="0" cy="0"/>
-          <a:chOff x="0" y="0"/>
-          <a:chExt cx="0" cy="0"/>
-        </a:xfrm>
-      </p:grpSpPr>
-      <p:sp>
-        <p:nvSpPr>
-          <p:cNvPr id="333" name="Google Shape;333;p39:notes"/>
-          <p:cNvSpPr txBox="1"/>
-          <p:nvPr>
-            <p:ph idx="1" type="body"/>
-          </p:nvPr>
-        </p:nvSpPr>
-        <p:spPr>
-          <a:xfrm>
-            <a:off x="685800" y="4343400"/>
-            <a:ext cx="5486400" cy="4114800"/>
-          </a:xfrm>
-          <a:prstGeom prst="rect">
-            <a:avLst/>
-          </a:prstGeom>
-        </p:spPr>
-        <p:txBody>
-          <a:bodyPr anchorCtr="0" anchor="t" bIns="45700" lIns="91425" spcFirstLastPara="1" rIns="91425" wrap="square" tIns="45700">
-            <a:noAutofit/>
-          </a:bodyPr>
-          <a:lstStyle/>
-          <a:p>
-            <a:pPr indent="0" lvl="0" marL="0" rtl="0" algn="l">
-              <a:spcBef>
-                <a:spcPts val="0"/>
-              </a:spcBef>
-              <a:spcAft>
-                <a:spcPts val="0"/>
-              </a:spcAft>
-              <a:buNone/>
-            </a:pPr>
-            <a:r>
-              <a:t/>
-            </a:r>
-            <a:endParaRPr/>
-          </a:p>
-        </p:txBody>
-      </p:sp>
-      <p:sp>
-        <p:nvSpPr>
-          <p:cNvPr id="334" name="Google Shape;334;p39:notes"/>
+          <p:cNvPr id="298" name="Google Shape;298;p39:notes"/>
           <p:cNvSpPr/>
           <p:nvPr>
             <p:ph idx="2" type="sldImg"/>
@@ -16747,7 +16147,7 @@
             </a:pPr>
             <a:r>
               <a:rPr lang="en-US" sz="2960"/>
-              <a:t>July 2018</a:t>
+              <a:t>July 2020</a:t>
             </a:r>
             <a:endParaRPr sz="2960"/>
           </a:p>
@@ -22745,22 +22145,15 @@
               <a:buClr>
                 <a:schemeClr val="dk1"/>
               </a:buClr>
-              <a:buSzPts val="3959"/>
+              <a:buSzPts val="4400"/>
               <a:buFont typeface="Montserrat"/>
               <a:buNone/>
             </a:pPr>
             <a:r>
-              <a:rPr lang="en-US" sz="3959"/>
-              <a:t>Map Reduce in Python</a:t>
+              <a:rPr lang="en-US"/>
+              <a:t>Summary</a:t>
             </a:r>
-            <a:br>
-              <a:rPr lang="en-US" sz="3959"/>
-            </a:br>
-            <a:r>
-              <a:rPr lang="en-US" sz="3959"/>
-              <a:t>A mapper</a:t>
-            </a:r>
-            <a:endParaRPr sz="3959"/>
+            <a:endParaRPr/>
           </a:p>
         </p:txBody>
       </p:sp>
@@ -22791,509 +22184,97 @@
           </a:bodyPr>
           <a:lstStyle/>
           <a:p>
-            <a:pPr indent="0" lvl="1" marL="457200" rtl="0" algn="l">
-              <a:lnSpc>
-                <a:spcPct val="80000"/>
-              </a:lnSpc>
-              <a:spcBef>
-                <a:spcPts val="0"/>
-              </a:spcBef>
-              <a:spcAft>
-                <a:spcPts val="0"/>
-              </a:spcAft>
-              <a:buClr>
-                <a:schemeClr val="dk1"/>
-              </a:buClr>
-              <a:buSzPts val="1540"/>
-              <a:buNone/>
+            <a:pPr indent="-342900" lvl="0" marL="342900" rtl="0" algn="l">
+              <a:spcBef>
+                <a:spcPts val="0"/>
+              </a:spcBef>
+              <a:spcAft>
+                <a:spcPts val="0"/>
+              </a:spcAft>
+              <a:buClr>
+                <a:schemeClr val="dk1"/>
+              </a:buClr>
+              <a:buSzPts val="3200"/>
+              <a:buChar char="•"/>
             </a:pPr>
             <a:r>
-              <a:rPr lang="en-US" sz="1540">
-                <a:latin typeface="Droid Sans Mono"/>
-                <a:ea typeface="Droid Sans Mono"/>
-                <a:cs typeface="Droid Sans Mono"/>
-                <a:sym typeface="Droid Sans Mono"/>
-              </a:rPr>
-              <a:t>#!/usr/bin/env python</a:t>
+              <a:rPr lang="en-US"/>
+              <a:t>Understanding the Map Reduce Model</a:t>
             </a:r>
             <a:endParaRPr/>
           </a:p>
           <a:p>
-            <a:pPr indent="0" lvl="1" marL="457200" rtl="0" algn="l">
-              <a:lnSpc>
-                <a:spcPct val="80000"/>
-              </a:lnSpc>
-              <a:spcBef>
-                <a:spcPts val="308"/>
-              </a:spcBef>
-              <a:spcAft>
-                <a:spcPts val="0"/>
-              </a:spcAft>
-              <a:buClr>
-                <a:schemeClr val="dk1"/>
-              </a:buClr>
-              <a:buSzPts val="1540"/>
-              <a:buNone/>
+            <a:pPr indent="-342900" lvl="0" marL="342900" rtl="0" algn="l">
+              <a:spcBef>
+                <a:spcPts val="640"/>
+              </a:spcBef>
+              <a:spcAft>
+                <a:spcPts val="0"/>
+              </a:spcAft>
+              <a:buClr>
+                <a:schemeClr val="dk1"/>
+              </a:buClr>
+              <a:buSzPts val="3200"/>
+              <a:buChar char="•"/>
             </a:pPr>
             <a:r>
-              <a:t/>
-            </a:r>
-            <a:endParaRPr sz="1540">
-              <a:latin typeface="Droid Sans Mono"/>
-              <a:ea typeface="Droid Sans Mono"/>
-              <a:cs typeface="Droid Sans Mono"/>
-              <a:sym typeface="Droid Sans Mono"/>
-            </a:endParaRPr>
-          </a:p>
-          <a:p>
-            <a:pPr indent="0" lvl="1" marL="457200" rtl="0" algn="l">
-              <a:lnSpc>
-                <a:spcPct val="80000"/>
-              </a:lnSpc>
-              <a:spcBef>
-                <a:spcPts val="308"/>
-              </a:spcBef>
-              <a:spcAft>
-                <a:spcPts val="0"/>
-              </a:spcAft>
-              <a:buClr>
-                <a:schemeClr val="dk1"/>
-              </a:buClr>
-              <a:buSzPts val="1540"/>
-              <a:buNone/>
-            </a:pPr>
-            <a:r>
-              <a:rPr lang="en-US" sz="1540">
-                <a:latin typeface="Droid Sans Mono"/>
-                <a:ea typeface="Droid Sans Mono"/>
-                <a:cs typeface="Droid Sans Mono"/>
-                <a:sym typeface="Droid Sans Mono"/>
-              </a:rPr>
-              <a:t>import sys</a:t>
+              <a:rPr lang="en-US"/>
+              <a:t>How is it implemented in Hadoop</a:t>
             </a:r>
             <a:endParaRPr/>
           </a:p>
           <a:p>
-            <a:pPr indent="0" lvl="1" marL="457200" rtl="0" algn="l">
-              <a:lnSpc>
-                <a:spcPct val="80000"/>
-              </a:lnSpc>
-              <a:spcBef>
-                <a:spcPts val="308"/>
-              </a:spcBef>
-              <a:spcAft>
-                <a:spcPts val="0"/>
-              </a:spcAft>
-              <a:buClr>
-                <a:schemeClr val="dk1"/>
-              </a:buClr>
-              <a:buSzPts val="1540"/>
-              <a:buNone/>
+            <a:pPr indent="-342900" lvl="0" marL="342900" rtl="0" algn="l">
+              <a:spcBef>
+                <a:spcPts val="640"/>
+              </a:spcBef>
+              <a:spcAft>
+                <a:spcPts val="0"/>
+              </a:spcAft>
+              <a:buClr>
+                <a:schemeClr val="dk1"/>
+              </a:buClr>
+              <a:buSzPts val="3200"/>
+              <a:buChar char="•"/>
             </a:pPr>
             <a:r>
-              <a:t/>
-            </a:r>
-            <a:endParaRPr sz="1540">
-              <a:latin typeface="Droid Sans Mono"/>
-              <a:ea typeface="Droid Sans Mono"/>
-              <a:cs typeface="Droid Sans Mono"/>
-              <a:sym typeface="Droid Sans Mono"/>
-            </a:endParaRPr>
-          </a:p>
-          <a:p>
-            <a:pPr indent="0" lvl="1" marL="457200" rtl="0" algn="l">
-              <a:lnSpc>
-                <a:spcPct val="80000"/>
-              </a:lnSpc>
-              <a:spcBef>
-                <a:spcPts val="308"/>
-              </a:spcBef>
-              <a:spcAft>
-                <a:spcPts val="0"/>
-              </a:spcAft>
-              <a:buClr>
-                <a:schemeClr val="dk1"/>
-              </a:buClr>
-              <a:buSzPts val="1540"/>
-              <a:buNone/>
-            </a:pPr>
-            <a:r>
-              <a:rPr lang="en-US" sz="1540">
-                <a:latin typeface="Droid Sans Mono"/>
-                <a:ea typeface="Droid Sans Mono"/>
-                <a:cs typeface="Droid Sans Mono"/>
-                <a:sym typeface="Droid Sans Mono"/>
-              </a:rPr>
-              <a:t># input comes from STDIN (standard input)</a:t>
+              <a:rPr lang="en-US"/>
+              <a:t>HDFS</a:t>
             </a:r>
             <a:endParaRPr/>
           </a:p>
           <a:p>
-            <a:pPr indent="0" lvl="1" marL="457200" rtl="0" algn="l">
-              <a:lnSpc>
-                <a:spcPct val="80000"/>
-              </a:lnSpc>
-              <a:spcBef>
-                <a:spcPts val="308"/>
-              </a:spcBef>
-              <a:spcAft>
-                <a:spcPts val="0"/>
-              </a:spcAft>
-              <a:buClr>
-                <a:schemeClr val="dk1"/>
-              </a:buClr>
-              <a:buSzPts val="1540"/>
-              <a:buNone/>
+            <a:pPr indent="-342900" lvl="0" marL="342900" rtl="0" algn="l">
+              <a:spcBef>
+                <a:spcPts val="640"/>
+              </a:spcBef>
+              <a:spcAft>
+                <a:spcPts val="0"/>
+              </a:spcAft>
+              <a:buClr>
+                <a:schemeClr val="dk1"/>
+              </a:buClr>
+              <a:buSzPts val="3200"/>
+              <a:buChar char="•"/>
             </a:pPr>
             <a:r>
-              <a:rPr lang="en-US" sz="1540">
-                <a:latin typeface="Droid Sans Mono"/>
-                <a:ea typeface="Droid Sans Mono"/>
-                <a:cs typeface="Droid Sans Mono"/>
-                <a:sym typeface="Droid Sans Mono"/>
-              </a:rPr>
-              <a:t>for line in sys.stdin:</a:t>
+              <a:rPr lang="en-US"/>
+              <a:t>Yarn</a:t>
             </a:r>
             <a:endParaRPr/>
           </a:p>
           <a:p>
-            <a:pPr indent="0" lvl="1" marL="457200" rtl="0" algn="l">
-              <a:lnSpc>
-                <a:spcPct val="80000"/>
-              </a:lnSpc>
-              <a:spcBef>
-                <a:spcPts val="308"/>
-              </a:spcBef>
-              <a:spcAft>
-                <a:spcPts val="0"/>
-              </a:spcAft>
-              <a:buClr>
-                <a:schemeClr val="dk1"/>
-              </a:buClr>
-              <a:buSzPts val="1540"/>
+            <a:pPr indent="0" lvl="0" marL="0" rtl="0" algn="l">
+              <a:spcBef>
+                <a:spcPts val="640"/>
+              </a:spcBef>
+              <a:spcAft>
+                <a:spcPts val="0"/>
+              </a:spcAft>
               <a:buNone/>
             </a:pPr>
             <a:r>
-              <a:rPr lang="en-US" sz="1540">
-                <a:latin typeface="Droid Sans Mono"/>
-                <a:ea typeface="Droid Sans Mono"/>
-                <a:cs typeface="Droid Sans Mono"/>
-                <a:sym typeface="Droid Sans Mono"/>
-              </a:rPr>
-              <a:t>    # remove leading and trailing whitespace</a:t>
-            </a:r>
-            <a:endParaRPr/>
-          </a:p>
-          <a:p>
-            <a:pPr indent="0" lvl="1" marL="457200" rtl="0" algn="l">
-              <a:lnSpc>
-                <a:spcPct val="80000"/>
-              </a:lnSpc>
-              <a:spcBef>
-                <a:spcPts val="308"/>
-              </a:spcBef>
-              <a:spcAft>
-                <a:spcPts val="0"/>
-              </a:spcAft>
-              <a:buClr>
-                <a:schemeClr val="dk1"/>
-              </a:buClr>
-              <a:buSzPts val="1540"/>
-              <a:buNone/>
-            </a:pPr>
-            <a:r>
-              <a:rPr lang="en-US" sz="1540">
-                <a:latin typeface="Droid Sans Mono"/>
-                <a:ea typeface="Droid Sans Mono"/>
-                <a:cs typeface="Droid Sans Mono"/>
-                <a:sym typeface="Droid Sans Mono"/>
-              </a:rPr>
-              <a:t>    line = line.strip()</a:t>
-            </a:r>
-            <a:endParaRPr/>
-          </a:p>
-          <a:p>
-            <a:pPr indent="0" lvl="1" marL="457200" rtl="0" algn="l">
-              <a:lnSpc>
-                <a:spcPct val="80000"/>
-              </a:lnSpc>
-              <a:spcBef>
-                <a:spcPts val="308"/>
-              </a:spcBef>
-              <a:spcAft>
-                <a:spcPts val="0"/>
-              </a:spcAft>
-              <a:buClr>
-                <a:schemeClr val="dk1"/>
-              </a:buClr>
-              <a:buSzPts val="1540"/>
-              <a:buNone/>
-            </a:pPr>
-            <a:r>
-              <a:rPr lang="en-US" sz="1540">
-                <a:latin typeface="Droid Sans Mono"/>
-                <a:ea typeface="Droid Sans Mono"/>
-                <a:cs typeface="Droid Sans Mono"/>
-                <a:sym typeface="Droid Sans Mono"/>
-              </a:rPr>
-              <a:t>    # split the line into words</a:t>
-            </a:r>
-            <a:endParaRPr/>
-          </a:p>
-          <a:p>
-            <a:pPr indent="0" lvl="1" marL="457200" rtl="0" algn="l">
-              <a:lnSpc>
-                <a:spcPct val="80000"/>
-              </a:lnSpc>
-              <a:spcBef>
-                <a:spcPts val="308"/>
-              </a:spcBef>
-              <a:spcAft>
-                <a:spcPts val="0"/>
-              </a:spcAft>
-              <a:buClr>
-                <a:schemeClr val="dk1"/>
-              </a:buClr>
-              <a:buSzPts val="1540"/>
-              <a:buNone/>
-            </a:pPr>
-            <a:r>
-              <a:rPr lang="en-US" sz="1540">
-                <a:latin typeface="Droid Sans Mono"/>
-                <a:ea typeface="Droid Sans Mono"/>
-                <a:cs typeface="Droid Sans Mono"/>
-                <a:sym typeface="Droid Sans Mono"/>
-              </a:rPr>
-              <a:t>    words = line.split()</a:t>
-            </a:r>
-            <a:endParaRPr/>
-          </a:p>
-          <a:p>
-            <a:pPr indent="0" lvl="1" marL="457200" rtl="0" algn="l">
-              <a:lnSpc>
-                <a:spcPct val="80000"/>
-              </a:lnSpc>
-              <a:spcBef>
-                <a:spcPts val="308"/>
-              </a:spcBef>
-              <a:spcAft>
-                <a:spcPts val="0"/>
-              </a:spcAft>
-              <a:buClr>
-                <a:schemeClr val="dk1"/>
-              </a:buClr>
-              <a:buSzPts val="1540"/>
-              <a:buNone/>
-            </a:pPr>
-            <a:r>
-              <a:rPr lang="en-US" sz="1540">
-                <a:latin typeface="Droid Sans Mono"/>
-                <a:ea typeface="Droid Sans Mono"/>
-                <a:cs typeface="Droid Sans Mono"/>
-                <a:sym typeface="Droid Sans Mono"/>
-              </a:rPr>
-              <a:t>    # increase counters</a:t>
-            </a:r>
-            <a:endParaRPr/>
-          </a:p>
-          <a:p>
-            <a:pPr indent="0" lvl="1" marL="457200" rtl="0" algn="l">
-              <a:lnSpc>
-                <a:spcPct val="80000"/>
-              </a:lnSpc>
-              <a:spcBef>
-                <a:spcPts val="308"/>
-              </a:spcBef>
-              <a:spcAft>
-                <a:spcPts val="0"/>
-              </a:spcAft>
-              <a:buClr>
-                <a:schemeClr val="dk1"/>
-              </a:buClr>
-              <a:buSzPts val="1540"/>
-              <a:buNone/>
-            </a:pPr>
-            <a:r>
-              <a:rPr lang="en-US" sz="1540">
-                <a:latin typeface="Droid Sans Mono"/>
-                <a:ea typeface="Droid Sans Mono"/>
-                <a:cs typeface="Droid Sans Mono"/>
-                <a:sym typeface="Droid Sans Mono"/>
-              </a:rPr>
-              <a:t>    for word in words:</a:t>
-            </a:r>
-            <a:endParaRPr/>
-          </a:p>
-          <a:p>
-            <a:pPr indent="0" lvl="1" marL="457200" rtl="0" algn="l">
-              <a:lnSpc>
-                <a:spcPct val="80000"/>
-              </a:lnSpc>
-              <a:spcBef>
-                <a:spcPts val="308"/>
-              </a:spcBef>
-              <a:spcAft>
-                <a:spcPts val="0"/>
-              </a:spcAft>
-              <a:buClr>
-                <a:schemeClr val="dk1"/>
-              </a:buClr>
-              <a:buSzPts val="1540"/>
-              <a:buNone/>
-            </a:pPr>
-            <a:r>
-              <a:rPr lang="en-US" sz="1540">
-                <a:latin typeface="Droid Sans Mono"/>
-                <a:ea typeface="Droid Sans Mono"/>
-                <a:cs typeface="Droid Sans Mono"/>
-                <a:sym typeface="Droid Sans Mono"/>
-              </a:rPr>
-              <a:t>        # write the results to STDOUT (standard output);</a:t>
-            </a:r>
-            <a:endParaRPr/>
-          </a:p>
-          <a:p>
-            <a:pPr indent="0" lvl="1" marL="457200" rtl="0" algn="l">
-              <a:lnSpc>
-                <a:spcPct val="80000"/>
-              </a:lnSpc>
-              <a:spcBef>
-                <a:spcPts val="308"/>
-              </a:spcBef>
-              <a:spcAft>
-                <a:spcPts val="0"/>
-              </a:spcAft>
-              <a:buClr>
-                <a:schemeClr val="dk1"/>
-              </a:buClr>
-              <a:buSzPts val="1540"/>
-              <a:buNone/>
-            </a:pPr>
-            <a:r>
-              <a:rPr lang="en-US" sz="1540">
-                <a:latin typeface="Droid Sans Mono"/>
-                <a:ea typeface="Droid Sans Mono"/>
-                <a:cs typeface="Droid Sans Mono"/>
-                <a:sym typeface="Droid Sans Mono"/>
-              </a:rPr>
-              <a:t>        # what we output here will be the input for the</a:t>
-            </a:r>
-            <a:endParaRPr/>
-          </a:p>
-          <a:p>
-            <a:pPr indent="0" lvl="1" marL="457200" rtl="0" algn="l">
-              <a:lnSpc>
-                <a:spcPct val="80000"/>
-              </a:lnSpc>
-              <a:spcBef>
-                <a:spcPts val="308"/>
-              </a:spcBef>
-              <a:spcAft>
-                <a:spcPts val="0"/>
-              </a:spcAft>
-              <a:buClr>
-                <a:schemeClr val="dk1"/>
-              </a:buClr>
-              <a:buSzPts val="1540"/>
-              <a:buNone/>
-            </a:pPr>
-            <a:r>
-              <a:rPr lang="en-US" sz="1540">
-                <a:latin typeface="Droid Sans Mono"/>
-                <a:ea typeface="Droid Sans Mono"/>
-                <a:cs typeface="Droid Sans Mono"/>
-                <a:sym typeface="Droid Sans Mono"/>
-              </a:rPr>
-              <a:t>        # Reduce step, i.e. the input for reducer.py</a:t>
-            </a:r>
-            <a:endParaRPr sz="1540">
-              <a:latin typeface="Droid Sans Mono"/>
-              <a:ea typeface="Droid Sans Mono"/>
-              <a:cs typeface="Droid Sans Mono"/>
-              <a:sym typeface="Droid Sans Mono"/>
-            </a:endParaRPr>
-          </a:p>
-          <a:p>
-            <a:pPr indent="0" lvl="1" marL="457200" rtl="0" algn="l">
-              <a:lnSpc>
-                <a:spcPct val="80000"/>
-              </a:lnSpc>
-              <a:spcBef>
-                <a:spcPts val="308"/>
-              </a:spcBef>
-              <a:spcAft>
-                <a:spcPts val="0"/>
-              </a:spcAft>
-              <a:buClr>
-                <a:schemeClr val="dk1"/>
-              </a:buClr>
-              <a:buSzPts val="1540"/>
-              <a:buNone/>
-            </a:pPr>
-            <a:r>
-              <a:rPr lang="en-US" sz="1540">
-                <a:latin typeface="Droid Sans Mono"/>
-                <a:ea typeface="Droid Sans Mono"/>
-                <a:cs typeface="Droid Sans Mono"/>
-                <a:sym typeface="Droid Sans Mono"/>
-              </a:rPr>
-              <a:t>        #</a:t>
-            </a:r>
-            <a:endParaRPr/>
-          </a:p>
-          <a:p>
-            <a:pPr indent="0" lvl="1" marL="457200" rtl="0" algn="l">
-              <a:lnSpc>
-                <a:spcPct val="80000"/>
-              </a:lnSpc>
-              <a:spcBef>
-                <a:spcPts val="308"/>
-              </a:spcBef>
-              <a:spcAft>
-                <a:spcPts val="0"/>
-              </a:spcAft>
-              <a:buClr>
-                <a:schemeClr val="dk1"/>
-              </a:buClr>
-              <a:buSzPts val="1540"/>
-              <a:buNone/>
-            </a:pPr>
-            <a:r>
-              <a:rPr lang="en-US" sz="1540">
-                <a:latin typeface="Droid Sans Mono"/>
-                <a:ea typeface="Droid Sans Mono"/>
-                <a:cs typeface="Droid Sans Mono"/>
-                <a:sym typeface="Droid Sans Mono"/>
-              </a:rPr>
-              <a:t>        # tab-delimited; the trivial word count is 1</a:t>
-            </a:r>
-            <a:endParaRPr/>
-          </a:p>
-          <a:p>
-            <a:pPr indent="0" lvl="1" marL="457200" rtl="0" algn="l">
-              <a:lnSpc>
-                <a:spcPct val="80000"/>
-              </a:lnSpc>
-              <a:spcBef>
-                <a:spcPts val="308"/>
-              </a:spcBef>
-              <a:spcAft>
-                <a:spcPts val="0"/>
-              </a:spcAft>
-              <a:buClr>
-                <a:schemeClr val="dk1"/>
-              </a:buClr>
-              <a:buSzPts val="1540"/>
-              <a:buNone/>
-            </a:pPr>
-            <a:r>
-              <a:rPr lang="en-US" sz="1540">
-                <a:latin typeface="Droid Sans Mono"/>
-                <a:ea typeface="Droid Sans Mono"/>
-                <a:cs typeface="Droid Sans Mono"/>
-                <a:sym typeface="Droid Sans Mono"/>
-              </a:rPr>
-              <a:t>        print '%s\t%d' % (word, 1)</a:t>
+              <a:t/>
             </a:r>
             <a:endParaRPr/>
           </a:p>
@@ -23327,2128 +22308,6 @@
       <p:sp>
         <p:nvSpPr>
           <p:cNvPr id="300" name="Google Shape;300;p45"/>
-          <p:cNvSpPr txBox="1"/>
-          <p:nvPr>
-            <p:ph type="title"/>
-          </p:nvPr>
-        </p:nvSpPr>
-        <p:spPr>
-          <a:xfrm>
-            <a:off x="457200" y="274638"/>
-            <a:ext cx="8229600" cy="1143000"/>
-          </a:xfrm>
-          <a:prstGeom prst="rect">
-            <a:avLst/>
-          </a:prstGeom>
-          <a:noFill/>
-          <a:ln>
-            <a:noFill/>
-          </a:ln>
-        </p:spPr>
-        <p:txBody>
-          <a:bodyPr anchorCtr="0" anchor="ctr" bIns="45700" lIns="91425" spcFirstLastPara="1" rIns="91425" wrap="square" tIns="45700">
-            <a:noAutofit/>
-          </a:bodyPr>
-          <a:lstStyle/>
-          <a:p>
-            <a:pPr indent="0" lvl="0" marL="0" rtl="0" algn="ctr">
-              <a:spcBef>
-                <a:spcPts val="0"/>
-              </a:spcBef>
-              <a:spcAft>
-                <a:spcPts val="0"/>
-              </a:spcAft>
-              <a:buClr>
-                <a:schemeClr val="dk1"/>
-              </a:buClr>
-              <a:buSzPts val="3959"/>
-              <a:buFont typeface="Montserrat"/>
-              <a:buNone/>
-            </a:pPr>
-            <a:r>
-              <a:rPr lang="en-US" sz="3959"/>
-              <a:t>Map Reduce in Python</a:t>
-            </a:r>
-            <a:br>
-              <a:rPr lang="en-US" sz="3959"/>
-            </a:br>
-            <a:r>
-              <a:rPr lang="en-US" sz="3959"/>
-              <a:t>A reducer</a:t>
-            </a:r>
-            <a:endParaRPr sz="3959"/>
-          </a:p>
-        </p:txBody>
-      </p:sp>
-      <p:sp>
-        <p:nvSpPr>
-          <p:cNvPr id="301" name="Google Shape;301;p45"/>
-          <p:cNvSpPr txBox="1"/>
-          <p:nvPr>
-            <p:ph idx="1" type="body"/>
-          </p:nvPr>
-        </p:nvSpPr>
-        <p:spPr>
-          <a:xfrm>
-            <a:off x="375635" y="1443984"/>
-            <a:ext cx="8229600" cy="4525963"/>
-          </a:xfrm>
-          <a:prstGeom prst="rect">
-            <a:avLst/>
-          </a:prstGeom>
-          <a:noFill/>
-          <a:ln>
-            <a:noFill/>
-          </a:ln>
-        </p:spPr>
-        <p:txBody>
-          <a:bodyPr anchorCtr="0" anchor="t" bIns="45700" lIns="91425" spcFirstLastPara="1" rIns="91425" wrap="square" tIns="45700">
-            <a:noAutofit/>
-          </a:bodyPr>
-          <a:lstStyle/>
-          <a:p>
-            <a:pPr indent="0" lvl="1" marL="457200" rtl="0" algn="l">
-              <a:spcBef>
-                <a:spcPts val="0"/>
-              </a:spcBef>
-              <a:spcAft>
-                <a:spcPts val="0"/>
-              </a:spcAft>
-              <a:buClr>
-                <a:schemeClr val="dk1"/>
-              </a:buClr>
-              <a:buSzPts val="800"/>
-              <a:buNone/>
-            </a:pPr>
-            <a:r>
-              <a:rPr lang="en-US" sz="800">
-                <a:latin typeface="Droid Sans Mono"/>
-                <a:ea typeface="Droid Sans Mono"/>
-                <a:cs typeface="Droid Sans Mono"/>
-                <a:sym typeface="Droid Sans Mono"/>
-              </a:rPr>
-              <a:t>#!/usr/bin/env python</a:t>
-            </a:r>
-            <a:endParaRPr/>
-          </a:p>
-          <a:p>
-            <a:pPr indent="0" lvl="1" marL="457200" rtl="0" algn="l">
-              <a:spcBef>
-                <a:spcPts val="160"/>
-              </a:spcBef>
-              <a:spcAft>
-                <a:spcPts val="0"/>
-              </a:spcAft>
-              <a:buClr>
-                <a:schemeClr val="dk1"/>
-              </a:buClr>
-              <a:buSzPts val="800"/>
-              <a:buNone/>
-            </a:pPr>
-            <a:r>
-              <a:rPr lang="en-US" sz="800">
-                <a:latin typeface="Droid Sans Mono"/>
-                <a:ea typeface="Droid Sans Mono"/>
-                <a:cs typeface="Droid Sans Mono"/>
-                <a:sym typeface="Droid Sans Mono"/>
-              </a:rPr>
-              <a:t>import sys</a:t>
-            </a:r>
-            <a:endParaRPr/>
-          </a:p>
-          <a:p>
-            <a:pPr indent="0" lvl="1" marL="457200" rtl="0" algn="l">
-              <a:spcBef>
-                <a:spcPts val="160"/>
-              </a:spcBef>
-              <a:spcAft>
-                <a:spcPts val="0"/>
-              </a:spcAft>
-              <a:buClr>
-                <a:schemeClr val="dk1"/>
-              </a:buClr>
-              <a:buSzPts val="800"/>
-              <a:buNone/>
-            </a:pPr>
-            <a:r>
-              <a:t/>
-            </a:r>
-            <a:endParaRPr sz="800">
-              <a:latin typeface="Droid Sans Mono"/>
-              <a:ea typeface="Droid Sans Mono"/>
-              <a:cs typeface="Droid Sans Mono"/>
-              <a:sym typeface="Droid Sans Mono"/>
-            </a:endParaRPr>
-          </a:p>
-          <a:p>
-            <a:pPr indent="0" lvl="1" marL="457200" rtl="0" algn="l">
-              <a:spcBef>
-                <a:spcPts val="160"/>
-              </a:spcBef>
-              <a:spcAft>
-                <a:spcPts val="0"/>
-              </a:spcAft>
-              <a:buClr>
-                <a:schemeClr val="dk1"/>
-              </a:buClr>
-              <a:buSzPts val="800"/>
-              <a:buNone/>
-            </a:pPr>
-            <a:r>
-              <a:rPr lang="en-US" sz="800">
-                <a:latin typeface="Droid Sans Mono"/>
-                <a:ea typeface="Droid Sans Mono"/>
-                <a:cs typeface="Droid Sans Mono"/>
-                <a:sym typeface="Droid Sans Mono"/>
-              </a:rPr>
-              <a:t>current_word = None</a:t>
-            </a:r>
-            <a:endParaRPr/>
-          </a:p>
-          <a:p>
-            <a:pPr indent="0" lvl="1" marL="457200" rtl="0" algn="l">
-              <a:spcBef>
-                <a:spcPts val="160"/>
-              </a:spcBef>
-              <a:spcAft>
-                <a:spcPts val="0"/>
-              </a:spcAft>
-              <a:buClr>
-                <a:schemeClr val="dk1"/>
-              </a:buClr>
-              <a:buSzPts val="800"/>
-              <a:buNone/>
-            </a:pPr>
-            <a:r>
-              <a:rPr lang="en-US" sz="800">
-                <a:latin typeface="Droid Sans Mono"/>
-                <a:ea typeface="Droid Sans Mono"/>
-                <a:cs typeface="Droid Sans Mono"/>
-                <a:sym typeface="Droid Sans Mono"/>
-              </a:rPr>
-              <a:t>current_count = 0</a:t>
-            </a:r>
-            <a:endParaRPr/>
-          </a:p>
-          <a:p>
-            <a:pPr indent="0" lvl="1" marL="457200" rtl="0" algn="l">
-              <a:spcBef>
-                <a:spcPts val="160"/>
-              </a:spcBef>
-              <a:spcAft>
-                <a:spcPts val="0"/>
-              </a:spcAft>
-              <a:buClr>
-                <a:schemeClr val="dk1"/>
-              </a:buClr>
-              <a:buSzPts val="800"/>
-              <a:buNone/>
-            </a:pPr>
-            <a:r>
-              <a:rPr lang="en-US" sz="800">
-                <a:latin typeface="Droid Sans Mono"/>
-                <a:ea typeface="Droid Sans Mono"/>
-                <a:cs typeface="Droid Sans Mono"/>
-                <a:sym typeface="Droid Sans Mono"/>
-              </a:rPr>
-              <a:t>word = None</a:t>
-            </a:r>
-            <a:endParaRPr/>
-          </a:p>
-          <a:p>
-            <a:pPr indent="0" lvl="1" marL="457200" rtl="0" algn="l">
-              <a:spcBef>
-                <a:spcPts val="160"/>
-              </a:spcBef>
-              <a:spcAft>
-                <a:spcPts val="0"/>
-              </a:spcAft>
-              <a:buClr>
-                <a:schemeClr val="dk1"/>
-              </a:buClr>
-              <a:buSzPts val="800"/>
-              <a:buNone/>
-            </a:pPr>
-            <a:r>
-              <a:t/>
-            </a:r>
-            <a:endParaRPr sz="800">
-              <a:latin typeface="Droid Sans Mono"/>
-              <a:ea typeface="Droid Sans Mono"/>
-              <a:cs typeface="Droid Sans Mono"/>
-              <a:sym typeface="Droid Sans Mono"/>
-            </a:endParaRPr>
-          </a:p>
-          <a:p>
-            <a:pPr indent="0" lvl="1" marL="457200" rtl="0" algn="l">
-              <a:spcBef>
-                <a:spcPts val="160"/>
-              </a:spcBef>
-              <a:spcAft>
-                <a:spcPts val="0"/>
-              </a:spcAft>
-              <a:buClr>
-                <a:schemeClr val="dk1"/>
-              </a:buClr>
-              <a:buSzPts val="800"/>
-              <a:buNone/>
-            </a:pPr>
-            <a:r>
-              <a:rPr lang="en-US" sz="800">
-                <a:latin typeface="Droid Sans Mono"/>
-                <a:ea typeface="Droid Sans Mono"/>
-                <a:cs typeface="Droid Sans Mono"/>
-                <a:sym typeface="Droid Sans Mono"/>
-              </a:rPr>
-              <a:t># input comes from STDIN</a:t>
-            </a:r>
-            <a:endParaRPr/>
-          </a:p>
-          <a:p>
-            <a:pPr indent="0" lvl="1" marL="457200" rtl="0" algn="l">
-              <a:spcBef>
-                <a:spcPts val="160"/>
-              </a:spcBef>
-              <a:spcAft>
-                <a:spcPts val="0"/>
-              </a:spcAft>
-              <a:buClr>
-                <a:schemeClr val="dk1"/>
-              </a:buClr>
-              <a:buSzPts val="800"/>
-              <a:buNone/>
-            </a:pPr>
-            <a:r>
-              <a:rPr lang="en-US" sz="800">
-                <a:latin typeface="Droid Sans Mono"/>
-                <a:ea typeface="Droid Sans Mono"/>
-                <a:cs typeface="Droid Sans Mono"/>
-                <a:sym typeface="Droid Sans Mono"/>
-              </a:rPr>
-              <a:t>for line in sys.stdin:</a:t>
-            </a:r>
-            <a:endParaRPr/>
-          </a:p>
-          <a:p>
-            <a:pPr indent="0" lvl="1" marL="457200" rtl="0" algn="l">
-              <a:spcBef>
-                <a:spcPts val="160"/>
-              </a:spcBef>
-              <a:spcAft>
-                <a:spcPts val="0"/>
-              </a:spcAft>
-              <a:buClr>
-                <a:schemeClr val="dk1"/>
-              </a:buClr>
-              <a:buSzPts val="800"/>
-              <a:buNone/>
-            </a:pPr>
-            <a:r>
-              <a:rPr lang="en-US" sz="800">
-                <a:latin typeface="Droid Sans Mono"/>
-                <a:ea typeface="Droid Sans Mono"/>
-                <a:cs typeface="Droid Sans Mono"/>
-                <a:sym typeface="Droid Sans Mono"/>
-              </a:rPr>
-              <a:t>    # remove leading and trailing whitespace</a:t>
-            </a:r>
-            <a:endParaRPr/>
-          </a:p>
-          <a:p>
-            <a:pPr indent="0" lvl="1" marL="457200" rtl="0" algn="l">
-              <a:spcBef>
-                <a:spcPts val="160"/>
-              </a:spcBef>
-              <a:spcAft>
-                <a:spcPts val="0"/>
-              </a:spcAft>
-              <a:buClr>
-                <a:schemeClr val="dk1"/>
-              </a:buClr>
-              <a:buSzPts val="800"/>
-              <a:buNone/>
-            </a:pPr>
-            <a:r>
-              <a:rPr lang="en-US" sz="800">
-                <a:latin typeface="Droid Sans Mono"/>
-                <a:ea typeface="Droid Sans Mono"/>
-                <a:cs typeface="Droid Sans Mono"/>
-                <a:sym typeface="Droid Sans Mono"/>
-              </a:rPr>
-              <a:t>    line = line.strip()</a:t>
-            </a:r>
-            <a:endParaRPr sz="800">
-              <a:latin typeface="Droid Sans Mono"/>
-              <a:ea typeface="Droid Sans Mono"/>
-              <a:cs typeface="Droid Sans Mono"/>
-              <a:sym typeface="Droid Sans Mono"/>
-            </a:endParaRPr>
-          </a:p>
-          <a:p>
-            <a:pPr indent="0" lvl="1" marL="457200" rtl="0" algn="l">
-              <a:spcBef>
-                <a:spcPts val="160"/>
-              </a:spcBef>
-              <a:spcAft>
-                <a:spcPts val="0"/>
-              </a:spcAft>
-              <a:buClr>
-                <a:schemeClr val="dk1"/>
-              </a:buClr>
-              <a:buSzPts val="800"/>
-              <a:buNone/>
-            </a:pPr>
-            <a:r>
-              <a:rPr lang="en-US" sz="800">
-                <a:latin typeface="Droid Sans Mono"/>
-                <a:ea typeface="Droid Sans Mono"/>
-                <a:cs typeface="Droid Sans Mono"/>
-                <a:sym typeface="Droid Sans Mono"/>
-              </a:rPr>
-              <a:t>    # parse the input we got from mapper.py</a:t>
-            </a:r>
-            <a:endParaRPr sz="800">
-              <a:latin typeface="Droid Sans Mono"/>
-              <a:ea typeface="Droid Sans Mono"/>
-              <a:cs typeface="Droid Sans Mono"/>
-              <a:sym typeface="Droid Sans Mono"/>
-            </a:endParaRPr>
-          </a:p>
-          <a:p>
-            <a:pPr indent="0" lvl="1" marL="457200" rtl="0" algn="l">
-              <a:spcBef>
-                <a:spcPts val="160"/>
-              </a:spcBef>
-              <a:spcAft>
-                <a:spcPts val="0"/>
-              </a:spcAft>
-              <a:buClr>
-                <a:schemeClr val="dk1"/>
-              </a:buClr>
-              <a:buSzPts val="800"/>
-              <a:buNone/>
-            </a:pPr>
-            <a:r>
-              <a:rPr lang="en-US" sz="800">
-                <a:latin typeface="Droid Sans Mono"/>
-                <a:ea typeface="Droid Sans Mono"/>
-                <a:cs typeface="Droid Sans Mono"/>
-                <a:sym typeface="Droid Sans Mono"/>
-              </a:rPr>
-              <a:t>    word, count = line.split('\t', 1)</a:t>
-            </a:r>
-            <a:endParaRPr sz="800">
-              <a:latin typeface="Droid Sans Mono"/>
-              <a:ea typeface="Droid Sans Mono"/>
-              <a:cs typeface="Droid Sans Mono"/>
-              <a:sym typeface="Droid Sans Mono"/>
-            </a:endParaRPr>
-          </a:p>
-          <a:p>
-            <a:pPr indent="0" lvl="1" marL="457200" rtl="0" algn="l">
-              <a:spcBef>
-                <a:spcPts val="160"/>
-              </a:spcBef>
-              <a:spcAft>
-                <a:spcPts val="0"/>
-              </a:spcAft>
-              <a:buClr>
-                <a:schemeClr val="dk1"/>
-              </a:buClr>
-              <a:buSzPts val="800"/>
-              <a:buNone/>
-            </a:pPr>
-            <a:r>
-              <a:rPr lang="en-US" sz="800">
-                <a:latin typeface="Droid Sans Mono"/>
-                <a:ea typeface="Droid Sans Mono"/>
-                <a:cs typeface="Droid Sans Mono"/>
-                <a:sym typeface="Droid Sans Mono"/>
-              </a:rPr>
-              <a:t>    # convert count (currently a string) to int</a:t>
-            </a:r>
-            <a:endParaRPr sz="800">
-              <a:latin typeface="Droid Sans Mono"/>
-              <a:ea typeface="Droid Sans Mono"/>
-              <a:cs typeface="Droid Sans Mono"/>
-              <a:sym typeface="Droid Sans Mono"/>
-            </a:endParaRPr>
-          </a:p>
-          <a:p>
-            <a:pPr indent="0" lvl="1" marL="457200" rtl="0" algn="l">
-              <a:spcBef>
-                <a:spcPts val="160"/>
-              </a:spcBef>
-              <a:spcAft>
-                <a:spcPts val="0"/>
-              </a:spcAft>
-              <a:buClr>
-                <a:schemeClr val="dk1"/>
-              </a:buClr>
-              <a:buSzPts val="800"/>
-              <a:buNone/>
-            </a:pPr>
-            <a:r>
-              <a:rPr lang="en-US" sz="800">
-                <a:latin typeface="Droid Sans Mono"/>
-                <a:ea typeface="Droid Sans Mono"/>
-                <a:cs typeface="Droid Sans Mono"/>
-                <a:sym typeface="Droid Sans Mono"/>
-              </a:rPr>
-              <a:t>    try:</a:t>
-            </a:r>
-            <a:endParaRPr/>
-          </a:p>
-          <a:p>
-            <a:pPr indent="0" lvl="1" marL="457200" rtl="0" algn="l">
-              <a:spcBef>
-                <a:spcPts val="160"/>
-              </a:spcBef>
-              <a:spcAft>
-                <a:spcPts val="0"/>
-              </a:spcAft>
-              <a:buClr>
-                <a:schemeClr val="dk1"/>
-              </a:buClr>
-              <a:buSzPts val="800"/>
-              <a:buNone/>
-            </a:pPr>
-            <a:r>
-              <a:rPr lang="en-US" sz="800">
-                <a:latin typeface="Droid Sans Mono"/>
-                <a:ea typeface="Droid Sans Mono"/>
-                <a:cs typeface="Droid Sans Mono"/>
-                <a:sym typeface="Droid Sans Mono"/>
-              </a:rPr>
-              <a:t>        count = int(count)</a:t>
-            </a:r>
-            <a:endParaRPr/>
-          </a:p>
-          <a:p>
-            <a:pPr indent="0" lvl="1" marL="457200" rtl="0" algn="l">
-              <a:spcBef>
-                <a:spcPts val="160"/>
-              </a:spcBef>
-              <a:spcAft>
-                <a:spcPts val="0"/>
-              </a:spcAft>
-              <a:buClr>
-                <a:schemeClr val="dk1"/>
-              </a:buClr>
-              <a:buSzPts val="800"/>
-              <a:buNone/>
-            </a:pPr>
-            <a:r>
-              <a:rPr lang="en-US" sz="800">
-                <a:latin typeface="Droid Sans Mono"/>
-                <a:ea typeface="Droid Sans Mono"/>
-                <a:cs typeface="Droid Sans Mono"/>
-                <a:sym typeface="Droid Sans Mono"/>
-              </a:rPr>
-              <a:t>    except ValueError:</a:t>
-            </a:r>
-            <a:endParaRPr/>
-          </a:p>
-          <a:p>
-            <a:pPr indent="0" lvl="1" marL="457200" rtl="0" algn="l">
-              <a:spcBef>
-                <a:spcPts val="160"/>
-              </a:spcBef>
-              <a:spcAft>
-                <a:spcPts val="0"/>
-              </a:spcAft>
-              <a:buClr>
-                <a:schemeClr val="dk1"/>
-              </a:buClr>
-              <a:buSzPts val="800"/>
-              <a:buNone/>
-            </a:pPr>
-            <a:r>
-              <a:rPr lang="en-US" sz="800">
-                <a:latin typeface="Droid Sans Mono"/>
-                <a:ea typeface="Droid Sans Mono"/>
-                <a:cs typeface="Droid Sans Mono"/>
-                <a:sym typeface="Droid Sans Mono"/>
-              </a:rPr>
-              <a:t>	continue</a:t>
-            </a:r>
-            <a:endParaRPr sz="800">
-              <a:latin typeface="Droid Sans Mono"/>
-              <a:ea typeface="Droid Sans Mono"/>
-              <a:cs typeface="Droid Sans Mono"/>
-              <a:sym typeface="Droid Sans Mono"/>
-            </a:endParaRPr>
-          </a:p>
-          <a:p>
-            <a:pPr indent="0" lvl="1" marL="457200" rtl="0" algn="l">
-              <a:spcBef>
-                <a:spcPts val="160"/>
-              </a:spcBef>
-              <a:spcAft>
-                <a:spcPts val="0"/>
-              </a:spcAft>
-              <a:buClr>
-                <a:schemeClr val="dk1"/>
-              </a:buClr>
-              <a:buSzPts val="800"/>
-              <a:buNone/>
-            </a:pPr>
-            <a:r>
-              <a:rPr lang="en-US" sz="800">
-                <a:latin typeface="Droid Sans Mono"/>
-                <a:ea typeface="Droid Sans Mono"/>
-                <a:cs typeface="Droid Sans Mono"/>
-                <a:sym typeface="Droid Sans Mono"/>
-              </a:rPr>
-              <a:t>    # this IF-switch only works because Hadoop sorts map output by key</a:t>
-            </a:r>
-            <a:endParaRPr sz="800">
-              <a:latin typeface="Droid Sans Mono"/>
-              <a:ea typeface="Droid Sans Mono"/>
-              <a:cs typeface="Droid Sans Mono"/>
-              <a:sym typeface="Droid Sans Mono"/>
-            </a:endParaRPr>
-          </a:p>
-          <a:p>
-            <a:pPr indent="0" lvl="1" marL="457200" rtl="0" algn="l">
-              <a:spcBef>
-                <a:spcPts val="160"/>
-              </a:spcBef>
-              <a:spcAft>
-                <a:spcPts val="0"/>
-              </a:spcAft>
-              <a:buClr>
-                <a:schemeClr val="dk1"/>
-              </a:buClr>
-              <a:buSzPts val="800"/>
-              <a:buNone/>
-            </a:pPr>
-            <a:r>
-              <a:rPr lang="en-US" sz="800">
-                <a:latin typeface="Droid Sans Mono"/>
-                <a:ea typeface="Droid Sans Mono"/>
-                <a:cs typeface="Droid Sans Mono"/>
-                <a:sym typeface="Droid Sans Mono"/>
-              </a:rPr>
-              <a:t>    if current_word == word:</a:t>
-            </a:r>
-            <a:endParaRPr/>
-          </a:p>
-          <a:p>
-            <a:pPr indent="0" lvl="1" marL="457200" rtl="0" algn="l">
-              <a:spcBef>
-                <a:spcPts val="160"/>
-              </a:spcBef>
-              <a:spcAft>
-                <a:spcPts val="0"/>
-              </a:spcAft>
-              <a:buClr>
-                <a:schemeClr val="dk1"/>
-              </a:buClr>
-              <a:buSzPts val="800"/>
-              <a:buNone/>
-            </a:pPr>
-            <a:r>
-              <a:rPr lang="en-US" sz="800">
-                <a:latin typeface="Droid Sans Mono"/>
-                <a:ea typeface="Droid Sans Mono"/>
-                <a:cs typeface="Droid Sans Mono"/>
-                <a:sym typeface="Droid Sans Mono"/>
-              </a:rPr>
-              <a:t>        current_count += count</a:t>
-            </a:r>
-            <a:endParaRPr/>
-          </a:p>
-          <a:p>
-            <a:pPr indent="0" lvl="1" marL="457200" rtl="0" algn="l">
-              <a:spcBef>
-                <a:spcPts val="160"/>
-              </a:spcBef>
-              <a:spcAft>
-                <a:spcPts val="0"/>
-              </a:spcAft>
-              <a:buClr>
-                <a:schemeClr val="dk1"/>
-              </a:buClr>
-              <a:buSzPts val="800"/>
-              <a:buNone/>
-            </a:pPr>
-            <a:r>
-              <a:rPr lang="en-US" sz="800">
-                <a:latin typeface="Droid Sans Mono"/>
-                <a:ea typeface="Droid Sans Mono"/>
-                <a:cs typeface="Droid Sans Mono"/>
-                <a:sym typeface="Droid Sans Mono"/>
-              </a:rPr>
-              <a:t>    else:</a:t>
-            </a:r>
-            <a:endParaRPr/>
-          </a:p>
-          <a:p>
-            <a:pPr indent="0" lvl="1" marL="457200" rtl="0" algn="l">
-              <a:spcBef>
-                <a:spcPts val="160"/>
-              </a:spcBef>
-              <a:spcAft>
-                <a:spcPts val="0"/>
-              </a:spcAft>
-              <a:buClr>
-                <a:schemeClr val="dk1"/>
-              </a:buClr>
-              <a:buSzPts val="800"/>
-              <a:buNone/>
-            </a:pPr>
-            <a:r>
-              <a:rPr lang="en-US" sz="800">
-                <a:latin typeface="Droid Sans Mono"/>
-                <a:ea typeface="Droid Sans Mono"/>
-                <a:cs typeface="Droid Sans Mono"/>
-                <a:sym typeface="Droid Sans Mono"/>
-              </a:rPr>
-              <a:t>        if current_word:</a:t>
-            </a:r>
-            <a:endParaRPr/>
-          </a:p>
-          <a:p>
-            <a:pPr indent="0" lvl="1" marL="457200" rtl="0" algn="l">
-              <a:spcBef>
-                <a:spcPts val="160"/>
-              </a:spcBef>
-              <a:spcAft>
-                <a:spcPts val="0"/>
-              </a:spcAft>
-              <a:buClr>
-                <a:schemeClr val="dk1"/>
-              </a:buClr>
-              <a:buSzPts val="800"/>
-              <a:buNone/>
-            </a:pPr>
-            <a:r>
-              <a:rPr lang="en-US" sz="800">
-                <a:latin typeface="Droid Sans Mono"/>
-                <a:ea typeface="Droid Sans Mono"/>
-                <a:cs typeface="Droid Sans Mono"/>
-                <a:sym typeface="Droid Sans Mono"/>
-              </a:rPr>
-              <a:t>            # write result to STDOUT</a:t>
-            </a:r>
-            <a:endParaRPr/>
-          </a:p>
-          <a:p>
-            <a:pPr indent="0" lvl="1" marL="457200" rtl="0" algn="l">
-              <a:spcBef>
-                <a:spcPts val="160"/>
-              </a:spcBef>
-              <a:spcAft>
-                <a:spcPts val="0"/>
-              </a:spcAft>
-              <a:buClr>
-                <a:schemeClr val="dk1"/>
-              </a:buClr>
-              <a:buSzPts val="800"/>
-              <a:buNone/>
-            </a:pPr>
-            <a:r>
-              <a:rPr lang="en-US" sz="800">
-                <a:latin typeface="Droid Sans Mono"/>
-                <a:ea typeface="Droid Sans Mono"/>
-                <a:cs typeface="Droid Sans Mono"/>
-                <a:sym typeface="Droid Sans Mono"/>
-              </a:rPr>
-              <a:t>            print '%s\t%s' % (current_word, current_count)</a:t>
-            </a:r>
-            <a:endParaRPr/>
-          </a:p>
-          <a:p>
-            <a:pPr indent="0" lvl="1" marL="457200" rtl="0" algn="l">
-              <a:spcBef>
-                <a:spcPts val="160"/>
-              </a:spcBef>
-              <a:spcAft>
-                <a:spcPts val="0"/>
-              </a:spcAft>
-              <a:buClr>
-                <a:schemeClr val="dk1"/>
-              </a:buClr>
-              <a:buSzPts val="800"/>
-              <a:buNone/>
-            </a:pPr>
-            <a:r>
-              <a:rPr lang="en-US" sz="800">
-                <a:latin typeface="Droid Sans Mono"/>
-                <a:ea typeface="Droid Sans Mono"/>
-                <a:cs typeface="Droid Sans Mono"/>
-                <a:sym typeface="Droid Sans Mono"/>
-              </a:rPr>
-              <a:t>        current_count = count</a:t>
-            </a:r>
-            <a:endParaRPr/>
-          </a:p>
-          <a:p>
-            <a:pPr indent="0" lvl="1" marL="457200" rtl="0" algn="l">
-              <a:spcBef>
-                <a:spcPts val="160"/>
-              </a:spcBef>
-              <a:spcAft>
-                <a:spcPts val="0"/>
-              </a:spcAft>
-              <a:buClr>
-                <a:schemeClr val="dk1"/>
-              </a:buClr>
-              <a:buSzPts val="800"/>
-              <a:buNone/>
-            </a:pPr>
-            <a:r>
-              <a:rPr lang="en-US" sz="800">
-                <a:latin typeface="Droid Sans Mono"/>
-                <a:ea typeface="Droid Sans Mono"/>
-                <a:cs typeface="Droid Sans Mono"/>
-                <a:sym typeface="Droid Sans Mono"/>
-              </a:rPr>
-              <a:t>        current_word = word</a:t>
-            </a:r>
-            <a:endParaRPr/>
-          </a:p>
-          <a:p>
-            <a:pPr indent="0" lvl="1" marL="457200" rtl="0" algn="l">
-              <a:spcBef>
-                <a:spcPts val="160"/>
-              </a:spcBef>
-              <a:spcAft>
-                <a:spcPts val="0"/>
-              </a:spcAft>
-              <a:buClr>
-                <a:schemeClr val="dk1"/>
-              </a:buClr>
-              <a:buSzPts val="800"/>
-              <a:buNone/>
-            </a:pPr>
-            <a:r>
-              <a:t/>
-            </a:r>
-            <a:endParaRPr sz="800">
-              <a:latin typeface="Droid Sans Mono"/>
-              <a:ea typeface="Droid Sans Mono"/>
-              <a:cs typeface="Droid Sans Mono"/>
-              <a:sym typeface="Droid Sans Mono"/>
-            </a:endParaRPr>
-          </a:p>
-          <a:p>
-            <a:pPr indent="0" lvl="1" marL="457200" rtl="0" algn="l">
-              <a:spcBef>
-                <a:spcPts val="160"/>
-              </a:spcBef>
-              <a:spcAft>
-                <a:spcPts val="0"/>
-              </a:spcAft>
-              <a:buClr>
-                <a:schemeClr val="dk1"/>
-              </a:buClr>
-              <a:buSzPts val="800"/>
-              <a:buNone/>
-            </a:pPr>
-            <a:r>
-              <a:rPr lang="en-US" sz="800">
-                <a:latin typeface="Droid Sans Mono"/>
-                <a:ea typeface="Droid Sans Mono"/>
-                <a:cs typeface="Droid Sans Mono"/>
-                <a:sym typeface="Droid Sans Mono"/>
-              </a:rPr>
-              <a:t># do not forget to output the last word if needed!</a:t>
-            </a:r>
-            <a:endParaRPr/>
-          </a:p>
-          <a:p>
-            <a:pPr indent="0" lvl="1" marL="457200" rtl="0" algn="l">
-              <a:spcBef>
-                <a:spcPts val="160"/>
-              </a:spcBef>
-              <a:spcAft>
-                <a:spcPts val="0"/>
-              </a:spcAft>
-              <a:buClr>
-                <a:schemeClr val="dk1"/>
-              </a:buClr>
-              <a:buSzPts val="800"/>
-              <a:buNone/>
-            </a:pPr>
-            <a:r>
-              <a:rPr lang="en-US" sz="800">
-                <a:latin typeface="Droid Sans Mono"/>
-                <a:ea typeface="Droid Sans Mono"/>
-                <a:cs typeface="Droid Sans Mono"/>
-                <a:sym typeface="Droid Sans Mono"/>
-              </a:rPr>
-              <a:t>if current_word == word:</a:t>
-            </a:r>
-            <a:endParaRPr/>
-          </a:p>
-          <a:p>
-            <a:pPr indent="0" lvl="1" marL="457200" rtl="0" algn="l">
-              <a:spcBef>
-                <a:spcPts val="160"/>
-              </a:spcBef>
-              <a:spcAft>
-                <a:spcPts val="0"/>
-              </a:spcAft>
-              <a:buClr>
-                <a:schemeClr val="dk1"/>
-              </a:buClr>
-              <a:buSzPts val="800"/>
-              <a:buNone/>
-            </a:pPr>
-            <a:r>
-              <a:rPr lang="en-US" sz="800">
-                <a:latin typeface="Droid Sans Mono"/>
-                <a:ea typeface="Droid Sans Mono"/>
-                <a:cs typeface="Droid Sans Mono"/>
-                <a:sym typeface="Droid Sans Mono"/>
-              </a:rPr>
-              <a:t>    print '%s\t%s' % (current_word, current_count)</a:t>
-            </a:r>
-            <a:endParaRPr/>
-          </a:p>
-        </p:txBody>
-      </p:sp>
-    </p:spTree>
-  </p:cSld>
-  <p:clrMapOvr>
-    <a:masterClrMapping/>
-  </p:clrMapOvr>
-</p:sld>
-</file>
-
-<file path=ppt/slides/slide34.xml><?xml version="1.0" encoding="utf-8"?>
-<p:sld xmlns:a="http://schemas.openxmlformats.org/drawingml/2006/main" xmlns:r="http://schemas.openxmlformats.org/officeDocument/2006/relationships" xmlns:mc="http://schemas.openxmlformats.org/markup-compatibility/2006" xmlns:mv="urn:schemas-microsoft-com:mac:vml" xmlns:p="http://schemas.openxmlformats.org/presentationml/2006/main" xmlns:c="http://schemas.openxmlformats.org/drawingml/2006/chart" xmlns:dgm="http://schemas.openxmlformats.org/drawingml/2006/diagram" xmlns:o="urn:schemas-microsoft-com:office:office" xmlns:v="urn:schemas-microsoft-com:vml" xmlns:pvml="urn:schemas-microsoft-com:office:powerpoint" xmlns:com="http://schemas.openxmlformats.org/drawingml/2006/compatibility" xmlns:p14="http://schemas.microsoft.com/office/powerpoint/2010/main" xmlns:p15="http://schemas.microsoft.com/office/powerpoint/2012/main">
-  <p:cSld>
-    <p:spTree>
-      <p:nvGrpSpPr>
-        <p:cNvPr id="305" name="Shape 305"/>
-        <p:cNvGrpSpPr/>
-        <p:nvPr/>
-      </p:nvGrpSpPr>
-      <p:grpSpPr>
-        <a:xfrm>
-          <a:off x="0" y="0"/>
-          <a:ext cx="0" cy="0"/>
-          <a:chOff x="0" y="0"/>
-          <a:chExt cx="0" cy="0"/>
-        </a:xfrm>
-      </p:grpSpPr>
-      <p:sp>
-        <p:nvSpPr>
-          <p:cNvPr id="306" name="Google Shape;306;p46"/>
-          <p:cNvSpPr txBox="1"/>
-          <p:nvPr>
-            <p:ph type="title"/>
-          </p:nvPr>
-        </p:nvSpPr>
-        <p:spPr>
-          <a:xfrm>
-            <a:off x="457200" y="274638"/>
-            <a:ext cx="8229600" cy="1143000"/>
-          </a:xfrm>
-          <a:prstGeom prst="rect">
-            <a:avLst/>
-          </a:prstGeom>
-          <a:noFill/>
-          <a:ln>
-            <a:noFill/>
-          </a:ln>
-        </p:spPr>
-        <p:txBody>
-          <a:bodyPr anchorCtr="0" anchor="ctr" bIns="45700" lIns="91425" spcFirstLastPara="1" rIns="91425" wrap="square" tIns="45700">
-            <a:noAutofit/>
-          </a:bodyPr>
-          <a:lstStyle/>
-          <a:p>
-            <a:pPr indent="0" lvl="0" marL="0" rtl="0" algn="ctr">
-              <a:spcBef>
-                <a:spcPts val="0"/>
-              </a:spcBef>
-              <a:spcAft>
-                <a:spcPts val="0"/>
-              </a:spcAft>
-              <a:buClr>
-                <a:schemeClr val="dk1"/>
-              </a:buClr>
-              <a:buSzPts val="3959"/>
-              <a:buFont typeface="Montserrat"/>
-              <a:buNone/>
-            </a:pPr>
-            <a:r>
-              <a:rPr lang="en-US" sz="3959"/>
-              <a:t>Executing this on a set of files</a:t>
-            </a:r>
-            <a:endParaRPr sz="3959"/>
-          </a:p>
-        </p:txBody>
-      </p:sp>
-      <p:sp>
-        <p:nvSpPr>
-          <p:cNvPr id="307" name="Google Shape;307;p46"/>
-          <p:cNvSpPr txBox="1"/>
-          <p:nvPr>
-            <p:ph idx="1" type="body"/>
-          </p:nvPr>
-        </p:nvSpPr>
-        <p:spPr>
-          <a:xfrm>
-            <a:off x="375635" y="1600200"/>
-            <a:ext cx="8229600" cy="4525963"/>
-          </a:xfrm>
-          <a:prstGeom prst="rect">
-            <a:avLst/>
-          </a:prstGeom>
-          <a:noFill/>
-          <a:ln>
-            <a:noFill/>
-          </a:ln>
-        </p:spPr>
-        <p:txBody>
-          <a:bodyPr anchorCtr="0" anchor="t" bIns="45700" lIns="91425" spcFirstLastPara="1" rIns="91425" wrap="square" tIns="45700">
-            <a:noAutofit/>
-          </a:bodyPr>
-          <a:lstStyle/>
-          <a:p>
-            <a:pPr indent="0" lvl="0" marL="0" rtl="0" algn="l">
-              <a:spcBef>
-                <a:spcPts val="0"/>
-              </a:spcBef>
-              <a:spcAft>
-                <a:spcPts val="0"/>
-              </a:spcAft>
-              <a:buClr>
-                <a:schemeClr val="dk1"/>
-              </a:buClr>
-              <a:buSzPts val="3200"/>
-              <a:buNone/>
-            </a:pPr>
-            <a:r>
-              <a:rPr lang="en-US"/>
-              <a:t>yarn </a:t>
-            </a:r>
-            <a:br>
-              <a:rPr lang="en-US"/>
-            </a:br>
-            <a:r>
-              <a:rPr lang="en-US"/>
-              <a:t>jar </a:t>
-            </a:r>
-            <a:br>
-              <a:rPr lang="en-US"/>
-            </a:br>
-            <a:r>
-              <a:rPr lang="en-US"/>
-              <a:t>/usr/…./lib/hadoop-streaming-2.7.1.jar </a:t>
-            </a:r>
-            <a:endParaRPr/>
-          </a:p>
-          <a:p>
-            <a:pPr indent="0" lvl="0" marL="0" rtl="0" algn="l">
-              <a:spcBef>
-                <a:spcPts val="640"/>
-              </a:spcBef>
-              <a:spcAft>
-                <a:spcPts val="0"/>
-              </a:spcAft>
-              <a:buClr>
-                <a:schemeClr val="dk1"/>
-              </a:buClr>
-              <a:buSzPts val="3200"/>
-              <a:buNone/>
-            </a:pPr>
-            <a:r>
-              <a:rPr lang="en-US"/>
-              <a:t>-input /user/hduser/books </a:t>
-            </a:r>
-            <a:br>
-              <a:rPr lang="en-US"/>
-            </a:br>
-            <a:r>
-              <a:rPr lang="en-US"/>
-              <a:t>-output /user/hduser/output </a:t>
-            </a:r>
-            <a:br>
-              <a:rPr lang="en-US"/>
-            </a:br>
-            <a:r>
-              <a:rPr lang="en-US"/>
-              <a:t>-mapper ./mapper.py </a:t>
-            </a:r>
-            <a:br>
-              <a:rPr lang="en-US"/>
-            </a:br>
-            <a:r>
-              <a:rPr lang="en-US"/>
-              <a:t>-reducer ./reducer.py </a:t>
-            </a:r>
-            <a:endParaRPr/>
-          </a:p>
-        </p:txBody>
-      </p:sp>
-    </p:spTree>
-  </p:cSld>
-  <p:clrMapOvr>
-    <a:masterClrMapping/>
-  </p:clrMapOvr>
-</p:sld>
-</file>
-
-<file path=ppt/slides/slide35.xml><?xml version="1.0" encoding="utf-8"?>
-<p:sld xmlns:a="http://schemas.openxmlformats.org/drawingml/2006/main" xmlns:r="http://schemas.openxmlformats.org/officeDocument/2006/relationships" xmlns:mc="http://schemas.openxmlformats.org/markup-compatibility/2006" xmlns:mv="urn:schemas-microsoft-com:mac:vml" xmlns:p="http://schemas.openxmlformats.org/presentationml/2006/main" xmlns:c="http://schemas.openxmlformats.org/drawingml/2006/chart" xmlns:dgm="http://schemas.openxmlformats.org/drawingml/2006/diagram" xmlns:o="urn:schemas-microsoft-com:office:office" xmlns:v="urn:schemas-microsoft-com:vml" xmlns:pvml="urn:schemas-microsoft-com:office:powerpoint" xmlns:com="http://schemas.openxmlformats.org/drawingml/2006/compatibility" xmlns:p14="http://schemas.microsoft.com/office/powerpoint/2010/main" xmlns:p15="http://schemas.microsoft.com/office/powerpoint/2012/main">
-  <p:cSld>
-    <p:spTree>
-      <p:nvGrpSpPr>
-        <p:cNvPr id="311" name="Shape 311"/>
-        <p:cNvGrpSpPr/>
-        <p:nvPr/>
-      </p:nvGrpSpPr>
-      <p:grpSpPr>
-        <a:xfrm>
-          <a:off x="0" y="0"/>
-          <a:ext cx="0" cy="0"/>
-          <a:chOff x="0" y="0"/>
-          <a:chExt cx="0" cy="0"/>
-        </a:xfrm>
-      </p:grpSpPr>
-      <p:sp>
-        <p:nvSpPr>
-          <p:cNvPr id="312" name="Google Shape;312;p47"/>
-          <p:cNvSpPr txBox="1"/>
-          <p:nvPr>
-            <p:ph type="title"/>
-          </p:nvPr>
-        </p:nvSpPr>
-        <p:spPr>
-          <a:xfrm>
-            <a:off x="457200" y="274638"/>
-            <a:ext cx="8229600" cy="1143000"/>
-          </a:xfrm>
-          <a:prstGeom prst="rect">
-            <a:avLst/>
-          </a:prstGeom>
-          <a:noFill/>
-          <a:ln>
-            <a:noFill/>
-          </a:ln>
-        </p:spPr>
-        <p:txBody>
-          <a:bodyPr anchorCtr="0" anchor="ctr" bIns="45700" lIns="91425" spcFirstLastPara="1" rIns="91425" wrap="square" tIns="45700">
-            <a:noAutofit/>
-          </a:bodyPr>
-          <a:lstStyle/>
-          <a:p>
-            <a:pPr indent="0" lvl="0" marL="0" rtl="0" algn="ctr">
-              <a:spcBef>
-                <a:spcPts val="0"/>
-              </a:spcBef>
-              <a:spcAft>
-                <a:spcPts val="0"/>
-              </a:spcAft>
-              <a:buClr>
-                <a:schemeClr val="dk1"/>
-              </a:buClr>
-              <a:buSzPts val="4400"/>
-              <a:buFont typeface="Montserrat"/>
-              <a:buNone/>
-            </a:pPr>
-            <a:r>
-              <a:rPr lang="en-US"/>
-              <a:t>Efficiency</a:t>
-            </a:r>
-            <a:endParaRPr/>
-          </a:p>
-        </p:txBody>
-      </p:sp>
-      <p:sp>
-        <p:nvSpPr>
-          <p:cNvPr id="313" name="Google Shape;313;p47"/>
-          <p:cNvSpPr txBox="1"/>
-          <p:nvPr>
-            <p:ph idx="1" type="body"/>
-          </p:nvPr>
-        </p:nvSpPr>
-        <p:spPr>
-          <a:xfrm>
-            <a:off x="375635" y="1600200"/>
-            <a:ext cx="8229600" cy="4525963"/>
-          </a:xfrm>
-          <a:prstGeom prst="rect">
-            <a:avLst/>
-          </a:prstGeom>
-          <a:noFill/>
-          <a:ln>
-            <a:noFill/>
-          </a:ln>
-        </p:spPr>
-        <p:txBody>
-          <a:bodyPr anchorCtr="0" anchor="t" bIns="45700" lIns="91425" spcFirstLastPara="1" rIns="91425" wrap="square" tIns="45700">
-            <a:noAutofit/>
-          </a:bodyPr>
-          <a:lstStyle/>
-          <a:p>
-            <a:pPr indent="-342900" lvl="0" marL="342900" rtl="0" algn="l">
-              <a:spcBef>
-                <a:spcPts val="0"/>
-              </a:spcBef>
-              <a:spcAft>
-                <a:spcPts val="0"/>
-              </a:spcAft>
-              <a:buClr>
-                <a:schemeClr val="dk1"/>
-              </a:buClr>
-              <a:buSzPts val="3200"/>
-              <a:buChar char="•"/>
-            </a:pPr>
-            <a:r>
-              <a:rPr lang="en-US"/>
-              <a:t>Please note this is not the most efficient way of coding Python</a:t>
-            </a:r>
-            <a:endParaRPr/>
-          </a:p>
-          <a:p>
-            <a:pPr indent="-285750" lvl="1" marL="742950" rtl="0" algn="l">
-              <a:spcBef>
-                <a:spcPts val="560"/>
-              </a:spcBef>
-              <a:spcAft>
-                <a:spcPts val="0"/>
-              </a:spcAft>
-              <a:buClr>
-                <a:schemeClr val="dk1"/>
-              </a:buClr>
-              <a:buSzPts val="2800"/>
-              <a:buChar char="–"/>
-            </a:pPr>
-            <a:r>
-              <a:rPr lang="en-US"/>
-              <a:t>But the simplest and easiest to explain</a:t>
-            </a:r>
-            <a:endParaRPr/>
-          </a:p>
-        </p:txBody>
-      </p:sp>
-    </p:spTree>
-  </p:cSld>
-  <p:clrMapOvr>
-    <a:masterClrMapping/>
-  </p:clrMapOvr>
-</p:sld>
-</file>
-
-<file path=ppt/slides/slide36.xml><?xml version="1.0" encoding="utf-8"?>
-<p:sld xmlns:a="http://schemas.openxmlformats.org/drawingml/2006/main" xmlns:r="http://schemas.openxmlformats.org/officeDocument/2006/relationships" xmlns:mc="http://schemas.openxmlformats.org/markup-compatibility/2006" xmlns:mv="urn:schemas-microsoft-com:mac:vml" xmlns:p="http://schemas.openxmlformats.org/presentationml/2006/main" xmlns:c="http://schemas.openxmlformats.org/drawingml/2006/chart" xmlns:dgm="http://schemas.openxmlformats.org/drawingml/2006/diagram" xmlns:o="urn:schemas-microsoft-com:office:office" xmlns:v="urn:schemas-microsoft-com:vml" xmlns:pvml="urn:schemas-microsoft-com:office:powerpoint" xmlns:com="http://schemas.openxmlformats.org/drawingml/2006/compatibility" xmlns:p14="http://schemas.microsoft.com/office/powerpoint/2010/main" xmlns:p15="http://schemas.microsoft.com/office/powerpoint/2012/main">
-  <p:cSld>
-    <p:spTree>
-      <p:nvGrpSpPr>
-        <p:cNvPr id="317" name="Shape 317"/>
-        <p:cNvGrpSpPr/>
-        <p:nvPr/>
-      </p:nvGrpSpPr>
-      <p:grpSpPr>
-        <a:xfrm>
-          <a:off x="0" y="0"/>
-          <a:ext cx="0" cy="0"/>
-          <a:chOff x="0" y="0"/>
-          <a:chExt cx="0" cy="0"/>
-        </a:xfrm>
-      </p:grpSpPr>
-      <p:sp>
-        <p:nvSpPr>
-          <p:cNvPr id="318" name="Google Shape;318;p48"/>
-          <p:cNvSpPr txBox="1"/>
-          <p:nvPr>
-            <p:ph type="title"/>
-          </p:nvPr>
-        </p:nvSpPr>
-        <p:spPr>
-          <a:xfrm>
-            <a:off x="457200" y="274638"/>
-            <a:ext cx="8229600" cy="1143000"/>
-          </a:xfrm>
-          <a:prstGeom prst="rect">
-            <a:avLst/>
-          </a:prstGeom>
-          <a:noFill/>
-          <a:ln>
-            <a:noFill/>
-          </a:ln>
-        </p:spPr>
-        <p:txBody>
-          <a:bodyPr anchorCtr="0" anchor="ctr" bIns="45700" lIns="91425" spcFirstLastPara="1" rIns="91425" wrap="square" tIns="45700">
-            <a:noAutofit/>
-          </a:bodyPr>
-          <a:lstStyle/>
-          <a:p>
-            <a:pPr indent="0" lvl="0" marL="0" rtl="0" algn="ctr">
-              <a:spcBef>
-                <a:spcPts val="0"/>
-              </a:spcBef>
-              <a:spcAft>
-                <a:spcPts val="0"/>
-              </a:spcAft>
-              <a:buClr>
-                <a:schemeClr val="dk1"/>
-              </a:buClr>
-              <a:buSzPts val="4400"/>
-              <a:buFont typeface="Montserrat"/>
-              <a:buNone/>
-            </a:pPr>
-            <a:r>
-              <a:rPr lang="en-US"/>
-              <a:t>Map Reduce in Java</a:t>
-            </a:r>
-            <a:endParaRPr/>
-          </a:p>
-        </p:txBody>
-      </p:sp>
-      <p:sp>
-        <p:nvSpPr>
-          <p:cNvPr id="319" name="Google Shape;319;p48"/>
-          <p:cNvSpPr txBox="1"/>
-          <p:nvPr>
-            <p:ph idx="1" type="body"/>
-          </p:nvPr>
-        </p:nvSpPr>
-        <p:spPr>
-          <a:xfrm>
-            <a:off x="375635" y="1600200"/>
-            <a:ext cx="8229600" cy="4525963"/>
-          </a:xfrm>
-          <a:prstGeom prst="rect">
-            <a:avLst/>
-          </a:prstGeom>
-          <a:noFill/>
-          <a:ln>
-            <a:noFill/>
-          </a:ln>
-        </p:spPr>
-        <p:txBody>
-          <a:bodyPr anchorCtr="0" anchor="t" bIns="45700" lIns="91425" spcFirstLastPara="1" rIns="91425" wrap="square" tIns="45700">
-            <a:noAutofit/>
-          </a:bodyPr>
-          <a:lstStyle/>
-          <a:p>
-            <a:pPr indent="0" lvl="0" marL="0" rtl="0" algn="l">
-              <a:lnSpc>
-                <a:spcPct val="80000"/>
-              </a:lnSpc>
-              <a:spcBef>
-                <a:spcPts val="0"/>
-              </a:spcBef>
-              <a:spcAft>
-                <a:spcPts val="0"/>
-              </a:spcAft>
-              <a:buClr>
-                <a:schemeClr val="dk1"/>
-              </a:buClr>
-              <a:buSzPts val="1760"/>
-              <a:buNone/>
-            </a:pPr>
-            <a:r>
-              <a:rPr lang="en-US" sz="1760">
-                <a:latin typeface="Droid Sans Mono"/>
-                <a:ea typeface="Droid Sans Mono"/>
-                <a:cs typeface="Droid Sans Mono"/>
-                <a:sym typeface="Droid Sans Mono"/>
-              </a:rPr>
-              <a:t> public static void main(String[] args) throws Exception {</a:t>
-            </a:r>
-            <a:endParaRPr/>
-          </a:p>
-          <a:p>
-            <a:pPr indent="0" lvl="0" marL="0" rtl="0" algn="l">
-              <a:lnSpc>
-                <a:spcPct val="80000"/>
-              </a:lnSpc>
-              <a:spcBef>
-                <a:spcPts val="352"/>
-              </a:spcBef>
-              <a:spcAft>
-                <a:spcPts val="0"/>
-              </a:spcAft>
-              <a:buClr>
-                <a:schemeClr val="dk1"/>
-              </a:buClr>
-              <a:buSzPts val="1760"/>
-              <a:buNone/>
-            </a:pPr>
-            <a:r>
-              <a:rPr lang="en-US" sz="1760">
-                <a:latin typeface="Droid Sans Mono"/>
-                <a:ea typeface="Droid Sans Mono"/>
-                <a:cs typeface="Droid Sans Mono"/>
-                <a:sym typeface="Droid Sans Mono"/>
-              </a:rPr>
-              <a:t>    Configuration conf = new Configuration();</a:t>
-            </a:r>
-            <a:endParaRPr/>
-          </a:p>
-          <a:p>
-            <a:pPr indent="0" lvl="0" marL="0" rtl="0" algn="l">
-              <a:lnSpc>
-                <a:spcPct val="80000"/>
-              </a:lnSpc>
-              <a:spcBef>
-                <a:spcPts val="352"/>
-              </a:spcBef>
-              <a:spcAft>
-                <a:spcPts val="0"/>
-              </a:spcAft>
-              <a:buClr>
-                <a:schemeClr val="dk1"/>
-              </a:buClr>
-              <a:buSzPts val="1760"/>
-              <a:buNone/>
-            </a:pPr>
-            <a:r>
-              <a:rPr lang="en-US" sz="1760">
-                <a:latin typeface="Droid Sans Mono"/>
-                <a:ea typeface="Droid Sans Mono"/>
-                <a:cs typeface="Droid Sans Mono"/>
-                <a:sym typeface="Droid Sans Mono"/>
-              </a:rPr>
-              <a:t>    Job job = Job.getInstance(conf, "word count");</a:t>
-            </a:r>
-            <a:endParaRPr/>
-          </a:p>
-          <a:p>
-            <a:pPr indent="0" lvl="0" marL="0" rtl="0" algn="l">
-              <a:lnSpc>
-                <a:spcPct val="80000"/>
-              </a:lnSpc>
-              <a:spcBef>
-                <a:spcPts val="352"/>
-              </a:spcBef>
-              <a:spcAft>
-                <a:spcPts val="0"/>
-              </a:spcAft>
-              <a:buClr>
-                <a:schemeClr val="dk1"/>
-              </a:buClr>
-              <a:buSzPts val="1760"/>
-              <a:buNone/>
-            </a:pPr>
-            <a:r>
-              <a:rPr lang="en-US" sz="1760">
-                <a:latin typeface="Droid Sans Mono"/>
-                <a:ea typeface="Droid Sans Mono"/>
-                <a:cs typeface="Droid Sans Mono"/>
-                <a:sym typeface="Droid Sans Mono"/>
-              </a:rPr>
-              <a:t>    job.setJarByClass(WordCount.class);</a:t>
-            </a:r>
-            <a:endParaRPr/>
-          </a:p>
-          <a:p>
-            <a:pPr indent="0" lvl="0" marL="0" rtl="0" algn="l">
-              <a:lnSpc>
-                <a:spcPct val="80000"/>
-              </a:lnSpc>
-              <a:spcBef>
-                <a:spcPts val="352"/>
-              </a:spcBef>
-              <a:spcAft>
-                <a:spcPts val="0"/>
-              </a:spcAft>
-              <a:buClr>
-                <a:schemeClr val="dk1"/>
-              </a:buClr>
-              <a:buSzPts val="1760"/>
-              <a:buNone/>
-            </a:pPr>
-            <a:r>
-              <a:rPr lang="en-US" sz="1760">
-                <a:latin typeface="Droid Sans Mono"/>
-                <a:ea typeface="Droid Sans Mono"/>
-                <a:cs typeface="Droid Sans Mono"/>
-                <a:sym typeface="Droid Sans Mono"/>
-              </a:rPr>
-              <a:t>    job.setMapperClass(TokenizerMapper.class);</a:t>
-            </a:r>
-            <a:endParaRPr/>
-          </a:p>
-          <a:p>
-            <a:pPr indent="0" lvl="0" marL="0" rtl="0" algn="l">
-              <a:lnSpc>
-                <a:spcPct val="80000"/>
-              </a:lnSpc>
-              <a:spcBef>
-                <a:spcPts val="352"/>
-              </a:spcBef>
-              <a:spcAft>
-                <a:spcPts val="0"/>
-              </a:spcAft>
-              <a:buClr>
-                <a:schemeClr val="dk1"/>
-              </a:buClr>
-              <a:buSzPts val="1760"/>
-              <a:buNone/>
-            </a:pPr>
-            <a:r>
-              <a:rPr lang="en-US" sz="1760">
-                <a:latin typeface="Droid Sans Mono"/>
-                <a:ea typeface="Droid Sans Mono"/>
-                <a:cs typeface="Droid Sans Mono"/>
-                <a:sym typeface="Droid Sans Mono"/>
-              </a:rPr>
-              <a:t>    job.setCombinerClass(IntSumReducer.class);</a:t>
-            </a:r>
-            <a:endParaRPr/>
-          </a:p>
-          <a:p>
-            <a:pPr indent="0" lvl="0" marL="0" rtl="0" algn="l">
-              <a:lnSpc>
-                <a:spcPct val="80000"/>
-              </a:lnSpc>
-              <a:spcBef>
-                <a:spcPts val="352"/>
-              </a:spcBef>
-              <a:spcAft>
-                <a:spcPts val="0"/>
-              </a:spcAft>
-              <a:buClr>
-                <a:schemeClr val="dk1"/>
-              </a:buClr>
-              <a:buSzPts val="1760"/>
-              <a:buNone/>
-            </a:pPr>
-            <a:r>
-              <a:rPr lang="en-US" sz="1760">
-                <a:latin typeface="Droid Sans Mono"/>
-                <a:ea typeface="Droid Sans Mono"/>
-                <a:cs typeface="Droid Sans Mono"/>
-                <a:sym typeface="Droid Sans Mono"/>
-              </a:rPr>
-              <a:t>    job.setReducerClass(IntSumReducer.class);</a:t>
-            </a:r>
-            <a:endParaRPr/>
-          </a:p>
-          <a:p>
-            <a:pPr indent="0" lvl="0" marL="0" rtl="0" algn="l">
-              <a:lnSpc>
-                <a:spcPct val="80000"/>
-              </a:lnSpc>
-              <a:spcBef>
-                <a:spcPts val="352"/>
-              </a:spcBef>
-              <a:spcAft>
-                <a:spcPts val="0"/>
-              </a:spcAft>
-              <a:buClr>
-                <a:schemeClr val="dk1"/>
-              </a:buClr>
-              <a:buSzPts val="1760"/>
-              <a:buNone/>
-            </a:pPr>
-            <a:r>
-              <a:rPr lang="en-US" sz="1760">
-                <a:latin typeface="Droid Sans Mono"/>
-                <a:ea typeface="Droid Sans Mono"/>
-                <a:cs typeface="Droid Sans Mono"/>
-                <a:sym typeface="Droid Sans Mono"/>
-              </a:rPr>
-              <a:t>    job.setOutputKeyClass(Text.class);</a:t>
-            </a:r>
-            <a:endParaRPr/>
-          </a:p>
-          <a:p>
-            <a:pPr indent="0" lvl="0" marL="0" rtl="0" algn="l">
-              <a:lnSpc>
-                <a:spcPct val="80000"/>
-              </a:lnSpc>
-              <a:spcBef>
-                <a:spcPts val="352"/>
-              </a:spcBef>
-              <a:spcAft>
-                <a:spcPts val="0"/>
-              </a:spcAft>
-              <a:buClr>
-                <a:schemeClr val="dk1"/>
-              </a:buClr>
-              <a:buSzPts val="1760"/>
-              <a:buNone/>
-            </a:pPr>
-            <a:r>
-              <a:rPr lang="en-US" sz="1760">
-                <a:latin typeface="Droid Sans Mono"/>
-                <a:ea typeface="Droid Sans Mono"/>
-                <a:cs typeface="Droid Sans Mono"/>
-                <a:sym typeface="Droid Sans Mono"/>
-              </a:rPr>
-              <a:t>    job.setOutputValueClass(IntWritable.class);</a:t>
-            </a:r>
-            <a:endParaRPr/>
-          </a:p>
-          <a:p>
-            <a:pPr indent="0" lvl="0" marL="0" rtl="0" algn="l">
-              <a:lnSpc>
-                <a:spcPct val="80000"/>
-              </a:lnSpc>
-              <a:spcBef>
-                <a:spcPts val="352"/>
-              </a:spcBef>
-              <a:spcAft>
-                <a:spcPts val="0"/>
-              </a:spcAft>
-              <a:buClr>
-                <a:schemeClr val="dk1"/>
-              </a:buClr>
-              <a:buSzPts val="1760"/>
-              <a:buNone/>
-            </a:pPr>
-            <a:r>
-              <a:rPr lang="en-US" sz="1760">
-                <a:latin typeface="Droid Sans Mono"/>
-                <a:ea typeface="Droid Sans Mono"/>
-                <a:cs typeface="Droid Sans Mono"/>
-                <a:sym typeface="Droid Sans Mono"/>
-              </a:rPr>
-              <a:t>    FileInputFormat.addInputPath(job, new Path(args[0]));</a:t>
-            </a:r>
-            <a:endParaRPr/>
-          </a:p>
-          <a:p>
-            <a:pPr indent="0" lvl="0" marL="0" rtl="0" algn="l">
-              <a:lnSpc>
-                <a:spcPct val="80000"/>
-              </a:lnSpc>
-              <a:spcBef>
-                <a:spcPts val="352"/>
-              </a:spcBef>
-              <a:spcAft>
-                <a:spcPts val="0"/>
-              </a:spcAft>
-              <a:buClr>
-                <a:schemeClr val="dk1"/>
-              </a:buClr>
-              <a:buSzPts val="1760"/>
-              <a:buNone/>
-            </a:pPr>
-            <a:r>
-              <a:rPr lang="en-US" sz="1760">
-                <a:latin typeface="Droid Sans Mono"/>
-                <a:ea typeface="Droid Sans Mono"/>
-                <a:cs typeface="Droid Sans Mono"/>
-                <a:sym typeface="Droid Sans Mono"/>
-              </a:rPr>
-              <a:t>    FileOutputFormat.setOutputPath(job, </a:t>
-            </a:r>
-            <a:r>
-              <a:rPr lang="en-US" sz="1595">
-                <a:latin typeface="Droid Sans Mono"/>
-                <a:ea typeface="Droid Sans Mono"/>
-                <a:cs typeface="Droid Sans Mono"/>
-                <a:sym typeface="Droid Sans Mono"/>
-              </a:rPr>
-              <a:t>new Path(args[1]));</a:t>
-            </a:r>
-            <a:endParaRPr sz="1760">
-              <a:latin typeface="Droid Sans Mono"/>
-              <a:ea typeface="Droid Sans Mono"/>
-              <a:cs typeface="Droid Sans Mono"/>
-              <a:sym typeface="Droid Sans Mono"/>
-            </a:endParaRPr>
-          </a:p>
-          <a:p>
-            <a:pPr indent="0" lvl="0" marL="0" rtl="0" algn="l">
-              <a:lnSpc>
-                <a:spcPct val="80000"/>
-              </a:lnSpc>
-              <a:spcBef>
-                <a:spcPts val="352"/>
-              </a:spcBef>
-              <a:spcAft>
-                <a:spcPts val="0"/>
-              </a:spcAft>
-              <a:buClr>
-                <a:schemeClr val="dk1"/>
-              </a:buClr>
-              <a:buSzPts val="1760"/>
-              <a:buNone/>
-            </a:pPr>
-            <a:r>
-              <a:rPr lang="en-US" sz="1760">
-                <a:latin typeface="Droid Sans Mono"/>
-                <a:ea typeface="Droid Sans Mono"/>
-                <a:cs typeface="Droid Sans Mono"/>
-                <a:sym typeface="Droid Sans Mono"/>
-              </a:rPr>
-              <a:t>    System.exit(job.waitForCompletion(true) ? 0 : 1);</a:t>
-            </a:r>
-            <a:endParaRPr/>
-          </a:p>
-          <a:p>
-            <a:pPr indent="0" lvl="0" marL="0" rtl="0" algn="l">
-              <a:lnSpc>
-                <a:spcPct val="80000"/>
-              </a:lnSpc>
-              <a:spcBef>
-                <a:spcPts val="352"/>
-              </a:spcBef>
-              <a:spcAft>
-                <a:spcPts val="0"/>
-              </a:spcAft>
-              <a:buClr>
-                <a:schemeClr val="dk1"/>
-              </a:buClr>
-              <a:buSzPts val="1760"/>
-              <a:buNone/>
-            </a:pPr>
-            <a:r>
-              <a:rPr lang="en-US" sz="1760">
-                <a:latin typeface="Droid Sans Mono"/>
-                <a:ea typeface="Droid Sans Mono"/>
-                <a:cs typeface="Droid Sans Mono"/>
-                <a:sym typeface="Droid Sans Mono"/>
-              </a:rPr>
-              <a:t>  }</a:t>
-            </a:r>
-            <a:endParaRPr/>
-          </a:p>
-          <a:p>
-            <a:pPr indent="0" lvl="0" marL="0" rtl="0" algn="l">
-              <a:lnSpc>
-                <a:spcPct val="80000"/>
-              </a:lnSpc>
-              <a:spcBef>
-                <a:spcPts val="352"/>
-              </a:spcBef>
-              <a:spcAft>
-                <a:spcPts val="0"/>
-              </a:spcAft>
-              <a:buClr>
-                <a:schemeClr val="dk1"/>
-              </a:buClr>
-              <a:buSzPts val="1760"/>
-              <a:buNone/>
-            </a:pPr>
-            <a:r>
-              <a:rPr lang="en-US" sz="1760">
-                <a:latin typeface="Droid Sans Mono"/>
-                <a:ea typeface="Droid Sans Mono"/>
-                <a:cs typeface="Droid Sans Mono"/>
-                <a:sym typeface="Droid Sans Mono"/>
-              </a:rPr>
-              <a:t>}</a:t>
-            </a:r>
-            <a:endParaRPr/>
-          </a:p>
-        </p:txBody>
-      </p:sp>
-    </p:spTree>
-  </p:cSld>
-  <p:clrMapOvr>
-    <a:masterClrMapping/>
-  </p:clrMapOvr>
-</p:sld>
-</file>
-
-<file path=ppt/slides/slide37.xml><?xml version="1.0" encoding="utf-8"?>
-<p:sld xmlns:a="http://schemas.openxmlformats.org/drawingml/2006/main" xmlns:r="http://schemas.openxmlformats.org/officeDocument/2006/relationships" xmlns:mc="http://schemas.openxmlformats.org/markup-compatibility/2006" xmlns:mv="urn:schemas-microsoft-com:mac:vml" xmlns:p="http://schemas.openxmlformats.org/presentationml/2006/main" xmlns:c="http://schemas.openxmlformats.org/drawingml/2006/chart" xmlns:dgm="http://schemas.openxmlformats.org/drawingml/2006/diagram" xmlns:o="urn:schemas-microsoft-com:office:office" xmlns:v="urn:schemas-microsoft-com:vml" xmlns:pvml="urn:schemas-microsoft-com:office:powerpoint" xmlns:com="http://schemas.openxmlformats.org/drawingml/2006/compatibility" xmlns:p14="http://schemas.microsoft.com/office/powerpoint/2010/main" xmlns:p15="http://schemas.microsoft.com/office/powerpoint/2012/main">
-  <p:cSld>
-    <p:spTree>
-      <p:nvGrpSpPr>
-        <p:cNvPr id="323" name="Shape 323"/>
-        <p:cNvGrpSpPr/>
-        <p:nvPr/>
-      </p:nvGrpSpPr>
-      <p:grpSpPr>
-        <a:xfrm>
-          <a:off x="0" y="0"/>
-          <a:ext cx="0" cy="0"/>
-          <a:chOff x="0" y="0"/>
-          <a:chExt cx="0" cy="0"/>
-        </a:xfrm>
-      </p:grpSpPr>
-      <p:sp>
-        <p:nvSpPr>
-          <p:cNvPr id="324" name="Google Shape;324;p49"/>
-          <p:cNvSpPr txBox="1"/>
-          <p:nvPr>
-            <p:ph type="title"/>
-          </p:nvPr>
-        </p:nvSpPr>
-        <p:spPr>
-          <a:xfrm>
-            <a:off x="457200" y="274638"/>
-            <a:ext cx="8229600" cy="1143000"/>
-          </a:xfrm>
-          <a:prstGeom prst="rect">
-            <a:avLst/>
-          </a:prstGeom>
-          <a:noFill/>
-          <a:ln>
-            <a:noFill/>
-          </a:ln>
-        </p:spPr>
-        <p:txBody>
-          <a:bodyPr anchorCtr="0" anchor="ctr" bIns="45700" lIns="91425" spcFirstLastPara="1" rIns="91425" wrap="square" tIns="45700">
-            <a:noAutofit/>
-          </a:bodyPr>
-          <a:lstStyle/>
-          <a:p>
-            <a:pPr indent="0" lvl="0" marL="0" rtl="0" algn="ctr">
-              <a:spcBef>
-                <a:spcPts val="0"/>
-              </a:spcBef>
-              <a:spcAft>
-                <a:spcPts val="0"/>
-              </a:spcAft>
-              <a:buClr>
-                <a:schemeClr val="dk1"/>
-              </a:buClr>
-              <a:buSzPts val="4400"/>
-              <a:buFont typeface="Montserrat"/>
-              <a:buNone/>
-            </a:pPr>
-            <a:r>
-              <a:rPr lang="en-US"/>
-              <a:t>Map Reduce in Java cont</a:t>
-            </a:r>
-            <a:endParaRPr/>
-          </a:p>
-        </p:txBody>
-      </p:sp>
-      <p:sp>
-        <p:nvSpPr>
-          <p:cNvPr id="325" name="Google Shape;325;p49"/>
-          <p:cNvSpPr txBox="1"/>
-          <p:nvPr>
-            <p:ph idx="1" type="body"/>
-          </p:nvPr>
-        </p:nvSpPr>
-        <p:spPr>
-          <a:xfrm>
-            <a:off x="375635" y="1600200"/>
-            <a:ext cx="8229600" cy="4525963"/>
-          </a:xfrm>
-          <a:prstGeom prst="rect">
-            <a:avLst/>
-          </a:prstGeom>
-          <a:noFill/>
-          <a:ln>
-            <a:noFill/>
-          </a:ln>
-        </p:spPr>
-        <p:txBody>
-          <a:bodyPr anchorCtr="0" anchor="t" bIns="45700" lIns="91425" spcFirstLastPara="1" rIns="91425" wrap="square" tIns="45700">
-            <a:noAutofit/>
-          </a:bodyPr>
-          <a:lstStyle/>
-          <a:p>
-            <a:pPr indent="0" lvl="0" marL="0" rtl="0" algn="l">
-              <a:spcBef>
-                <a:spcPts val="0"/>
-              </a:spcBef>
-              <a:spcAft>
-                <a:spcPts val="0"/>
-              </a:spcAft>
-              <a:buClr>
-                <a:schemeClr val="dk1"/>
-              </a:buClr>
-              <a:buSzPts val="3200"/>
-              <a:buNone/>
-            </a:pPr>
-            <a:r>
-              <a:rPr lang="en-US"/>
-              <a:t>$ yarn jar wc.jar </a:t>
-            </a:r>
-            <a:endParaRPr/>
-          </a:p>
-          <a:p>
-            <a:pPr indent="0" lvl="0" marL="0" rtl="0" algn="l">
-              <a:spcBef>
-                <a:spcPts val="640"/>
-              </a:spcBef>
-              <a:spcAft>
-                <a:spcPts val="0"/>
-              </a:spcAft>
-              <a:buClr>
-                <a:schemeClr val="dk1"/>
-              </a:buClr>
-              <a:buSzPts val="3200"/>
-              <a:buNone/>
-            </a:pPr>
-            <a:r>
-              <a:rPr lang="en-US"/>
-              <a:t>	WordCount </a:t>
-            </a:r>
-            <a:endParaRPr/>
-          </a:p>
-          <a:p>
-            <a:pPr indent="0" lvl="0" marL="0" rtl="0" algn="l">
-              <a:spcBef>
-                <a:spcPts val="640"/>
-              </a:spcBef>
-              <a:spcAft>
-                <a:spcPts val="0"/>
-              </a:spcAft>
-              <a:buClr>
-                <a:schemeClr val="dk1"/>
-              </a:buClr>
-              <a:buSzPts val="3200"/>
-              <a:buNone/>
-            </a:pPr>
-            <a:r>
-              <a:rPr lang="en-US"/>
-              <a:t>	/user/joe/wordcount/input </a:t>
-            </a:r>
-            <a:endParaRPr/>
-          </a:p>
-          <a:p>
-            <a:pPr indent="0" lvl="0" marL="0" rtl="0" algn="l">
-              <a:spcBef>
-                <a:spcPts val="640"/>
-              </a:spcBef>
-              <a:spcAft>
-                <a:spcPts val="0"/>
-              </a:spcAft>
-              <a:buClr>
-                <a:schemeClr val="dk1"/>
-              </a:buClr>
-              <a:buSzPts val="3200"/>
-              <a:buNone/>
-            </a:pPr>
-            <a:r>
-              <a:rPr lang="en-US"/>
-              <a:t>	/user/joe/wordcount/output</a:t>
-            </a:r>
-            <a:endParaRPr/>
-          </a:p>
-        </p:txBody>
-      </p:sp>
-    </p:spTree>
-  </p:cSld>
-  <p:clrMapOvr>
-    <a:masterClrMapping/>
-  </p:clrMapOvr>
-</p:sld>
-</file>
-
-<file path=ppt/slides/slide38.xml><?xml version="1.0" encoding="utf-8"?>
-<p:sld xmlns:a="http://schemas.openxmlformats.org/drawingml/2006/main" xmlns:r="http://schemas.openxmlformats.org/officeDocument/2006/relationships" xmlns:mc="http://schemas.openxmlformats.org/markup-compatibility/2006" xmlns:mv="urn:schemas-microsoft-com:mac:vml" xmlns:p="http://schemas.openxmlformats.org/presentationml/2006/main" xmlns:c="http://schemas.openxmlformats.org/drawingml/2006/chart" xmlns:dgm="http://schemas.openxmlformats.org/drawingml/2006/diagram" xmlns:o="urn:schemas-microsoft-com:office:office" xmlns:v="urn:schemas-microsoft-com:vml" xmlns:pvml="urn:schemas-microsoft-com:office:powerpoint" xmlns:com="http://schemas.openxmlformats.org/drawingml/2006/compatibility" xmlns:p14="http://schemas.microsoft.com/office/powerpoint/2010/main" xmlns:p15="http://schemas.microsoft.com/office/powerpoint/2012/main">
-  <p:cSld>
-    <p:spTree>
-      <p:nvGrpSpPr>
-        <p:cNvPr id="329" name="Shape 329"/>
-        <p:cNvGrpSpPr/>
-        <p:nvPr/>
-      </p:nvGrpSpPr>
-      <p:grpSpPr>
-        <a:xfrm>
-          <a:off x="0" y="0"/>
-          <a:ext cx="0" cy="0"/>
-          <a:chOff x="0" y="0"/>
-          <a:chExt cx="0" cy="0"/>
-        </a:xfrm>
-      </p:grpSpPr>
-      <p:sp>
-        <p:nvSpPr>
-          <p:cNvPr id="330" name="Google Shape;330;p50"/>
-          <p:cNvSpPr txBox="1"/>
-          <p:nvPr>
-            <p:ph type="title"/>
-          </p:nvPr>
-        </p:nvSpPr>
-        <p:spPr>
-          <a:xfrm>
-            <a:off x="457200" y="274638"/>
-            <a:ext cx="8229600" cy="1143000"/>
-          </a:xfrm>
-          <a:prstGeom prst="rect">
-            <a:avLst/>
-          </a:prstGeom>
-          <a:noFill/>
-          <a:ln>
-            <a:noFill/>
-          </a:ln>
-        </p:spPr>
-        <p:txBody>
-          <a:bodyPr anchorCtr="0" anchor="ctr" bIns="45700" lIns="91425" spcFirstLastPara="1" rIns="91425" wrap="square" tIns="45700">
-            <a:noAutofit/>
-          </a:bodyPr>
-          <a:lstStyle/>
-          <a:p>
-            <a:pPr indent="0" lvl="0" marL="0" rtl="0" algn="ctr">
-              <a:spcBef>
-                <a:spcPts val="0"/>
-              </a:spcBef>
-              <a:spcAft>
-                <a:spcPts val="0"/>
-              </a:spcAft>
-              <a:buClr>
-                <a:schemeClr val="dk1"/>
-              </a:buClr>
-              <a:buSzPts val="4400"/>
-              <a:buFont typeface="Montserrat"/>
-              <a:buNone/>
-            </a:pPr>
-            <a:r>
-              <a:rPr lang="en-US"/>
-              <a:t>Summary</a:t>
-            </a:r>
-            <a:endParaRPr/>
-          </a:p>
-        </p:txBody>
-      </p:sp>
-      <p:sp>
-        <p:nvSpPr>
-          <p:cNvPr id="331" name="Google Shape;331;p50"/>
-          <p:cNvSpPr txBox="1"/>
-          <p:nvPr>
-            <p:ph idx="1" type="body"/>
-          </p:nvPr>
-        </p:nvSpPr>
-        <p:spPr>
-          <a:xfrm>
-            <a:off x="375635" y="1600200"/>
-            <a:ext cx="8229600" cy="4525963"/>
-          </a:xfrm>
-          <a:prstGeom prst="rect">
-            <a:avLst/>
-          </a:prstGeom>
-          <a:noFill/>
-          <a:ln>
-            <a:noFill/>
-          </a:ln>
-        </p:spPr>
-        <p:txBody>
-          <a:bodyPr anchorCtr="0" anchor="t" bIns="45700" lIns="91425" spcFirstLastPara="1" rIns="91425" wrap="square" tIns="45700">
-            <a:noAutofit/>
-          </a:bodyPr>
-          <a:lstStyle/>
-          <a:p>
-            <a:pPr indent="-342900" lvl="0" marL="342900" rtl="0" algn="l">
-              <a:spcBef>
-                <a:spcPts val="0"/>
-              </a:spcBef>
-              <a:spcAft>
-                <a:spcPts val="0"/>
-              </a:spcAft>
-              <a:buClr>
-                <a:schemeClr val="dk1"/>
-              </a:buClr>
-              <a:buSzPts val="3200"/>
-              <a:buChar char="•"/>
-            </a:pPr>
-            <a:r>
-              <a:rPr lang="en-US"/>
-              <a:t>Understanding the Map Reduce Model</a:t>
-            </a:r>
-            <a:endParaRPr/>
-          </a:p>
-          <a:p>
-            <a:pPr indent="-342900" lvl="0" marL="342900" rtl="0" algn="l">
-              <a:spcBef>
-                <a:spcPts val="640"/>
-              </a:spcBef>
-              <a:spcAft>
-                <a:spcPts val="0"/>
-              </a:spcAft>
-              <a:buClr>
-                <a:schemeClr val="dk1"/>
-              </a:buClr>
-              <a:buSzPts val="3200"/>
-              <a:buChar char="•"/>
-            </a:pPr>
-            <a:r>
-              <a:rPr lang="en-US"/>
-              <a:t>How is it implemented in Hadoop</a:t>
-            </a:r>
-            <a:endParaRPr/>
-          </a:p>
-          <a:p>
-            <a:pPr indent="-342900" lvl="0" marL="342900" rtl="0" algn="l">
-              <a:spcBef>
-                <a:spcPts val="640"/>
-              </a:spcBef>
-              <a:spcAft>
-                <a:spcPts val="0"/>
-              </a:spcAft>
-              <a:buClr>
-                <a:schemeClr val="dk1"/>
-              </a:buClr>
-              <a:buSzPts val="3200"/>
-              <a:buChar char="•"/>
-            </a:pPr>
-            <a:r>
-              <a:rPr lang="en-US"/>
-              <a:t>HDFS</a:t>
-            </a:r>
-            <a:endParaRPr/>
-          </a:p>
-          <a:p>
-            <a:pPr indent="-342900" lvl="0" marL="342900" rtl="0" algn="l">
-              <a:spcBef>
-                <a:spcPts val="640"/>
-              </a:spcBef>
-              <a:spcAft>
-                <a:spcPts val="0"/>
-              </a:spcAft>
-              <a:buClr>
-                <a:schemeClr val="dk1"/>
-              </a:buClr>
-              <a:buSzPts val="3200"/>
-              <a:buChar char="•"/>
-            </a:pPr>
-            <a:r>
-              <a:rPr lang="en-US"/>
-              <a:t>Yarn</a:t>
-            </a:r>
-            <a:endParaRPr/>
-          </a:p>
-          <a:p>
-            <a:pPr indent="-342900" lvl="0" marL="342900" rtl="0" algn="l">
-              <a:spcBef>
-                <a:spcPts val="640"/>
-              </a:spcBef>
-              <a:spcAft>
-                <a:spcPts val="0"/>
-              </a:spcAft>
-              <a:buClr>
-                <a:schemeClr val="dk1"/>
-              </a:buClr>
-              <a:buSzPts val="3200"/>
-              <a:buChar char="•"/>
-            </a:pPr>
-            <a:r>
-              <a:rPr lang="en-US"/>
-              <a:t>Running jobs</a:t>
-            </a:r>
-            <a:endParaRPr/>
-          </a:p>
-        </p:txBody>
-      </p:sp>
-    </p:spTree>
-  </p:cSld>
-  <p:clrMapOvr>
-    <a:masterClrMapping/>
-  </p:clrMapOvr>
-</p:sld>
-</file>
-
-<file path=ppt/slides/slide39.xml><?xml version="1.0" encoding="utf-8"?>
-<p:sld xmlns:a="http://schemas.openxmlformats.org/drawingml/2006/main" xmlns:r="http://schemas.openxmlformats.org/officeDocument/2006/relationships" xmlns:mc="http://schemas.openxmlformats.org/markup-compatibility/2006" xmlns:mv="urn:schemas-microsoft-com:mac:vml" xmlns:p="http://schemas.openxmlformats.org/presentationml/2006/main" xmlns:c="http://schemas.openxmlformats.org/drawingml/2006/chart" xmlns:dgm="http://schemas.openxmlformats.org/drawingml/2006/diagram" xmlns:o="urn:schemas-microsoft-com:office:office" xmlns:v="urn:schemas-microsoft-com:vml" xmlns:pvml="urn:schemas-microsoft-com:office:powerpoint" xmlns:com="http://schemas.openxmlformats.org/drawingml/2006/compatibility" xmlns:p14="http://schemas.microsoft.com/office/powerpoint/2010/main" xmlns:p15="http://schemas.microsoft.com/office/powerpoint/2012/main">
-  <p:cSld>
-    <p:spTree>
-      <p:nvGrpSpPr>
-        <p:cNvPr id="335" name="Shape 335"/>
-        <p:cNvGrpSpPr/>
-        <p:nvPr/>
-      </p:nvGrpSpPr>
-      <p:grpSpPr>
-        <a:xfrm>
-          <a:off x="0" y="0"/>
-          <a:ext cx="0" cy="0"/>
-          <a:chOff x="0" y="0"/>
-          <a:chExt cx="0" cy="0"/>
-        </a:xfrm>
-      </p:grpSpPr>
-      <p:sp>
-        <p:nvSpPr>
-          <p:cNvPr id="336" name="Google Shape;336;p51"/>
           <p:cNvSpPr txBox="1"/>
           <p:nvPr>
             <p:ph type="title"/>
@@ -26005,11 +22864,11 @@
             </a:pPr>
             <a:r>
               <a:rPr lang="en-US"/>
-              <a:t>Find two pieces of paper and write your name and day/month of birth on </a:t>
+              <a:t>Find a post it note and write your name and day/month of birth on it.</a:t>
             </a:r>
             <a:r>
               <a:rPr b="1" lang="en-US"/>
-              <a:t>one. </a:t>
+              <a:t> </a:t>
             </a:r>
             <a:endParaRPr/>
           </a:p>

--- a/pres-source/06-mr-hadoop.pptx
+++ b/pres-source/06-mr-hadoop.pptx
@@ -1,6 +1,6 @@
 
 <file path=ppt/presentation.xml><?xml version="1.0" encoding="utf-8"?>
-<p:presentation xmlns:a="http://schemas.openxmlformats.org/drawingml/2006/main" xmlns:r="http://schemas.openxmlformats.org/officeDocument/2006/relationships" xmlns:mc="http://schemas.openxmlformats.org/markup-compatibility/2006" xmlns:mv="urn:schemas-microsoft-com:mac:vml" xmlns:p="http://schemas.openxmlformats.org/presentationml/2006/main" xmlns:c="http://schemas.openxmlformats.org/drawingml/2006/chart" xmlns:dgm="http://schemas.openxmlformats.org/drawingml/2006/diagram" xmlns:o="urn:schemas-microsoft-com:office:office" xmlns:v="urn:schemas-microsoft-com:vml" xmlns:pvml="urn:schemas-microsoft-com:office:powerpoint" xmlns:com="http://schemas.openxmlformats.org/drawingml/2006/compatibility" xmlns:p14="http://schemas.microsoft.com/office/powerpoint/2010/main" xmlns:p15="http://schemas.microsoft.com/office/powerpoint/2012/main" autoCompressPictures="0" embedTrueTypeFonts="1" strictFirstAndLastChars="0" saveSubsetFonts="1">
+<p:presentation xmlns:a="http://schemas.openxmlformats.org/drawingml/2006/main" xmlns:r="http://schemas.openxmlformats.org/officeDocument/2006/relationships" xmlns:mc="http://schemas.openxmlformats.org/markup-compatibility/2006" xmlns:mv="urn:schemas-microsoft-com:mac:vml" xmlns:p="http://schemas.openxmlformats.org/presentationml/2006/main" xmlns:c="http://schemas.openxmlformats.org/drawingml/2006/chart" xmlns:dgm="http://schemas.openxmlformats.org/drawingml/2006/diagram" xmlns:o="urn:schemas-microsoft-com:office:office" xmlns:v="urn:schemas-microsoft-com:vml" xmlns:pvml="urn:schemas-microsoft-com:office:powerpoint" xmlns:com="http://schemas.openxmlformats.org/drawingml/2006/compatibility" xmlns:p14="http://schemas.microsoft.com/office/powerpoint/2010/main" xmlns:p15="http://schemas.microsoft.com/office/powerpoint/2012/main" xmlns:ahyp="http://schemas.microsoft.com/office/drawing/2018/hyperlinkcolor" autoCompressPictures="0" embedTrueTypeFonts="1" strictFirstAndLastChars="0" saveSubsetFonts="1">
   <p:sldMasterIdLst>
     <p:sldMasterId id="2147483659" r:id="rId4"/>
   </p:sldMasterIdLst>
@@ -316,7 +316,7 @@
 </file>
 
 <file path=ppt/notesMasters/notesMaster1.xml><?xml version="1.0" encoding="utf-8"?>
-<p:notesMaster xmlns:a="http://schemas.openxmlformats.org/drawingml/2006/main" xmlns:r="http://schemas.openxmlformats.org/officeDocument/2006/relationships" xmlns:mc="http://schemas.openxmlformats.org/markup-compatibility/2006" xmlns:mv="urn:schemas-microsoft-com:mac:vml" xmlns:p="http://schemas.openxmlformats.org/presentationml/2006/main" xmlns:c="http://schemas.openxmlformats.org/drawingml/2006/chart" xmlns:dgm="http://schemas.openxmlformats.org/drawingml/2006/diagram" xmlns:o="urn:schemas-microsoft-com:office:office" xmlns:v="urn:schemas-microsoft-com:vml" xmlns:pvml="urn:schemas-microsoft-com:office:powerpoint" xmlns:com="http://schemas.openxmlformats.org/drawingml/2006/compatibility" xmlns:p14="http://schemas.microsoft.com/office/powerpoint/2010/main" xmlns:p15="http://schemas.microsoft.com/office/powerpoint/2012/main">
+<p:notesMaster xmlns:a="http://schemas.openxmlformats.org/drawingml/2006/main" xmlns:r="http://schemas.openxmlformats.org/officeDocument/2006/relationships" xmlns:mc="http://schemas.openxmlformats.org/markup-compatibility/2006" xmlns:mv="urn:schemas-microsoft-com:mac:vml" xmlns:p="http://schemas.openxmlformats.org/presentationml/2006/main" xmlns:c="http://schemas.openxmlformats.org/drawingml/2006/chart" xmlns:dgm="http://schemas.openxmlformats.org/drawingml/2006/diagram" xmlns:o="urn:schemas-microsoft-com:office:office" xmlns:v="urn:schemas-microsoft-com:vml" xmlns:pvml="urn:schemas-microsoft-com:office:powerpoint" xmlns:com="http://schemas.openxmlformats.org/drawingml/2006/compatibility" xmlns:p14="http://schemas.microsoft.com/office/powerpoint/2010/main" xmlns:p15="http://schemas.microsoft.com/office/powerpoint/2012/main" xmlns:ahyp="http://schemas.microsoft.com/office/drawing/2018/hyperlinkcolor">
   <p:cSld>
     <p:bg>
       <p:bgPr>
@@ -1484,7 +1484,7 @@
 </file>
 
 <file path=ppt/notesSlides/notesSlide1.xml><?xml version="1.0" encoding="utf-8"?>
-<p:notes xmlns:a="http://schemas.openxmlformats.org/drawingml/2006/main" xmlns:r="http://schemas.openxmlformats.org/officeDocument/2006/relationships" xmlns:mc="http://schemas.openxmlformats.org/markup-compatibility/2006" xmlns:mv="urn:schemas-microsoft-com:mac:vml" xmlns:p="http://schemas.openxmlformats.org/presentationml/2006/main" xmlns:c="http://schemas.openxmlformats.org/drawingml/2006/chart" xmlns:dgm="http://schemas.openxmlformats.org/drawingml/2006/diagram" xmlns:o="urn:schemas-microsoft-com:office:office" xmlns:v="urn:schemas-microsoft-com:vml" xmlns:pvml="urn:schemas-microsoft-com:office:powerpoint" xmlns:com="http://schemas.openxmlformats.org/drawingml/2006/compatibility" xmlns:p14="http://schemas.microsoft.com/office/powerpoint/2010/main" xmlns:p15="http://schemas.microsoft.com/office/powerpoint/2012/main" showMasterPhAnim="0" showMasterSp="0">
+<p:notes xmlns:a="http://schemas.openxmlformats.org/drawingml/2006/main" xmlns:r="http://schemas.openxmlformats.org/officeDocument/2006/relationships" xmlns:mc="http://schemas.openxmlformats.org/markup-compatibility/2006" xmlns:mv="urn:schemas-microsoft-com:mac:vml" xmlns:p="http://schemas.openxmlformats.org/presentationml/2006/main" xmlns:c="http://schemas.openxmlformats.org/drawingml/2006/chart" xmlns:dgm="http://schemas.openxmlformats.org/drawingml/2006/diagram" xmlns:o="urn:schemas-microsoft-com:office:office" xmlns:v="urn:schemas-microsoft-com:vml" xmlns:pvml="urn:schemas-microsoft-com:office:powerpoint" xmlns:com="http://schemas.openxmlformats.org/drawingml/2006/compatibility" xmlns:p14="http://schemas.microsoft.com/office/powerpoint/2010/main" xmlns:p15="http://schemas.microsoft.com/office/powerpoint/2012/main" xmlns:ahyp="http://schemas.microsoft.com/office/drawing/2018/hyperlinkcolor" showMasterPhAnim="0" showMasterSp="0">
   <p:cSld>
     <p:spTree>
       <p:nvGrpSpPr>
@@ -1583,7 +1583,7 @@
 </file>
 
 <file path=ppt/notesSlides/notesSlide10.xml><?xml version="1.0" encoding="utf-8"?>
-<p:notes xmlns:a="http://schemas.openxmlformats.org/drawingml/2006/main" xmlns:r="http://schemas.openxmlformats.org/officeDocument/2006/relationships" xmlns:mc="http://schemas.openxmlformats.org/markup-compatibility/2006" xmlns:mv="urn:schemas-microsoft-com:mac:vml" xmlns:p="http://schemas.openxmlformats.org/presentationml/2006/main" xmlns:c="http://schemas.openxmlformats.org/drawingml/2006/chart" xmlns:dgm="http://schemas.openxmlformats.org/drawingml/2006/diagram" xmlns:o="urn:schemas-microsoft-com:office:office" xmlns:v="urn:schemas-microsoft-com:vml" xmlns:pvml="urn:schemas-microsoft-com:office:powerpoint" xmlns:com="http://schemas.openxmlformats.org/drawingml/2006/compatibility" xmlns:p14="http://schemas.microsoft.com/office/powerpoint/2010/main" xmlns:p15="http://schemas.microsoft.com/office/powerpoint/2012/main" showMasterPhAnim="0" showMasterSp="0">
+<p:notes xmlns:a="http://schemas.openxmlformats.org/drawingml/2006/main" xmlns:r="http://schemas.openxmlformats.org/officeDocument/2006/relationships" xmlns:mc="http://schemas.openxmlformats.org/markup-compatibility/2006" xmlns:mv="urn:schemas-microsoft-com:mac:vml" xmlns:p="http://schemas.openxmlformats.org/presentationml/2006/main" xmlns:c="http://schemas.openxmlformats.org/drawingml/2006/chart" xmlns:dgm="http://schemas.openxmlformats.org/drawingml/2006/diagram" xmlns:o="urn:schemas-microsoft-com:office:office" xmlns:v="urn:schemas-microsoft-com:vml" xmlns:pvml="urn:schemas-microsoft-com:office:powerpoint" xmlns:com="http://schemas.openxmlformats.org/drawingml/2006/compatibility" xmlns:p14="http://schemas.microsoft.com/office/powerpoint/2010/main" xmlns:p15="http://schemas.microsoft.com/office/powerpoint/2012/main" xmlns:ahyp="http://schemas.microsoft.com/office/drawing/2018/hyperlinkcolor" showMasterPhAnim="0" showMasterSp="0">
   <p:cSld>
     <p:spTree>
       <p:nvGrpSpPr>
@@ -1682,7 +1682,7 @@
 </file>
 
 <file path=ppt/notesSlides/notesSlide11.xml><?xml version="1.0" encoding="utf-8"?>
-<p:notes xmlns:a="http://schemas.openxmlformats.org/drawingml/2006/main" xmlns:r="http://schemas.openxmlformats.org/officeDocument/2006/relationships" xmlns:mc="http://schemas.openxmlformats.org/markup-compatibility/2006" xmlns:mv="urn:schemas-microsoft-com:mac:vml" xmlns:p="http://schemas.openxmlformats.org/presentationml/2006/main" xmlns:c="http://schemas.openxmlformats.org/drawingml/2006/chart" xmlns:dgm="http://schemas.openxmlformats.org/drawingml/2006/diagram" xmlns:o="urn:schemas-microsoft-com:office:office" xmlns:v="urn:schemas-microsoft-com:vml" xmlns:pvml="urn:schemas-microsoft-com:office:powerpoint" xmlns:com="http://schemas.openxmlformats.org/drawingml/2006/compatibility" xmlns:p14="http://schemas.microsoft.com/office/powerpoint/2010/main" xmlns:p15="http://schemas.microsoft.com/office/powerpoint/2012/main" showMasterPhAnim="0" showMasterSp="0">
+<p:notes xmlns:a="http://schemas.openxmlformats.org/drawingml/2006/main" xmlns:r="http://schemas.openxmlformats.org/officeDocument/2006/relationships" xmlns:mc="http://schemas.openxmlformats.org/markup-compatibility/2006" xmlns:mv="urn:schemas-microsoft-com:mac:vml" xmlns:p="http://schemas.openxmlformats.org/presentationml/2006/main" xmlns:c="http://schemas.openxmlformats.org/drawingml/2006/chart" xmlns:dgm="http://schemas.openxmlformats.org/drawingml/2006/diagram" xmlns:o="urn:schemas-microsoft-com:office:office" xmlns:v="urn:schemas-microsoft-com:vml" xmlns:pvml="urn:schemas-microsoft-com:office:powerpoint" xmlns:com="http://schemas.openxmlformats.org/drawingml/2006/compatibility" xmlns:p14="http://schemas.microsoft.com/office/powerpoint/2010/main" xmlns:p15="http://schemas.microsoft.com/office/powerpoint/2012/main" xmlns:ahyp="http://schemas.microsoft.com/office/drawing/2018/hyperlinkcolor" showMasterPhAnim="0" showMasterSp="0">
   <p:cSld>
     <p:spTree>
       <p:nvGrpSpPr>
@@ -1781,7 +1781,7 @@
 </file>
 
 <file path=ppt/notesSlides/notesSlide12.xml><?xml version="1.0" encoding="utf-8"?>
-<p:notes xmlns:a="http://schemas.openxmlformats.org/drawingml/2006/main" xmlns:r="http://schemas.openxmlformats.org/officeDocument/2006/relationships" xmlns:mc="http://schemas.openxmlformats.org/markup-compatibility/2006" xmlns:mv="urn:schemas-microsoft-com:mac:vml" xmlns:p="http://schemas.openxmlformats.org/presentationml/2006/main" xmlns:c="http://schemas.openxmlformats.org/drawingml/2006/chart" xmlns:dgm="http://schemas.openxmlformats.org/drawingml/2006/diagram" xmlns:o="urn:schemas-microsoft-com:office:office" xmlns:v="urn:schemas-microsoft-com:vml" xmlns:pvml="urn:schemas-microsoft-com:office:powerpoint" xmlns:com="http://schemas.openxmlformats.org/drawingml/2006/compatibility" xmlns:p14="http://schemas.microsoft.com/office/powerpoint/2010/main" xmlns:p15="http://schemas.microsoft.com/office/powerpoint/2012/main" showMasterPhAnim="0" showMasterSp="0">
+<p:notes xmlns:a="http://schemas.openxmlformats.org/drawingml/2006/main" xmlns:r="http://schemas.openxmlformats.org/officeDocument/2006/relationships" xmlns:mc="http://schemas.openxmlformats.org/markup-compatibility/2006" xmlns:mv="urn:schemas-microsoft-com:mac:vml" xmlns:p="http://schemas.openxmlformats.org/presentationml/2006/main" xmlns:c="http://schemas.openxmlformats.org/drawingml/2006/chart" xmlns:dgm="http://schemas.openxmlformats.org/drawingml/2006/diagram" xmlns:o="urn:schemas-microsoft-com:office:office" xmlns:v="urn:schemas-microsoft-com:vml" xmlns:pvml="urn:schemas-microsoft-com:office:powerpoint" xmlns:com="http://schemas.openxmlformats.org/drawingml/2006/compatibility" xmlns:p14="http://schemas.microsoft.com/office/powerpoint/2010/main" xmlns:p15="http://schemas.microsoft.com/office/powerpoint/2012/main" xmlns:ahyp="http://schemas.microsoft.com/office/drawing/2018/hyperlinkcolor" showMasterPhAnim="0" showMasterSp="0">
   <p:cSld>
     <p:spTree>
       <p:nvGrpSpPr>
@@ -1880,7 +1880,7 @@
 </file>
 
 <file path=ppt/notesSlides/notesSlide13.xml><?xml version="1.0" encoding="utf-8"?>
-<p:notes xmlns:a="http://schemas.openxmlformats.org/drawingml/2006/main" xmlns:r="http://schemas.openxmlformats.org/officeDocument/2006/relationships" xmlns:mc="http://schemas.openxmlformats.org/markup-compatibility/2006" xmlns:mv="urn:schemas-microsoft-com:mac:vml" xmlns:p="http://schemas.openxmlformats.org/presentationml/2006/main" xmlns:c="http://schemas.openxmlformats.org/drawingml/2006/chart" xmlns:dgm="http://schemas.openxmlformats.org/drawingml/2006/diagram" xmlns:o="urn:schemas-microsoft-com:office:office" xmlns:v="urn:schemas-microsoft-com:vml" xmlns:pvml="urn:schemas-microsoft-com:office:powerpoint" xmlns:com="http://schemas.openxmlformats.org/drawingml/2006/compatibility" xmlns:p14="http://schemas.microsoft.com/office/powerpoint/2010/main" xmlns:p15="http://schemas.microsoft.com/office/powerpoint/2012/main" showMasterPhAnim="0" showMasterSp="0">
+<p:notes xmlns:a="http://schemas.openxmlformats.org/drawingml/2006/main" xmlns:r="http://schemas.openxmlformats.org/officeDocument/2006/relationships" xmlns:mc="http://schemas.openxmlformats.org/markup-compatibility/2006" xmlns:mv="urn:schemas-microsoft-com:mac:vml" xmlns:p="http://schemas.openxmlformats.org/presentationml/2006/main" xmlns:c="http://schemas.openxmlformats.org/drawingml/2006/chart" xmlns:dgm="http://schemas.openxmlformats.org/drawingml/2006/diagram" xmlns:o="urn:schemas-microsoft-com:office:office" xmlns:v="urn:schemas-microsoft-com:vml" xmlns:pvml="urn:schemas-microsoft-com:office:powerpoint" xmlns:com="http://schemas.openxmlformats.org/drawingml/2006/compatibility" xmlns:p14="http://schemas.microsoft.com/office/powerpoint/2010/main" xmlns:p15="http://schemas.microsoft.com/office/powerpoint/2012/main" xmlns:ahyp="http://schemas.microsoft.com/office/drawing/2018/hyperlinkcolor" showMasterPhAnim="0" showMasterSp="0">
   <p:cSld>
     <p:spTree>
       <p:nvGrpSpPr>
@@ -1979,7 +1979,7 @@
 </file>
 
 <file path=ppt/notesSlides/notesSlide14.xml><?xml version="1.0" encoding="utf-8"?>
-<p:notes xmlns:a="http://schemas.openxmlformats.org/drawingml/2006/main" xmlns:r="http://schemas.openxmlformats.org/officeDocument/2006/relationships" xmlns:mc="http://schemas.openxmlformats.org/markup-compatibility/2006" xmlns:mv="urn:schemas-microsoft-com:mac:vml" xmlns:p="http://schemas.openxmlformats.org/presentationml/2006/main" xmlns:c="http://schemas.openxmlformats.org/drawingml/2006/chart" xmlns:dgm="http://schemas.openxmlformats.org/drawingml/2006/diagram" xmlns:o="urn:schemas-microsoft-com:office:office" xmlns:v="urn:schemas-microsoft-com:vml" xmlns:pvml="urn:schemas-microsoft-com:office:powerpoint" xmlns:com="http://schemas.openxmlformats.org/drawingml/2006/compatibility" xmlns:p14="http://schemas.microsoft.com/office/powerpoint/2010/main" xmlns:p15="http://schemas.microsoft.com/office/powerpoint/2012/main" showMasterPhAnim="0" showMasterSp="0">
+<p:notes xmlns:a="http://schemas.openxmlformats.org/drawingml/2006/main" xmlns:r="http://schemas.openxmlformats.org/officeDocument/2006/relationships" xmlns:mc="http://schemas.openxmlformats.org/markup-compatibility/2006" xmlns:mv="urn:schemas-microsoft-com:mac:vml" xmlns:p="http://schemas.openxmlformats.org/presentationml/2006/main" xmlns:c="http://schemas.openxmlformats.org/drawingml/2006/chart" xmlns:dgm="http://schemas.openxmlformats.org/drawingml/2006/diagram" xmlns:o="urn:schemas-microsoft-com:office:office" xmlns:v="urn:schemas-microsoft-com:vml" xmlns:pvml="urn:schemas-microsoft-com:office:powerpoint" xmlns:com="http://schemas.openxmlformats.org/drawingml/2006/compatibility" xmlns:p14="http://schemas.microsoft.com/office/powerpoint/2010/main" xmlns:p15="http://schemas.microsoft.com/office/powerpoint/2012/main" xmlns:ahyp="http://schemas.microsoft.com/office/drawing/2018/hyperlinkcolor" showMasterPhAnim="0" showMasterSp="0">
   <p:cSld>
     <p:spTree>
       <p:nvGrpSpPr>
@@ -2078,7 +2078,7 @@
 </file>
 
 <file path=ppt/notesSlides/notesSlide15.xml><?xml version="1.0" encoding="utf-8"?>
-<p:notes xmlns:a="http://schemas.openxmlformats.org/drawingml/2006/main" xmlns:r="http://schemas.openxmlformats.org/officeDocument/2006/relationships" xmlns:mc="http://schemas.openxmlformats.org/markup-compatibility/2006" xmlns:mv="urn:schemas-microsoft-com:mac:vml" xmlns:p="http://schemas.openxmlformats.org/presentationml/2006/main" xmlns:c="http://schemas.openxmlformats.org/drawingml/2006/chart" xmlns:dgm="http://schemas.openxmlformats.org/drawingml/2006/diagram" xmlns:o="urn:schemas-microsoft-com:office:office" xmlns:v="urn:schemas-microsoft-com:vml" xmlns:pvml="urn:schemas-microsoft-com:office:powerpoint" xmlns:com="http://schemas.openxmlformats.org/drawingml/2006/compatibility" xmlns:p14="http://schemas.microsoft.com/office/powerpoint/2010/main" xmlns:p15="http://schemas.microsoft.com/office/powerpoint/2012/main" showMasterPhAnim="0" showMasterSp="0">
+<p:notes xmlns:a="http://schemas.openxmlformats.org/drawingml/2006/main" xmlns:r="http://schemas.openxmlformats.org/officeDocument/2006/relationships" xmlns:mc="http://schemas.openxmlformats.org/markup-compatibility/2006" xmlns:mv="urn:schemas-microsoft-com:mac:vml" xmlns:p="http://schemas.openxmlformats.org/presentationml/2006/main" xmlns:c="http://schemas.openxmlformats.org/drawingml/2006/chart" xmlns:dgm="http://schemas.openxmlformats.org/drawingml/2006/diagram" xmlns:o="urn:schemas-microsoft-com:office:office" xmlns:v="urn:schemas-microsoft-com:vml" xmlns:pvml="urn:schemas-microsoft-com:office:powerpoint" xmlns:com="http://schemas.openxmlformats.org/drawingml/2006/compatibility" xmlns:p14="http://schemas.microsoft.com/office/powerpoint/2010/main" xmlns:p15="http://schemas.microsoft.com/office/powerpoint/2012/main" xmlns:ahyp="http://schemas.microsoft.com/office/drawing/2018/hyperlinkcolor" showMasterPhAnim="0" showMasterSp="0">
   <p:cSld>
     <p:spTree>
       <p:nvGrpSpPr>
@@ -2177,7 +2177,7 @@
 </file>
 
 <file path=ppt/notesSlides/notesSlide16.xml><?xml version="1.0" encoding="utf-8"?>
-<p:notes xmlns:a="http://schemas.openxmlformats.org/drawingml/2006/main" xmlns:r="http://schemas.openxmlformats.org/officeDocument/2006/relationships" xmlns:mc="http://schemas.openxmlformats.org/markup-compatibility/2006" xmlns:mv="urn:schemas-microsoft-com:mac:vml" xmlns:p="http://schemas.openxmlformats.org/presentationml/2006/main" xmlns:c="http://schemas.openxmlformats.org/drawingml/2006/chart" xmlns:dgm="http://schemas.openxmlformats.org/drawingml/2006/diagram" xmlns:o="urn:schemas-microsoft-com:office:office" xmlns:v="urn:schemas-microsoft-com:vml" xmlns:pvml="urn:schemas-microsoft-com:office:powerpoint" xmlns:com="http://schemas.openxmlformats.org/drawingml/2006/compatibility" xmlns:p14="http://schemas.microsoft.com/office/powerpoint/2010/main" xmlns:p15="http://schemas.microsoft.com/office/powerpoint/2012/main" showMasterPhAnim="0" showMasterSp="0">
+<p:notes xmlns:a="http://schemas.openxmlformats.org/drawingml/2006/main" xmlns:r="http://schemas.openxmlformats.org/officeDocument/2006/relationships" xmlns:mc="http://schemas.openxmlformats.org/markup-compatibility/2006" xmlns:mv="urn:schemas-microsoft-com:mac:vml" xmlns:p="http://schemas.openxmlformats.org/presentationml/2006/main" xmlns:c="http://schemas.openxmlformats.org/drawingml/2006/chart" xmlns:dgm="http://schemas.openxmlformats.org/drawingml/2006/diagram" xmlns:o="urn:schemas-microsoft-com:office:office" xmlns:v="urn:schemas-microsoft-com:vml" xmlns:pvml="urn:schemas-microsoft-com:office:powerpoint" xmlns:com="http://schemas.openxmlformats.org/drawingml/2006/compatibility" xmlns:p14="http://schemas.microsoft.com/office/powerpoint/2010/main" xmlns:p15="http://schemas.microsoft.com/office/powerpoint/2012/main" xmlns:ahyp="http://schemas.microsoft.com/office/drawing/2018/hyperlinkcolor" showMasterPhAnim="0" showMasterSp="0">
   <p:cSld>
     <p:spTree>
       <p:nvGrpSpPr>
@@ -2276,7 +2276,7 @@
 </file>
 
 <file path=ppt/notesSlides/notesSlide17.xml><?xml version="1.0" encoding="utf-8"?>
-<p:notes xmlns:a="http://schemas.openxmlformats.org/drawingml/2006/main" xmlns:r="http://schemas.openxmlformats.org/officeDocument/2006/relationships" xmlns:mc="http://schemas.openxmlformats.org/markup-compatibility/2006" xmlns:mv="urn:schemas-microsoft-com:mac:vml" xmlns:p="http://schemas.openxmlformats.org/presentationml/2006/main" xmlns:c="http://schemas.openxmlformats.org/drawingml/2006/chart" xmlns:dgm="http://schemas.openxmlformats.org/drawingml/2006/diagram" xmlns:o="urn:schemas-microsoft-com:office:office" xmlns:v="urn:schemas-microsoft-com:vml" xmlns:pvml="urn:schemas-microsoft-com:office:powerpoint" xmlns:com="http://schemas.openxmlformats.org/drawingml/2006/compatibility" xmlns:p14="http://schemas.microsoft.com/office/powerpoint/2010/main" xmlns:p15="http://schemas.microsoft.com/office/powerpoint/2012/main" showMasterPhAnim="0" showMasterSp="0">
+<p:notes xmlns:a="http://schemas.openxmlformats.org/drawingml/2006/main" xmlns:r="http://schemas.openxmlformats.org/officeDocument/2006/relationships" xmlns:mc="http://schemas.openxmlformats.org/markup-compatibility/2006" xmlns:mv="urn:schemas-microsoft-com:mac:vml" xmlns:p="http://schemas.openxmlformats.org/presentationml/2006/main" xmlns:c="http://schemas.openxmlformats.org/drawingml/2006/chart" xmlns:dgm="http://schemas.openxmlformats.org/drawingml/2006/diagram" xmlns:o="urn:schemas-microsoft-com:office:office" xmlns:v="urn:schemas-microsoft-com:vml" xmlns:pvml="urn:schemas-microsoft-com:office:powerpoint" xmlns:com="http://schemas.openxmlformats.org/drawingml/2006/compatibility" xmlns:p14="http://schemas.microsoft.com/office/powerpoint/2010/main" xmlns:p15="http://schemas.microsoft.com/office/powerpoint/2012/main" xmlns:ahyp="http://schemas.microsoft.com/office/drawing/2018/hyperlinkcolor" showMasterPhAnim="0" showMasterSp="0">
   <p:cSld>
     <p:spTree>
       <p:nvGrpSpPr>
@@ -2375,7 +2375,7 @@
 </file>
 
 <file path=ppt/notesSlides/notesSlide18.xml><?xml version="1.0" encoding="utf-8"?>
-<p:notes xmlns:a="http://schemas.openxmlformats.org/drawingml/2006/main" xmlns:r="http://schemas.openxmlformats.org/officeDocument/2006/relationships" xmlns:mc="http://schemas.openxmlformats.org/markup-compatibility/2006" xmlns:mv="urn:schemas-microsoft-com:mac:vml" xmlns:p="http://schemas.openxmlformats.org/presentationml/2006/main" xmlns:c="http://schemas.openxmlformats.org/drawingml/2006/chart" xmlns:dgm="http://schemas.openxmlformats.org/drawingml/2006/diagram" xmlns:o="urn:schemas-microsoft-com:office:office" xmlns:v="urn:schemas-microsoft-com:vml" xmlns:pvml="urn:schemas-microsoft-com:office:powerpoint" xmlns:com="http://schemas.openxmlformats.org/drawingml/2006/compatibility" xmlns:p14="http://schemas.microsoft.com/office/powerpoint/2010/main" xmlns:p15="http://schemas.microsoft.com/office/powerpoint/2012/main" showMasterPhAnim="0" showMasterSp="0">
+<p:notes xmlns:a="http://schemas.openxmlformats.org/drawingml/2006/main" xmlns:r="http://schemas.openxmlformats.org/officeDocument/2006/relationships" xmlns:mc="http://schemas.openxmlformats.org/markup-compatibility/2006" xmlns:mv="urn:schemas-microsoft-com:mac:vml" xmlns:p="http://schemas.openxmlformats.org/presentationml/2006/main" xmlns:c="http://schemas.openxmlformats.org/drawingml/2006/chart" xmlns:dgm="http://schemas.openxmlformats.org/drawingml/2006/diagram" xmlns:o="urn:schemas-microsoft-com:office:office" xmlns:v="urn:schemas-microsoft-com:vml" xmlns:pvml="urn:schemas-microsoft-com:office:powerpoint" xmlns:com="http://schemas.openxmlformats.org/drawingml/2006/compatibility" xmlns:p14="http://schemas.microsoft.com/office/powerpoint/2010/main" xmlns:p15="http://schemas.microsoft.com/office/powerpoint/2012/main" xmlns:ahyp="http://schemas.microsoft.com/office/drawing/2018/hyperlinkcolor" showMasterPhAnim="0" showMasterSp="0">
   <p:cSld>
     <p:spTree>
       <p:nvGrpSpPr>
@@ -2474,7 +2474,7 @@
 </file>
 
 <file path=ppt/notesSlides/notesSlide19.xml><?xml version="1.0" encoding="utf-8"?>
-<p:notes xmlns:a="http://schemas.openxmlformats.org/drawingml/2006/main" xmlns:r="http://schemas.openxmlformats.org/officeDocument/2006/relationships" xmlns:mc="http://schemas.openxmlformats.org/markup-compatibility/2006" xmlns:mv="urn:schemas-microsoft-com:mac:vml" xmlns:p="http://schemas.openxmlformats.org/presentationml/2006/main" xmlns:c="http://schemas.openxmlformats.org/drawingml/2006/chart" xmlns:dgm="http://schemas.openxmlformats.org/drawingml/2006/diagram" xmlns:o="urn:schemas-microsoft-com:office:office" xmlns:v="urn:schemas-microsoft-com:vml" xmlns:pvml="urn:schemas-microsoft-com:office:powerpoint" xmlns:com="http://schemas.openxmlformats.org/drawingml/2006/compatibility" xmlns:p14="http://schemas.microsoft.com/office/powerpoint/2010/main" xmlns:p15="http://schemas.microsoft.com/office/powerpoint/2012/main" showMasterPhAnim="0" showMasterSp="0">
+<p:notes xmlns:a="http://schemas.openxmlformats.org/drawingml/2006/main" xmlns:r="http://schemas.openxmlformats.org/officeDocument/2006/relationships" xmlns:mc="http://schemas.openxmlformats.org/markup-compatibility/2006" xmlns:mv="urn:schemas-microsoft-com:mac:vml" xmlns:p="http://schemas.openxmlformats.org/presentationml/2006/main" xmlns:c="http://schemas.openxmlformats.org/drawingml/2006/chart" xmlns:dgm="http://schemas.openxmlformats.org/drawingml/2006/diagram" xmlns:o="urn:schemas-microsoft-com:office:office" xmlns:v="urn:schemas-microsoft-com:vml" xmlns:pvml="urn:schemas-microsoft-com:office:powerpoint" xmlns:com="http://schemas.openxmlformats.org/drawingml/2006/compatibility" xmlns:p14="http://schemas.microsoft.com/office/powerpoint/2010/main" xmlns:p15="http://schemas.microsoft.com/office/powerpoint/2012/main" xmlns:ahyp="http://schemas.microsoft.com/office/drawing/2018/hyperlinkcolor" showMasterPhAnim="0" showMasterSp="0">
   <p:cSld>
     <p:spTree>
       <p:nvGrpSpPr>
@@ -2573,7 +2573,7 @@
 </file>
 
 <file path=ppt/notesSlides/notesSlide2.xml><?xml version="1.0" encoding="utf-8"?>
-<p:notes xmlns:a="http://schemas.openxmlformats.org/drawingml/2006/main" xmlns:r="http://schemas.openxmlformats.org/officeDocument/2006/relationships" xmlns:mc="http://schemas.openxmlformats.org/markup-compatibility/2006" xmlns:mv="urn:schemas-microsoft-com:mac:vml" xmlns:p="http://schemas.openxmlformats.org/presentationml/2006/main" xmlns:c="http://schemas.openxmlformats.org/drawingml/2006/chart" xmlns:dgm="http://schemas.openxmlformats.org/drawingml/2006/diagram" xmlns:o="urn:schemas-microsoft-com:office:office" xmlns:v="urn:schemas-microsoft-com:vml" xmlns:pvml="urn:schemas-microsoft-com:office:powerpoint" xmlns:com="http://schemas.openxmlformats.org/drawingml/2006/compatibility" xmlns:p14="http://schemas.microsoft.com/office/powerpoint/2010/main" xmlns:p15="http://schemas.microsoft.com/office/powerpoint/2012/main" showMasterPhAnim="0" showMasterSp="0">
+<p:notes xmlns:a="http://schemas.openxmlformats.org/drawingml/2006/main" xmlns:r="http://schemas.openxmlformats.org/officeDocument/2006/relationships" xmlns:mc="http://schemas.openxmlformats.org/markup-compatibility/2006" xmlns:mv="urn:schemas-microsoft-com:mac:vml" xmlns:p="http://schemas.openxmlformats.org/presentationml/2006/main" xmlns:c="http://schemas.openxmlformats.org/drawingml/2006/chart" xmlns:dgm="http://schemas.openxmlformats.org/drawingml/2006/diagram" xmlns:o="urn:schemas-microsoft-com:office:office" xmlns:v="urn:schemas-microsoft-com:vml" xmlns:pvml="urn:schemas-microsoft-com:office:powerpoint" xmlns:com="http://schemas.openxmlformats.org/drawingml/2006/compatibility" xmlns:p14="http://schemas.microsoft.com/office/powerpoint/2010/main" xmlns:p15="http://schemas.microsoft.com/office/powerpoint/2012/main" xmlns:ahyp="http://schemas.microsoft.com/office/drawing/2018/hyperlinkcolor" showMasterPhAnim="0" showMasterSp="0">
   <p:cSld>
     <p:spTree>
       <p:nvGrpSpPr>
@@ -2672,7 +2672,7 @@
 </file>
 
 <file path=ppt/notesSlides/notesSlide20.xml><?xml version="1.0" encoding="utf-8"?>
-<p:notes xmlns:a="http://schemas.openxmlformats.org/drawingml/2006/main" xmlns:r="http://schemas.openxmlformats.org/officeDocument/2006/relationships" xmlns:mc="http://schemas.openxmlformats.org/markup-compatibility/2006" xmlns:mv="urn:schemas-microsoft-com:mac:vml" xmlns:p="http://schemas.openxmlformats.org/presentationml/2006/main" xmlns:c="http://schemas.openxmlformats.org/drawingml/2006/chart" xmlns:dgm="http://schemas.openxmlformats.org/drawingml/2006/diagram" xmlns:o="urn:schemas-microsoft-com:office:office" xmlns:v="urn:schemas-microsoft-com:vml" xmlns:pvml="urn:schemas-microsoft-com:office:powerpoint" xmlns:com="http://schemas.openxmlformats.org/drawingml/2006/compatibility" xmlns:p14="http://schemas.microsoft.com/office/powerpoint/2010/main" xmlns:p15="http://schemas.microsoft.com/office/powerpoint/2012/main" showMasterPhAnim="0" showMasterSp="0">
+<p:notes xmlns:a="http://schemas.openxmlformats.org/drawingml/2006/main" xmlns:r="http://schemas.openxmlformats.org/officeDocument/2006/relationships" xmlns:mc="http://schemas.openxmlformats.org/markup-compatibility/2006" xmlns:mv="urn:schemas-microsoft-com:mac:vml" xmlns:p="http://schemas.openxmlformats.org/presentationml/2006/main" xmlns:c="http://schemas.openxmlformats.org/drawingml/2006/chart" xmlns:dgm="http://schemas.openxmlformats.org/drawingml/2006/diagram" xmlns:o="urn:schemas-microsoft-com:office:office" xmlns:v="urn:schemas-microsoft-com:vml" xmlns:pvml="urn:schemas-microsoft-com:office:powerpoint" xmlns:com="http://schemas.openxmlformats.org/drawingml/2006/compatibility" xmlns:p14="http://schemas.microsoft.com/office/powerpoint/2010/main" xmlns:p15="http://schemas.microsoft.com/office/powerpoint/2012/main" xmlns:ahyp="http://schemas.microsoft.com/office/drawing/2018/hyperlinkcolor" showMasterPhAnim="0" showMasterSp="0">
   <p:cSld>
     <p:spTree>
       <p:nvGrpSpPr>
@@ -2771,7 +2771,7 @@
 </file>
 
 <file path=ppt/notesSlides/notesSlide21.xml><?xml version="1.0" encoding="utf-8"?>
-<p:notes xmlns:a="http://schemas.openxmlformats.org/drawingml/2006/main" xmlns:r="http://schemas.openxmlformats.org/officeDocument/2006/relationships" xmlns:mc="http://schemas.openxmlformats.org/markup-compatibility/2006" xmlns:mv="urn:schemas-microsoft-com:mac:vml" xmlns:p="http://schemas.openxmlformats.org/presentationml/2006/main" xmlns:c="http://schemas.openxmlformats.org/drawingml/2006/chart" xmlns:dgm="http://schemas.openxmlformats.org/drawingml/2006/diagram" xmlns:o="urn:schemas-microsoft-com:office:office" xmlns:v="urn:schemas-microsoft-com:vml" xmlns:pvml="urn:schemas-microsoft-com:office:powerpoint" xmlns:com="http://schemas.openxmlformats.org/drawingml/2006/compatibility" xmlns:p14="http://schemas.microsoft.com/office/powerpoint/2010/main" xmlns:p15="http://schemas.microsoft.com/office/powerpoint/2012/main" showMasterPhAnim="0" showMasterSp="0">
+<p:notes xmlns:a="http://schemas.openxmlformats.org/drawingml/2006/main" xmlns:r="http://schemas.openxmlformats.org/officeDocument/2006/relationships" xmlns:mc="http://schemas.openxmlformats.org/markup-compatibility/2006" xmlns:mv="urn:schemas-microsoft-com:mac:vml" xmlns:p="http://schemas.openxmlformats.org/presentationml/2006/main" xmlns:c="http://schemas.openxmlformats.org/drawingml/2006/chart" xmlns:dgm="http://schemas.openxmlformats.org/drawingml/2006/diagram" xmlns:o="urn:schemas-microsoft-com:office:office" xmlns:v="urn:schemas-microsoft-com:vml" xmlns:pvml="urn:schemas-microsoft-com:office:powerpoint" xmlns:com="http://schemas.openxmlformats.org/drawingml/2006/compatibility" xmlns:p14="http://schemas.microsoft.com/office/powerpoint/2010/main" xmlns:p15="http://schemas.microsoft.com/office/powerpoint/2012/main" xmlns:ahyp="http://schemas.microsoft.com/office/drawing/2018/hyperlinkcolor" showMasterPhAnim="0" showMasterSp="0">
   <p:cSld>
     <p:spTree>
       <p:nvGrpSpPr>
@@ -2870,7 +2870,7 @@
 </file>
 
 <file path=ppt/notesSlides/notesSlide22.xml><?xml version="1.0" encoding="utf-8"?>
-<p:notes xmlns:a="http://schemas.openxmlformats.org/drawingml/2006/main" xmlns:r="http://schemas.openxmlformats.org/officeDocument/2006/relationships" xmlns:mc="http://schemas.openxmlformats.org/markup-compatibility/2006" xmlns:mv="urn:schemas-microsoft-com:mac:vml" xmlns:p="http://schemas.openxmlformats.org/presentationml/2006/main" xmlns:c="http://schemas.openxmlformats.org/drawingml/2006/chart" xmlns:dgm="http://schemas.openxmlformats.org/drawingml/2006/diagram" xmlns:o="urn:schemas-microsoft-com:office:office" xmlns:v="urn:schemas-microsoft-com:vml" xmlns:pvml="urn:schemas-microsoft-com:office:powerpoint" xmlns:com="http://schemas.openxmlformats.org/drawingml/2006/compatibility" xmlns:p14="http://schemas.microsoft.com/office/powerpoint/2010/main" xmlns:p15="http://schemas.microsoft.com/office/powerpoint/2012/main" showMasterPhAnim="0" showMasterSp="0">
+<p:notes xmlns:a="http://schemas.openxmlformats.org/drawingml/2006/main" xmlns:r="http://schemas.openxmlformats.org/officeDocument/2006/relationships" xmlns:mc="http://schemas.openxmlformats.org/markup-compatibility/2006" xmlns:mv="urn:schemas-microsoft-com:mac:vml" xmlns:p="http://schemas.openxmlformats.org/presentationml/2006/main" xmlns:c="http://schemas.openxmlformats.org/drawingml/2006/chart" xmlns:dgm="http://schemas.openxmlformats.org/drawingml/2006/diagram" xmlns:o="urn:schemas-microsoft-com:office:office" xmlns:v="urn:schemas-microsoft-com:vml" xmlns:pvml="urn:schemas-microsoft-com:office:powerpoint" xmlns:com="http://schemas.openxmlformats.org/drawingml/2006/compatibility" xmlns:p14="http://schemas.microsoft.com/office/powerpoint/2010/main" xmlns:p15="http://schemas.microsoft.com/office/powerpoint/2012/main" xmlns:ahyp="http://schemas.microsoft.com/office/drawing/2018/hyperlinkcolor" showMasterPhAnim="0" showMasterSp="0">
   <p:cSld>
     <p:spTree>
       <p:nvGrpSpPr>
@@ -2969,7 +2969,7 @@
 </file>
 
 <file path=ppt/notesSlides/notesSlide23.xml><?xml version="1.0" encoding="utf-8"?>
-<p:notes xmlns:a="http://schemas.openxmlformats.org/drawingml/2006/main" xmlns:r="http://schemas.openxmlformats.org/officeDocument/2006/relationships" xmlns:mc="http://schemas.openxmlformats.org/markup-compatibility/2006" xmlns:mv="urn:schemas-microsoft-com:mac:vml" xmlns:p="http://schemas.openxmlformats.org/presentationml/2006/main" xmlns:c="http://schemas.openxmlformats.org/drawingml/2006/chart" xmlns:dgm="http://schemas.openxmlformats.org/drawingml/2006/diagram" xmlns:o="urn:schemas-microsoft-com:office:office" xmlns:v="urn:schemas-microsoft-com:vml" xmlns:pvml="urn:schemas-microsoft-com:office:powerpoint" xmlns:com="http://schemas.openxmlformats.org/drawingml/2006/compatibility" xmlns:p14="http://schemas.microsoft.com/office/powerpoint/2010/main" xmlns:p15="http://schemas.microsoft.com/office/powerpoint/2012/main" showMasterPhAnim="0" showMasterSp="0">
+<p:notes xmlns:a="http://schemas.openxmlformats.org/drawingml/2006/main" xmlns:r="http://schemas.openxmlformats.org/officeDocument/2006/relationships" xmlns:mc="http://schemas.openxmlformats.org/markup-compatibility/2006" xmlns:mv="urn:schemas-microsoft-com:mac:vml" xmlns:p="http://schemas.openxmlformats.org/presentationml/2006/main" xmlns:c="http://schemas.openxmlformats.org/drawingml/2006/chart" xmlns:dgm="http://schemas.openxmlformats.org/drawingml/2006/diagram" xmlns:o="urn:schemas-microsoft-com:office:office" xmlns:v="urn:schemas-microsoft-com:vml" xmlns:pvml="urn:schemas-microsoft-com:office:powerpoint" xmlns:com="http://schemas.openxmlformats.org/drawingml/2006/compatibility" xmlns:p14="http://schemas.microsoft.com/office/powerpoint/2010/main" xmlns:p15="http://schemas.microsoft.com/office/powerpoint/2012/main" xmlns:ahyp="http://schemas.microsoft.com/office/drawing/2018/hyperlinkcolor" showMasterPhAnim="0" showMasterSp="0">
   <p:cSld>
     <p:spTree>
       <p:nvGrpSpPr>
@@ -3068,7 +3068,7 @@
 </file>
 
 <file path=ppt/notesSlides/notesSlide24.xml><?xml version="1.0" encoding="utf-8"?>
-<p:notes xmlns:a="http://schemas.openxmlformats.org/drawingml/2006/main" xmlns:r="http://schemas.openxmlformats.org/officeDocument/2006/relationships" xmlns:mc="http://schemas.openxmlformats.org/markup-compatibility/2006" xmlns:mv="urn:schemas-microsoft-com:mac:vml" xmlns:p="http://schemas.openxmlformats.org/presentationml/2006/main" xmlns:c="http://schemas.openxmlformats.org/drawingml/2006/chart" xmlns:dgm="http://schemas.openxmlformats.org/drawingml/2006/diagram" xmlns:o="urn:schemas-microsoft-com:office:office" xmlns:v="urn:schemas-microsoft-com:vml" xmlns:pvml="urn:schemas-microsoft-com:office:powerpoint" xmlns:com="http://schemas.openxmlformats.org/drawingml/2006/compatibility" xmlns:p14="http://schemas.microsoft.com/office/powerpoint/2010/main" xmlns:p15="http://schemas.microsoft.com/office/powerpoint/2012/main" showMasterPhAnim="0" showMasterSp="0">
+<p:notes xmlns:a="http://schemas.openxmlformats.org/drawingml/2006/main" xmlns:r="http://schemas.openxmlformats.org/officeDocument/2006/relationships" xmlns:mc="http://schemas.openxmlformats.org/markup-compatibility/2006" xmlns:mv="urn:schemas-microsoft-com:mac:vml" xmlns:p="http://schemas.openxmlformats.org/presentationml/2006/main" xmlns:c="http://schemas.openxmlformats.org/drawingml/2006/chart" xmlns:dgm="http://schemas.openxmlformats.org/drawingml/2006/diagram" xmlns:o="urn:schemas-microsoft-com:office:office" xmlns:v="urn:schemas-microsoft-com:vml" xmlns:pvml="urn:schemas-microsoft-com:office:powerpoint" xmlns:com="http://schemas.openxmlformats.org/drawingml/2006/compatibility" xmlns:p14="http://schemas.microsoft.com/office/powerpoint/2010/main" xmlns:p15="http://schemas.microsoft.com/office/powerpoint/2012/main" xmlns:ahyp="http://schemas.microsoft.com/office/drawing/2018/hyperlinkcolor" showMasterPhAnim="0" showMasterSp="0">
   <p:cSld>
     <p:spTree>
       <p:nvGrpSpPr>
@@ -3167,7 +3167,7 @@
 </file>
 
 <file path=ppt/notesSlides/notesSlide25.xml><?xml version="1.0" encoding="utf-8"?>
-<p:notes xmlns:a="http://schemas.openxmlformats.org/drawingml/2006/main" xmlns:r="http://schemas.openxmlformats.org/officeDocument/2006/relationships" xmlns:mc="http://schemas.openxmlformats.org/markup-compatibility/2006" xmlns:mv="urn:schemas-microsoft-com:mac:vml" xmlns:p="http://schemas.openxmlformats.org/presentationml/2006/main" xmlns:c="http://schemas.openxmlformats.org/drawingml/2006/chart" xmlns:dgm="http://schemas.openxmlformats.org/drawingml/2006/diagram" xmlns:o="urn:schemas-microsoft-com:office:office" xmlns:v="urn:schemas-microsoft-com:vml" xmlns:pvml="urn:schemas-microsoft-com:office:powerpoint" xmlns:com="http://schemas.openxmlformats.org/drawingml/2006/compatibility" xmlns:p14="http://schemas.microsoft.com/office/powerpoint/2010/main" xmlns:p15="http://schemas.microsoft.com/office/powerpoint/2012/main" showMasterPhAnim="0" showMasterSp="0">
+<p:notes xmlns:a="http://schemas.openxmlformats.org/drawingml/2006/main" xmlns:r="http://schemas.openxmlformats.org/officeDocument/2006/relationships" xmlns:mc="http://schemas.openxmlformats.org/markup-compatibility/2006" xmlns:mv="urn:schemas-microsoft-com:mac:vml" xmlns:p="http://schemas.openxmlformats.org/presentationml/2006/main" xmlns:c="http://schemas.openxmlformats.org/drawingml/2006/chart" xmlns:dgm="http://schemas.openxmlformats.org/drawingml/2006/diagram" xmlns:o="urn:schemas-microsoft-com:office:office" xmlns:v="urn:schemas-microsoft-com:vml" xmlns:pvml="urn:schemas-microsoft-com:office:powerpoint" xmlns:com="http://schemas.openxmlformats.org/drawingml/2006/compatibility" xmlns:p14="http://schemas.microsoft.com/office/powerpoint/2010/main" xmlns:p15="http://schemas.microsoft.com/office/powerpoint/2012/main" xmlns:ahyp="http://schemas.microsoft.com/office/drawing/2018/hyperlinkcolor" showMasterPhAnim="0" showMasterSp="0">
   <p:cSld>
     <p:spTree>
       <p:nvGrpSpPr>
@@ -3266,7 +3266,7 @@
 </file>
 
 <file path=ppt/notesSlides/notesSlide26.xml><?xml version="1.0" encoding="utf-8"?>
-<p:notes xmlns:a="http://schemas.openxmlformats.org/drawingml/2006/main" xmlns:r="http://schemas.openxmlformats.org/officeDocument/2006/relationships" xmlns:mc="http://schemas.openxmlformats.org/markup-compatibility/2006" xmlns:mv="urn:schemas-microsoft-com:mac:vml" xmlns:p="http://schemas.openxmlformats.org/presentationml/2006/main" xmlns:c="http://schemas.openxmlformats.org/drawingml/2006/chart" xmlns:dgm="http://schemas.openxmlformats.org/drawingml/2006/diagram" xmlns:o="urn:schemas-microsoft-com:office:office" xmlns:v="urn:schemas-microsoft-com:vml" xmlns:pvml="urn:schemas-microsoft-com:office:powerpoint" xmlns:com="http://schemas.openxmlformats.org/drawingml/2006/compatibility" xmlns:p14="http://schemas.microsoft.com/office/powerpoint/2010/main" xmlns:p15="http://schemas.microsoft.com/office/powerpoint/2012/main" showMasterPhAnim="0" showMasterSp="0">
+<p:notes xmlns:a="http://schemas.openxmlformats.org/drawingml/2006/main" xmlns:r="http://schemas.openxmlformats.org/officeDocument/2006/relationships" xmlns:mc="http://schemas.openxmlformats.org/markup-compatibility/2006" xmlns:mv="urn:schemas-microsoft-com:mac:vml" xmlns:p="http://schemas.openxmlformats.org/presentationml/2006/main" xmlns:c="http://schemas.openxmlformats.org/drawingml/2006/chart" xmlns:dgm="http://schemas.openxmlformats.org/drawingml/2006/diagram" xmlns:o="urn:schemas-microsoft-com:office:office" xmlns:v="urn:schemas-microsoft-com:vml" xmlns:pvml="urn:schemas-microsoft-com:office:powerpoint" xmlns:com="http://schemas.openxmlformats.org/drawingml/2006/compatibility" xmlns:p14="http://schemas.microsoft.com/office/powerpoint/2010/main" xmlns:p15="http://schemas.microsoft.com/office/powerpoint/2012/main" xmlns:ahyp="http://schemas.microsoft.com/office/drawing/2018/hyperlinkcolor" showMasterPhAnim="0" showMasterSp="0">
   <p:cSld>
     <p:spTree>
       <p:nvGrpSpPr>
@@ -3365,7 +3365,7 @@
 </file>
 
 <file path=ppt/notesSlides/notesSlide27.xml><?xml version="1.0" encoding="utf-8"?>
-<p:notes xmlns:a="http://schemas.openxmlformats.org/drawingml/2006/main" xmlns:r="http://schemas.openxmlformats.org/officeDocument/2006/relationships" xmlns:mc="http://schemas.openxmlformats.org/markup-compatibility/2006" xmlns:mv="urn:schemas-microsoft-com:mac:vml" xmlns:p="http://schemas.openxmlformats.org/presentationml/2006/main" xmlns:c="http://schemas.openxmlformats.org/drawingml/2006/chart" xmlns:dgm="http://schemas.openxmlformats.org/drawingml/2006/diagram" xmlns:o="urn:schemas-microsoft-com:office:office" xmlns:v="urn:schemas-microsoft-com:vml" xmlns:pvml="urn:schemas-microsoft-com:office:powerpoint" xmlns:com="http://schemas.openxmlformats.org/drawingml/2006/compatibility" xmlns:p14="http://schemas.microsoft.com/office/powerpoint/2010/main" xmlns:p15="http://schemas.microsoft.com/office/powerpoint/2012/main" showMasterPhAnim="0" showMasterSp="0">
+<p:notes xmlns:a="http://schemas.openxmlformats.org/drawingml/2006/main" xmlns:r="http://schemas.openxmlformats.org/officeDocument/2006/relationships" xmlns:mc="http://schemas.openxmlformats.org/markup-compatibility/2006" xmlns:mv="urn:schemas-microsoft-com:mac:vml" xmlns:p="http://schemas.openxmlformats.org/presentationml/2006/main" xmlns:c="http://schemas.openxmlformats.org/drawingml/2006/chart" xmlns:dgm="http://schemas.openxmlformats.org/drawingml/2006/diagram" xmlns:o="urn:schemas-microsoft-com:office:office" xmlns:v="urn:schemas-microsoft-com:vml" xmlns:pvml="urn:schemas-microsoft-com:office:powerpoint" xmlns:com="http://schemas.openxmlformats.org/drawingml/2006/compatibility" xmlns:p14="http://schemas.microsoft.com/office/powerpoint/2010/main" xmlns:p15="http://schemas.microsoft.com/office/powerpoint/2012/main" xmlns:ahyp="http://schemas.microsoft.com/office/drawing/2018/hyperlinkcolor" showMasterPhAnim="0" showMasterSp="0">
   <p:cSld>
     <p:spTree>
       <p:nvGrpSpPr>
@@ -3464,7 +3464,7 @@
 </file>
 
 <file path=ppt/notesSlides/notesSlide28.xml><?xml version="1.0" encoding="utf-8"?>
-<p:notes xmlns:a="http://schemas.openxmlformats.org/drawingml/2006/main" xmlns:r="http://schemas.openxmlformats.org/officeDocument/2006/relationships" xmlns:mc="http://schemas.openxmlformats.org/markup-compatibility/2006" xmlns:mv="urn:schemas-microsoft-com:mac:vml" xmlns:p="http://schemas.openxmlformats.org/presentationml/2006/main" xmlns:c="http://schemas.openxmlformats.org/drawingml/2006/chart" xmlns:dgm="http://schemas.openxmlformats.org/drawingml/2006/diagram" xmlns:o="urn:schemas-microsoft-com:office:office" xmlns:v="urn:schemas-microsoft-com:vml" xmlns:pvml="urn:schemas-microsoft-com:office:powerpoint" xmlns:com="http://schemas.openxmlformats.org/drawingml/2006/compatibility" xmlns:p14="http://schemas.microsoft.com/office/powerpoint/2010/main" xmlns:p15="http://schemas.microsoft.com/office/powerpoint/2012/main" showMasterPhAnim="0" showMasterSp="0">
+<p:notes xmlns:a="http://schemas.openxmlformats.org/drawingml/2006/main" xmlns:r="http://schemas.openxmlformats.org/officeDocument/2006/relationships" xmlns:mc="http://schemas.openxmlformats.org/markup-compatibility/2006" xmlns:mv="urn:schemas-microsoft-com:mac:vml" xmlns:p="http://schemas.openxmlformats.org/presentationml/2006/main" xmlns:c="http://schemas.openxmlformats.org/drawingml/2006/chart" xmlns:dgm="http://schemas.openxmlformats.org/drawingml/2006/diagram" xmlns:o="urn:schemas-microsoft-com:office:office" xmlns:v="urn:schemas-microsoft-com:vml" xmlns:pvml="urn:schemas-microsoft-com:office:powerpoint" xmlns:com="http://schemas.openxmlformats.org/drawingml/2006/compatibility" xmlns:p14="http://schemas.microsoft.com/office/powerpoint/2010/main" xmlns:p15="http://schemas.microsoft.com/office/powerpoint/2012/main" xmlns:ahyp="http://schemas.microsoft.com/office/drawing/2018/hyperlinkcolor" showMasterPhAnim="0" showMasterSp="0">
   <p:cSld>
     <p:spTree>
       <p:nvGrpSpPr>
@@ -3563,7 +3563,7 @@
 </file>
 
 <file path=ppt/notesSlides/notesSlide29.xml><?xml version="1.0" encoding="utf-8"?>
-<p:notes xmlns:a="http://schemas.openxmlformats.org/drawingml/2006/main" xmlns:r="http://schemas.openxmlformats.org/officeDocument/2006/relationships" xmlns:mc="http://schemas.openxmlformats.org/markup-compatibility/2006" xmlns:mv="urn:schemas-microsoft-com:mac:vml" xmlns:p="http://schemas.openxmlformats.org/presentationml/2006/main" xmlns:c="http://schemas.openxmlformats.org/drawingml/2006/chart" xmlns:dgm="http://schemas.openxmlformats.org/drawingml/2006/diagram" xmlns:o="urn:schemas-microsoft-com:office:office" xmlns:v="urn:schemas-microsoft-com:vml" xmlns:pvml="urn:schemas-microsoft-com:office:powerpoint" xmlns:com="http://schemas.openxmlformats.org/drawingml/2006/compatibility" xmlns:p14="http://schemas.microsoft.com/office/powerpoint/2010/main" xmlns:p15="http://schemas.microsoft.com/office/powerpoint/2012/main" showMasterPhAnim="0" showMasterSp="0">
+<p:notes xmlns:a="http://schemas.openxmlformats.org/drawingml/2006/main" xmlns:r="http://schemas.openxmlformats.org/officeDocument/2006/relationships" xmlns:mc="http://schemas.openxmlformats.org/markup-compatibility/2006" xmlns:mv="urn:schemas-microsoft-com:mac:vml" xmlns:p="http://schemas.openxmlformats.org/presentationml/2006/main" xmlns:c="http://schemas.openxmlformats.org/drawingml/2006/chart" xmlns:dgm="http://schemas.openxmlformats.org/drawingml/2006/diagram" xmlns:o="urn:schemas-microsoft-com:office:office" xmlns:v="urn:schemas-microsoft-com:vml" xmlns:pvml="urn:schemas-microsoft-com:office:powerpoint" xmlns:com="http://schemas.openxmlformats.org/drawingml/2006/compatibility" xmlns:p14="http://schemas.microsoft.com/office/powerpoint/2010/main" xmlns:p15="http://schemas.microsoft.com/office/powerpoint/2012/main" xmlns:ahyp="http://schemas.microsoft.com/office/drawing/2018/hyperlinkcolor" showMasterPhAnim="0" showMasterSp="0">
   <p:cSld>
     <p:spTree>
       <p:nvGrpSpPr>
@@ -3662,7 +3662,7 @@
 </file>
 
 <file path=ppt/notesSlides/notesSlide3.xml><?xml version="1.0" encoding="utf-8"?>
-<p:notes xmlns:a="http://schemas.openxmlformats.org/drawingml/2006/main" xmlns:r="http://schemas.openxmlformats.org/officeDocument/2006/relationships" xmlns:mc="http://schemas.openxmlformats.org/markup-compatibility/2006" xmlns:mv="urn:schemas-microsoft-com:mac:vml" xmlns:p="http://schemas.openxmlformats.org/presentationml/2006/main" xmlns:c="http://schemas.openxmlformats.org/drawingml/2006/chart" xmlns:dgm="http://schemas.openxmlformats.org/drawingml/2006/diagram" xmlns:o="urn:schemas-microsoft-com:office:office" xmlns:v="urn:schemas-microsoft-com:vml" xmlns:pvml="urn:schemas-microsoft-com:office:powerpoint" xmlns:com="http://schemas.openxmlformats.org/drawingml/2006/compatibility" xmlns:p14="http://schemas.microsoft.com/office/powerpoint/2010/main" xmlns:p15="http://schemas.microsoft.com/office/powerpoint/2012/main" showMasterPhAnim="0" showMasterSp="0">
+<p:notes xmlns:a="http://schemas.openxmlformats.org/drawingml/2006/main" xmlns:r="http://schemas.openxmlformats.org/officeDocument/2006/relationships" xmlns:mc="http://schemas.openxmlformats.org/markup-compatibility/2006" xmlns:mv="urn:schemas-microsoft-com:mac:vml" xmlns:p="http://schemas.openxmlformats.org/presentationml/2006/main" xmlns:c="http://schemas.openxmlformats.org/drawingml/2006/chart" xmlns:dgm="http://schemas.openxmlformats.org/drawingml/2006/diagram" xmlns:o="urn:schemas-microsoft-com:office:office" xmlns:v="urn:schemas-microsoft-com:vml" xmlns:pvml="urn:schemas-microsoft-com:office:powerpoint" xmlns:com="http://schemas.openxmlformats.org/drawingml/2006/compatibility" xmlns:p14="http://schemas.microsoft.com/office/powerpoint/2010/main" xmlns:p15="http://schemas.microsoft.com/office/powerpoint/2012/main" xmlns:ahyp="http://schemas.microsoft.com/office/drawing/2018/hyperlinkcolor" showMasterPhAnim="0" showMasterSp="0">
   <p:cSld>
     <p:spTree>
       <p:nvGrpSpPr>
@@ -3761,7 +3761,7 @@
 </file>
 
 <file path=ppt/notesSlides/notesSlide30.xml><?xml version="1.0" encoding="utf-8"?>
-<p:notes xmlns:a="http://schemas.openxmlformats.org/drawingml/2006/main" xmlns:r="http://schemas.openxmlformats.org/officeDocument/2006/relationships" xmlns:mc="http://schemas.openxmlformats.org/markup-compatibility/2006" xmlns:mv="urn:schemas-microsoft-com:mac:vml" xmlns:p="http://schemas.openxmlformats.org/presentationml/2006/main" xmlns:c="http://schemas.openxmlformats.org/drawingml/2006/chart" xmlns:dgm="http://schemas.openxmlformats.org/drawingml/2006/diagram" xmlns:o="urn:schemas-microsoft-com:office:office" xmlns:v="urn:schemas-microsoft-com:vml" xmlns:pvml="urn:schemas-microsoft-com:office:powerpoint" xmlns:com="http://schemas.openxmlformats.org/drawingml/2006/compatibility" xmlns:p14="http://schemas.microsoft.com/office/powerpoint/2010/main" xmlns:p15="http://schemas.microsoft.com/office/powerpoint/2012/main" showMasterPhAnim="0" showMasterSp="0">
+<p:notes xmlns:a="http://schemas.openxmlformats.org/drawingml/2006/main" xmlns:r="http://schemas.openxmlformats.org/officeDocument/2006/relationships" xmlns:mc="http://schemas.openxmlformats.org/markup-compatibility/2006" xmlns:mv="urn:schemas-microsoft-com:mac:vml" xmlns:p="http://schemas.openxmlformats.org/presentationml/2006/main" xmlns:c="http://schemas.openxmlformats.org/drawingml/2006/chart" xmlns:dgm="http://schemas.openxmlformats.org/drawingml/2006/diagram" xmlns:o="urn:schemas-microsoft-com:office:office" xmlns:v="urn:schemas-microsoft-com:vml" xmlns:pvml="urn:schemas-microsoft-com:office:powerpoint" xmlns:com="http://schemas.openxmlformats.org/drawingml/2006/compatibility" xmlns:p14="http://schemas.microsoft.com/office/powerpoint/2010/main" xmlns:p15="http://schemas.microsoft.com/office/powerpoint/2012/main" xmlns:ahyp="http://schemas.microsoft.com/office/drawing/2018/hyperlinkcolor" showMasterPhAnim="0" showMasterSp="0">
   <p:cSld>
     <p:spTree>
       <p:nvGrpSpPr>
@@ -3860,7 +3860,7 @@
 </file>
 
 <file path=ppt/notesSlides/notesSlide31.xml><?xml version="1.0" encoding="utf-8"?>
-<p:notes xmlns:a="http://schemas.openxmlformats.org/drawingml/2006/main" xmlns:r="http://schemas.openxmlformats.org/officeDocument/2006/relationships" xmlns:mc="http://schemas.openxmlformats.org/markup-compatibility/2006" xmlns:mv="urn:schemas-microsoft-com:mac:vml" xmlns:p="http://schemas.openxmlformats.org/presentationml/2006/main" xmlns:c="http://schemas.openxmlformats.org/drawingml/2006/chart" xmlns:dgm="http://schemas.openxmlformats.org/drawingml/2006/diagram" xmlns:o="urn:schemas-microsoft-com:office:office" xmlns:v="urn:schemas-microsoft-com:vml" xmlns:pvml="urn:schemas-microsoft-com:office:powerpoint" xmlns:com="http://schemas.openxmlformats.org/drawingml/2006/compatibility" xmlns:p14="http://schemas.microsoft.com/office/powerpoint/2010/main" xmlns:p15="http://schemas.microsoft.com/office/powerpoint/2012/main" showMasterPhAnim="0" showMasterSp="0">
+<p:notes xmlns:a="http://schemas.openxmlformats.org/drawingml/2006/main" xmlns:r="http://schemas.openxmlformats.org/officeDocument/2006/relationships" xmlns:mc="http://schemas.openxmlformats.org/markup-compatibility/2006" xmlns:mv="urn:schemas-microsoft-com:mac:vml" xmlns:p="http://schemas.openxmlformats.org/presentationml/2006/main" xmlns:c="http://schemas.openxmlformats.org/drawingml/2006/chart" xmlns:dgm="http://schemas.openxmlformats.org/drawingml/2006/diagram" xmlns:o="urn:schemas-microsoft-com:office:office" xmlns:v="urn:schemas-microsoft-com:vml" xmlns:pvml="urn:schemas-microsoft-com:office:powerpoint" xmlns:com="http://schemas.openxmlformats.org/drawingml/2006/compatibility" xmlns:p14="http://schemas.microsoft.com/office/powerpoint/2010/main" xmlns:p15="http://schemas.microsoft.com/office/powerpoint/2012/main" xmlns:ahyp="http://schemas.microsoft.com/office/drawing/2018/hyperlinkcolor" showMasterPhAnim="0" showMasterSp="0">
   <p:cSld>
     <p:spTree>
       <p:nvGrpSpPr>
@@ -3959,7 +3959,7 @@
 </file>
 
 <file path=ppt/notesSlides/notesSlide32.xml><?xml version="1.0" encoding="utf-8"?>
-<p:notes xmlns:a="http://schemas.openxmlformats.org/drawingml/2006/main" xmlns:r="http://schemas.openxmlformats.org/officeDocument/2006/relationships" xmlns:mc="http://schemas.openxmlformats.org/markup-compatibility/2006" xmlns:mv="urn:schemas-microsoft-com:mac:vml" xmlns:p="http://schemas.openxmlformats.org/presentationml/2006/main" xmlns:c="http://schemas.openxmlformats.org/drawingml/2006/chart" xmlns:dgm="http://schemas.openxmlformats.org/drawingml/2006/diagram" xmlns:o="urn:schemas-microsoft-com:office:office" xmlns:v="urn:schemas-microsoft-com:vml" xmlns:pvml="urn:schemas-microsoft-com:office:powerpoint" xmlns:com="http://schemas.openxmlformats.org/drawingml/2006/compatibility" xmlns:p14="http://schemas.microsoft.com/office/powerpoint/2010/main" xmlns:p15="http://schemas.microsoft.com/office/powerpoint/2012/main" showMasterPhAnim="0" showMasterSp="0">
+<p:notes xmlns:a="http://schemas.openxmlformats.org/drawingml/2006/main" xmlns:r="http://schemas.openxmlformats.org/officeDocument/2006/relationships" xmlns:mc="http://schemas.openxmlformats.org/markup-compatibility/2006" xmlns:mv="urn:schemas-microsoft-com:mac:vml" xmlns:p="http://schemas.openxmlformats.org/presentationml/2006/main" xmlns:c="http://schemas.openxmlformats.org/drawingml/2006/chart" xmlns:dgm="http://schemas.openxmlformats.org/drawingml/2006/diagram" xmlns:o="urn:schemas-microsoft-com:office:office" xmlns:v="urn:schemas-microsoft-com:vml" xmlns:pvml="urn:schemas-microsoft-com:office:powerpoint" xmlns:com="http://schemas.openxmlformats.org/drawingml/2006/compatibility" xmlns:p14="http://schemas.microsoft.com/office/powerpoint/2010/main" xmlns:p15="http://schemas.microsoft.com/office/powerpoint/2012/main" xmlns:ahyp="http://schemas.microsoft.com/office/drawing/2018/hyperlinkcolor" showMasterPhAnim="0" showMasterSp="0">
   <p:cSld>
     <p:spTree>
       <p:nvGrpSpPr>
@@ -4058,7 +4058,7 @@
 </file>
 
 <file path=ppt/notesSlides/notesSlide33.xml><?xml version="1.0" encoding="utf-8"?>
-<p:notes xmlns:a="http://schemas.openxmlformats.org/drawingml/2006/main" xmlns:r="http://schemas.openxmlformats.org/officeDocument/2006/relationships" xmlns:mc="http://schemas.openxmlformats.org/markup-compatibility/2006" xmlns:mv="urn:schemas-microsoft-com:mac:vml" xmlns:p="http://schemas.openxmlformats.org/presentationml/2006/main" xmlns:c="http://schemas.openxmlformats.org/drawingml/2006/chart" xmlns:dgm="http://schemas.openxmlformats.org/drawingml/2006/diagram" xmlns:o="urn:schemas-microsoft-com:office:office" xmlns:v="urn:schemas-microsoft-com:vml" xmlns:pvml="urn:schemas-microsoft-com:office:powerpoint" xmlns:com="http://schemas.openxmlformats.org/drawingml/2006/compatibility" xmlns:p14="http://schemas.microsoft.com/office/powerpoint/2010/main" xmlns:p15="http://schemas.microsoft.com/office/powerpoint/2012/main" showMasterPhAnim="0" showMasterSp="0">
+<p:notes xmlns:a="http://schemas.openxmlformats.org/drawingml/2006/main" xmlns:r="http://schemas.openxmlformats.org/officeDocument/2006/relationships" xmlns:mc="http://schemas.openxmlformats.org/markup-compatibility/2006" xmlns:mv="urn:schemas-microsoft-com:mac:vml" xmlns:p="http://schemas.openxmlformats.org/presentationml/2006/main" xmlns:c="http://schemas.openxmlformats.org/drawingml/2006/chart" xmlns:dgm="http://schemas.openxmlformats.org/drawingml/2006/diagram" xmlns:o="urn:schemas-microsoft-com:office:office" xmlns:v="urn:schemas-microsoft-com:vml" xmlns:pvml="urn:schemas-microsoft-com:office:powerpoint" xmlns:com="http://schemas.openxmlformats.org/drawingml/2006/compatibility" xmlns:p14="http://schemas.microsoft.com/office/powerpoint/2010/main" xmlns:p15="http://schemas.microsoft.com/office/powerpoint/2012/main" xmlns:ahyp="http://schemas.microsoft.com/office/drawing/2018/hyperlinkcolor" showMasterPhAnim="0" showMasterSp="0">
   <p:cSld>
     <p:spTree>
       <p:nvGrpSpPr>
@@ -4157,7 +4157,7 @@
 </file>
 
 <file path=ppt/notesSlides/notesSlide4.xml><?xml version="1.0" encoding="utf-8"?>
-<p:notes xmlns:a="http://schemas.openxmlformats.org/drawingml/2006/main" xmlns:r="http://schemas.openxmlformats.org/officeDocument/2006/relationships" xmlns:mc="http://schemas.openxmlformats.org/markup-compatibility/2006" xmlns:mv="urn:schemas-microsoft-com:mac:vml" xmlns:p="http://schemas.openxmlformats.org/presentationml/2006/main" xmlns:c="http://schemas.openxmlformats.org/drawingml/2006/chart" xmlns:dgm="http://schemas.openxmlformats.org/drawingml/2006/diagram" xmlns:o="urn:schemas-microsoft-com:office:office" xmlns:v="urn:schemas-microsoft-com:vml" xmlns:pvml="urn:schemas-microsoft-com:office:powerpoint" xmlns:com="http://schemas.openxmlformats.org/drawingml/2006/compatibility" xmlns:p14="http://schemas.microsoft.com/office/powerpoint/2010/main" xmlns:p15="http://schemas.microsoft.com/office/powerpoint/2012/main" showMasterPhAnim="0" showMasterSp="0">
+<p:notes xmlns:a="http://schemas.openxmlformats.org/drawingml/2006/main" xmlns:r="http://schemas.openxmlformats.org/officeDocument/2006/relationships" xmlns:mc="http://schemas.openxmlformats.org/markup-compatibility/2006" xmlns:mv="urn:schemas-microsoft-com:mac:vml" xmlns:p="http://schemas.openxmlformats.org/presentationml/2006/main" xmlns:c="http://schemas.openxmlformats.org/drawingml/2006/chart" xmlns:dgm="http://schemas.openxmlformats.org/drawingml/2006/diagram" xmlns:o="urn:schemas-microsoft-com:office:office" xmlns:v="urn:schemas-microsoft-com:vml" xmlns:pvml="urn:schemas-microsoft-com:office:powerpoint" xmlns:com="http://schemas.openxmlformats.org/drawingml/2006/compatibility" xmlns:p14="http://schemas.microsoft.com/office/powerpoint/2010/main" xmlns:p15="http://schemas.microsoft.com/office/powerpoint/2012/main" xmlns:ahyp="http://schemas.microsoft.com/office/drawing/2018/hyperlinkcolor" showMasterPhAnim="0" showMasterSp="0">
   <p:cSld>
     <p:spTree>
       <p:nvGrpSpPr>
@@ -4256,7 +4256,7 @@
 </file>
 
 <file path=ppt/notesSlides/notesSlide5.xml><?xml version="1.0" encoding="utf-8"?>
-<p:notes xmlns:a="http://schemas.openxmlformats.org/drawingml/2006/main" xmlns:r="http://schemas.openxmlformats.org/officeDocument/2006/relationships" xmlns:mc="http://schemas.openxmlformats.org/markup-compatibility/2006" xmlns:mv="urn:schemas-microsoft-com:mac:vml" xmlns:p="http://schemas.openxmlformats.org/presentationml/2006/main" xmlns:c="http://schemas.openxmlformats.org/drawingml/2006/chart" xmlns:dgm="http://schemas.openxmlformats.org/drawingml/2006/diagram" xmlns:o="urn:schemas-microsoft-com:office:office" xmlns:v="urn:schemas-microsoft-com:vml" xmlns:pvml="urn:schemas-microsoft-com:office:powerpoint" xmlns:com="http://schemas.openxmlformats.org/drawingml/2006/compatibility" xmlns:p14="http://schemas.microsoft.com/office/powerpoint/2010/main" xmlns:p15="http://schemas.microsoft.com/office/powerpoint/2012/main" showMasterPhAnim="0" showMasterSp="0">
+<p:notes xmlns:a="http://schemas.openxmlformats.org/drawingml/2006/main" xmlns:r="http://schemas.openxmlformats.org/officeDocument/2006/relationships" xmlns:mc="http://schemas.openxmlformats.org/markup-compatibility/2006" xmlns:mv="urn:schemas-microsoft-com:mac:vml" xmlns:p="http://schemas.openxmlformats.org/presentationml/2006/main" xmlns:c="http://schemas.openxmlformats.org/drawingml/2006/chart" xmlns:dgm="http://schemas.openxmlformats.org/drawingml/2006/diagram" xmlns:o="urn:schemas-microsoft-com:office:office" xmlns:v="urn:schemas-microsoft-com:vml" xmlns:pvml="urn:schemas-microsoft-com:office:powerpoint" xmlns:com="http://schemas.openxmlformats.org/drawingml/2006/compatibility" xmlns:p14="http://schemas.microsoft.com/office/powerpoint/2010/main" xmlns:p15="http://schemas.microsoft.com/office/powerpoint/2012/main" xmlns:ahyp="http://schemas.microsoft.com/office/drawing/2018/hyperlinkcolor" showMasterPhAnim="0" showMasterSp="0">
   <p:cSld>
     <p:spTree>
       <p:nvGrpSpPr>
@@ -4355,7 +4355,7 @@
 </file>
 
 <file path=ppt/notesSlides/notesSlide6.xml><?xml version="1.0" encoding="utf-8"?>
-<p:notes xmlns:a="http://schemas.openxmlformats.org/drawingml/2006/main" xmlns:r="http://schemas.openxmlformats.org/officeDocument/2006/relationships" xmlns:mc="http://schemas.openxmlformats.org/markup-compatibility/2006" xmlns:mv="urn:schemas-microsoft-com:mac:vml" xmlns:p="http://schemas.openxmlformats.org/presentationml/2006/main" xmlns:c="http://schemas.openxmlformats.org/drawingml/2006/chart" xmlns:dgm="http://schemas.openxmlformats.org/drawingml/2006/diagram" xmlns:o="urn:schemas-microsoft-com:office:office" xmlns:v="urn:schemas-microsoft-com:vml" xmlns:pvml="urn:schemas-microsoft-com:office:powerpoint" xmlns:com="http://schemas.openxmlformats.org/drawingml/2006/compatibility" xmlns:p14="http://schemas.microsoft.com/office/powerpoint/2010/main" xmlns:p15="http://schemas.microsoft.com/office/powerpoint/2012/main" showMasterPhAnim="0" showMasterSp="0">
+<p:notes xmlns:a="http://schemas.openxmlformats.org/drawingml/2006/main" xmlns:r="http://schemas.openxmlformats.org/officeDocument/2006/relationships" xmlns:mc="http://schemas.openxmlformats.org/markup-compatibility/2006" xmlns:mv="urn:schemas-microsoft-com:mac:vml" xmlns:p="http://schemas.openxmlformats.org/presentationml/2006/main" xmlns:c="http://schemas.openxmlformats.org/drawingml/2006/chart" xmlns:dgm="http://schemas.openxmlformats.org/drawingml/2006/diagram" xmlns:o="urn:schemas-microsoft-com:office:office" xmlns:v="urn:schemas-microsoft-com:vml" xmlns:pvml="urn:schemas-microsoft-com:office:powerpoint" xmlns:com="http://schemas.openxmlformats.org/drawingml/2006/compatibility" xmlns:p14="http://schemas.microsoft.com/office/powerpoint/2010/main" xmlns:p15="http://schemas.microsoft.com/office/powerpoint/2012/main" xmlns:ahyp="http://schemas.microsoft.com/office/drawing/2018/hyperlinkcolor" showMasterPhAnim="0" showMasterSp="0">
   <p:cSld>
     <p:spTree>
       <p:nvGrpSpPr>
@@ -4454,7 +4454,7 @@
 </file>
 
 <file path=ppt/notesSlides/notesSlide7.xml><?xml version="1.0" encoding="utf-8"?>
-<p:notes xmlns:a="http://schemas.openxmlformats.org/drawingml/2006/main" xmlns:r="http://schemas.openxmlformats.org/officeDocument/2006/relationships" xmlns:mc="http://schemas.openxmlformats.org/markup-compatibility/2006" xmlns:mv="urn:schemas-microsoft-com:mac:vml" xmlns:p="http://schemas.openxmlformats.org/presentationml/2006/main" xmlns:c="http://schemas.openxmlformats.org/drawingml/2006/chart" xmlns:dgm="http://schemas.openxmlformats.org/drawingml/2006/diagram" xmlns:o="urn:schemas-microsoft-com:office:office" xmlns:v="urn:schemas-microsoft-com:vml" xmlns:pvml="urn:schemas-microsoft-com:office:powerpoint" xmlns:com="http://schemas.openxmlformats.org/drawingml/2006/compatibility" xmlns:p14="http://schemas.microsoft.com/office/powerpoint/2010/main" xmlns:p15="http://schemas.microsoft.com/office/powerpoint/2012/main" showMasterPhAnim="0" showMasterSp="0">
+<p:notes xmlns:a="http://schemas.openxmlformats.org/drawingml/2006/main" xmlns:r="http://schemas.openxmlformats.org/officeDocument/2006/relationships" xmlns:mc="http://schemas.openxmlformats.org/markup-compatibility/2006" xmlns:mv="urn:schemas-microsoft-com:mac:vml" xmlns:p="http://schemas.openxmlformats.org/presentationml/2006/main" xmlns:c="http://schemas.openxmlformats.org/drawingml/2006/chart" xmlns:dgm="http://schemas.openxmlformats.org/drawingml/2006/diagram" xmlns:o="urn:schemas-microsoft-com:office:office" xmlns:v="urn:schemas-microsoft-com:vml" xmlns:pvml="urn:schemas-microsoft-com:office:powerpoint" xmlns:com="http://schemas.openxmlformats.org/drawingml/2006/compatibility" xmlns:p14="http://schemas.microsoft.com/office/powerpoint/2010/main" xmlns:p15="http://schemas.microsoft.com/office/powerpoint/2012/main" xmlns:ahyp="http://schemas.microsoft.com/office/drawing/2018/hyperlinkcolor" showMasterPhAnim="0" showMasterSp="0">
   <p:cSld>
     <p:spTree>
       <p:nvGrpSpPr>
@@ -4553,7 +4553,7 @@
 </file>
 
 <file path=ppt/notesSlides/notesSlide8.xml><?xml version="1.0" encoding="utf-8"?>
-<p:notes xmlns:a="http://schemas.openxmlformats.org/drawingml/2006/main" xmlns:r="http://schemas.openxmlformats.org/officeDocument/2006/relationships" xmlns:mc="http://schemas.openxmlformats.org/markup-compatibility/2006" xmlns:mv="urn:schemas-microsoft-com:mac:vml" xmlns:p="http://schemas.openxmlformats.org/presentationml/2006/main" xmlns:c="http://schemas.openxmlformats.org/drawingml/2006/chart" xmlns:dgm="http://schemas.openxmlformats.org/drawingml/2006/diagram" xmlns:o="urn:schemas-microsoft-com:office:office" xmlns:v="urn:schemas-microsoft-com:vml" xmlns:pvml="urn:schemas-microsoft-com:office:powerpoint" xmlns:com="http://schemas.openxmlformats.org/drawingml/2006/compatibility" xmlns:p14="http://schemas.microsoft.com/office/powerpoint/2010/main" xmlns:p15="http://schemas.microsoft.com/office/powerpoint/2012/main" showMasterPhAnim="0" showMasterSp="0">
+<p:notes xmlns:a="http://schemas.openxmlformats.org/drawingml/2006/main" xmlns:r="http://schemas.openxmlformats.org/officeDocument/2006/relationships" xmlns:mc="http://schemas.openxmlformats.org/markup-compatibility/2006" xmlns:mv="urn:schemas-microsoft-com:mac:vml" xmlns:p="http://schemas.openxmlformats.org/presentationml/2006/main" xmlns:c="http://schemas.openxmlformats.org/drawingml/2006/chart" xmlns:dgm="http://schemas.openxmlformats.org/drawingml/2006/diagram" xmlns:o="urn:schemas-microsoft-com:office:office" xmlns:v="urn:schemas-microsoft-com:vml" xmlns:pvml="urn:schemas-microsoft-com:office:powerpoint" xmlns:com="http://schemas.openxmlformats.org/drawingml/2006/compatibility" xmlns:p14="http://schemas.microsoft.com/office/powerpoint/2010/main" xmlns:p15="http://schemas.microsoft.com/office/powerpoint/2012/main" xmlns:ahyp="http://schemas.microsoft.com/office/drawing/2018/hyperlinkcolor" showMasterPhAnim="0" showMasterSp="0">
   <p:cSld>
     <p:spTree>
       <p:nvGrpSpPr>
@@ -4652,7 +4652,7 @@
 </file>
 
 <file path=ppt/notesSlides/notesSlide9.xml><?xml version="1.0" encoding="utf-8"?>
-<p:notes xmlns:a="http://schemas.openxmlformats.org/drawingml/2006/main" xmlns:r="http://schemas.openxmlformats.org/officeDocument/2006/relationships" xmlns:mc="http://schemas.openxmlformats.org/markup-compatibility/2006" xmlns:mv="urn:schemas-microsoft-com:mac:vml" xmlns:p="http://schemas.openxmlformats.org/presentationml/2006/main" xmlns:c="http://schemas.openxmlformats.org/drawingml/2006/chart" xmlns:dgm="http://schemas.openxmlformats.org/drawingml/2006/diagram" xmlns:o="urn:schemas-microsoft-com:office:office" xmlns:v="urn:schemas-microsoft-com:vml" xmlns:pvml="urn:schemas-microsoft-com:office:powerpoint" xmlns:com="http://schemas.openxmlformats.org/drawingml/2006/compatibility" xmlns:p14="http://schemas.microsoft.com/office/powerpoint/2010/main" xmlns:p15="http://schemas.microsoft.com/office/powerpoint/2012/main" showMasterPhAnim="0" showMasterSp="0">
+<p:notes xmlns:a="http://schemas.openxmlformats.org/drawingml/2006/main" xmlns:r="http://schemas.openxmlformats.org/officeDocument/2006/relationships" xmlns:mc="http://schemas.openxmlformats.org/markup-compatibility/2006" xmlns:mv="urn:schemas-microsoft-com:mac:vml" xmlns:p="http://schemas.openxmlformats.org/presentationml/2006/main" xmlns:c="http://schemas.openxmlformats.org/drawingml/2006/chart" xmlns:dgm="http://schemas.openxmlformats.org/drawingml/2006/diagram" xmlns:o="urn:schemas-microsoft-com:office:office" xmlns:v="urn:schemas-microsoft-com:vml" xmlns:pvml="urn:schemas-microsoft-com:office:powerpoint" xmlns:com="http://schemas.openxmlformats.org/drawingml/2006/compatibility" xmlns:p14="http://schemas.microsoft.com/office/powerpoint/2010/main" xmlns:p15="http://schemas.microsoft.com/office/powerpoint/2012/main" xmlns:ahyp="http://schemas.microsoft.com/office/drawing/2018/hyperlinkcolor" showMasterPhAnim="0" showMasterSp="0">
   <p:cSld>
     <p:spTree>
       <p:nvGrpSpPr>
@@ -4809,7 +4809,7 @@
 </file>
 
 <file path=ppt/slideLayouts/slideLayout1.xml><?xml version="1.0" encoding="utf-8"?>
-<p:sldLayout xmlns:a="http://schemas.openxmlformats.org/drawingml/2006/main" xmlns:r="http://schemas.openxmlformats.org/officeDocument/2006/relationships" xmlns:mc="http://schemas.openxmlformats.org/markup-compatibility/2006" xmlns:mv="urn:schemas-microsoft-com:mac:vml" xmlns:p="http://schemas.openxmlformats.org/presentationml/2006/main" xmlns:c="http://schemas.openxmlformats.org/drawingml/2006/chart" xmlns:dgm="http://schemas.openxmlformats.org/drawingml/2006/diagram" xmlns:o="urn:schemas-microsoft-com:office:office" xmlns:v="urn:schemas-microsoft-com:vml" xmlns:pvml="urn:schemas-microsoft-com:office:powerpoint" xmlns:com="http://schemas.openxmlformats.org/drawingml/2006/compatibility" xmlns:p14="http://schemas.microsoft.com/office/powerpoint/2010/main" xmlns:p15="http://schemas.microsoft.com/office/powerpoint/2012/main" matchingName="Title Slide" type="title">
+<p:sldLayout xmlns:a="http://schemas.openxmlformats.org/drawingml/2006/main" xmlns:r="http://schemas.openxmlformats.org/officeDocument/2006/relationships" xmlns:mc="http://schemas.openxmlformats.org/markup-compatibility/2006" xmlns:mv="urn:schemas-microsoft-com:mac:vml" xmlns:p="http://schemas.openxmlformats.org/presentationml/2006/main" xmlns:c="http://schemas.openxmlformats.org/drawingml/2006/chart" xmlns:dgm="http://schemas.openxmlformats.org/drawingml/2006/diagram" xmlns:o="urn:schemas-microsoft-com:office:office" xmlns:v="urn:schemas-microsoft-com:vml" xmlns:pvml="urn:schemas-microsoft-com:office:powerpoint" xmlns:com="http://schemas.openxmlformats.org/drawingml/2006/compatibility" xmlns:p14="http://schemas.microsoft.com/office/powerpoint/2010/main" xmlns:p15="http://schemas.microsoft.com/office/powerpoint/2012/main" xmlns:ahyp="http://schemas.microsoft.com/office/drawing/2018/hyperlinkcolor" matchingName="Title Slide" type="title">
   <p:cSld name="TITLE">
     <p:spTree>
       <p:nvGrpSpPr>
@@ -5158,7 +5158,7 @@
 </file>
 
 <file path=ppt/slideLayouts/slideLayout10.xml><?xml version="1.0" encoding="utf-8"?>
-<p:sldLayout xmlns:a="http://schemas.openxmlformats.org/drawingml/2006/main" xmlns:r="http://schemas.openxmlformats.org/officeDocument/2006/relationships" xmlns:mc="http://schemas.openxmlformats.org/markup-compatibility/2006" xmlns:mv="urn:schemas-microsoft-com:mac:vml" xmlns:p="http://schemas.openxmlformats.org/presentationml/2006/main" xmlns:c="http://schemas.openxmlformats.org/drawingml/2006/chart" xmlns:dgm="http://schemas.openxmlformats.org/drawingml/2006/diagram" xmlns:o="urn:schemas-microsoft-com:office:office" xmlns:v="urn:schemas-microsoft-com:vml" xmlns:pvml="urn:schemas-microsoft-com:office:powerpoint" xmlns:com="http://schemas.openxmlformats.org/drawingml/2006/compatibility" xmlns:p14="http://schemas.microsoft.com/office/powerpoint/2010/main" xmlns:p15="http://schemas.microsoft.com/office/powerpoint/2012/main" matchingName="Title and Vertical Text" type="vertTx">
+<p:sldLayout xmlns:a="http://schemas.openxmlformats.org/drawingml/2006/main" xmlns:r="http://schemas.openxmlformats.org/officeDocument/2006/relationships" xmlns:mc="http://schemas.openxmlformats.org/markup-compatibility/2006" xmlns:mv="urn:schemas-microsoft-com:mac:vml" xmlns:p="http://schemas.openxmlformats.org/presentationml/2006/main" xmlns:c="http://schemas.openxmlformats.org/drawingml/2006/chart" xmlns:dgm="http://schemas.openxmlformats.org/drawingml/2006/diagram" xmlns:o="urn:schemas-microsoft-com:office:office" xmlns:v="urn:schemas-microsoft-com:vml" xmlns:pvml="urn:schemas-microsoft-com:office:powerpoint" xmlns:com="http://schemas.openxmlformats.org/drawingml/2006/compatibility" xmlns:p14="http://schemas.microsoft.com/office/powerpoint/2010/main" xmlns:p15="http://schemas.microsoft.com/office/powerpoint/2012/main" xmlns:ahyp="http://schemas.microsoft.com/office/drawing/2018/hyperlinkcolor" matchingName="Title and Vertical Text" type="vertTx">
   <p:cSld name="VERTICAL_TEXT">
     <p:spTree>
       <p:nvGrpSpPr>
@@ -6053,7 +6053,7 @@
 </file>
 
 <file path=ppt/slideLayouts/slideLayout11.xml><?xml version="1.0" encoding="utf-8"?>
-<p:sldLayout xmlns:a="http://schemas.openxmlformats.org/drawingml/2006/main" xmlns:r="http://schemas.openxmlformats.org/officeDocument/2006/relationships" xmlns:mc="http://schemas.openxmlformats.org/markup-compatibility/2006" xmlns:mv="urn:schemas-microsoft-com:mac:vml" xmlns:p="http://schemas.openxmlformats.org/presentationml/2006/main" xmlns:c="http://schemas.openxmlformats.org/drawingml/2006/chart" xmlns:dgm="http://schemas.openxmlformats.org/drawingml/2006/diagram" xmlns:o="urn:schemas-microsoft-com:office:office" xmlns:v="urn:schemas-microsoft-com:vml" xmlns:pvml="urn:schemas-microsoft-com:office:powerpoint" xmlns:com="http://schemas.openxmlformats.org/drawingml/2006/compatibility" xmlns:p14="http://schemas.microsoft.com/office/powerpoint/2010/main" xmlns:p15="http://schemas.microsoft.com/office/powerpoint/2012/main" matchingName="Vertical Title and Text" type="vertTitleAndTx">
+<p:sldLayout xmlns:a="http://schemas.openxmlformats.org/drawingml/2006/main" xmlns:r="http://schemas.openxmlformats.org/officeDocument/2006/relationships" xmlns:mc="http://schemas.openxmlformats.org/markup-compatibility/2006" xmlns:mv="urn:schemas-microsoft-com:mac:vml" xmlns:p="http://schemas.openxmlformats.org/presentationml/2006/main" xmlns:c="http://schemas.openxmlformats.org/drawingml/2006/chart" xmlns:dgm="http://schemas.openxmlformats.org/drawingml/2006/diagram" xmlns:o="urn:schemas-microsoft-com:office:office" xmlns:v="urn:schemas-microsoft-com:vml" xmlns:pvml="urn:schemas-microsoft-com:office:powerpoint" xmlns:com="http://schemas.openxmlformats.org/drawingml/2006/compatibility" xmlns:p14="http://schemas.microsoft.com/office/powerpoint/2010/main" xmlns:p15="http://schemas.microsoft.com/office/powerpoint/2012/main" xmlns:ahyp="http://schemas.microsoft.com/office/drawing/2018/hyperlinkcolor" matchingName="Vertical Title and Text" type="vertTitleAndTx">
   <p:cSld name="VERTICAL_TITLE_AND_VERTICAL_TEXT">
     <p:spTree>
       <p:nvGrpSpPr>
@@ -6948,7 +6948,7 @@
 </file>
 
 <file path=ppt/slideLayouts/slideLayout2.xml><?xml version="1.0" encoding="utf-8"?>
-<p:sldLayout xmlns:a="http://schemas.openxmlformats.org/drawingml/2006/main" xmlns:r="http://schemas.openxmlformats.org/officeDocument/2006/relationships" xmlns:mc="http://schemas.openxmlformats.org/markup-compatibility/2006" xmlns:mv="urn:schemas-microsoft-com:mac:vml" xmlns:p="http://schemas.openxmlformats.org/presentationml/2006/main" xmlns:c="http://schemas.openxmlformats.org/drawingml/2006/chart" xmlns:dgm="http://schemas.openxmlformats.org/drawingml/2006/diagram" xmlns:o="urn:schemas-microsoft-com:office:office" xmlns:v="urn:schemas-microsoft-com:vml" xmlns:pvml="urn:schemas-microsoft-com:office:powerpoint" xmlns:com="http://schemas.openxmlformats.org/drawingml/2006/compatibility" xmlns:p14="http://schemas.microsoft.com/office/powerpoint/2010/main" xmlns:p15="http://schemas.microsoft.com/office/powerpoint/2012/main" matchingName="Title and Content" type="obj">
+<p:sldLayout xmlns:a="http://schemas.openxmlformats.org/drawingml/2006/main" xmlns:r="http://schemas.openxmlformats.org/officeDocument/2006/relationships" xmlns:mc="http://schemas.openxmlformats.org/markup-compatibility/2006" xmlns:mv="urn:schemas-microsoft-com:mac:vml" xmlns:p="http://schemas.openxmlformats.org/presentationml/2006/main" xmlns:c="http://schemas.openxmlformats.org/drawingml/2006/chart" xmlns:dgm="http://schemas.openxmlformats.org/drawingml/2006/diagram" xmlns:o="urn:schemas-microsoft-com:office:office" xmlns:v="urn:schemas-microsoft-com:vml" xmlns:pvml="urn:schemas-microsoft-com:office:powerpoint" xmlns:com="http://schemas.openxmlformats.org/drawingml/2006/compatibility" xmlns:p14="http://schemas.microsoft.com/office/powerpoint/2010/main" xmlns:p15="http://schemas.microsoft.com/office/powerpoint/2012/main" xmlns:ahyp="http://schemas.microsoft.com/office/drawing/2018/hyperlinkcolor" matchingName="Title and Content" type="obj">
   <p:cSld name="OBJECT">
     <p:spTree>
       <p:nvGrpSpPr>
@@ -7843,7 +7843,7 @@
 </file>
 
 <file path=ppt/slideLayouts/slideLayout3.xml><?xml version="1.0" encoding="utf-8"?>
-<p:sldLayout xmlns:a="http://schemas.openxmlformats.org/drawingml/2006/main" xmlns:r="http://schemas.openxmlformats.org/officeDocument/2006/relationships" xmlns:mc="http://schemas.openxmlformats.org/markup-compatibility/2006" xmlns:mv="urn:schemas-microsoft-com:mac:vml" xmlns:p="http://schemas.openxmlformats.org/presentationml/2006/main" xmlns:c="http://schemas.openxmlformats.org/drawingml/2006/chart" xmlns:dgm="http://schemas.openxmlformats.org/drawingml/2006/diagram" xmlns:o="urn:schemas-microsoft-com:office:office" xmlns:v="urn:schemas-microsoft-com:vml" xmlns:pvml="urn:schemas-microsoft-com:office:powerpoint" xmlns:com="http://schemas.openxmlformats.org/drawingml/2006/compatibility" xmlns:p14="http://schemas.microsoft.com/office/powerpoint/2010/main" xmlns:p15="http://schemas.microsoft.com/office/powerpoint/2012/main" matchingName="Section Header" type="secHead">
+<p:sldLayout xmlns:a="http://schemas.openxmlformats.org/drawingml/2006/main" xmlns:r="http://schemas.openxmlformats.org/officeDocument/2006/relationships" xmlns:mc="http://schemas.openxmlformats.org/markup-compatibility/2006" xmlns:mv="urn:schemas-microsoft-com:mac:vml" xmlns:p="http://schemas.openxmlformats.org/presentationml/2006/main" xmlns:c="http://schemas.openxmlformats.org/drawingml/2006/chart" xmlns:dgm="http://schemas.openxmlformats.org/drawingml/2006/diagram" xmlns:o="urn:schemas-microsoft-com:office:office" xmlns:v="urn:schemas-microsoft-com:vml" xmlns:pvml="urn:schemas-microsoft-com:office:powerpoint" xmlns:com="http://schemas.openxmlformats.org/drawingml/2006/compatibility" xmlns:p14="http://schemas.microsoft.com/office/powerpoint/2010/main" xmlns:p15="http://schemas.microsoft.com/office/powerpoint/2012/main" xmlns:ahyp="http://schemas.microsoft.com/office/drawing/2018/hyperlinkcolor" matchingName="Section Header" type="secHead">
   <p:cSld name="SECTION_HEADER">
     <p:spTree>
       <p:nvGrpSpPr>
@@ -8775,7 +8775,7 @@
 </file>
 
 <file path=ppt/slideLayouts/slideLayout4.xml><?xml version="1.0" encoding="utf-8"?>
-<p:sldLayout xmlns:a="http://schemas.openxmlformats.org/drawingml/2006/main" xmlns:r="http://schemas.openxmlformats.org/officeDocument/2006/relationships" xmlns:mc="http://schemas.openxmlformats.org/markup-compatibility/2006" xmlns:mv="urn:schemas-microsoft-com:mac:vml" xmlns:p="http://schemas.openxmlformats.org/presentationml/2006/main" xmlns:c="http://schemas.openxmlformats.org/drawingml/2006/chart" xmlns:dgm="http://schemas.openxmlformats.org/drawingml/2006/diagram" xmlns:o="urn:schemas-microsoft-com:office:office" xmlns:v="urn:schemas-microsoft-com:vml" xmlns:pvml="urn:schemas-microsoft-com:office:powerpoint" xmlns:com="http://schemas.openxmlformats.org/drawingml/2006/compatibility" xmlns:p14="http://schemas.microsoft.com/office/powerpoint/2010/main" xmlns:p15="http://schemas.microsoft.com/office/powerpoint/2012/main" matchingName="Two Content" type="twoObj">
+<p:sldLayout xmlns:a="http://schemas.openxmlformats.org/drawingml/2006/main" xmlns:r="http://schemas.openxmlformats.org/officeDocument/2006/relationships" xmlns:mc="http://schemas.openxmlformats.org/markup-compatibility/2006" xmlns:mv="urn:schemas-microsoft-com:mac:vml" xmlns:p="http://schemas.openxmlformats.org/presentationml/2006/main" xmlns:c="http://schemas.openxmlformats.org/drawingml/2006/chart" xmlns:dgm="http://schemas.openxmlformats.org/drawingml/2006/diagram" xmlns:o="urn:schemas-microsoft-com:office:office" xmlns:v="urn:schemas-microsoft-com:vml" xmlns:pvml="urn:schemas-microsoft-com:office:powerpoint" xmlns:com="http://schemas.openxmlformats.org/drawingml/2006/compatibility" xmlns:p14="http://schemas.microsoft.com/office/powerpoint/2010/main" xmlns:p15="http://schemas.microsoft.com/office/powerpoint/2012/main" xmlns:ahyp="http://schemas.microsoft.com/office/drawing/2018/hyperlinkcolor" matchingName="Two Content" type="twoObj">
   <p:cSld name="TWO_OBJECTS">
     <p:spTree>
       <p:nvGrpSpPr>
@@ -9826,7 +9826,7 @@
 </file>
 
 <file path=ppt/slideLayouts/slideLayout5.xml><?xml version="1.0" encoding="utf-8"?>
-<p:sldLayout xmlns:a="http://schemas.openxmlformats.org/drawingml/2006/main" xmlns:r="http://schemas.openxmlformats.org/officeDocument/2006/relationships" xmlns:mc="http://schemas.openxmlformats.org/markup-compatibility/2006" xmlns:mv="urn:schemas-microsoft-com:mac:vml" xmlns:p="http://schemas.openxmlformats.org/presentationml/2006/main" xmlns:c="http://schemas.openxmlformats.org/drawingml/2006/chart" xmlns:dgm="http://schemas.openxmlformats.org/drawingml/2006/diagram" xmlns:o="urn:schemas-microsoft-com:office:office" xmlns:v="urn:schemas-microsoft-com:vml" xmlns:pvml="urn:schemas-microsoft-com:office:powerpoint" xmlns:com="http://schemas.openxmlformats.org/drawingml/2006/compatibility" xmlns:p14="http://schemas.microsoft.com/office/powerpoint/2010/main" xmlns:p15="http://schemas.microsoft.com/office/powerpoint/2012/main" matchingName="Comparison" type="twoTxTwoObj">
+<p:sldLayout xmlns:a="http://schemas.openxmlformats.org/drawingml/2006/main" xmlns:r="http://schemas.openxmlformats.org/officeDocument/2006/relationships" xmlns:mc="http://schemas.openxmlformats.org/markup-compatibility/2006" xmlns:mv="urn:schemas-microsoft-com:mac:vml" xmlns:p="http://schemas.openxmlformats.org/presentationml/2006/main" xmlns:c="http://schemas.openxmlformats.org/drawingml/2006/chart" xmlns:dgm="http://schemas.openxmlformats.org/drawingml/2006/diagram" xmlns:o="urn:schemas-microsoft-com:office:office" xmlns:v="urn:schemas-microsoft-com:vml" xmlns:pvml="urn:schemas-microsoft-com:office:powerpoint" xmlns:com="http://schemas.openxmlformats.org/drawingml/2006/compatibility" xmlns:p14="http://schemas.microsoft.com/office/powerpoint/2010/main" xmlns:p15="http://schemas.microsoft.com/office/powerpoint/2012/main" xmlns:ahyp="http://schemas.microsoft.com/office/drawing/2018/hyperlinkcolor" matchingName="Comparison" type="twoTxTwoObj">
   <p:cSld name="TWO_OBJECTS_WITH_TEXT">
     <p:spTree>
       <p:nvGrpSpPr>
@@ -11190,7 +11190,7 @@
 </file>
 
 <file path=ppt/slideLayouts/slideLayout6.xml><?xml version="1.0" encoding="utf-8"?>
-<p:sldLayout xmlns:a="http://schemas.openxmlformats.org/drawingml/2006/main" xmlns:r="http://schemas.openxmlformats.org/officeDocument/2006/relationships" xmlns:mc="http://schemas.openxmlformats.org/markup-compatibility/2006" xmlns:mv="urn:schemas-microsoft-com:mac:vml" xmlns:p="http://schemas.openxmlformats.org/presentationml/2006/main" xmlns:c="http://schemas.openxmlformats.org/drawingml/2006/chart" xmlns:dgm="http://schemas.openxmlformats.org/drawingml/2006/diagram" xmlns:o="urn:schemas-microsoft-com:office:office" xmlns:v="urn:schemas-microsoft-com:vml" xmlns:pvml="urn:schemas-microsoft-com:office:powerpoint" xmlns:com="http://schemas.openxmlformats.org/drawingml/2006/compatibility" xmlns:p14="http://schemas.microsoft.com/office/powerpoint/2010/main" xmlns:p15="http://schemas.microsoft.com/office/powerpoint/2012/main" matchingName="Title Only" type="titleOnly">
+<p:sldLayout xmlns:a="http://schemas.openxmlformats.org/drawingml/2006/main" xmlns:r="http://schemas.openxmlformats.org/officeDocument/2006/relationships" xmlns:mc="http://schemas.openxmlformats.org/markup-compatibility/2006" xmlns:mv="urn:schemas-microsoft-com:mac:vml" xmlns:p="http://schemas.openxmlformats.org/presentationml/2006/main" xmlns:c="http://schemas.openxmlformats.org/drawingml/2006/chart" xmlns:dgm="http://schemas.openxmlformats.org/drawingml/2006/diagram" xmlns:o="urn:schemas-microsoft-com:office:office" xmlns:v="urn:schemas-microsoft-com:vml" xmlns:pvml="urn:schemas-microsoft-com:office:powerpoint" xmlns:com="http://schemas.openxmlformats.org/drawingml/2006/compatibility" xmlns:p14="http://schemas.microsoft.com/office/powerpoint/2010/main" xmlns:p15="http://schemas.microsoft.com/office/powerpoint/2012/main" xmlns:ahyp="http://schemas.microsoft.com/office/drawing/2018/hyperlinkcolor" matchingName="Title Only" type="titleOnly">
   <p:cSld name="TITLE_ONLY">
     <p:spTree>
       <p:nvGrpSpPr>
@@ -11929,7 +11929,7 @@
 </file>
 
 <file path=ppt/slideLayouts/slideLayout7.xml><?xml version="1.0" encoding="utf-8"?>
-<p:sldLayout xmlns:a="http://schemas.openxmlformats.org/drawingml/2006/main" xmlns:r="http://schemas.openxmlformats.org/officeDocument/2006/relationships" xmlns:mc="http://schemas.openxmlformats.org/markup-compatibility/2006" xmlns:mv="urn:schemas-microsoft-com:mac:vml" xmlns:p="http://schemas.openxmlformats.org/presentationml/2006/main" xmlns:c="http://schemas.openxmlformats.org/drawingml/2006/chart" xmlns:dgm="http://schemas.openxmlformats.org/drawingml/2006/diagram" xmlns:o="urn:schemas-microsoft-com:office:office" xmlns:v="urn:schemas-microsoft-com:vml" xmlns:pvml="urn:schemas-microsoft-com:office:powerpoint" xmlns:com="http://schemas.openxmlformats.org/drawingml/2006/compatibility" xmlns:p14="http://schemas.microsoft.com/office/powerpoint/2010/main" xmlns:p15="http://schemas.microsoft.com/office/powerpoint/2012/main" matchingName="Blank" type="blank">
+<p:sldLayout xmlns:a="http://schemas.openxmlformats.org/drawingml/2006/main" xmlns:r="http://schemas.openxmlformats.org/officeDocument/2006/relationships" xmlns:mc="http://schemas.openxmlformats.org/markup-compatibility/2006" xmlns:mv="urn:schemas-microsoft-com:mac:vml" xmlns:p="http://schemas.openxmlformats.org/presentationml/2006/main" xmlns:c="http://schemas.openxmlformats.org/drawingml/2006/chart" xmlns:dgm="http://schemas.openxmlformats.org/drawingml/2006/diagram" xmlns:o="urn:schemas-microsoft-com:office:office" xmlns:v="urn:schemas-microsoft-com:vml" xmlns:pvml="urn:schemas-microsoft-com:office:powerpoint" xmlns:com="http://schemas.openxmlformats.org/drawingml/2006/compatibility" xmlns:p14="http://schemas.microsoft.com/office/powerpoint/2010/main" xmlns:p15="http://schemas.microsoft.com/office/powerpoint/2012/main" xmlns:ahyp="http://schemas.microsoft.com/office/drawing/2018/hyperlinkcolor" matchingName="Blank" type="blank">
   <p:cSld name="BLANK">
     <p:spTree>
       <p:nvGrpSpPr>
@@ -12536,7 +12536,7 @@
 </file>
 
 <file path=ppt/slideLayouts/slideLayout8.xml><?xml version="1.0" encoding="utf-8"?>
-<p:sldLayout xmlns:a="http://schemas.openxmlformats.org/drawingml/2006/main" xmlns:r="http://schemas.openxmlformats.org/officeDocument/2006/relationships" xmlns:mc="http://schemas.openxmlformats.org/markup-compatibility/2006" xmlns:mv="urn:schemas-microsoft-com:mac:vml" xmlns:p="http://schemas.openxmlformats.org/presentationml/2006/main" xmlns:c="http://schemas.openxmlformats.org/drawingml/2006/chart" xmlns:dgm="http://schemas.openxmlformats.org/drawingml/2006/diagram" xmlns:o="urn:schemas-microsoft-com:office:office" xmlns:v="urn:schemas-microsoft-com:vml" xmlns:pvml="urn:schemas-microsoft-com:office:powerpoint" xmlns:com="http://schemas.openxmlformats.org/drawingml/2006/compatibility" xmlns:p14="http://schemas.microsoft.com/office/powerpoint/2010/main" xmlns:p15="http://schemas.microsoft.com/office/powerpoint/2012/main" matchingName="Content with Caption" type="objTx">
+<p:sldLayout xmlns:a="http://schemas.openxmlformats.org/drawingml/2006/main" xmlns:r="http://schemas.openxmlformats.org/officeDocument/2006/relationships" xmlns:mc="http://schemas.openxmlformats.org/markup-compatibility/2006" xmlns:mv="urn:schemas-microsoft-com:mac:vml" xmlns:p="http://schemas.openxmlformats.org/presentationml/2006/main" xmlns:c="http://schemas.openxmlformats.org/drawingml/2006/chart" xmlns:dgm="http://schemas.openxmlformats.org/drawingml/2006/diagram" xmlns:o="urn:schemas-microsoft-com:office:office" xmlns:v="urn:schemas-microsoft-com:vml" xmlns:pvml="urn:schemas-microsoft-com:office:powerpoint" xmlns:com="http://schemas.openxmlformats.org/drawingml/2006/compatibility" xmlns:p14="http://schemas.microsoft.com/office/powerpoint/2010/main" xmlns:p15="http://schemas.microsoft.com/office/powerpoint/2012/main" xmlns:ahyp="http://schemas.microsoft.com/office/drawing/2018/hyperlinkcolor" matchingName="Content with Caption" type="objTx">
   <p:cSld name="OBJECT_WITH_CAPTION_TEXT">
     <p:spTree>
       <p:nvGrpSpPr>
@@ -13588,7 +13588,7 @@
 </file>
 
 <file path=ppt/slideLayouts/slideLayout9.xml><?xml version="1.0" encoding="utf-8"?>
-<p:sldLayout xmlns:a="http://schemas.openxmlformats.org/drawingml/2006/main" xmlns:r="http://schemas.openxmlformats.org/officeDocument/2006/relationships" xmlns:mc="http://schemas.openxmlformats.org/markup-compatibility/2006" xmlns:mv="urn:schemas-microsoft-com:mac:vml" xmlns:p="http://schemas.openxmlformats.org/presentationml/2006/main" xmlns:c="http://schemas.openxmlformats.org/drawingml/2006/chart" xmlns:dgm="http://schemas.openxmlformats.org/drawingml/2006/diagram" xmlns:o="urn:schemas-microsoft-com:office:office" xmlns:v="urn:schemas-microsoft-com:vml" xmlns:pvml="urn:schemas-microsoft-com:office:powerpoint" xmlns:com="http://schemas.openxmlformats.org/drawingml/2006/compatibility" xmlns:p14="http://schemas.microsoft.com/office/powerpoint/2010/main" xmlns:p15="http://schemas.microsoft.com/office/powerpoint/2012/main" matchingName="Picture with Caption" type="picTx">
+<p:sldLayout xmlns:a="http://schemas.openxmlformats.org/drawingml/2006/main" xmlns:r="http://schemas.openxmlformats.org/officeDocument/2006/relationships" xmlns:mc="http://schemas.openxmlformats.org/markup-compatibility/2006" xmlns:mv="urn:schemas-microsoft-com:mac:vml" xmlns:p="http://schemas.openxmlformats.org/presentationml/2006/main" xmlns:c="http://schemas.openxmlformats.org/drawingml/2006/chart" xmlns:dgm="http://schemas.openxmlformats.org/drawingml/2006/diagram" xmlns:o="urn:schemas-microsoft-com:office:office" xmlns:v="urn:schemas-microsoft-com:vml" xmlns:pvml="urn:schemas-microsoft-com:office:powerpoint" xmlns:com="http://schemas.openxmlformats.org/drawingml/2006/compatibility" xmlns:p14="http://schemas.microsoft.com/office/powerpoint/2010/main" xmlns:p15="http://schemas.microsoft.com/office/powerpoint/2012/main" xmlns:ahyp="http://schemas.microsoft.com/office/drawing/2018/hyperlinkcolor" matchingName="Picture with Caption" type="picTx">
   <p:cSld name="PICTURE_WITH_CAPTION_TEXT">
     <p:spTree>
       <p:nvGrpSpPr>
@@ -14721,7 +14721,7 @@
 </file>
 
 <file path=ppt/slideMasters/slideMaster1.xml><?xml version="1.0" encoding="utf-8"?>
-<p:sldMaster xmlns:a="http://schemas.openxmlformats.org/drawingml/2006/main" xmlns:r="http://schemas.openxmlformats.org/officeDocument/2006/relationships" xmlns:mc="http://schemas.openxmlformats.org/markup-compatibility/2006" xmlns:mv="urn:schemas-microsoft-com:mac:vml" xmlns:p="http://schemas.openxmlformats.org/presentationml/2006/main" xmlns:c="http://schemas.openxmlformats.org/drawingml/2006/chart" xmlns:dgm="http://schemas.openxmlformats.org/drawingml/2006/diagram" xmlns:o="urn:schemas-microsoft-com:office:office" xmlns:v="urn:schemas-microsoft-com:vml" xmlns:pvml="urn:schemas-microsoft-com:office:powerpoint" xmlns:com="http://schemas.openxmlformats.org/drawingml/2006/compatibility" xmlns:p14="http://schemas.microsoft.com/office/powerpoint/2010/main" xmlns:p15="http://schemas.microsoft.com/office/powerpoint/2012/main">
+<p:sldMaster xmlns:a="http://schemas.openxmlformats.org/drawingml/2006/main" xmlns:r="http://schemas.openxmlformats.org/officeDocument/2006/relationships" xmlns:mc="http://schemas.openxmlformats.org/markup-compatibility/2006" xmlns:mv="urn:schemas-microsoft-com:mac:vml" xmlns:p="http://schemas.openxmlformats.org/presentationml/2006/main" xmlns:c="http://schemas.openxmlformats.org/drawingml/2006/chart" xmlns:dgm="http://schemas.openxmlformats.org/drawingml/2006/diagram" xmlns:o="urn:schemas-microsoft-com:office:office" xmlns:v="urn:schemas-microsoft-com:vml" xmlns:pvml="urn:schemas-microsoft-com:office:powerpoint" xmlns:com="http://schemas.openxmlformats.org/drawingml/2006/compatibility" xmlns:p14="http://schemas.microsoft.com/office/powerpoint/2010/main" xmlns:p15="http://schemas.microsoft.com/office/powerpoint/2012/main" xmlns:ahyp="http://schemas.microsoft.com/office/drawing/2018/hyperlinkcolor">
   <p:cSld>
     <p:bg>
       <p:bgPr>
@@ -15224,7 +15224,13 @@
                 <a:ea typeface="Montserrat"/>
                 <a:cs typeface="Montserrat"/>
                 <a:sym typeface="Montserrat"/>
-                <a:hlinkClick r:id="rId1"/>
+                <a:hlinkClick r:id="rId1">
+                  <a:extLst>
+                    <a:ext uri="{A12FA001-AC4F-418D-AE19-62706E023703}">
+                      <ahyp:hlinkClr val="tx"/>
+                    </a:ext>
+                  </a:extLst>
+                </a:hlinkClick>
               </a:rPr>
               <a:t>http://creativecommons.org/licenses/by-nc-sa/4.0/</a:t>
             </a:r>
@@ -15981,7 +15987,7 @@
 </file>
 
 <file path=ppt/slides/slide1.xml><?xml version="1.0" encoding="utf-8"?>
-<p:sld xmlns:a="http://schemas.openxmlformats.org/drawingml/2006/main" xmlns:r="http://schemas.openxmlformats.org/officeDocument/2006/relationships" xmlns:mc="http://schemas.openxmlformats.org/markup-compatibility/2006" xmlns:mv="urn:schemas-microsoft-com:mac:vml" xmlns:p="http://schemas.openxmlformats.org/presentationml/2006/main" xmlns:c="http://schemas.openxmlformats.org/drawingml/2006/chart" xmlns:dgm="http://schemas.openxmlformats.org/drawingml/2006/diagram" xmlns:o="urn:schemas-microsoft-com:office:office" xmlns:v="urn:schemas-microsoft-com:vml" xmlns:pvml="urn:schemas-microsoft-com:office:powerpoint" xmlns:com="http://schemas.openxmlformats.org/drawingml/2006/compatibility" xmlns:p14="http://schemas.microsoft.com/office/powerpoint/2010/main" xmlns:p15="http://schemas.microsoft.com/office/powerpoint/2012/main">
+<p:sld xmlns:a="http://schemas.openxmlformats.org/drawingml/2006/main" xmlns:r="http://schemas.openxmlformats.org/officeDocument/2006/relationships" xmlns:mc="http://schemas.openxmlformats.org/markup-compatibility/2006" xmlns:mv="urn:schemas-microsoft-com:mac:vml" xmlns:p="http://schemas.openxmlformats.org/presentationml/2006/main" xmlns:c="http://schemas.openxmlformats.org/drawingml/2006/chart" xmlns:dgm="http://schemas.openxmlformats.org/drawingml/2006/diagram" xmlns:o="urn:schemas-microsoft-com:office:office" xmlns:v="urn:schemas-microsoft-com:vml" xmlns:pvml="urn:schemas-microsoft-com:office:powerpoint" xmlns:com="http://schemas.openxmlformats.org/drawingml/2006/compatibility" xmlns:p14="http://schemas.microsoft.com/office/powerpoint/2010/main" xmlns:p15="http://schemas.microsoft.com/office/powerpoint/2012/main" xmlns:ahyp="http://schemas.microsoft.com/office/drawing/2018/hyperlinkcolor">
   <p:cSld>
     <p:spTree>
       <p:nvGrpSpPr>
@@ -16162,7 +16168,7 @@
 </file>
 
 <file path=ppt/slides/slide10.xml><?xml version="1.0" encoding="utf-8"?>
-<p:sld xmlns:a="http://schemas.openxmlformats.org/drawingml/2006/main" xmlns:r="http://schemas.openxmlformats.org/officeDocument/2006/relationships" xmlns:mc="http://schemas.openxmlformats.org/markup-compatibility/2006" xmlns:mv="urn:schemas-microsoft-com:mac:vml" xmlns:p="http://schemas.openxmlformats.org/presentationml/2006/main" xmlns:c="http://schemas.openxmlformats.org/drawingml/2006/chart" xmlns:dgm="http://schemas.openxmlformats.org/drawingml/2006/diagram" xmlns:o="urn:schemas-microsoft-com:office:office" xmlns:v="urn:schemas-microsoft-com:vml" xmlns:pvml="urn:schemas-microsoft-com:office:powerpoint" xmlns:com="http://schemas.openxmlformats.org/drawingml/2006/compatibility" xmlns:p14="http://schemas.microsoft.com/office/powerpoint/2010/main" xmlns:p15="http://schemas.microsoft.com/office/powerpoint/2012/main">
+<p:sld xmlns:a="http://schemas.openxmlformats.org/drawingml/2006/main" xmlns:r="http://schemas.openxmlformats.org/officeDocument/2006/relationships" xmlns:mc="http://schemas.openxmlformats.org/markup-compatibility/2006" xmlns:mv="urn:schemas-microsoft-com:mac:vml" xmlns:p="http://schemas.openxmlformats.org/presentationml/2006/main" xmlns:c="http://schemas.openxmlformats.org/drawingml/2006/chart" xmlns:dgm="http://schemas.openxmlformats.org/drawingml/2006/diagram" xmlns:o="urn:schemas-microsoft-com:office:office" xmlns:v="urn:schemas-microsoft-com:vml" xmlns:pvml="urn:schemas-microsoft-com:office:powerpoint" xmlns:com="http://schemas.openxmlformats.org/drawingml/2006/compatibility" xmlns:p14="http://schemas.microsoft.com/office/powerpoint/2010/main" xmlns:p15="http://schemas.microsoft.com/office/powerpoint/2012/main" xmlns:ahyp="http://schemas.microsoft.com/office/drawing/2018/hyperlinkcolor">
   <p:cSld>
     <p:spTree>
       <p:nvGrpSpPr>
@@ -16308,7 +16314,7 @@
 </file>
 
 <file path=ppt/slides/slide11.xml><?xml version="1.0" encoding="utf-8"?>
-<p:sld xmlns:a="http://schemas.openxmlformats.org/drawingml/2006/main" xmlns:r="http://schemas.openxmlformats.org/officeDocument/2006/relationships" xmlns:mc="http://schemas.openxmlformats.org/markup-compatibility/2006" xmlns:mv="urn:schemas-microsoft-com:mac:vml" xmlns:p="http://schemas.openxmlformats.org/presentationml/2006/main" xmlns:c="http://schemas.openxmlformats.org/drawingml/2006/chart" xmlns:dgm="http://schemas.openxmlformats.org/drawingml/2006/diagram" xmlns:o="urn:schemas-microsoft-com:office:office" xmlns:v="urn:schemas-microsoft-com:vml" xmlns:pvml="urn:schemas-microsoft-com:office:powerpoint" xmlns:com="http://schemas.openxmlformats.org/drawingml/2006/compatibility" xmlns:p14="http://schemas.microsoft.com/office/powerpoint/2010/main" xmlns:p15="http://schemas.microsoft.com/office/powerpoint/2012/main">
+<p:sld xmlns:a="http://schemas.openxmlformats.org/drawingml/2006/main" xmlns:r="http://schemas.openxmlformats.org/officeDocument/2006/relationships" xmlns:mc="http://schemas.openxmlformats.org/markup-compatibility/2006" xmlns:mv="urn:schemas-microsoft-com:mac:vml" xmlns:p="http://schemas.openxmlformats.org/presentationml/2006/main" xmlns:c="http://schemas.openxmlformats.org/drawingml/2006/chart" xmlns:dgm="http://schemas.openxmlformats.org/drawingml/2006/diagram" xmlns:o="urn:schemas-microsoft-com:office:office" xmlns:v="urn:schemas-microsoft-com:vml" xmlns:pvml="urn:schemas-microsoft-com:office:powerpoint" xmlns:com="http://schemas.openxmlformats.org/drawingml/2006/compatibility" xmlns:p14="http://schemas.microsoft.com/office/powerpoint/2010/main" xmlns:p15="http://schemas.microsoft.com/office/powerpoint/2012/main" xmlns:ahyp="http://schemas.microsoft.com/office/drawing/2018/hyperlinkcolor">
   <p:cSld>
     <p:spTree>
       <p:nvGrpSpPr>
@@ -16550,7 +16556,7 @@
 </file>
 
 <file path=ppt/slides/slide12.xml><?xml version="1.0" encoding="utf-8"?>
-<p:sld xmlns:a="http://schemas.openxmlformats.org/drawingml/2006/main" xmlns:r="http://schemas.openxmlformats.org/officeDocument/2006/relationships" xmlns:mc="http://schemas.openxmlformats.org/markup-compatibility/2006" xmlns:mv="urn:schemas-microsoft-com:mac:vml" xmlns:p="http://schemas.openxmlformats.org/presentationml/2006/main" xmlns:c="http://schemas.openxmlformats.org/drawingml/2006/chart" xmlns:dgm="http://schemas.openxmlformats.org/drawingml/2006/diagram" xmlns:o="urn:schemas-microsoft-com:office:office" xmlns:v="urn:schemas-microsoft-com:vml" xmlns:pvml="urn:schemas-microsoft-com:office:powerpoint" xmlns:com="http://schemas.openxmlformats.org/drawingml/2006/compatibility" xmlns:p14="http://schemas.microsoft.com/office/powerpoint/2010/main" xmlns:p15="http://schemas.microsoft.com/office/powerpoint/2012/main">
+<p:sld xmlns:a="http://schemas.openxmlformats.org/drawingml/2006/main" xmlns:r="http://schemas.openxmlformats.org/officeDocument/2006/relationships" xmlns:mc="http://schemas.openxmlformats.org/markup-compatibility/2006" xmlns:mv="urn:schemas-microsoft-com:mac:vml" xmlns:p="http://schemas.openxmlformats.org/presentationml/2006/main" xmlns:c="http://schemas.openxmlformats.org/drawingml/2006/chart" xmlns:dgm="http://schemas.openxmlformats.org/drawingml/2006/diagram" xmlns:o="urn:schemas-microsoft-com:office:office" xmlns:v="urn:schemas-microsoft-com:vml" xmlns:pvml="urn:schemas-microsoft-com:office:powerpoint" xmlns:com="http://schemas.openxmlformats.org/drawingml/2006/compatibility" xmlns:p14="http://schemas.microsoft.com/office/powerpoint/2010/main" xmlns:p15="http://schemas.microsoft.com/office/powerpoint/2012/main" xmlns:ahyp="http://schemas.microsoft.com/office/drawing/2018/hyperlinkcolor">
   <p:cSld>
     <p:spTree>
       <p:nvGrpSpPr>
@@ -16834,7 +16840,7 @@
 </file>
 
 <file path=ppt/slides/slide13.xml><?xml version="1.0" encoding="utf-8"?>
-<p:sld xmlns:a="http://schemas.openxmlformats.org/drawingml/2006/main" xmlns:r="http://schemas.openxmlformats.org/officeDocument/2006/relationships" xmlns:mc="http://schemas.openxmlformats.org/markup-compatibility/2006" xmlns:mv="urn:schemas-microsoft-com:mac:vml" xmlns:p="http://schemas.openxmlformats.org/presentationml/2006/main" xmlns:c="http://schemas.openxmlformats.org/drawingml/2006/chart" xmlns:dgm="http://schemas.openxmlformats.org/drawingml/2006/diagram" xmlns:o="urn:schemas-microsoft-com:office:office" xmlns:v="urn:schemas-microsoft-com:vml" xmlns:pvml="urn:schemas-microsoft-com:office:powerpoint" xmlns:com="http://schemas.openxmlformats.org/drawingml/2006/compatibility" xmlns:p14="http://schemas.microsoft.com/office/powerpoint/2010/main" xmlns:p15="http://schemas.microsoft.com/office/powerpoint/2012/main">
+<p:sld xmlns:a="http://schemas.openxmlformats.org/drawingml/2006/main" xmlns:r="http://schemas.openxmlformats.org/officeDocument/2006/relationships" xmlns:mc="http://schemas.openxmlformats.org/markup-compatibility/2006" xmlns:mv="urn:schemas-microsoft-com:mac:vml" xmlns:p="http://schemas.openxmlformats.org/presentationml/2006/main" xmlns:c="http://schemas.openxmlformats.org/drawingml/2006/chart" xmlns:dgm="http://schemas.openxmlformats.org/drawingml/2006/diagram" xmlns:o="urn:schemas-microsoft-com:office:office" xmlns:v="urn:schemas-microsoft-com:vml" xmlns:pvml="urn:schemas-microsoft-com:office:powerpoint" xmlns:com="http://schemas.openxmlformats.org/drawingml/2006/compatibility" xmlns:p14="http://schemas.microsoft.com/office/powerpoint/2010/main" xmlns:p15="http://schemas.microsoft.com/office/powerpoint/2012/main" xmlns:ahyp="http://schemas.microsoft.com/office/drawing/2018/hyperlinkcolor">
   <p:cSld>
     <p:spTree>
       <p:nvGrpSpPr>
@@ -16935,7 +16941,7 @@
 </file>
 
 <file path=ppt/slides/slide14.xml><?xml version="1.0" encoding="utf-8"?>
-<p:sld xmlns:a="http://schemas.openxmlformats.org/drawingml/2006/main" xmlns:r="http://schemas.openxmlformats.org/officeDocument/2006/relationships" xmlns:mc="http://schemas.openxmlformats.org/markup-compatibility/2006" xmlns:mv="urn:schemas-microsoft-com:mac:vml" xmlns:p="http://schemas.openxmlformats.org/presentationml/2006/main" xmlns:c="http://schemas.openxmlformats.org/drawingml/2006/chart" xmlns:dgm="http://schemas.openxmlformats.org/drawingml/2006/diagram" xmlns:o="urn:schemas-microsoft-com:office:office" xmlns:v="urn:schemas-microsoft-com:vml" xmlns:pvml="urn:schemas-microsoft-com:office:powerpoint" xmlns:com="http://schemas.openxmlformats.org/drawingml/2006/compatibility" xmlns:p14="http://schemas.microsoft.com/office/powerpoint/2010/main" xmlns:p15="http://schemas.microsoft.com/office/powerpoint/2012/main">
+<p:sld xmlns:a="http://schemas.openxmlformats.org/drawingml/2006/main" xmlns:r="http://schemas.openxmlformats.org/officeDocument/2006/relationships" xmlns:mc="http://schemas.openxmlformats.org/markup-compatibility/2006" xmlns:mv="urn:schemas-microsoft-com:mac:vml" xmlns:p="http://schemas.openxmlformats.org/presentationml/2006/main" xmlns:c="http://schemas.openxmlformats.org/drawingml/2006/chart" xmlns:dgm="http://schemas.openxmlformats.org/drawingml/2006/diagram" xmlns:o="urn:schemas-microsoft-com:office:office" xmlns:v="urn:schemas-microsoft-com:vml" xmlns:pvml="urn:schemas-microsoft-com:office:powerpoint" xmlns:com="http://schemas.openxmlformats.org/drawingml/2006/compatibility" xmlns:p14="http://schemas.microsoft.com/office/powerpoint/2010/main" xmlns:p15="http://schemas.microsoft.com/office/powerpoint/2012/main" xmlns:ahyp="http://schemas.microsoft.com/office/drawing/2018/hyperlinkcolor">
   <p:cSld>
     <p:spTree>
       <p:nvGrpSpPr>
@@ -17035,7 +17041,7 @@
 </file>
 
 <file path=ppt/slides/slide15.xml><?xml version="1.0" encoding="utf-8"?>
-<p:sld xmlns:a="http://schemas.openxmlformats.org/drawingml/2006/main" xmlns:r="http://schemas.openxmlformats.org/officeDocument/2006/relationships" xmlns:mc="http://schemas.openxmlformats.org/markup-compatibility/2006" xmlns:mv="urn:schemas-microsoft-com:mac:vml" xmlns:p="http://schemas.openxmlformats.org/presentationml/2006/main" xmlns:c="http://schemas.openxmlformats.org/drawingml/2006/chart" xmlns:dgm="http://schemas.openxmlformats.org/drawingml/2006/diagram" xmlns:o="urn:schemas-microsoft-com:office:office" xmlns:v="urn:schemas-microsoft-com:vml" xmlns:pvml="urn:schemas-microsoft-com:office:powerpoint" xmlns:com="http://schemas.openxmlformats.org/drawingml/2006/compatibility" xmlns:p14="http://schemas.microsoft.com/office/powerpoint/2010/main" xmlns:p15="http://schemas.microsoft.com/office/powerpoint/2012/main">
+<p:sld xmlns:a="http://schemas.openxmlformats.org/drawingml/2006/main" xmlns:r="http://schemas.openxmlformats.org/officeDocument/2006/relationships" xmlns:mc="http://schemas.openxmlformats.org/markup-compatibility/2006" xmlns:mv="urn:schemas-microsoft-com:mac:vml" xmlns:p="http://schemas.openxmlformats.org/presentationml/2006/main" xmlns:c="http://schemas.openxmlformats.org/drawingml/2006/chart" xmlns:dgm="http://schemas.openxmlformats.org/drawingml/2006/diagram" xmlns:o="urn:schemas-microsoft-com:office:office" xmlns:v="urn:schemas-microsoft-com:vml" xmlns:pvml="urn:schemas-microsoft-com:office:powerpoint" xmlns:com="http://schemas.openxmlformats.org/drawingml/2006/compatibility" xmlns:p14="http://schemas.microsoft.com/office/powerpoint/2010/main" xmlns:p15="http://schemas.microsoft.com/office/powerpoint/2012/main" xmlns:ahyp="http://schemas.microsoft.com/office/drawing/2018/hyperlinkcolor">
   <p:cSld>
     <p:spTree>
       <p:nvGrpSpPr>
@@ -17365,7 +17371,7 @@
 </file>
 
 <file path=ppt/slides/slide16.xml><?xml version="1.0" encoding="utf-8"?>
-<p:sld xmlns:a="http://schemas.openxmlformats.org/drawingml/2006/main" xmlns:r="http://schemas.openxmlformats.org/officeDocument/2006/relationships" xmlns:mc="http://schemas.openxmlformats.org/markup-compatibility/2006" xmlns:mv="urn:schemas-microsoft-com:mac:vml" xmlns:p="http://schemas.openxmlformats.org/presentationml/2006/main" xmlns:c="http://schemas.openxmlformats.org/drawingml/2006/chart" xmlns:dgm="http://schemas.openxmlformats.org/drawingml/2006/diagram" xmlns:o="urn:schemas-microsoft-com:office:office" xmlns:v="urn:schemas-microsoft-com:vml" xmlns:pvml="urn:schemas-microsoft-com:office:powerpoint" xmlns:com="http://schemas.openxmlformats.org/drawingml/2006/compatibility" xmlns:p14="http://schemas.microsoft.com/office/powerpoint/2010/main" xmlns:p15="http://schemas.microsoft.com/office/powerpoint/2012/main">
+<p:sld xmlns:a="http://schemas.openxmlformats.org/drawingml/2006/main" xmlns:r="http://schemas.openxmlformats.org/officeDocument/2006/relationships" xmlns:mc="http://schemas.openxmlformats.org/markup-compatibility/2006" xmlns:mv="urn:schemas-microsoft-com:mac:vml" xmlns:p="http://schemas.openxmlformats.org/presentationml/2006/main" xmlns:c="http://schemas.openxmlformats.org/drawingml/2006/chart" xmlns:dgm="http://schemas.openxmlformats.org/drawingml/2006/diagram" xmlns:o="urn:schemas-microsoft-com:office:office" xmlns:v="urn:schemas-microsoft-com:vml" xmlns:pvml="urn:schemas-microsoft-com:office:powerpoint" xmlns:com="http://schemas.openxmlformats.org/drawingml/2006/compatibility" xmlns:p14="http://schemas.microsoft.com/office/powerpoint/2010/main" xmlns:p15="http://schemas.microsoft.com/office/powerpoint/2012/main" xmlns:ahyp="http://schemas.microsoft.com/office/drawing/2018/hyperlinkcolor">
   <p:cSld>
     <p:spTree>
       <p:nvGrpSpPr>
@@ -17567,7 +17573,7 @@
 </file>
 
 <file path=ppt/slides/slide17.xml><?xml version="1.0" encoding="utf-8"?>
-<p:sld xmlns:a="http://schemas.openxmlformats.org/drawingml/2006/main" xmlns:r="http://schemas.openxmlformats.org/officeDocument/2006/relationships" xmlns:mc="http://schemas.openxmlformats.org/markup-compatibility/2006" xmlns:mv="urn:schemas-microsoft-com:mac:vml" xmlns:p="http://schemas.openxmlformats.org/presentationml/2006/main" xmlns:c="http://schemas.openxmlformats.org/drawingml/2006/chart" xmlns:dgm="http://schemas.openxmlformats.org/drawingml/2006/diagram" xmlns:o="urn:schemas-microsoft-com:office:office" xmlns:v="urn:schemas-microsoft-com:vml" xmlns:pvml="urn:schemas-microsoft-com:office:powerpoint" xmlns:com="http://schemas.openxmlformats.org/drawingml/2006/compatibility" xmlns:p14="http://schemas.microsoft.com/office/powerpoint/2010/main" xmlns:p15="http://schemas.microsoft.com/office/powerpoint/2012/main">
+<p:sld xmlns:a="http://schemas.openxmlformats.org/drawingml/2006/main" xmlns:r="http://schemas.openxmlformats.org/officeDocument/2006/relationships" xmlns:mc="http://schemas.openxmlformats.org/markup-compatibility/2006" xmlns:mv="urn:schemas-microsoft-com:mac:vml" xmlns:p="http://schemas.openxmlformats.org/presentationml/2006/main" xmlns:c="http://schemas.openxmlformats.org/drawingml/2006/chart" xmlns:dgm="http://schemas.openxmlformats.org/drawingml/2006/diagram" xmlns:o="urn:schemas-microsoft-com:office:office" xmlns:v="urn:schemas-microsoft-com:vml" xmlns:pvml="urn:schemas-microsoft-com:office:powerpoint" xmlns:com="http://schemas.openxmlformats.org/drawingml/2006/compatibility" xmlns:p14="http://schemas.microsoft.com/office/powerpoint/2010/main" xmlns:p15="http://schemas.microsoft.com/office/powerpoint/2012/main" xmlns:ahyp="http://schemas.microsoft.com/office/drawing/2018/hyperlinkcolor">
   <p:cSld>
     <p:spTree>
       <p:nvGrpSpPr>
@@ -17814,7 +17820,7 @@
 </file>
 
 <file path=ppt/slides/slide18.xml><?xml version="1.0" encoding="utf-8"?>
-<p:sld xmlns:a="http://schemas.openxmlformats.org/drawingml/2006/main" xmlns:r="http://schemas.openxmlformats.org/officeDocument/2006/relationships" xmlns:mc="http://schemas.openxmlformats.org/markup-compatibility/2006" xmlns:mv="urn:schemas-microsoft-com:mac:vml" xmlns:p="http://schemas.openxmlformats.org/presentationml/2006/main" xmlns:c="http://schemas.openxmlformats.org/drawingml/2006/chart" xmlns:dgm="http://schemas.openxmlformats.org/drawingml/2006/diagram" xmlns:o="urn:schemas-microsoft-com:office:office" xmlns:v="urn:schemas-microsoft-com:vml" xmlns:pvml="urn:schemas-microsoft-com:office:powerpoint" xmlns:com="http://schemas.openxmlformats.org/drawingml/2006/compatibility" xmlns:p14="http://schemas.microsoft.com/office/powerpoint/2010/main" xmlns:p15="http://schemas.microsoft.com/office/powerpoint/2012/main">
+<p:sld xmlns:a="http://schemas.openxmlformats.org/drawingml/2006/main" xmlns:r="http://schemas.openxmlformats.org/officeDocument/2006/relationships" xmlns:mc="http://schemas.openxmlformats.org/markup-compatibility/2006" xmlns:mv="urn:schemas-microsoft-com:mac:vml" xmlns:p="http://schemas.openxmlformats.org/presentationml/2006/main" xmlns:c="http://schemas.openxmlformats.org/drawingml/2006/chart" xmlns:dgm="http://schemas.openxmlformats.org/drawingml/2006/diagram" xmlns:o="urn:schemas-microsoft-com:office:office" xmlns:v="urn:schemas-microsoft-com:vml" xmlns:pvml="urn:schemas-microsoft-com:office:powerpoint" xmlns:com="http://schemas.openxmlformats.org/drawingml/2006/compatibility" xmlns:p14="http://schemas.microsoft.com/office/powerpoint/2010/main" xmlns:p15="http://schemas.microsoft.com/office/powerpoint/2012/main" xmlns:ahyp="http://schemas.microsoft.com/office/drawing/2018/hyperlinkcolor">
   <p:cSld>
     <p:spTree>
       <p:nvGrpSpPr>
@@ -18239,7 +18245,7 @@
 </file>
 
 <file path=ppt/slides/slide19.xml><?xml version="1.0" encoding="utf-8"?>
-<p:sld xmlns:a="http://schemas.openxmlformats.org/drawingml/2006/main" xmlns:r="http://schemas.openxmlformats.org/officeDocument/2006/relationships" xmlns:mc="http://schemas.openxmlformats.org/markup-compatibility/2006" xmlns:mv="urn:schemas-microsoft-com:mac:vml" xmlns:p="http://schemas.openxmlformats.org/presentationml/2006/main" xmlns:c="http://schemas.openxmlformats.org/drawingml/2006/chart" xmlns:dgm="http://schemas.openxmlformats.org/drawingml/2006/diagram" xmlns:o="urn:schemas-microsoft-com:office:office" xmlns:v="urn:schemas-microsoft-com:vml" xmlns:pvml="urn:schemas-microsoft-com:office:powerpoint" xmlns:com="http://schemas.openxmlformats.org/drawingml/2006/compatibility" xmlns:p14="http://schemas.microsoft.com/office/powerpoint/2010/main" xmlns:p15="http://schemas.microsoft.com/office/powerpoint/2012/main">
+<p:sld xmlns:a="http://schemas.openxmlformats.org/drawingml/2006/main" xmlns:r="http://schemas.openxmlformats.org/officeDocument/2006/relationships" xmlns:mc="http://schemas.openxmlformats.org/markup-compatibility/2006" xmlns:mv="urn:schemas-microsoft-com:mac:vml" xmlns:p="http://schemas.openxmlformats.org/presentationml/2006/main" xmlns:c="http://schemas.openxmlformats.org/drawingml/2006/chart" xmlns:dgm="http://schemas.openxmlformats.org/drawingml/2006/diagram" xmlns:o="urn:schemas-microsoft-com:office:office" xmlns:v="urn:schemas-microsoft-com:vml" xmlns:pvml="urn:schemas-microsoft-com:office:powerpoint" xmlns:com="http://schemas.openxmlformats.org/drawingml/2006/compatibility" xmlns:p14="http://schemas.microsoft.com/office/powerpoint/2010/main" xmlns:p15="http://schemas.microsoft.com/office/powerpoint/2012/main" xmlns:ahyp="http://schemas.microsoft.com/office/drawing/2018/hyperlinkcolor">
   <p:cSld>
     <p:spTree>
       <p:nvGrpSpPr>
@@ -19379,7 +19385,7 @@
 </file>
 
 <file path=ppt/slides/slide2.xml><?xml version="1.0" encoding="utf-8"?>
-<p:sld xmlns:a="http://schemas.openxmlformats.org/drawingml/2006/main" xmlns:r="http://schemas.openxmlformats.org/officeDocument/2006/relationships" xmlns:mc="http://schemas.openxmlformats.org/markup-compatibility/2006" xmlns:mv="urn:schemas-microsoft-com:mac:vml" xmlns:p="http://schemas.openxmlformats.org/presentationml/2006/main" xmlns:c="http://schemas.openxmlformats.org/drawingml/2006/chart" xmlns:dgm="http://schemas.openxmlformats.org/drawingml/2006/diagram" xmlns:o="urn:schemas-microsoft-com:office:office" xmlns:v="urn:schemas-microsoft-com:vml" xmlns:pvml="urn:schemas-microsoft-com:office:powerpoint" xmlns:com="http://schemas.openxmlformats.org/drawingml/2006/compatibility" xmlns:p14="http://schemas.microsoft.com/office/powerpoint/2010/main" xmlns:p15="http://schemas.microsoft.com/office/powerpoint/2012/main">
+<p:sld xmlns:a="http://schemas.openxmlformats.org/drawingml/2006/main" xmlns:r="http://schemas.openxmlformats.org/officeDocument/2006/relationships" xmlns:mc="http://schemas.openxmlformats.org/markup-compatibility/2006" xmlns:mv="urn:schemas-microsoft-com:mac:vml" xmlns:p="http://schemas.openxmlformats.org/presentationml/2006/main" xmlns:c="http://schemas.openxmlformats.org/drawingml/2006/chart" xmlns:dgm="http://schemas.openxmlformats.org/drawingml/2006/diagram" xmlns:o="urn:schemas-microsoft-com:office:office" xmlns:v="urn:schemas-microsoft-com:vml" xmlns:pvml="urn:schemas-microsoft-com:office:powerpoint" xmlns:com="http://schemas.openxmlformats.org/drawingml/2006/compatibility" xmlns:p14="http://schemas.microsoft.com/office/powerpoint/2010/main" xmlns:p15="http://schemas.microsoft.com/office/powerpoint/2012/main" xmlns:ahyp="http://schemas.microsoft.com/office/drawing/2018/hyperlinkcolor">
   <p:cSld>
     <p:spTree>
       <p:nvGrpSpPr>
@@ -19711,7 +19717,7 @@
 </file>
 
 <file path=ppt/slides/slide20.xml><?xml version="1.0" encoding="utf-8"?>
-<p:sld xmlns:a="http://schemas.openxmlformats.org/drawingml/2006/main" xmlns:r="http://schemas.openxmlformats.org/officeDocument/2006/relationships" xmlns:mc="http://schemas.openxmlformats.org/markup-compatibility/2006" xmlns:mv="urn:schemas-microsoft-com:mac:vml" xmlns:p="http://schemas.openxmlformats.org/presentationml/2006/main" xmlns:c="http://schemas.openxmlformats.org/drawingml/2006/chart" xmlns:dgm="http://schemas.openxmlformats.org/drawingml/2006/diagram" xmlns:o="urn:schemas-microsoft-com:office:office" xmlns:v="urn:schemas-microsoft-com:vml" xmlns:pvml="urn:schemas-microsoft-com:office:powerpoint" xmlns:com="http://schemas.openxmlformats.org/drawingml/2006/compatibility" xmlns:p14="http://schemas.microsoft.com/office/powerpoint/2010/main" xmlns:p15="http://schemas.microsoft.com/office/powerpoint/2012/main">
+<p:sld xmlns:a="http://schemas.openxmlformats.org/drawingml/2006/main" xmlns:r="http://schemas.openxmlformats.org/officeDocument/2006/relationships" xmlns:mc="http://schemas.openxmlformats.org/markup-compatibility/2006" xmlns:mv="urn:schemas-microsoft-com:mac:vml" xmlns:p="http://schemas.openxmlformats.org/presentationml/2006/main" xmlns:c="http://schemas.openxmlformats.org/drawingml/2006/chart" xmlns:dgm="http://schemas.openxmlformats.org/drawingml/2006/diagram" xmlns:o="urn:schemas-microsoft-com:office:office" xmlns:v="urn:schemas-microsoft-com:vml" xmlns:pvml="urn:schemas-microsoft-com:office:powerpoint" xmlns:com="http://schemas.openxmlformats.org/drawingml/2006/compatibility" xmlns:p14="http://schemas.microsoft.com/office/powerpoint/2010/main" xmlns:p15="http://schemas.microsoft.com/office/powerpoint/2012/main" xmlns:ahyp="http://schemas.microsoft.com/office/drawing/2018/hyperlinkcolor">
   <p:cSld>
     <p:spTree>
       <p:nvGrpSpPr>
@@ -19880,7 +19886,7 @@
 </file>
 
 <file path=ppt/slides/slide21.xml><?xml version="1.0" encoding="utf-8"?>
-<p:sld xmlns:a="http://schemas.openxmlformats.org/drawingml/2006/main" xmlns:r="http://schemas.openxmlformats.org/officeDocument/2006/relationships" xmlns:mc="http://schemas.openxmlformats.org/markup-compatibility/2006" xmlns:mv="urn:schemas-microsoft-com:mac:vml" xmlns:p="http://schemas.openxmlformats.org/presentationml/2006/main" xmlns:c="http://schemas.openxmlformats.org/drawingml/2006/chart" xmlns:dgm="http://schemas.openxmlformats.org/drawingml/2006/diagram" xmlns:o="urn:schemas-microsoft-com:office:office" xmlns:v="urn:schemas-microsoft-com:vml" xmlns:pvml="urn:schemas-microsoft-com:office:powerpoint" xmlns:com="http://schemas.openxmlformats.org/drawingml/2006/compatibility" xmlns:p14="http://schemas.microsoft.com/office/powerpoint/2010/main" xmlns:p15="http://schemas.microsoft.com/office/powerpoint/2012/main">
+<p:sld xmlns:a="http://schemas.openxmlformats.org/drawingml/2006/main" xmlns:r="http://schemas.openxmlformats.org/officeDocument/2006/relationships" xmlns:mc="http://schemas.openxmlformats.org/markup-compatibility/2006" xmlns:mv="urn:schemas-microsoft-com:mac:vml" xmlns:p="http://schemas.openxmlformats.org/presentationml/2006/main" xmlns:c="http://schemas.openxmlformats.org/drawingml/2006/chart" xmlns:dgm="http://schemas.openxmlformats.org/drawingml/2006/diagram" xmlns:o="urn:schemas-microsoft-com:office:office" xmlns:v="urn:schemas-microsoft-com:vml" xmlns:pvml="urn:schemas-microsoft-com:office:powerpoint" xmlns:com="http://schemas.openxmlformats.org/drawingml/2006/compatibility" xmlns:p14="http://schemas.microsoft.com/office/powerpoint/2010/main" xmlns:p15="http://schemas.microsoft.com/office/powerpoint/2012/main" xmlns:ahyp="http://schemas.microsoft.com/office/drawing/2018/hyperlinkcolor">
   <p:cSld>
     <p:spTree>
       <p:nvGrpSpPr>
@@ -20074,7 +20080,7 @@
 </file>
 
 <file path=ppt/slides/slide22.xml><?xml version="1.0" encoding="utf-8"?>
-<p:sld xmlns:a="http://schemas.openxmlformats.org/drawingml/2006/main" xmlns:r="http://schemas.openxmlformats.org/officeDocument/2006/relationships" xmlns:mc="http://schemas.openxmlformats.org/markup-compatibility/2006" xmlns:mv="urn:schemas-microsoft-com:mac:vml" xmlns:p="http://schemas.openxmlformats.org/presentationml/2006/main" xmlns:c="http://schemas.openxmlformats.org/drawingml/2006/chart" xmlns:dgm="http://schemas.openxmlformats.org/drawingml/2006/diagram" xmlns:o="urn:schemas-microsoft-com:office:office" xmlns:v="urn:schemas-microsoft-com:vml" xmlns:pvml="urn:schemas-microsoft-com:office:powerpoint" xmlns:com="http://schemas.openxmlformats.org/drawingml/2006/compatibility" xmlns:p14="http://schemas.microsoft.com/office/powerpoint/2010/main" xmlns:p15="http://schemas.microsoft.com/office/powerpoint/2012/main">
+<p:sld xmlns:a="http://schemas.openxmlformats.org/drawingml/2006/main" xmlns:r="http://schemas.openxmlformats.org/officeDocument/2006/relationships" xmlns:mc="http://schemas.openxmlformats.org/markup-compatibility/2006" xmlns:mv="urn:schemas-microsoft-com:mac:vml" xmlns:p="http://schemas.openxmlformats.org/presentationml/2006/main" xmlns:c="http://schemas.openxmlformats.org/drawingml/2006/chart" xmlns:dgm="http://schemas.openxmlformats.org/drawingml/2006/diagram" xmlns:o="urn:schemas-microsoft-com:office:office" xmlns:v="urn:schemas-microsoft-com:vml" xmlns:pvml="urn:schemas-microsoft-com:office:powerpoint" xmlns:com="http://schemas.openxmlformats.org/drawingml/2006/compatibility" xmlns:p14="http://schemas.microsoft.com/office/powerpoint/2010/main" xmlns:p15="http://schemas.microsoft.com/office/powerpoint/2012/main" xmlns:ahyp="http://schemas.microsoft.com/office/drawing/2018/hyperlinkcolor">
   <p:cSld>
     <p:spTree>
       <p:nvGrpSpPr>
@@ -20316,7 +20322,7 @@
 </file>
 
 <file path=ppt/slides/slide23.xml><?xml version="1.0" encoding="utf-8"?>
-<p:sld xmlns:a="http://schemas.openxmlformats.org/drawingml/2006/main" xmlns:r="http://schemas.openxmlformats.org/officeDocument/2006/relationships" xmlns:mc="http://schemas.openxmlformats.org/markup-compatibility/2006" xmlns:mv="urn:schemas-microsoft-com:mac:vml" xmlns:p="http://schemas.openxmlformats.org/presentationml/2006/main" xmlns:c="http://schemas.openxmlformats.org/drawingml/2006/chart" xmlns:dgm="http://schemas.openxmlformats.org/drawingml/2006/diagram" xmlns:o="urn:schemas-microsoft-com:office:office" xmlns:v="urn:schemas-microsoft-com:vml" xmlns:pvml="urn:schemas-microsoft-com:office:powerpoint" xmlns:com="http://schemas.openxmlformats.org/drawingml/2006/compatibility" xmlns:p14="http://schemas.microsoft.com/office/powerpoint/2010/main" xmlns:p15="http://schemas.microsoft.com/office/powerpoint/2012/main">
+<p:sld xmlns:a="http://schemas.openxmlformats.org/drawingml/2006/main" xmlns:r="http://schemas.openxmlformats.org/officeDocument/2006/relationships" xmlns:mc="http://schemas.openxmlformats.org/markup-compatibility/2006" xmlns:mv="urn:schemas-microsoft-com:mac:vml" xmlns:p="http://schemas.openxmlformats.org/presentationml/2006/main" xmlns:c="http://schemas.openxmlformats.org/drawingml/2006/chart" xmlns:dgm="http://schemas.openxmlformats.org/drawingml/2006/diagram" xmlns:o="urn:schemas-microsoft-com:office:office" xmlns:v="urn:schemas-microsoft-com:vml" xmlns:pvml="urn:schemas-microsoft-com:office:powerpoint" xmlns:com="http://schemas.openxmlformats.org/drawingml/2006/compatibility" xmlns:p14="http://schemas.microsoft.com/office/powerpoint/2010/main" xmlns:p15="http://schemas.microsoft.com/office/powerpoint/2012/main" xmlns:ahyp="http://schemas.microsoft.com/office/drawing/2018/hyperlinkcolor">
   <p:cSld>
     <p:spTree>
       <p:nvGrpSpPr>
@@ -20543,7 +20549,7 @@
 </file>
 
 <file path=ppt/slides/slide24.xml><?xml version="1.0" encoding="utf-8"?>
-<p:sld xmlns:a="http://schemas.openxmlformats.org/drawingml/2006/main" xmlns:r="http://schemas.openxmlformats.org/officeDocument/2006/relationships" xmlns:mc="http://schemas.openxmlformats.org/markup-compatibility/2006" xmlns:mv="urn:schemas-microsoft-com:mac:vml" xmlns:p="http://schemas.openxmlformats.org/presentationml/2006/main" xmlns:c="http://schemas.openxmlformats.org/drawingml/2006/chart" xmlns:dgm="http://schemas.openxmlformats.org/drawingml/2006/diagram" xmlns:o="urn:schemas-microsoft-com:office:office" xmlns:v="urn:schemas-microsoft-com:vml" xmlns:pvml="urn:schemas-microsoft-com:office:powerpoint" xmlns:com="http://schemas.openxmlformats.org/drawingml/2006/compatibility" xmlns:p14="http://schemas.microsoft.com/office/powerpoint/2010/main" xmlns:p15="http://schemas.microsoft.com/office/powerpoint/2012/main">
+<p:sld xmlns:a="http://schemas.openxmlformats.org/drawingml/2006/main" xmlns:r="http://schemas.openxmlformats.org/officeDocument/2006/relationships" xmlns:mc="http://schemas.openxmlformats.org/markup-compatibility/2006" xmlns:mv="urn:schemas-microsoft-com:mac:vml" xmlns:p="http://schemas.openxmlformats.org/presentationml/2006/main" xmlns:c="http://schemas.openxmlformats.org/drawingml/2006/chart" xmlns:dgm="http://schemas.openxmlformats.org/drawingml/2006/diagram" xmlns:o="urn:schemas-microsoft-com:office:office" xmlns:v="urn:schemas-microsoft-com:vml" xmlns:pvml="urn:schemas-microsoft-com:office:powerpoint" xmlns:com="http://schemas.openxmlformats.org/drawingml/2006/compatibility" xmlns:p14="http://schemas.microsoft.com/office/powerpoint/2010/main" xmlns:p15="http://schemas.microsoft.com/office/powerpoint/2012/main" xmlns:ahyp="http://schemas.microsoft.com/office/drawing/2018/hyperlinkcolor">
   <p:cSld>
     <p:spTree>
       <p:nvGrpSpPr>
@@ -20719,7 +20725,7 @@
 </file>
 
 <file path=ppt/slides/slide25.xml><?xml version="1.0" encoding="utf-8"?>
-<p:sld xmlns:a="http://schemas.openxmlformats.org/drawingml/2006/main" xmlns:r="http://schemas.openxmlformats.org/officeDocument/2006/relationships" xmlns:mc="http://schemas.openxmlformats.org/markup-compatibility/2006" xmlns:mv="urn:schemas-microsoft-com:mac:vml" xmlns:p="http://schemas.openxmlformats.org/presentationml/2006/main" xmlns:c="http://schemas.openxmlformats.org/drawingml/2006/chart" xmlns:dgm="http://schemas.openxmlformats.org/drawingml/2006/diagram" xmlns:o="urn:schemas-microsoft-com:office:office" xmlns:v="urn:schemas-microsoft-com:vml" xmlns:pvml="urn:schemas-microsoft-com:office:powerpoint" xmlns:com="http://schemas.openxmlformats.org/drawingml/2006/compatibility" xmlns:p14="http://schemas.microsoft.com/office/powerpoint/2010/main" xmlns:p15="http://schemas.microsoft.com/office/powerpoint/2012/main">
+<p:sld xmlns:a="http://schemas.openxmlformats.org/drawingml/2006/main" xmlns:r="http://schemas.openxmlformats.org/officeDocument/2006/relationships" xmlns:mc="http://schemas.openxmlformats.org/markup-compatibility/2006" xmlns:mv="urn:schemas-microsoft-com:mac:vml" xmlns:p="http://schemas.openxmlformats.org/presentationml/2006/main" xmlns:c="http://schemas.openxmlformats.org/drawingml/2006/chart" xmlns:dgm="http://schemas.openxmlformats.org/drawingml/2006/diagram" xmlns:o="urn:schemas-microsoft-com:office:office" xmlns:v="urn:schemas-microsoft-com:vml" xmlns:pvml="urn:schemas-microsoft-com:office:powerpoint" xmlns:com="http://schemas.openxmlformats.org/drawingml/2006/compatibility" xmlns:p14="http://schemas.microsoft.com/office/powerpoint/2010/main" xmlns:p15="http://schemas.microsoft.com/office/powerpoint/2012/main" xmlns:ahyp="http://schemas.microsoft.com/office/drawing/2018/hyperlinkcolor">
   <p:cSld>
     <p:spTree>
       <p:nvGrpSpPr>
@@ -20920,7 +20926,7 @@
 </file>
 
 <file path=ppt/slides/slide26.xml><?xml version="1.0" encoding="utf-8"?>
-<p:sld xmlns:a="http://schemas.openxmlformats.org/drawingml/2006/main" xmlns:r="http://schemas.openxmlformats.org/officeDocument/2006/relationships" xmlns:mc="http://schemas.openxmlformats.org/markup-compatibility/2006" xmlns:mv="urn:schemas-microsoft-com:mac:vml" xmlns:p="http://schemas.openxmlformats.org/presentationml/2006/main" xmlns:c="http://schemas.openxmlformats.org/drawingml/2006/chart" xmlns:dgm="http://schemas.openxmlformats.org/drawingml/2006/diagram" xmlns:o="urn:schemas-microsoft-com:office:office" xmlns:v="urn:schemas-microsoft-com:vml" xmlns:pvml="urn:schemas-microsoft-com:office:powerpoint" xmlns:com="http://schemas.openxmlformats.org/drawingml/2006/compatibility" xmlns:p14="http://schemas.microsoft.com/office/powerpoint/2010/main" xmlns:p15="http://schemas.microsoft.com/office/powerpoint/2012/main">
+<p:sld xmlns:a="http://schemas.openxmlformats.org/drawingml/2006/main" xmlns:r="http://schemas.openxmlformats.org/officeDocument/2006/relationships" xmlns:mc="http://schemas.openxmlformats.org/markup-compatibility/2006" xmlns:mv="urn:schemas-microsoft-com:mac:vml" xmlns:p="http://schemas.openxmlformats.org/presentationml/2006/main" xmlns:c="http://schemas.openxmlformats.org/drawingml/2006/chart" xmlns:dgm="http://schemas.openxmlformats.org/drawingml/2006/diagram" xmlns:o="urn:schemas-microsoft-com:office:office" xmlns:v="urn:schemas-microsoft-com:vml" xmlns:pvml="urn:schemas-microsoft-com:office:powerpoint" xmlns:com="http://schemas.openxmlformats.org/drawingml/2006/compatibility" xmlns:p14="http://schemas.microsoft.com/office/powerpoint/2010/main" xmlns:p15="http://schemas.microsoft.com/office/powerpoint/2012/main" xmlns:ahyp="http://schemas.microsoft.com/office/drawing/2018/hyperlinkcolor">
   <p:cSld>
     <p:spTree>
       <p:nvGrpSpPr>
@@ -21021,7 +21027,7 @@
 </file>
 
 <file path=ppt/slides/slide27.xml><?xml version="1.0" encoding="utf-8"?>
-<p:sld xmlns:a="http://schemas.openxmlformats.org/drawingml/2006/main" xmlns:r="http://schemas.openxmlformats.org/officeDocument/2006/relationships" xmlns:mc="http://schemas.openxmlformats.org/markup-compatibility/2006" xmlns:mv="urn:schemas-microsoft-com:mac:vml" xmlns:p="http://schemas.openxmlformats.org/presentationml/2006/main" xmlns:c="http://schemas.openxmlformats.org/drawingml/2006/chart" xmlns:dgm="http://schemas.openxmlformats.org/drawingml/2006/diagram" xmlns:o="urn:schemas-microsoft-com:office:office" xmlns:v="urn:schemas-microsoft-com:vml" xmlns:pvml="urn:schemas-microsoft-com:office:powerpoint" xmlns:com="http://schemas.openxmlformats.org/drawingml/2006/compatibility" xmlns:p14="http://schemas.microsoft.com/office/powerpoint/2010/main" xmlns:p15="http://schemas.microsoft.com/office/powerpoint/2012/main">
+<p:sld xmlns:a="http://schemas.openxmlformats.org/drawingml/2006/main" xmlns:r="http://schemas.openxmlformats.org/officeDocument/2006/relationships" xmlns:mc="http://schemas.openxmlformats.org/markup-compatibility/2006" xmlns:mv="urn:schemas-microsoft-com:mac:vml" xmlns:p="http://schemas.openxmlformats.org/presentationml/2006/main" xmlns:c="http://schemas.openxmlformats.org/drawingml/2006/chart" xmlns:dgm="http://schemas.openxmlformats.org/drawingml/2006/diagram" xmlns:o="urn:schemas-microsoft-com:office:office" xmlns:v="urn:schemas-microsoft-com:vml" xmlns:pvml="urn:schemas-microsoft-com:office:powerpoint" xmlns:com="http://schemas.openxmlformats.org/drawingml/2006/compatibility" xmlns:p14="http://schemas.microsoft.com/office/powerpoint/2010/main" xmlns:p15="http://schemas.microsoft.com/office/powerpoint/2012/main" xmlns:ahyp="http://schemas.microsoft.com/office/drawing/2018/hyperlinkcolor">
   <p:cSld>
     <p:spTree>
       <p:nvGrpSpPr>
@@ -21284,7 +21290,7 @@
 </file>
 
 <file path=ppt/slides/slide28.xml><?xml version="1.0" encoding="utf-8"?>
-<p:sld xmlns:a="http://schemas.openxmlformats.org/drawingml/2006/main" xmlns:r="http://schemas.openxmlformats.org/officeDocument/2006/relationships" xmlns:mc="http://schemas.openxmlformats.org/markup-compatibility/2006" xmlns:mv="urn:schemas-microsoft-com:mac:vml" xmlns:p="http://schemas.openxmlformats.org/presentationml/2006/main" xmlns:c="http://schemas.openxmlformats.org/drawingml/2006/chart" xmlns:dgm="http://schemas.openxmlformats.org/drawingml/2006/diagram" xmlns:o="urn:schemas-microsoft-com:office:office" xmlns:v="urn:schemas-microsoft-com:vml" xmlns:pvml="urn:schemas-microsoft-com:office:powerpoint" xmlns:com="http://schemas.openxmlformats.org/drawingml/2006/compatibility" xmlns:p14="http://schemas.microsoft.com/office/powerpoint/2010/main" xmlns:p15="http://schemas.microsoft.com/office/powerpoint/2012/main">
+<p:sld xmlns:a="http://schemas.openxmlformats.org/drawingml/2006/main" xmlns:r="http://schemas.openxmlformats.org/officeDocument/2006/relationships" xmlns:mc="http://schemas.openxmlformats.org/markup-compatibility/2006" xmlns:mv="urn:schemas-microsoft-com:mac:vml" xmlns:p="http://schemas.openxmlformats.org/presentationml/2006/main" xmlns:c="http://schemas.openxmlformats.org/drawingml/2006/chart" xmlns:dgm="http://schemas.openxmlformats.org/drawingml/2006/diagram" xmlns:o="urn:schemas-microsoft-com:office:office" xmlns:v="urn:schemas-microsoft-com:vml" xmlns:pvml="urn:schemas-microsoft-com:office:powerpoint" xmlns:com="http://schemas.openxmlformats.org/drawingml/2006/compatibility" xmlns:p14="http://schemas.microsoft.com/office/powerpoint/2010/main" xmlns:p15="http://schemas.microsoft.com/office/powerpoint/2012/main" xmlns:ahyp="http://schemas.microsoft.com/office/drawing/2018/hyperlinkcolor">
   <p:cSld>
     <p:spTree>
       <p:nvGrpSpPr>
@@ -21465,7 +21471,7 @@
 </file>
 
 <file path=ppt/slides/slide29.xml><?xml version="1.0" encoding="utf-8"?>
-<p:sld xmlns:a="http://schemas.openxmlformats.org/drawingml/2006/main" xmlns:r="http://schemas.openxmlformats.org/officeDocument/2006/relationships" xmlns:mc="http://schemas.openxmlformats.org/markup-compatibility/2006" xmlns:mv="urn:schemas-microsoft-com:mac:vml" xmlns:p="http://schemas.openxmlformats.org/presentationml/2006/main" xmlns:c="http://schemas.openxmlformats.org/drawingml/2006/chart" xmlns:dgm="http://schemas.openxmlformats.org/drawingml/2006/diagram" xmlns:o="urn:schemas-microsoft-com:office:office" xmlns:v="urn:schemas-microsoft-com:vml" xmlns:pvml="urn:schemas-microsoft-com:office:powerpoint" xmlns:com="http://schemas.openxmlformats.org/drawingml/2006/compatibility" xmlns:p14="http://schemas.microsoft.com/office/powerpoint/2010/main" xmlns:p15="http://schemas.microsoft.com/office/powerpoint/2012/main">
+<p:sld xmlns:a="http://schemas.openxmlformats.org/drawingml/2006/main" xmlns:r="http://schemas.openxmlformats.org/officeDocument/2006/relationships" xmlns:mc="http://schemas.openxmlformats.org/markup-compatibility/2006" xmlns:mv="urn:schemas-microsoft-com:mac:vml" xmlns:p="http://schemas.openxmlformats.org/presentationml/2006/main" xmlns:c="http://schemas.openxmlformats.org/drawingml/2006/chart" xmlns:dgm="http://schemas.openxmlformats.org/drawingml/2006/diagram" xmlns:o="urn:schemas-microsoft-com:office:office" xmlns:v="urn:schemas-microsoft-com:vml" xmlns:pvml="urn:schemas-microsoft-com:office:powerpoint" xmlns:com="http://schemas.openxmlformats.org/drawingml/2006/compatibility" xmlns:p14="http://schemas.microsoft.com/office/powerpoint/2010/main" xmlns:p15="http://schemas.microsoft.com/office/powerpoint/2012/main" xmlns:ahyp="http://schemas.microsoft.com/office/drawing/2018/hyperlinkcolor">
   <p:cSld>
     <p:spTree>
       <p:nvGrpSpPr>
@@ -21627,7 +21633,7 @@
 </file>
 
 <file path=ppt/slides/slide3.xml><?xml version="1.0" encoding="utf-8"?>
-<p:sld xmlns:a="http://schemas.openxmlformats.org/drawingml/2006/main" xmlns:r="http://schemas.openxmlformats.org/officeDocument/2006/relationships" xmlns:mc="http://schemas.openxmlformats.org/markup-compatibility/2006" xmlns:mv="urn:schemas-microsoft-com:mac:vml" xmlns:p="http://schemas.openxmlformats.org/presentationml/2006/main" xmlns:c="http://schemas.openxmlformats.org/drawingml/2006/chart" xmlns:dgm="http://schemas.openxmlformats.org/drawingml/2006/diagram" xmlns:o="urn:schemas-microsoft-com:office:office" xmlns:v="urn:schemas-microsoft-com:vml" xmlns:pvml="urn:schemas-microsoft-com:office:powerpoint" xmlns:com="http://schemas.openxmlformats.org/drawingml/2006/compatibility" xmlns:p14="http://schemas.microsoft.com/office/powerpoint/2010/main" xmlns:p15="http://schemas.microsoft.com/office/powerpoint/2012/main">
+<p:sld xmlns:a="http://schemas.openxmlformats.org/drawingml/2006/main" xmlns:r="http://schemas.openxmlformats.org/officeDocument/2006/relationships" xmlns:mc="http://schemas.openxmlformats.org/markup-compatibility/2006" xmlns:mv="urn:schemas-microsoft-com:mac:vml" xmlns:p="http://schemas.openxmlformats.org/presentationml/2006/main" xmlns:c="http://schemas.openxmlformats.org/drawingml/2006/chart" xmlns:dgm="http://schemas.openxmlformats.org/drawingml/2006/diagram" xmlns:o="urn:schemas-microsoft-com:office:office" xmlns:v="urn:schemas-microsoft-com:vml" xmlns:pvml="urn:schemas-microsoft-com:office:powerpoint" xmlns:com="http://schemas.openxmlformats.org/drawingml/2006/compatibility" xmlns:p14="http://schemas.microsoft.com/office/powerpoint/2010/main" xmlns:p15="http://schemas.microsoft.com/office/powerpoint/2012/main" xmlns:ahyp="http://schemas.microsoft.com/office/drawing/2018/hyperlinkcolor">
   <p:cSld>
     <p:spTree>
       <p:nvGrpSpPr>
@@ -21728,7 +21734,7 @@
 </file>
 
 <file path=ppt/slides/slide30.xml><?xml version="1.0" encoding="utf-8"?>
-<p:sld xmlns:a="http://schemas.openxmlformats.org/drawingml/2006/main" xmlns:r="http://schemas.openxmlformats.org/officeDocument/2006/relationships" xmlns:mc="http://schemas.openxmlformats.org/markup-compatibility/2006" xmlns:mv="urn:schemas-microsoft-com:mac:vml" xmlns:p="http://schemas.openxmlformats.org/presentationml/2006/main" xmlns:c="http://schemas.openxmlformats.org/drawingml/2006/chart" xmlns:dgm="http://schemas.openxmlformats.org/drawingml/2006/diagram" xmlns:o="urn:schemas-microsoft-com:office:office" xmlns:v="urn:schemas-microsoft-com:vml" xmlns:pvml="urn:schemas-microsoft-com:office:powerpoint" xmlns:com="http://schemas.openxmlformats.org/drawingml/2006/compatibility" xmlns:p14="http://schemas.microsoft.com/office/powerpoint/2010/main" xmlns:p15="http://schemas.microsoft.com/office/powerpoint/2012/main">
+<p:sld xmlns:a="http://schemas.openxmlformats.org/drawingml/2006/main" xmlns:r="http://schemas.openxmlformats.org/officeDocument/2006/relationships" xmlns:mc="http://schemas.openxmlformats.org/markup-compatibility/2006" xmlns:mv="urn:schemas-microsoft-com:mac:vml" xmlns:p="http://schemas.openxmlformats.org/presentationml/2006/main" xmlns:c="http://schemas.openxmlformats.org/drawingml/2006/chart" xmlns:dgm="http://schemas.openxmlformats.org/drawingml/2006/diagram" xmlns:o="urn:schemas-microsoft-com:office:office" xmlns:v="urn:schemas-microsoft-com:vml" xmlns:pvml="urn:schemas-microsoft-com:office:powerpoint" xmlns:com="http://schemas.openxmlformats.org/drawingml/2006/compatibility" xmlns:p14="http://schemas.microsoft.com/office/powerpoint/2010/main" xmlns:p15="http://schemas.microsoft.com/office/powerpoint/2012/main" xmlns:ahyp="http://schemas.microsoft.com/office/drawing/2018/hyperlinkcolor">
   <p:cSld>
     <p:spTree>
       <p:nvGrpSpPr>
@@ -21930,7 +21936,7 @@
 </file>
 
 <file path=ppt/slides/slide31.xml><?xml version="1.0" encoding="utf-8"?>
-<p:sld xmlns:a="http://schemas.openxmlformats.org/drawingml/2006/main" xmlns:r="http://schemas.openxmlformats.org/officeDocument/2006/relationships" xmlns:mc="http://schemas.openxmlformats.org/markup-compatibility/2006" xmlns:mv="urn:schemas-microsoft-com:mac:vml" xmlns:p="http://schemas.openxmlformats.org/presentationml/2006/main" xmlns:c="http://schemas.openxmlformats.org/drawingml/2006/chart" xmlns:dgm="http://schemas.openxmlformats.org/drawingml/2006/diagram" xmlns:o="urn:schemas-microsoft-com:office:office" xmlns:v="urn:schemas-microsoft-com:vml" xmlns:pvml="urn:schemas-microsoft-com:office:powerpoint" xmlns:com="http://schemas.openxmlformats.org/drawingml/2006/compatibility" xmlns:p14="http://schemas.microsoft.com/office/powerpoint/2010/main" xmlns:p15="http://schemas.microsoft.com/office/powerpoint/2012/main">
+<p:sld xmlns:a="http://schemas.openxmlformats.org/drawingml/2006/main" xmlns:r="http://schemas.openxmlformats.org/officeDocument/2006/relationships" xmlns:mc="http://schemas.openxmlformats.org/markup-compatibility/2006" xmlns:mv="urn:schemas-microsoft-com:mac:vml" xmlns:p="http://schemas.openxmlformats.org/presentationml/2006/main" xmlns:c="http://schemas.openxmlformats.org/drawingml/2006/chart" xmlns:dgm="http://schemas.openxmlformats.org/drawingml/2006/diagram" xmlns:o="urn:schemas-microsoft-com:office:office" xmlns:v="urn:schemas-microsoft-com:vml" xmlns:pvml="urn:schemas-microsoft-com:office:powerpoint" xmlns:com="http://schemas.openxmlformats.org/drawingml/2006/compatibility" xmlns:p14="http://schemas.microsoft.com/office/powerpoint/2010/main" xmlns:p15="http://schemas.microsoft.com/office/powerpoint/2012/main" xmlns:ahyp="http://schemas.microsoft.com/office/drawing/2018/hyperlinkcolor">
   <p:cSld>
     <p:spTree>
       <p:nvGrpSpPr>
@@ -22092,7 +22098,7 @@
 </file>
 
 <file path=ppt/slides/slide32.xml><?xml version="1.0" encoding="utf-8"?>
-<p:sld xmlns:a="http://schemas.openxmlformats.org/drawingml/2006/main" xmlns:r="http://schemas.openxmlformats.org/officeDocument/2006/relationships" xmlns:mc="http://schemas.openxmlformats.org/markup-compatibility/2006" xmlns:mv="urn:schemas-microsoft-com:mac:vml" xmlns:p="http://schemas.openxmlformats.org/presentationml/2006/main" xmlns:c="http://schemas.openxmlformats.org/drawingml/2006/chart" xmlns:dgm="http://schemas.openxmlformats.org/drawingml/2006/diagram" xmlns:o="urn:schemas-microsoft-com:office:office" xmlns:v="urn:schemas-microsoft-com:vml" xmlns:pvml="urn:schemas-microsoft-com:office:powerpoint" xmlns:com="http://schemas.openxmlformats.org/drawingml/2006/compatibility" xmlns:p14="http://schemas.microsoft.com/office/powerpoint/2010/main" xmlns:p15="http://schemas.microsoft.com/office/powerpoint/2012/main">
+<p:sld xmlns:a="http://schemas.openxmlformats.org/drawingml/2006/main" xmlns:r="http://schemas.openxmlformats.org/officeDocument/2006/relationships" xmlns:mc="http://schemas.openxmlformats.org/markup-compatibility/2006" xmlns:mv="urn:schemas-microsoft-com:mac:vml" xmlns:p="http://schemas.openxmlformats.org/presentationml/2006/main" xmlns:c="http://schemas.openxmlformats.org/drawingml/2006/chart" xmlns:dgm="http://schemas.openxmlformats.org/drawingml/2006/diagram" xmlns:o="urn:schemas-microsoft-com:office:office" xmlns:v="urn:schemas-microsoft-com:vml" xmlns:pvml="urn:schemas-microsoft-com:office:powerpoint" xmlns:com="http://schemas.openxmlformats.org/drawingml/2006/compatibility" xmlns:p14="http://schemas.microsoft.com/office/powerpoint/2010/main" xmlns:p15="http://schemas.microsoft.com/office/powerpoint/2012/main" xmlns:ahyp="http://schemas.microsoft.com/office/drawing/2018/hyperlinkcolor">
   <p:cSld>
     <p:spTree>
       <p:nvGrpSpPr>
@@ -22289,7 +22295,7 @@
 </file>
 
 <file path=ppt/slides/slide33.xml><?xml version="1.0" encoding="utf-8"?>
-<p:sld xmlns:a="http://schemas.openxmlformats.org/drawingml/2006/main" xmlns:r="http://schemas.openxmlformats.org/officeDocument/2006/relationships" xmlns:mc="http://schemas.openxmlformats.org/markup-compatibility/2006" xmlns:mv="urn:schemas-microsoft-com:mac:vml" xmlns:p="http://schemas.openxmlformats.org/presentationml/2006/main" xmlns:c="http://schemas.openxmlformats.org/drawingml/2006/chart" xmlns:dgm="http://schemas.openxmlformats.org/drawingml/2006/diagram" xmlns:o="urn:schemas-microsoft-com:office:office" xmlns:v="urn:schemas-microsoft-com:vml" xmlns:pvml="urn:schemas-microsoft-com:office:powerpoint" xmlns:com="http://schemas.openxmlformats.org/drawingml/2006/compatibility" xmlns:p14="http://schemas.microsoft.com/office/powerpoint/2010/main" xmlns:p15="http://schemas.microsoft.com/office/powerpoint/2012/main">
+<p:sld xmlns:a="http://schemas.openxmlformats.org/drawingml/2006/main" xmlns:r="http://schemas.openxmlformats.org/officeDocument/2006/relationships" xmlns:mc="http://schemas.openxmlformats.org/markup-compatibility/2006" xmlns:mv="urn:schemas-microsoft-com:mac:vml" xmlns:p="http://schemas.openxmlformats.org/presentationml/2006/main" xmlns:c="http://schemas.openxmlformats.org/drawingml/2006/chart" xmlns:dgm="http://schemas.openxmlformats.org/drawingml/2006/diagram" xmlns:o="urn:schemas-microsoft-com:office:office" xmlns:v="urn:schemas-microsoft-com:vml" xmlns:pvml="urn:schemas-microsoft-com:office:powerpoint" xmlns:com="http://schemas.openxmlformats.org/drawingml/2006/compatibility" xmlns:p14="http://schemas.microsoft.com/office/powerpoint/2010/main" xmlns:p15="http://schemas.microsoft.com/office/powerpoint/2012/main" xmlns:ahyp="http://schemas.microsoft.com/office/drawing/2018/hyperlinkcolor">
   <p:cSld>
     <p:spTree>
       <p:nvGrpSpPr>
@@ -22363,7 +22369,7 @@
 </file>
 
 <file path=ppt/slides/slide4.xml><?xml version="1.0" encoding="utf-8"?>
-<p:sld xmlns:a="http://schemas.openxmlformats.org/drawingml/2006/main" xmlns:r="http://schemas.openxmlformats.org/officeDocument/2006/relationships" xmlns:mc="http://schemas.openxmlformats.org/markup-compatibility/2006" xmlns:mv="urn:schemas-microsoft-com:mac:vml" xmlns:p="http://schemas.openxmlformats.org/presentationml/2006/main" xmlns:c="http://schemas.openxmlformats.org/drawingml/2006/chart" xmlns:dgm="http://schemas.openxmlformats.org/drawingml/2006/diagram" xmlns:o="urn:schemas-microsoft-com:office:office" xmlns:v="urn:schemas-microsoft-com:vml" xmlns:pvml="urn:schemas-microsoft-com:office:powerpoint" xmlns:com="http://schemas.openxmlformats.org/drawingml/2006/compatibility" xmlns:p14="http://schemas.microsoft.com/office/powerpoint/2010/main" xmlns:p15="http://schemas.microsoft.com/office/powerpoint/2012/main">
+<p:sld xmlns:a="http://schemas.openxmlformats.org/drawingml/2006/main" xmlns:r="http://schemas.openxmlformats.org/officeDocument/2006/relationships" xmlns:mc="http://schemas.openxmlformats.org/markup-compatibility/2006" xmlns:mv="urn:schemas-microsoft-com:mac:vml" xmlns:p="http://schemas.openxmlformats.org/presentationml/2006/main" xmlns:c="http://schemas.openxmlformats.org/drawingml/2006/chart" xmlns:dgm="http://schemas.openxmlformats.org/drawingml/2006/diagram" xmlns:o="urn:schemas-microsoft-com:office:office" xmlns:v="urn:schemas-microsoft-com:vml" xmlns:pvml="urn:schemas-microsoft-com:office:powerpoint" xmlns:com="http://schemas.openxmlformats.org/drawingml/2006/compatibility" xmlns:p14="http://schemas.microsoft.com/office/powerpoint/2010/main" xmlns:p15="http://schemas.microsoft.com/office/powerpoint/2012/main" xmlns:ahyp="http://schemas.microsoft.com/office/drawing/2018/hyperlinkcolor">
   <p:cSld>
     <p:spTree>
       <p:nvGrpSpPr>
@@ -22464,7 +22470,7 @@
 </file>
 
 <file path=ppt/slides/slide5.xml><?xml version="1.0" encoding="utf-8"?>
-<p:sld xmlns:a="http://schemas.openxmlformats.org/drawingml/2006/main" xmlns:r="http://schemas.openxmlformats.org/officeDocument/2006/relationships" xmlns:mc="http://schemas.openxmlformats.org/markup-compatibility/2006" xmlns:mv="urn:schemas-microsoft-com:mac:vml" xmlns:p="http://schemas.openxmlformats.org/presentationml/2006/main" xmlns:c="http://schemas.openxmlformats.org/drawingml/2006/chart" xmlns:dgm="http://schemas.openxmlformats.org/drawingml/2006/diagram" xmlns:o="urn:schemas-microsoft-com:office:office" xmlns:v="urn:schemas-microsoft-com:vml" xmlns:pvml="urn:schemas-microsoft-com:office:powerpoint" xmlns:com="http://schemas.openxmlformats.org/drawingml/2006/compatibility" xmlns:p14="http://schemas.microsoft.com/office/powerpoint/2010/main" xmlns:p15="http://schemas.microsoft.com/office/powerpoint/2012/main">
+<p:sld xmlns:a="http://schemas.openxmlformats.org/drawingml/2006/main" xmlns:r="http://schemas.openxmlformats.org/officeDocument/2006/relationships" xmlns:mc="http://schemas.openxmlformats.org/markup-compatibility/2006" xmlns:mv="urn:schemas-microsoft-com:mac:vml" xmlns:p="http://schemas.openxmlformats.org/presentationml/2006/main" xmlns:c="http://schemas.openxmlformats.org/drawingml/2006/chart" xmlns:dgm="http://schemas.openxmlformats.org/drawingml/2006/diagram" xmlns:o="urn:schemas-microsoft-com:office:office" xmlns:v="urn:schemas-microsoft-com:vml" xmlns:pvml="urn:schemas-microsoft-com:office:powerpoint" xmlns:com="http://schemas.openxmlformats.org/drawingml/2006/compatibility" xmlns:p14="http://schemas.microsoft.com/office/powerpoint/2010/main" xmlns:p15="http://schemas.microsoft.com/office/powerpoint/2012/main" xmlns:ahyp="http://schemas.microsoft.com/office/drawing/2018/hyperlinkcolor">
   <p:cSld>
     <p:spTree>
       <p:nvGrpSpPr>
@@ -22757,7 +22763,7 @@
 </file>
 
 <file path=ppt/slides/slide6.xml><?xml version="1.0" encoding="utf-8"?>
-<p:sld xmlns:a="http://schemas.openxmlformats.org/drawingml/2006/main" xmlns:r="http://schemas.openxmlformats.org/officeDocument/2006/relationships" xmlns:mc="http://schemas.openxmlformats.org/markup-compatibility/2006" xmlns:mv="urn:schemas-microsoft-com:mac:vml" xmlns:p="http://schemas.openxmlformats.org/presentationml/2006/main" xmlns:c="http://schemas.openxmlformats.org/drawingml/2006/chart" xmlns:dgm="http://schemas.openxmlformats.org/drawingml/2006/diagram" xmlns:o="urn:schemas-microsoft-com:office:office" xmlns:v="urn:schemas-microsoft-com:vml" xmlns:pvml="urn:schemas-microsoft-com:office:powerpoint" xmlns:com="http://schemas.openxmlformats.org/drawingml/2006/compatibility" xmlns:p14="http://schemas.microsoft.com/office/powerpoint/2010/main" xmlns:p15="http://schemas.microsoft.com/office/powerpoint/2012/main">
+<p:sld xmlns:a="http://schemas.openxmlformats.org/drawingml/2006/main" xmlns:r="http://schemas.openxmlformats.org/officeDocument/2006/relationships" xmlns:mc="http://schemas.openxmlformats.org/markup-compatibility/2006" xmlns:mv="urn:schemas-microsoft-com:mac:vml" xmlns:p="http://schemas.openxmlformats.org/presentationml/2006/main" xmlns:c="http://schemas.openxmlformats.org/drawingml/2006/chart" xmlns:dgm="http://schemas.openxmlformats.org/drawingml/2006/diagram" xmlns:o="urn:schemas-microsoft-com:office:office" xmlns:v="urn:schemas-microsoft-com:vml" xmlns:pvml="urn:schemas-microsoft-com:office:powerpoint" xmlns:com="http://schemas.openxmlformats.org/drawingml/2006/compatibility" xmlns:p14="http://schemas.microsoft.com/office/powerpoint/2010/main" xmlns:p15="http://schemas.microsoft.com/office/powerpoint/2012/main" xmlns:ahyp="http://schemas.microsoft.com/office/drawing/2018/hyperlinkcolor">
   <p:cSld>
     <p:spTree>
       <p:nvGrpSpPr>
@@ -23022,7 +23028,7 @@
 </file>
 
 <file path=ppt/slides/slide7.xml><?xml version="1.0" encoding="utf-8"?>
-<p:sld xmlns:a="http://schemas.openxmlformats.org/drawingml/2006/main" xmlns:r="http://schemas.openxmlformats.org/officeDocument/2006/relationships" xmlns:mc="http://schemas.openxmlformats.org/markup-compatibility/2006" xmlns:mv="urn:schemas-microsoft-com:mac:vml" xmlns:p="http://schemas.openxmlformats.org/presentationml/2006/main" xmlns:c="http://schemas.openxmlformats.org/drawingml/2006/chart" xmlns:dgm="http://schemas.openxmlformats.org/drawingml/2006/diagram" xmlns:o="urn:schemas-microsoft-com:office:office" xmlns:v="urn:schemas-microsoft-com:vml" xmlns:pvml="urn:schemas-microsoft-com:office:powerpoint" xmlns:com="http://schemas.openxmlformats.org/drawingml/2006/compatibility" xmlns:p14="http://schemas.microsoft.com/office/powerpoint/2010/main" xmlns:p15="http://schemas.microsoft.com/office/powerpoint/2012/main">
+<p:sld xmlns:a="http://schemas.openxmlformats.org/drawingml/2006/main" xmlns:r="http://schemas.openxmlformats.org/officeDocument/2006/relationships" xmlns:mc="http://schemas.openxmlformats.org/markup-compatibility/2006" xmlns:mv="urn:schemas-microsoft-com:mac:vml" xmlns:p="http://schemas.openxmlformats.org/presentationml/2006/main" xmlns:c="http://schemas.openxmlformats.org/drawingml/2006/chart" xmlns:dgm="http://schemas.openxmlformats.org/drawingml/2006/diagram" xmlns:o="urn:schemas-microsoft-com:office:office" xmlns:v="urn:schemas-microsoft-com:vml" xmlns:pvml="urn:schemas-microsoft-com:office:powerpoint" xmlns:com="http://schemas.openxmlformats.org/drawingml/2006/compatibility" xmlns:p14="http://schemas.microsoft.com/office/powerpoint/2010/main" xmlns:p15="http://schemas.microsoft.com/office/powerpoint/2012/main" xmlns:ahyp="http://schemas.microsoft.com/office/drawing/2018/hyperlinkcolor">
   <p:cSld>
     <p:spTree>
       <p:nvGrpSpPr>
@@ -23123,7 +23129,7 @@
 </file>
 
 <file path=ppt/slides/slide8.xml><?xml version="1.0" encoding="utf-8"?>
-<p:sld xmlns:a="http://schemas.openxmlformats.org/drawingml/2006/main" xmlns:r="http://schemas.openxmlformats.org/officeDocument/2006/relationships" xmlns:mc="http://schemas.openxmlformats.org/markup-compatibility/2006" xmlns:mv="urn:schemas-microsoft-com:mac:vml" xmlns:p="http://schemas.openxmlformats.org/presentationml/2006/main" xmlns:c="http://schemas.openxmlformats.org/drawingml/2006/chart" xmlns:dgm="http://schemas.openxmlformats.org/drawingml/2006/diagram" xmlns:o="urn:schemas-microsoft-com:office:office" xmlns:v="urn:schemas-microsoft-com:vml" xmlns:pvml="urn:schemas-microsoft-com:office:powerpoint" xmlns:com="http://schemas.openxmlformats.org/drawingml/2006/compatibility" xmlns:p14="http://schemas.microsoft.com/office/powerpoint/2010/main" xmlns:p15="http://schemas.microsoft.com/office/powerpoint/2012/main">
+<p:sld xmlns:a="http://schemas.openxmlformats.org/drawingml/2006/main" xmlns:r="http://schemas.openxmlformats.org/officeDocument/2006/relationships" xmlns:mc="http://schemas.openxmlformats.org/markup-compatibility/2006" xmlns:mv="urn:schemas-microsoft-com:mac:vml" xmlns:p="http://schemas.openxmlformats.org/presentationml/2006/main" xmlns:c="http://schemas.openxmlformats.org/drawingml/2006/chart" xmlns:dgm="http://schemas.openxmlformats.org/drawingml/2006/diagram" xmlns:o="urn:schemas-microsoft-com:office:office" xmlns:v="urn:schemas-microsoft-com:vml" xmlns:pvml="urn:schemas-microsoft-com:office:powerpoint" xmlns:com="http://schemas.openxmlformats.org/drawingml/2006/compatibility" xmlns:p14="http://schemas.microsoft.com/office/powerpoint/2010/main" xmlns:p15="http://schemas.microsoft.com/office/powerpoint/2012/main" xmlns:ahyp="http://schemas.microsoft.com/office/drawing/2018/hyperlinkcolor">
   <p:cSld>
     <p:spTree>
       <p:nvGrpSpPr>
@@ -23231,7 +23237,7 @@
 </file>
 
 <file path=ppt/slides/slide9.xml><?xml version="1.0" encoding="utf-8"?>
-<p:sld xmlns:a="http://schemas.openxmlformats.org/drawingml/2006/main" xmlns:r="http://schemas.openxmlformats.org/officeDocument/2006/relationships" xmlns:mc="http://schemas.openxmlformats.org/markup-compatibility/2006" xmlns:mv="urn:schemas-microsoft-com:mac:vml" xmlns:p="http://schemas.openxmlformats.org/presentationml/2006/main" xmlns:c="http://schemas.openxmlformats.org/drawingml/2006/chart" xmlns:dgm="http://schemas.openxmlformats.org/drawingml/2006/diagram" xmlns:o="urn:schemas-microsoft-com:office:office" xmlns:v="urn:schemas-microsoft-com:vml" xmlns:pvml="urn:schemas-microsoft-com:office:powerpoint" xmlns:com="http://schemas.openxmlformats.org/drawingml/2006/compatibility" xmlns:p14="http://schemas.microsoft.com/office/powerpoint/2010/main" xmlns:p15="http://schemas.microsoft.com/office/powerpoint/2012/main">
+<p:sld xmlns:a="http://schemas.openxmlformats.org/drawingml/2006/main" xmlns:r="http://schemas.openxmlformats.org/officeDocument/2006/relationships" xmlns:mc="http://schemas.openxmlformats.org/markup-compatibility/2006" xmlns:mv="urn:schemas-microsoft-com:mac:vml" xmlns:p="http://schemas.openxmlformats.org/presentationml/2006/main" xmlns:c="http://schemas.openxmlformats.org/drawingml/2006/chart" xmlns:dgm="http://schemas.openxmlformats.org/drawingml/2006/diagram" xmlns:o="urn:schemas-microsoft-com:office:office" xmlns:v="urn:schemas-microsoft-com:vml" xmlns:pvml="urn:schemas-microsoft-com:office:powerpoint" xmlns:com="http://schemas.openxmlformats.org/drawingml/2006/compatibility" xmlns:p14="http://schemas.microsoft.com/office/powerpoint/2010/main" xmlns:p15="http://schemas.microsoft.com/office/powerpoint/2012/main" xmlns:ahyp="http://schemas.microsoft.com/office/drawing/2018/hyperlinkcolor">
   <p:cSld>
     <p:spTree>
       <p:nvGrpSpPr>

--- a/pres-source/06-mr-hadoop.pptx
+++ b/pres-source/06-mr-hadoop.pptx
@@ -16153,7 +16153,7 @@
             </a:pPr>
             <a:r>
               <a:rPr lang="en-US" sz="2960"/>
-              <a:t>July 2020</a:t>
+              <a:t>July 2021</a:t>
             </a:r>
             <a:endParaRPr sz="2960"/>
           </a:p>

--- a/pres-source/06-mr-hadoop.pptx
+++ b/pres-source/06-mr-hadoop.pptx
@@ -1,6 +1,6 @@
 
 <file path=ppt/presentation.xml><?xml version="1.0" encoding="utf-8"?>
-<p:presentation xmlns:a="http://schemas.openxmlformats.org/drawingml/2006/main" xmlns:r="http://schemas.openxmlformats.org/officeDocument/2006/relationships" xmlns:mc="http://schemas.openxmlformats.org/markup-compatibility/2006" xmlns:mv="urn:schemas-microsoft-com:mac:vml" xmlns:p="http://schemas.openxmlformats.org/presentationml/2006/main" xmlns:c="http://schemas.openxmlformats.org/drawingml/2006/chart" xmlns:dgm="http://schemas.openxmlformats.org/drawingml/2006/diagram" xmlns:o="urn:schemas-microsoft-com:office:office" xmlns:v="urn:schemas-microsoft-com:vml" xmlns:pvml="urn:schemas-microsoft-com:office:powerpoint" xmlns:com="http://schemas.openxmlformats.org/drawingml/2006/compatibility" xmlns:p14="http://schemas.microsoft.com/office/powerpoint/2010/main" xmlns:p15="http://schemas.microsoft.com/office/powerpoint/2012/main" xmlns:ahyp="http://schemas.microsoft.com/office/drawing/2018/hyperlinkcolor" autoCompressPictures="0" embedTrueTypeFonts="1" strictFirstAndLastChars="0" saveSubsetFonts="1">
+<p:presentation xmlns:a="http://schemas.openxmlformats.org/drawingml/2006/main" xmlns:r="http://schemas.openxmlformats.org/officeDocument/2006/relationships" xmlns:mc="http://schemas.openxmlformats.org/markup-compatibility/2006" xmlns:mv="urn:schemas-microsoft-com:mac:vml" xmlns:p="http://schemas.openxmlformats.org/presentationml/2006/main" xmlns:c="http://schemas.openxmlformats.org/drawingml/2006/chart" xmlns:dgm="http://schemas.openxmlformats.org/drawingml/2006/diagram" xmlns:o="urn:schemas-microsoft-com:office:office" xmlns:v="urn:schemas-microsoft-com:vml" xmlns:pvml="urn:schemas-microsoft-com:office:powerpoint" xmlns:com="http://schemas.openxmlformats.org/drawingml/2006/compatibility" xmlns:p14="http://schemas.microsoft.com/office/powerpoint/2010/main" xmlns:p15="http://schemas.microsoft.com/office/powerpoint/2012/main" xmlns:ahyp="http://schemas.microsoft.com/office/drawing/2018/hyperlinkcolor" autoCompressPictures="0" strictFirstAndLastChars="0" saveSubsetFonts="1">
   <p:sldMasterIdLst>
     <p:sldMasterId id="2147483659" r:id="rId4"/>
   </p:sldMasterIdLst>
@@ -44,15 +44,6 @@
   </p:sldIdLst>
   <p:sldSz cy="6858000" cx="9144000"/>
   <p:notesSz cx="6858000" cy="9144000"/>
-  <p:embeddedFontLst>
-    <p:embeddedFont>
-      <p:font typeface="Montserrat"/>
-      <p:regular r:id="rId39"/>
-      <p:bold r:id="rId40"/>
-      <p:italic r:id="rId41"/>
-      <p:boldItalic r:id="rId42"/>
-    </p:embeddedFont>
-  </p:embeddedFontLst>
   <p:defaultTextStyle>
     <a:defPPr lvl="0" marR="0" rtl="0" algn="l">
       <a:lnSpc>

--- a/pres-source/06-mr-hadoop.pptx
+++ b/pres-source/06-mr-hadoop.pptx
@@ -41,6 +41,7 @@
     <p:sldId id="286" r:id="rId36"/>
     <p:sldId id="287" r:id="rId37"/>
     <p:sldId id="288" r:id="rId38"/>
+    <p:sldId id="289" r:id="rId39"/>
   </p:sldIdLst>
   <p:sldSz cy="6858000" cx="9144000"/>
   <p:notesSz cx="6858000" cy="9144000"/>
@@ -1988,46 +1989,7 @@
       </p:grpSpPr>
       <p:sp>
         <p:nvSpPr>
-          <p:cNvPr id="161" name="Google Shape;161;p14:notes"/>
-          <p:cNvSpPr txBox="1"/>
-          <p:nvPr>
-            <p:ph idx="1" type="body"/>
-          </p:nvPr>
-        </p:nvSpPr>
-        <p:spPr>
-          <a:xfrm>
-            <a:off x="685800" y="4343400"/>
-            <a:ext cx="5486400" cy="4114800"/>
-          </a:xfrm>
-          <a:prstGeom prst="rect">
-            <a:avLst/>
-          </a:prstGeom>
-        </p:spPr>
-        <p:txBody>
-          <a:bodyPr anchorCtr="0" anchor="t" bIns="45700" lIns="91425" spcFirstLastPara="1" rIns="91425" wrap="square" tIns="45700">
-            <a:noAutofit/>
-          </a:bodyPr>
-          <a:lstStyle/>
-          <a:p>
-            <a:pPr indent="0" lvl="0" marL="0" rtl="0" algn="l">
-              <a:spcBef>
-                <a:spcPts val="0"/>
-              </a:spcBef>
-              <a:spcAft>
-                <a:spcPts val="0"/>
-              </a:spcAft>
-              <a:buNone/>
-            </a:pPr>
-            <a:r>
-              <a:t/>
-            </a:r>
-            <a:endParaRPr/>
-          </a:p>
-        </p:txBody>
-      </p:sp>
-      <p:sp>
-        <p:nvSpPr>
-          <p:cNvPr id="162" name="Google Shape;162;p14:notes"/>
+          <p:cNvPr id="161" name="Google Shape;161;ge5da1fc384_0_0:notes"/>
           <p:cNvSpPr/>
           <p:nvPr>
             <p:ph idx="2" type="sldImg"/>
@@ -2060,6 +2022,89 @@
           </a:custGeom>
         </p:spPr>
       </p:sp>
+      <p:sp>
+        <p:nvSpPr>
+          <p:cNvPr id="162" name="Google Shape;162;ge5da1fc384_0_0:notes"/>
+          <p:cNvSpPr txBox="1"/>
+          <p:nvPr>
+            <p:ph idx="1" type="body"/>
+          </p:nvPr>
+        </p:nvSpPr>
+        <p:spPr>
+          <a:xfrm>
+            <a:off x="685800" y="4343400"/>
+            <a:ext cx="5486400" cy="4114800"/>
+          </a:xfrm>
+          <a:prstGeom prst="rect">
+            <a:avLst/>
+          </a:prstGeom>
+        </p:spPr>
+        <p:txBody>
+          <a:bodyPr anchorCtr="0" anchor="t" bIns="45700" lIns="91425" spcFirstLastPara="1" rIns="91425" wrap="square" tIns="45700">
+            <a:noAutofit/>
+          </a:bodyPr>
+          <a:lstStyle/>
+          <a:p>
+            <a:pPr indent="0" lvl="0" marL="0" rtl="0" algn="l">
+              <a:spcBef>
+                <a:spcPts val="0"/>
+              </a:spcBef>
+              <a:spcAft>
+                <a:spcPts val="0"/>
+              </a:spcAft>
+              <a:buNone/>
+            </a:pPr>
+            <a:r>
+              <a:t/>
+            </a:r>
+            <a:endParaRPr/>
+          </a:p>
+        </p:txBody>
+      </p:sp>
+      <p:sp>
+        <p:nvSpPr>
+          <p:cNvPr id="163" name="Google Shape;163;ge5da1fc384_0_0:notes"/>
+          <p:cNvSpPr txBox="1"/>
+          <p:nvPr>
+            <p:ph idx="12" type="sldNum"/>
+          </p:nvPr>
+        </p:nvSpPr>
+        <p:spPr>
+          <a:xfrm>
+            <a:off x="3884613" y="8685213"/>
+            <a:ext cx="2971800" cy="457200"/>
+          </a:xfrm>
+          <a:prstGeom prst="rect">
+            <a:avLst/>
+          </a:prstGeom>
+        </p:spPr>
+        <p:txBody>
+          <a:bodyPr anchorCtr="0" anchor="b" bIns="45700" lIns="91425" spcFirstLastPara="1" rIns="91425" wrap="square" tIns="45700">
+            <a:noAutofit/>
+          </a:bodyPr>
+          <a:lstStyle/>
+          <a:p>
+            <a:pPr indent="0" lvl="0" marL="0" rtl="0" algn="r">
+              <a:spcBef>
+                <a:spcPts val="0"/>
+              </a:spcBef>
+              <a:spcAft>
+                <a:spcPts val="0"/>
+              </a:spcAft>
+              <a:buClr>
+                <a:srgbClr val="000000"/>
+              </a:buClr>
+              <a:buFont typeface="Arial"/>
+              <a:buNone/>
+            </a:pPr>
+            <a:fld id="{00000000-1234-1234-1234-123412341234}" type="slidenum">
+              <a:rPr lang="en-US"/>
+              <a:t>‹#›</a:t>
+            </a:fld>
+            <a:endParaRPr/>
+          </a:p>
+        </p:txBody>
+      </p:sp>
     </p:spTree>
   </p:cSld>
   <p:clrMapOvr>
@@ -2087,7 +2132,7 @@
       </p:grpSpPr>
       <p:sp>
         <p:nvSpPr>
-          <p:cNvPr id="167" name="Google Shape;167;p15:notes"/>
+          <p:cNvPr id="167" name="Google Shape;167;p14:notes"/>
           <p:cNvSpPr txBox="1"/>
           <p:nvPr>
             <p:ph idx="1" type="body"/>
@@ -2126,7 +2171,7 @@
       </p:sp>
       <p:sp>
         <p:nvSpPr>
-          <p:cNvPr id="168" name="Google Shape;168;p15:notes"/>
+          <p:cNvPr id="168" name="Google Shape;168;p14:notes"/>
           <p:cNvSpPr/>
           <p:nvPr>
             <p:ph idx="2" type="sldImg"/>
@@ -2186,7 +2231,7 @@
       </p:grpSpPr>
       <p:sp>
         <p:nvSpPr>
-          <p:cNvPr id="173" name="Google Shape;173;p16:notes"/>
+          <p:cNvPr id="173" name="Google Shape;173;p15:notes"/>
           <p:cNvSpPr txBox="1"/>
           <p:nvPr>
             <p:ph idx="1" type="body"/>
@@ -2225,7 +2270,7 @@
       </p:sp>
       <p:sp>
         <p:nvSpPr>
-          <p:cNvPr id="174" name="Google Shape;174;p16:notes"/>
+          <p:cNvPr id="174" name="Google Shape;174;p15:notes"/>
           <p:cNvSpPr/>
           <p:nvPr>
             <p:ph idx="2" type="sldImg"/>
@@ -2285,7 +2330,7 @@
       </p:grpSpPr>
       <p:sp>
         <p:nvSpPr>
-          <p:cNvPr id="179" name="Google Shape;179;p17:notes"/>
+          <p:cNvPr id="179" name="Google Shape;179;p16:notes"/>
           <p:cNvSpPr txBox="1"/>
           <p:nvPr>
             <p:ph idx="1" type="body"/>
@@ -2324,7 +2369,7 @@
       </p:sp>
       <p:sp>
         <p:nvSpPr>
-          <p:cNvPr id="180" name="Google Shape;180;p17:notes"/>
+          <p:cNvPr id="180" name="Google Shape;180;p16:notes"/>
           <p:cNvSpPr/>
           <p:nvPr>
             <p:ph idx="2" type="sldImg"/>
@@ -2384,7 +2429,7 @@
       </p:grpSpPr>
       <p:sp>
         <p:nvSpPr>
-          <p:cNvPr id="185" name="Google Shape;185;p18:notes"/>
+          <p:cNvPr id="185" name="Google Shape;185;p17:notes"/>
           <p:cNvSpPr txBox="1"/>
           <p:nvPr>
             <p:ph idx="1" type="body"/>
@@ -2423,7 +2468,7 @@
       </p:sp>
       <p:sp>
         <p:nvSpPr>
-          <p:cNvPr id="186" name="Google Shape;186;p18:notes"/>
+          <p:cNvPr id="186" name="Google Shape;186;p17:notes"/>
           <p:cNvSpPr/>
           <p:nvPr>
             <p:ph idx="2" type="sldImg"/>
@@ -2469,7 +2514,7 @@
   <p:cSld>
     <p:spTree>
       <p:nvGrpSpPr>
-        <p:cNvPr id="192" name="Shape 192"/>
+        <p:cNvPr id="190" name="Shape 190"/>
         <p:cNvGrpSpPr/>
         <p:nvPr/>
       </p:nvGrpSpPr>
@@ -2483,7 +2528,7 @@
       </p:grpSpPr>
       <p:sp>
         <p:nvSpPr>
-          <p:cNvPr id="193" name="Google Shape;193;p19:notes"/>
+          <p:cNvPr id="191" name="Google Shape;191;p18:notes"/>
           <p:cNvSpPr txBox="1"/>
           <p:nvPr>
             <p:ph idx="1" type="body"/>
@@ -2522,7 +2567,7 @@
       </p:sp>
       <p:sp>
         <p:nvSpPr>
-          <p:cNvPr id="194" name="Google Shape;194;p19:notes"/>
+          <p:cNvPr id="192" name="Google Shape;192;p18:notes"/>
           <p:cNvSpPr/>
           <p:nvPr>
             <p:ph idx="2" type="sldImg"/>
@@ -2667,7 +2712,7 @@
   <p:cSld>
     <p:spTree>
       <p:nvGrpSpPr>
-        <p:cNvPr id="215" name="Shape 215"/>
+        <p:cNvPr id="198" name="Shape 198"/>
         <p:cNvGrpSpPr/>
         <p:nvPr/>
       </p:nvGrpSpPr>
@@ -2681,7 +2726,7 @@
       </p:grpSpPr>
       <p:sp>
         <p:nvSpPr>
-          <p:cNvPr id="216" name="Google Shape;216;p20:notes"/>
+          <p:cNvPr id="199" name="Google Shape;199;p19:notes"/>
           <p:cNvSpPr txBox="1"/>
           <p:nvPr>
             <p:ph idx="1" type="body"/>
@@ -2720,7 +2765,7 @@
       </p:sp>
       <p:sp>
         <p:nvSpPr>
-          <p:cNvPr id="217" name="Google Shape;217;p20:notes"/>
+          <p:cNvPr id="200" name="Google Shape;200;p19:notes"/>
           <p:cNvSpPr/>
           <p:nvPr>
             <p:ph idx="2" type="sldImg"/>
@@ -2766,7 +2811,7 @@
   <p:cSld>
     <p:spTree>
       <p:nvGrpSpPr>
-        <p:cNvPr id="222" name="Shape 222"/>
+        <p:cNvPr id="221" name="Shape 221"/>
         <p:cNvGrpSpPr/>
         <p:nvPr/>
       </p:nvGrpSpPr>
@@ -2780,7 +2825,7 @@
       </p:grpSpPr>
       <p:sp>
         <p:nvSpPr>
-          <p:cNvPr id="223" name="Google Shape;223;p21:notes"/>
+          <p:cNvPr id="222" name="Google Shape;222;p20:notes"/>
           <p:cNvSpPr txBox="1"/>
           <p:nvPr>
             <p:ph idx="1" type="body"/>
@@ -2819,7 +2864,7 @@
       </p:sp>
       <p:sp>
         <p:nvSpPr>
-          <p:cNvPr id="224" name="Google Shape;224;p21:notes"/>
+          <p:cNvPr id="223" name="Google Shape;223;p20:notes"/>
           <p:cNvSpPr/>
           <p:nvPr>
             <p:ph idx="2" type="sldImg"/>
@@ -2879,7 +2924,7 @@
       </p:grpSpPr>
       <p:sp>
         <p:nvSpPr>
-          <p:cNvPr id="229" name="Google Shape;229;p22:notes"/>
+          <p:cNvPr id="229" name="Google Shape;229;p21:notes"/>
           <p:cNvSpPr txBox="1"/>
           <p:nvPr>
             <p:ph idx="1" type="body"/>
@@ -2918,7 +2963,7 @@
       </p:sp>
       <p:sp>
         <p:nvSpPr>
-          <p:cNvPr id="230" name="Google Shape;230;p22:notes"/>
+          <p:cNvPr id="230" name="Google Shape;230;p21:notes"/>
           <p:cNvSpPr/>
           <p:nvPr>
             <p:ph idx="2" type="sldImg"/>
@@ -2978,7 +3023,7 @@
       </p:grpSpPr>
       <p:sp>
         <p:nvSpPr>
-          <p:cNvPr id="235" name="Google Shape;235;p23:notes"/>
+          <p:cNvPr id="235" name="Google Shape;235;p22:notes"/>
           <p:cNvSpPr txBox="1"/>
           <p:nvPr>
             <p:ph idx="1" type="body"/>
@@ -3017,7 +3062,7 @@
       </p:sp>
       <p:sp>
         <p:nvSpPr>
-          <p:cNvPr id="236" name="Google Shape;236;p23:notes"/>
+          <p:cNvPr id="236" name="Google Shape;236;p22:notes"/>
           <p:cNvSpPr/>
           <p:nvPr>
             <p:ph idx="2" type="sldImg"/>
@@ -3077,7 +3122,7 @@
       </p:grpSpPr>
       <p:sp>
         <p:nvSpPr>
-          <p:cNvPr id="241" name="Google Shape;241;p24:notes"/>
+          <p:cNvPr id="241" name="Google Shape;241;p23:notes"/>
           <p:cNvSpPr txBox="1"/>
           <p:nvPr>
             <p:ph idx="1" type="body"/>
@@ -3116,7 +3161,7 @@
       </p:sp>
       <p:sp>
         <p:nvSpPr>
-          <p:cNvPr id="242" name="Google Shape;242;p24:notes"/>
+          <p:cNvPr id="242" name="Google Shape;242;p23:notes"/>
           <p:cNvSpPr/>
           <p:nvPr>
             <p:ph idx="2" type="sldImg"/>
@@ -3162,7 +3207,7 @@
   <p:cSld>
     <p:spTree>
       <p:nvGrpSpPr>
-        <p:cNvPr id="248" name="Shape 248"/>
+        <p:cNvPr id="246" name="Shape 246"/>
         <p:cNvGrpSpPr/>
         <p:nvPr/>
       </p:nvGrpSpPr>
@@ -3176,7 +3221,7 @@
       </p:grpSpPr>
       <p:sp>
         <p:nvSpPr>
-          <p:cNvPr id="249" name="Google Shape;249;p25:notes"/>
+          <p:cNvPr id="247" name="Google Shape;247;p24:notes"/>
           <p:cNvSpPr txBox="1"/>
           <p:nvPr>
             <p:ph idx="1" type="body"/>
@@ -3215,7 +3260,7 @@
       </p:sp>
       <p:sp>
         <p:nvSpPr>
-          <p:cNvPr id="250" name="Google Shape;250;p25:notes"/>
+          <p:cNvPr id="248" name="Google Shape;248;p24:notes"/>
           <p:cNvSpPr/>
           <p:nvPr>
             <p:ph idx="2" type="sldImg"/>
@@ -3275,7 +3320,7 @@
       </p:grpSpPr>
       <p:sp>
         <p:nvSpPr>
-          <p:cNvPr id="255" name="Google Shape;255;p26:notes"/>
+          <p:cNvPr id="255" name="Google Shape;255;p25:notes"/>
           <p:cNvSpPr txBox="1"/>
           <p:nvPr>
             <p:ph idx="1" type="body"/>
@@ -3314,7 +3359,7 @@
       </p:sp>
       <p:sp>
         <p:nvSpPr>
-          <p:cNvPr id="256" name="Google Shape;256;p26:notes"/>
+          <p:cNvPr id="256" name="Google Shape;256;p25:notes"/>
           <p:cNvSpPr/>
           <p:nvPr>
             <p:ph idx="2" type="sldImg"/>
@@ -3374,7 +3419,7 @@
       </p:grpSpPr>
       <p:sp>
         <p:nvSpPr>
-          <p:cNvPr id="261" name="Google Shape;261;p27:notes"/>
+          <p:cNvPr id="261" name="Google Shape;261;p26:notes"/>
           <p:cNvSpPr txBox="1"/>
           <p:nvPr>
             <p:ph idx="1" type="body"/>
@@ -3413,7 +3458,7 @@
       </p:sp>
       <p:sp>
         <p:nvSpPr>
-          <p:cNvPr id="262" name="Google Shape;262;p27:notes"/>
+          <p:cNvPr id="262" name="Google Shape;262;p26:notes"/>
           <p:cNvSpPr/>
           <p:nvPr>
             <p:ph idx="2" type="sldImg"/>
@@ -3473,7 +3518,7 @@
       </p:grpSpPr>
       <p:sp>
         <p:nvSpPr>
-          <p:cNvPr id="267" name="Google Shape;267;p28:notes"/>
+          <p:cNvPr id="267" name="Google Shape;267;p27:notes"/>
           <p:cNvSpPr txBox="1"/>
           <p:nvPr>
             <p:ph idx="1" type="body"/>
@@ -3512,7 +3557,7 @@
       </p:sp>
       <p:sp>
         <p:nvSpPr>
-          <p:cNvPr id="268" name="Google Shape;268;p28:notes"/>
+          <p:cNvPr id="268" name="Google Shape;268;p27:notes"/>
           <p:cNvSpPr/>
           <p:nvPr>
             <p:ph idx="2" type="sldImg"/>
@@ -3572,7 +3617,7 @@
       </p:grpSpPr>
       <p:sp>
         <p:nvSpPr>
-          <p:cNvPr id="273" name="Google Shape;273;p29:notes"/>
+          <p:cNvPr id="273" name="Google Shape;273;p28:notes"/>
           <p:cNvSpPr txBox="1"/>
           <p:nvPr>
             <p:ph idx="1" type="body"/>
@@ -3611,7 +3656,7 @@
       </p:sp>
       <p:sp>
         <p:nvSpPr>
-          <p:cNvPr id="274" name="Google Shape;274;p29:notes"/>
+          <p:cNvPr id="274" name="Google Shape;274;p28:notes"/>
           <p:cNvSpPr/>
           <p:nvPr>
             <p:ph idx="2" type="sldImg"/>
@@ -3770,7 +3815,7 @@
       </p:grpSpPr>
       <p:sp>
         <p:nvSpPr>
-          <p:cNvPr id="279" name="Google Shape;279;p30:notes"/>
+          <p:cNvPr id="279" name="Google Shape;279;p29:notes"/>
           <p:cNvSpPr txBox="1"/>
           <p:nvPr>
             <p:ph idx="1" type="body"/>
@@ -3809,7 +3854,7 @@
       </p:sp>
       <p:sp>
         <p:nvSpPr>
-          <p:cNvPr id="280" name="Google Shape;280;p30:notes"/>
+          <p:cNvPr id="280" name="Google Shape;280;p29:notes"/>
           <p:cNvSpPr/>
           <p:nvPr>
             <p:ph idx="2" type="sldImg"/>
@@ -3869,7 +3914,7 @@
       </p:grpSpPr>
       <p:sp>
         <p:nvSpPr>
-          <p:cNvPr id="285" name="Google Shape;285;p31:notes"/>
+          <p:cNvPr id="285" name="Google Shape;285;p30:notes"/>
           <p:cNvSpPr txBox="1"/>
           <p:nvPr>
             <p:ph idx="1" type="body"/>
@@ -3908,7 +3953,7 @@
       </p:sp>
       <p:sp>
         <p:nvSpPr>
-          <p:cNvPr id="286" name="Google Shape;286;p31:notes"/>
+          <p:cNvPr id="286" name="Google Shape;286;p30:notes"/>
           <p:cNvSpPr/>
           <p:nvPr>
             <p:ph idx="2" type="sldImg"/>
@@ -3968,7 +4013,7 @@
       </p:grpSpPr>
       <p:sp>
         <p:nvSpPr>
-          <p:cNvPr id="291" name="Google Shape;291;p38:notes"/>
+          <p:cNvPr id="291" name="Google Shape;291;p31:notes"/>
           <p:cNvSpPr txBox="1"/>
           <p:nvPr>
             <p:ph idx="1" type="body"/>
@@ -4007,7 +4052,7 @@
       </p:sp>
       <p:sp>
         <p:nvSpPr>
-          <p:cNvPr id="292" name="Google Shape;292;p38:notes"/>
+          <p:cNvPr id="292" name="Google Shape;292;p31:notes"/>
           <p:cNvSpPr/>
           <p:nvPr>
             <p:ph idx="2" type="sldImg"/>
@@ -4067,7 +4112,7 @@
       </p:grpSpPr>
       <p:sp>
         <p:nvSpPr>
-          <p:cNvPr id="297" name="Google Shape;297;p39:notes"/>
+          <p:cNvPr id="297" name="Google Shape;297;p38:notes"/>
           <p:cNvSpPr txBox="1"/>
           <p:nvPr>
             <p:ph idx="1" type="body"/>
@@ -4106,7 +4151,106 @@
       </p:sp>
       <p:sp>
         <p:nvSpPr>
-          <p:cNvPr id="298" name="Google Shape;298;p39:notes"/>
+          <p:cNvPr id="298" name="Google Shape;298;p38:notes"/>
+          <p:cNvSpPr/>
+          <p:nvPr>
+            <p:ph idx="2" type="sldImg"/>
+          </p:nvPr>
+        </p:nvSpPr>
+        <p:spPr>
+          <a:xfrm>
+            <a:off x="1143000" y="685800"/>
+            <a:ext cx="4572000" cy="3429000"/>
+          </a:xfrm>
+          <a:custGeom>
+            <a:rect b="b" l="l" r="r" t="t"/>
+            <a:pathLst>
+              <a:path extrusionOk="0" h="120000" w="120000">
+                <a:moveTo>
+                  <a:pt x="0" y="0"/>
+                </a:moveTo>
+                <a:lnTo>
+                  <a:pt x="120000" y="0"/>
+                </a:lnTo>
+                <a:lnTo>
+                  <a:pt x="120000" y="120000"/>
+                </a:lnTo>
+                <a:lnTo>
+                  <a:pt x="0" y="120000"/>
+                </a:lnTo>
+                <a:close/>
+              </a:path>
+            </a:pathLst>
+          </a:custGeom>
+        </p:spPr>
+      </p:sp>
+    </p:spTree>
+  </p:cSld>
+  <p:clrMapOvr>
+    <a:masterClrMapping/>
+  </p:clrMapOvr>
+</p:notes>
+</file>
+
+<file path=ppt/notesSlides/notesSlide34.xml><?xml version="1.0" encoding="utf-8"?>
+<p:notes xmlns:a="http://schemas.openxmlformats.org/drawingml/2006/main" xmlns:r="http://schemas.openxmlformats.org/officeDocument/2006/relationships" xmlns:mc="http://schemas.openxmlformats.org/markup-compatibility/2006" xmlns:mv="urn:schemas-microsoft-com:mac:vml" xmlns:p="http://schemas.openxmlformats.org/presentationml/2006/main" xmlns:c="http://schemas.openxmlformats.org/drawingml/2006/chart" xmlns:dgm="http://schemas.openxmlformats.org/drawingml/2006/diagram" xmlns:o="urn:schemas-microsoft-com:office:office" xmlns:v="urn:schemas-microsoft-com:vml" xmlns:pvml="urn:schemas-microsoft-com:office:powerpoint" xmlns:com="http://schemas.openxmlformats.org/drawingml/2006/compatibility" xmlns:p14="http://schemas.microsoft.com/office/powerpoint/2010/main" xmlns:p15="http://schemas.microsoft.com/office/powerpoint/2012/main" xmlns:ahyp="http://schemas.microsoft.com/office/drawing/2018/hyperlinkcolor" showMasterPhAnim="0" showMasterSp="0">
+  <p:cSld>
+    <p:spTree>
+      <p:nvGrpSpPr>
+        <p:cNvPr id="302" name="Shape 302"/>
+        <p:cNvGrpSpPr/>
+        <p:nvPr/>
+      </p:nvGrpSpPr>
+      <p:grpSpPr>
+        <a:xfrm>
+          <a:off x="0" y="0"/>
+          <a:ext cx="0" cy="0"/>
+          <a:chOff x="0" y="0"/>
+          <a:chExt cx="0" cy="0"/>
+        </a:xfrm>
+      </p:grpSpPr>
+      <p:sp>
+        <p:nvSpPr>
+          <p:cNvPr id="303" name="Google Shape;303;p39:notes"/>
+          <p:cNvSpPr txBox="1"/>
+          <p:nvPr>
+            <p:ph idx="1" type="body"/>
+          </p:nvPr>
+        </p:nvSpPr>
+        <p:spPr>
+          <a:xfrm>
+            <a:off x="685800" y="4343400"/>
+            <a:ext cx="5486400" cy="4114800"/>
+          </a:xfrm>
+          <a:prstGeom prst="rect">
+            <a:avLst/>
+          </a:prstGeom>
+        </p:spPr>
+        <p:txBody>
+          <a:bodyPr anchorCtr="0" anchor="t" bIns="45700" lIns="91425" spcFirstLastPara="1" rIns="91425" wrap="square" tIns="45700">
+            <a:noAutofit/>
+          </a:bodyPr>
+          <a:lstStyle/>
+          <a:p>
+            <a:pPr indent="0" lvl="0" marL="0" rtl="0" algn="l">
+              <a:spcBef>
+                <a:spcPts val="0"/>
+              </a:spcBef>
+              <a:spcAft>
+                <a:spcPts val="0"/>
+              </a:spcAft>
+              <a:buNone/>
+            </a:pPr>
+            <a:r>
+              <a:t/>
+            </a:r>
+            <a:endParaRPr/>
+          </a:p>
+        </p:txBody>
+      </p:sp>
+      <p:sp>
+        <p:nvSpPr>
+          <p:cNvPr id="304" name="Google Shape;304;p39:notes"/>
           <p:cNvSpPr/>
           <p:nvPr>
             <p:ph idx="2" type="sldImg"/>
@@ -16936,7 +17080,7 @@
   <p:cSld>
     <p:spTree>
       <p:nvGrpSpPr>
-        <p:cNvPr id="163" name="Shape 163"/>
+        <p:cNvPr id="164" name="Shape 164"/>
         <p:cNvGrpSpPr/>
         <p:nvPr/>
       </p:nvGrpSpPr>
@@ -16950,43 +17094,161 @@
       </p:grpSpPr>
       <p:sp>
         <p:nvSpPr>
-          <p:cNvPr id="164" name="Google Shape;164;p26"/>
+          <p:cNvPr id="165" name="Google Shape;165;p26"/>
           <p:cNvSpPr txBox="1"/>
           <p:nvPr>
-            <p:ph type="title"/>
+            <p:ph idx="1" type="body"/>
           </p:nvPr>
         </p:nvSpPr>
         <p:spPr>
           <a:xfrm>
-            <a:off x="457200" y="274638"/>
-            <a:ext cx="8229600" cy="1143000"/>
+            <a:off x="375635" y="1600200"/>
+            <a:ext cx="8229600" cy="4526100"/>
           </a:xfrm>
           <a:prstGeom prst="rect">
             <a:avLst/>
           </a:prstGeom>
-          <a:noFill/>
-          <a:ln>
-            <a:noFill/>
-          </a:ln>
         </p:spPr>
         <p:txBody>
-          <a:bodyPr anchorCtr="0" anchor="ctr" bIns="45700" lIns="91425" spcFirstLastPara="1" rIns="91425" wrap="square" tIns="45700">
+          <a:bodyPr anchorCtr="0" anchor="t" bIns="45700" lIns="91425" spcFirstLastPara="1" rIns="91425" wrap="square" tIns="45700">
             <a:noAutofit/>
           </a:bodyPr>
           <a:lstStyle/>
           <a:p>
-            <a:pPr indent="0" lvl="0" marL="0" rtl="0" algn="ctr">
-              <a:spcBef>
-                <a:spcPts val="0"/>
-              </a:spcBef>
-              <a:spcAft>
-                <a:spcPts val="0"/>
-              </a:spcAft>
-              <a:buClr>
-                <a:schemeClr val="dk1"/>
-              </a:buClr>
-              <a:buSzPts val="4400"/>
-              <a:buFont typeface="Montserrat"/>
+            <a:pPr indent="0" lvl="0" marL="0" rtl="0" algn="l">
+              <a:spcBef>
+                <a:spcPts val="360"/>
+              </a:spcBef>
+              <a:spcAft>
+                <a:spcPts val="0"/>
+              </a:spcAft>
+              <a:buNone/>
+            </a:pPr>
+            <a:r>
+              <a:rPr lang="en-US"/>
+              <a:t>A (the, 1)  r(r(reduce (A,B),C),E)</a:t>
+            </a:r>
+            <a:endParaRPr/>
+          </a:p>
+          <a:p>
+            <a:pPr indent="0" lvl="0" marL="0" rtl="0" algn="l">
+              <a:spcBef>
+                <a:spcPts val="360"/>
+              </a:spcBef>
+              <a:spcAft>
+                <a:spcPts val="0"/>
+              </a:spcAft>
+              <a:buNone/>
+            </a:pPr>
+            <a:r>
+              <a:rPr lang="en-US"/>
+              <a:t>B (the, 1)</a:t>
+            </a:r>
+            <a:endParaRPr/>
+          </a:p>
+          <a:p>
+            <a:pPr indent="0" lvl="0" marL="0" rtl="0" algn="l">
+              <a:spcBef>
+                <a:spcPts val="360"/>
+              </a:spcBef>
+              <a:spcAft>
+                <a:spcPts val="0"/>
+              </a:spcAft>
+              <a:buNone/>
+            </a:pPr>
+            <a:r>
+              <a:rPr lang="en-US"/>
+              <a:t>C (the, 1)</a:t>
+            </a:r>
+            <a:endParaRPr/>
+          </a:p>
+          <a:p>
+            <a:pPr indent="0" lvl="0" marL="0" rtl="0" algn="l">
+              <a:spcBef>
+                <a:spcPts val="360"/>
+              </a:spcBef>
+              <a:spcAft>
+                <a:spcPts val="0"/>
+              </a:spcAft>
+              <a:buNone/>
+            </a:pPr>
+            <a:r>
+              <a:rPr lang="en-US"/>
+              <a:t>D (cat, 1)</a:t>
+            </a:r>
+            <a:endParaRPr/>
+          </a:p>
+          <a:p>
+            <a:pPr indent="0" lvl="0" marL="0" rtl="0" algn="l">
+              <a:spcBef>
+                <a:spcPts val="360"/>
+              </a:spcBef>
+              <a:spcAft>
+                <a:spcPts val="0"/>
+              </a:spcAft>
+              <a:buNone/>
+            </a:pPr>
+            <a:r>
+              <a:rPr lang="en-US"/>
+              <a:t>E (the,1)</a:t>
+            </a:r>
+            <a:endParaRPr/>
+          </a:p>
+          <a:p>
+            <a:pPr indent="0" lvl="0" marL="0" rtl="0" algn="l">
+              <a:spcBef>
+                <a:spcPts val="360"/>
+              </a:spcBef>
+              <a:spcAft>
+                <a:spcPts val="0"/>
+              </a:spcAft>
+              <a:buNone/>
+            </a:pPr>
+            <a:r>
+              <a:t/>
+            </a:r>
+            <a:endParaRPr/>
+          </a:p>
+          <a:p>
+            <a:pPr indent="0" lvl="0" marL="0" rtl="0" algn="l">
+              <a:spcBef>
+                <a:spcPts val="360"/>
+              </a:spcBef>
+              <a:spcAft>
+                <a:spcPts val="0"/>
+              </a:spcAft>
+              <a:buNone/>
+            </a:pPr>
+            <a:r>
+              <a:rPr lang="en-US"/>
+              <a:t>r(r(A,B), r(C,E))</a:t>
+            </a:r>
+            <a:endParaRPr/>
+          </a:p>
+          <a:p>
+            <a:pPr indent="0" lvl="0" marL="0" rtl="0" algn="l">
+              <a:spcBef>
+                <a:spcPts val="360"/>
+              </a:spcBef>
+              <a:spcAft>
+                <a:spcPts val="0"/>
+              </a:spcAft>
+              <a:buNone/>
+            </a:pPr>
+            <a:r>
+              <a:rPr lang="en-US"/>
+              <a:t>r (A,B) = c(A)+c(B)</a:t>
+            </a:r>
+            <a:endParaRPr/>
+          </a:p>
+          <a:p>
+            <a:pPr indent="0" lvl="0" marL="0" rtl="0" algn="l">
+              <a:spcBef>
+                <a:spcPts val="360"/>
+              </a:spcBef>
+              <a:spcAft>
+                <a:spcPts val="0"/>
+              </a:spcAft>
               <a:buNone/>
             </a:pPr>
             <a:r>
@@ -16996,33 +17258,6 @@
           </a:p>
         </p:txBody>
       </p:sp>
-      <p:pic>
-        <p:nvPicPr>
-          <p:cNvPr id="165" name="Google Shape;165;p26"/>
-          <p:cNvPicPr preferRelativeResize="0"/>
-          <p:nvPr/>
-        </p:nvPicPr>
-        <p:blipFill rotWithShape="1">
-          <a:blip r:embed="rId3">
-            <a:alphaModFix/>
-          </a:blip>
-          <a:srcRect b="0" l="0" r="0" t="0"/>
-          <a:stretch/>
-        </p:blipFill>
-        <p:spPr>
-          <a:xfrm>
-            <a:off x="0" y="254000"/>
-            <a:ext cx="9144000" cy="6334188"/>
-          </a:xfrm>
-          <a:prstGeom prst="rect">
-            <a:avLst/>
-          </a:prstGeom>
-          <a:noFill/>
-          <a:ln>
-            <a:noFill/>
-          </a:ln>
-        </p:spPr>
-      </p:pic>
     </p:spTree>
   </p:cSld>
   <p:clrMapOvr>
@@ -17090,25 +17325,29 @@
               <a:buNone/>
             </a:pPr>
             <a:r>
-              <a:rPr lang="en-US"/>
-              <a:t>Map Reduce in Real Life</a:t>
+              <a:t/>
             </a:r>
             <a:endParaRPr/>
           </a:p>
         </p:txBody>
       </p:sp>
-      <p:sp>
-        <p:nvSpPr>
+      <p:pic>
+        <p:nvPicPr>
           <p:cNvPr id="171" name="Google Shape;171;p27"/>
-          <p:cNvSpPr txBox="1"/>
-          <p:nvPr>
-            <p:ph idx="1" type="body"/>
-          </p:nvPr>
-        </p:nvSpPr>
+          <p:cNvPicPr preferRelativeResize="0"/>
+          <p:nvPr/>
+        </p:nvPicPr>
+        <p:blipFill rotWithShape="1">
+          <a:blip r:embed="rId3">
+            <a:alphaModFix/>
+          </a:blip>
+          <a:srcRect b="0" l="0" r="0" t="0"/>
+          <a:stretch/>
+        </p:blipFill>
         <p:spPr>
           <a:xfrm>
-            <a:off x="375635" y="1600200"/>
-            <a:ext cx="8229600" cy="4525963"/>
+            <a:off x="0" y="254000"/>
+            <a:ext cx="9144000" cy="6334188"/>
           </a:xfrm>
           <a:prstGeom prst="rect">
             <a:avLst/>
@@ -17118,241 +17357,7 @@
             <a:noFill/>
           </a:ln>
         </p:spPr>
-        <p:txBody>
-          <a:bodyPr anchorCtr="0" anchor="t" bIns="45700" lIns="91425" spcFirstLastPara="1" rIns="91425" wrap="square" tIns="45700">
-            <a:noAutofit/>
-          </a:bodyPr>
-          <a:lstStyle/>
-          <a:p>
-            <a:pPr indent="-342900" lvl="0" marL="342900" rtl="0" algn="l">
-              <a:lnSpc>
-                <a:spcPct val="90000"/>
-              </a:lnSpc>
-              <a:spcBef>
-                <a:spcPts val="0"/>
-              </a:spcBef>
-              <a:spcAft>
-                <a:spcPts val="0"/>
-              </a:spcAft>
-              <a:buClr>
-                <a:schemeClr val="dk1"/>
-              </a:buClr>
-              <a:buSzPts val="3200"/>
-              <a:buChar char="•"/>
-            </a:pPr>
-            <a:r>
-              <a:rPr lang="en-US"/>
-              <a:t>Analysing web logs</a:t>
-            </a:r>
-            <a:endParaRPr/>
-          </a:p>
-          <a:p>
-            <a:pPr indent="-285750" lvl="1" marL="742950" rtl="0" algn="l">
-              <a:lnSpc>
-                <a:spcPct val="90000"/>
-              </a:lnSpc>
-              <a:spcBef>
-                <a:spcPts val="560"/>
-              </a:spcBef>
-              <a:spcAft>
-                <a:spcPts val="0"/>
-              </a:spcAft>
-              <a:buClr>
-                <a:schemeClr val="dk1"/>
-              </a:buClr>
-              <a:buSzPts val="2800"/>
-              <a:buChar char="–"/>
-            </a:pPr>
-            <a:r>
-              <a:rPr lang="en-US"/>
-              <a:t>Summarise by user / cookie</a:t>
-            </a:r>
-            <a:endParaRPr/>
-          </a:p>
-          <a:p>
-            <a:pPr indent="-285750" lvl="1" marL="742950" rtl="0" algn="l">
-              <a:lnSpc>
-                <a:spcPct val="90000"/>
-              </a:lnSpc>
-              <a:spcBef>
-                <a:spcPts val="560"/>
-              </a:spcBef>
-              <a:spcAft>
-                <a:spcPts val="0"/>
-              </a:spcAft>
-              <a:buClr>
-                <a:schemeClr val="dk1"/>
-              </a:buClr>
-              <a:buSzPts val="2800"/>
-              <a:buChar char="–"/>
-            </a:pPr>
-            <a:r>
-              <a:rPr lang="en-US"/>
-              <a:t>Then aggregate to identify who did what</a:t>
-            </a:r>
-            <a:endParaRPr/>
-          </a:p>
-          <a:p>
-            <a:pPr indent="-342900" lvl="0" marL="342900" rtl="0" algn="l">
-              <a:lnSpc>
-                <a:spcPct val="90000"/>
-              </a:lnSpc>
-              <a:spcBef>
-                <a:spcPts val="640"/>
-              </a:spcBef>
-              <a:spcAft>
-                <a:spcPts val="0"/>
-              </a:spcAft>
-              <a:buClr>
-                <a:schemeClr val="dk1"/>
-              </a:buClr>
-              <a:buSzPts val="3200"/>
-              <a:buChar char="•"/>
-            </a:pPr>
-            <a:r>
-              <a:rPr lang="en-US"/>
-              <a:t>Analysing twitter data</a:t>
-            </a:r>
-            <a:endParaRPr/>
-          </a:p>
-          <a:p>
-            <a:pPr indent="-285750" lvl="1" marL="742950" rtl="0" algn="l">
-              <a:lnSpc>
-                <a:spcPct val="90000"/>
-              </a:lnSpc>
-              <a:spcBef>
-                <a:spcPts val="560"/>
-              </a:spcBef>
-              <a:spcAft>
-                <a:spcPts val="0"/>
-              </a:spcAft>
-              <a:buClr>
-                <a:schemeClr val="dk1"/>
-              </a:buClr>
-              <a:buSzPts val="2800"/>
-              <a:buChar char="–"/>
-            </a:pPr>
-            <a:r>
-              <a:rPr lang="en-US"/>
-              <a:t>Who retweeted</a:t>
-            </a:r>
-            <a:endParaRPr/>
-          </a:p>
-          <a:p>
-            <a:pPr indent="-285750" lvl="1" marL="742950" rtl="0" algn="l">
-              <a:lnSpc>
-                <a:spcPct val="90000"/>
-              </a:lnSpc>
-              <a:spcBef>
-                <a:spcPts val="560"/>
-              </a:spcBef>
-              <a:spcAft>
-                <a:spcPts val="0"/>
-              </a:spcAft>
-              <a:buClr>
-                <a:schemeClr val="dk1"/>
-              </a:buClr>
-              <a:buSzPts val="2800"/>
-              <a:buChar char="–"/>
-            </a:pPr>
-            <a:r>
-              <a:rPr lang="en-US"/>
-              <a:t>Who was retweeted the most</a:t>
-            </a:r>
-            <a:endParaRPr/>
-          </a:p>
-          <a:p>
-            <a:pPr indent="-342900" lvl="0" marL="342900" rtl="0" algn="l">
-              <a:lnSpc>
-                <a:spcPct val="90000"/>
-              </a:lnSpc>
-              <a:spcBef>
-                <a:spcPts val="640"/>
-              </a:spcBef>
-              <a:spcAft>
-                <a:spcPts val="0"/>
-              </a:spcAft>
-              <a:buClr>
-                <a:schemeClr val="dk1"/>
-              </a:buClr>
-              <a:buSzPts val="3200"/>
-              <a:buChar char="•"/>
-            </a:pPr>
-            <a:r>
-              <a:rPr lang="en-US"/>
-              <a:t>Almost all big data problems can be re-factored into Map Reduce</a:t>
-            </a:r>
-            <a:endParaRPr/>
-          </a:p>
-          <a:p>
-            <a:pPr indent="-285750" lvl="1" marL="742950" rtl="0" algn="l">
-              <a:lnSpc>
-                <a:spcPct val="90000"/>
-              </a:lnSpc>
-              <a:spcBef>
-                <a:spcPts val="560"/>
-              </a:spcBef>
-              <a:spcAft>
-                <a:spcPts val="0"/>
-              </a:spcAft>
-              <a:buClr>
-                <a:schemeClr val="dk1"/>
-              </a:buClr>
-              <a:buSzPts val="2800"/>
-              <a:buChar char="–"/>
-            </a:pPr>
-            <a:r>
-              <a:rPr lang="en-US"/>
-              <a:t>Some more efficiently than others</a:t>
-            </a:r>
-            <a:endParaRPr/>
-          </a:p>
-          <a:p>
-            <a:pPr indent="-139700" lvl="0" marL="342900" rtl="0" algn="l">
-              <a:lnSpc>
-                <a:spcPct val="90000"/>
-              </a:lnSpc>
-              <a:spcBef>
-                <a:spcPts val="640"/>
-              </a:spcBef>
-              <a:spcAft>
-                <a:spcPts val="0"/>
-              </a:spcAft>
-              <a:buClr>
-                <a:schemeClr val="dk1"/>
-              </a:buClr>
-              <a:buSzPts val="3200"/>
-              <a:buNone/>
-            </a:pPr>
-            <a:r>
-              <a:t/>
-            </a:r>
-            <a:endParaRPr/>
-          </a:p>
-          <a:p>
-            <a:pPr indent="-107950" lvl="1" marL="742950" rtl="0" algn="l">
-              <a:lnSpc>
-                <a:spcPct val="90000"/>
-              </a:lnSpc>
-              <a:spcBef>
-                <a:spcPts val="560"/>
-              </a:spcBef>
-              <a:spcAft>
-                <a:spcPts val="0"/>
-              </a:spcAft>
-              <a:buClr>
-                <a:schemeClr val="dk1"/>
-              </a:buClr>
-              <a:buSzPts val="2800"/>
-              <a:buNone/>
-            </a:pPr>
-            <a:r>
-              <a:t/>
-            </a:r>
-            <a:endParaRPr/>
-          </a:p>
-        </p:txBody>
-      </p:sp>
+      </p:pic>
     </p:spTree>
   </p:cSld>
   <p:clrMapOvr>
@@ -17421,7 +17426,7 @@
             </a:pPr>
             <a:r>
               <a:rPr lang="en-US"/>
-              <a:t>Tuning</a:t>
+              <a:t>Map Reduce in Real Life</a:t>
             </a:r>
             <a:endParaRPr/>
           </a:p>
@@ -17455,6 +17460,9 @@
           <a:lstStyle/>
           <a:p>
             <a:pPr indent="-342900" lvl="0" marL="342900" rtl="0" algn="l">
+              <a:lnSpc>
+                <a:spcPct val="90000"/>
+              </a:lnSpc>
               <a:spcBef>
                 <a:spcPts val="0"/>
               </a:spcBef>
@@ -17469,12 +17477,15 @@
             </a:pPr>
             <a:r>
               <a:rPr lang="en-US"/>
-              <a:t>Fault tolerance</a:t>
+              <a:t>Analysing web logs</a:t>
             </a:r>
             <a:endParaRPr/>
           </a:p>
           <a:p>
             <a:pPr indent="-285750" lvl="1" marL="742950" rtl="0" algn="l">
+              <a:lnSpc>
+                <a:spcPct val="90000"/>
+              </a:lnSpc>
               <a:spcBef>
                 <a:spcPts val="560"/>
               </a:spcBef>
@@ -17489,12 +17500,38 @@
             </a:pPr>
             <a:r>
               <a:rPr lang="en-US"/>
-              <a:t>Simply re-execute work that fails</a:t>
+              <a:t>Summarise by user / cookie</a:t>
+            </a:r>
+            <a:endParaRPr/>
+          </a:p>
+          <a:p>
+            <a:pPr indent="-285750" lvl="1" marL="742950" rtl="0" algn="l">
+              <a:lnSpc>
+                <a:spcPct val="90000"/>
+              </a:lnSpc>
+              <a:spcBef>
+                <a:spcPts val="560"/>
+              </a:spcBef>
+              <a:spcAft>
+                <a:spcPts val="0"/>
+              </a:spcAft>
+              <a:buClr>
+                <a:schemeClr val="dk1"/>
+              </a:buClr>
+              <a:buSzPts val="2800"/>
+              <a:buChar char="–"/>
+            </a:pPr>
+            <a:r>
+              <a:rPr lang="en-US"/>
+              <a:t>Then aggregate to identify who did what</a:t>
             </a:r>
             <a:endParaRPr/>
           </a:p>
           <a:p>
             <a:pPr indent="-342900" lvl="0" marL="342900" rtl="0" algn="l">
+              <a:lnSpc>
+                <a:spcPct val="90000"/>
+              </a:lnSpc>
               <a:spcBef>
                 <a:spcPts val="640"/>
               </a:spcBef>
@@ -17509,12 +17546,15 @@
             </a:pPr>
             <a:r>
               <a:rPr lang="en-US"/>
-              <a:t>Performance:</a:t>
+              <a:t>Analysing twitter data</a:t>
             </a:r>
             <a:endParaRPr/>
           </a:p>
           <a:p>
             <a:pPr indent="-285750" lvl="1" marL="742950" rtl="0" algn="l">
+              <a:lnSpc>
+                <a:spcPct val="90000"/>
+              </a:lnSpc>
               <a:spcBef>
                 <a:spcPts val="560"/>
               </a:spcBef>
@@ -17529,12 +17569,15 @@
             </a:pPr>
             <a:r>
               <a:rPr lang="en-US"/>
-              <a:t>Partitioning the data </a:t>
+              <a:t>Who retweeted</a:t>
             </a:r>
             <a:endParaRPr/>
           </a:p>
           <a:p>
             <a:pPr indent="-285750" lvl="1" marL="742950" rtl="0" algn="l">
+              <a:lnSpc>
+                <a:spcPct val="90000"/>
+              </a:lnSpc>
               <a:spcBef>
                 <a:spcPts val="560"/>
               </a:spcBef>
@@ -17549,7 +17592,97 @@
             </a:pPr>
             <a:r>
               <a:rPr lang="en-US"/>
-              <a:t>Moving the work to near the data</a:t>
+              <a:t>Who was retweeted the most</a:t>
+            </a:r>
+            <a:endParaRPr/>
+          </a:p>
+          <a:p>
+            <a:pPr indent="-342900" lvl="0" marL="342900" rtl="0" algn="l">
+              <a:lnSpc>
+                <a:spcPct val="90000"/>
+              </a:lnSpc>
+              <a:spcBef>
+                <a:spcPts val="640"/>
+              </a:spcBef>
+              <a:spcAft>
+                <a:spcPts val="0"/>
+              </a:spcAft>
+              <a:buClr>
+                <a:schemeClr val="dk1"/>
+              </a:buClr>
+              <a:buSzPts val="3200"/>
+              <a:buChar char="•"/>
+            </a:pPr>
+            <a:r>
+              <a:rPr lang="en-US"/>
+              <a:t>Almost all big data problems can be re-factored into Map Reduce</a:t>
+            </a:r>
+            <a:endParaRPr/>
+          </a:p>
+          <a:p>
+            <a:pPr indent="-285750" lvl="1" marL="742950" rtl="0" algn="l">
+              <a:lnSpc>
+                <a:spcPct val="90000"/>
+              </a:lnSpc>
+              <a:spcBef>
+                <a:spcPts val="560"/>
+              </a:spcBef>
+              <a:spcAft>
+                <a:spcPts val="0"/>
+              </a:spcAft>
+              <a:buClr>
+                <a:schemeClr val="dk1"/>
+              </a:buClr>
+              <a:buSzPts val="2800"/>
+              <a:buChar char="–"/>
+            </a:pPr>
+            <a:r>
+              <a:rPr lang="en-US"/>
+              <a:t>Some more efficiently than others</a:t>
+            </a:r>
+            <a:endParaRPr/>
+          </a:p>
+          <a:p>
+            <a:pPr indent="-139700" lvl="0" marL="342900" rtl="0" algn="l">
+              <a:lnSpc>
+                <a:spcPct val="90000"/>
+              </a:lnSpc>
+              <a:spcBef>
+                <a:spcPts val="640"/>
+              </a:spcBef>
+              <a:spcAft>
+                <a:spcPts val="0"/>
+              </a:spcAft>
+              <a:buClr>
+                <a:schemeClr val="dk1"/>
+              </a:buClr>
+              <a:buSzPts val="3200"/>
+              <a:buNone/>
+            </a:pPr>
+            <a:r>
+              <a:t/>
+            </a:r>
+            <a:endParaRPr/>
+          </a:p>
+          <a:p>
+            <a:pPr indent="-107950" lvl="1" marL="742950" rtl="0" algn="l">
+              <a:lnSpc>
+                <a:spcPct val="90000"/>
+              </a:lnSpc>
+              <a:spcBef>
+                <a:spcPts val="560"/>
+              </a:spcBef>
+              <a:spcAft>
+                <a:spcPts val="0"/>
+              </a:spcAft>
+              <a:buClr>
+                <a:schemeClr val="dk1"/>
+              </a:buClr>
+              <a:buSzPts val="2800"/>
+              <a:buNone/>
+            </a:pPr>
+            <a:r>
+              <a:t/>
             </a:r>
             <a:endParaRPr/>
           </a:p>
@@ -17623,7 +17756,7 @@
             </a:pPr>
             <a:r>
               <a:rPr lang="en-US"/>
-              <a:t>Apache Hadoop</a:t>
+              <a:t>Tuning</a:t>
             </a:r>
             <a:endParaRPr/>
           </a:p>
@@ -17657,9 +17790,6 @@
           <a:lstStyle/>
           <a:p>
             <a:pPr indent="-342900" lvl="0" marL="342900" rtl="0" algn="l">
-              <a:lnSpc>
-                <a:spcPct val="90000"/>
-              </a:lnSpc>
               <a:spcBef>
                 <a:spcPts val="0"/>
               </a:spcBef>
@@ -17674,22 +17804,12 @@
             </a:pPr>
             <a:r>
               <a:rPr lang="en-US"/>
-              <a:t>The most famous and popular </a:t>
-            </a:r>
-            <a:br>
-              <a:rPr lang="en-US"/>
-            </a:br>
-            <a:r>
-              <a:rPr lang="en-US"/>
-              <a:t>Map Reduce framework</a:t>
+              <a:t>Fault tolerance</a:t>
             </a:r>
             <a:endParaRPr/>
           </a:p>
           <a:p>
             <a:pPr indent="-285750" lvl="1" marL="742950" rtl="0" algn="l">
-              <a:lnSpc>
-                <a:spcPct val="90000"/>
-              </a:lnSpc>
               <a:spcBef>
                 <a:spcPts val="560"/>
               </a:spcBef>
@@ -17704,38 +17824,32 @@
             </a:pPr>
             <a:r>
               <a:rPr lang="en-US"/>
-              <a:t>Open Source</a:t>
+              <a:t>Simply re-execute work that fails</a:t>
             </a:r>
             <a:endParaRPr/>
           </a:p>
           <a:p>
-            <a:pPr indent="-228600" lvl="2" marL="1143000" rtl="0" algn="l">
-              <a:lnSpc>
-                <a:spcPct val="90000"/>
-              </a:lnSpc>
-              <a:spcBef>
-                <a:spcPts val="480"/>
-              </a:spcBef>
-              <a:spcAft>
-                <a:spcPts val="0"/>
-              </a:spcAft>
-              <a:buClr>
-                <a:schemeClr val="dk1"/>
-              </a:buClr>
-              <a:buSzPts val="2400"/>
+            <a:pPr indent="-342900" lvl="0" marL="342900" rtl="0" algn="l">
+              <a:spcBef>
+                <a:spcPts val="640"/>
+              </a:spcBef>
+              <a:spcAft>
+                <a:spcPts val="0"/>
+              </a:spcAft>
+              <a:buClr>
+                <a:schemeClr val="dk1"/>
+              </a:buClr>
+              <a:buSzPts val="3200"/>
               <a:buChar char="•"/>
             </a:pPr>
             <a:r>
               <a:rPr lang="en-US"/>
-              <a:t>Written in Java, but supports other languages</a:t>
+              <a:t>Performance:</a:t>
             </a:r>
             <a:endParaRPr/>
           </a:p>
           <a:p>
             <a:pPr indent="-285750" lvl="1" marL="742950" rtl="0" algn="l">
-              <a:lnSpc>
-                <a:spcPct val="90000"/>
-              </a:lnSpc>
               <a:spcBef>
                 <a:spcPts val="560"/>
               </a:spcBef>
@@ -17750,15 +17864,12 @@
             </a:pPr>
             <a:r>
               <a:rPr lang="en-US"/>
-              <a:t>Runs Map Reduce workloads across a cloud or cluster of machines</a:t>
+              <a:t>Partitioning the data </a:t>
             </a:r>
             <a:endParaRPr/>
           </a:p>
           <a:p>
             <a:pPr indent="-285750" lvl="1" marL="742950" rtl="0" algn="l">
-              <a:lnSpc>
-                <a:spcPct val="90000"/>
-              </a:lnSpc>
               <a:spcBef>
                 <a:spcPts val="560"/>
               </a:spcBef>
@@ -17773,30 +17884,7 @@
             </a:pPr>
             <a:r>
               <a:rPr lang="en-US"/>
-              <a:t>Supports a distributed filesystem to store data for these jobs</a:t>
-            </a:r>
-            <a:endParaRPr/>
-          </a:p>
-          <a:p>
-            <a:pPr indent="-285750" lvl="1" marL="742950" rtl="0" algn="l">
-              <a:lnSpc>
-                <a:spcPct val="90000"/>
-              </a:lnSpc>
-              <a:spcBef>
-                <a:spcPts val="560"/>
-              </a:spcBef>
-              <a:spcAft>
-                <a:spcPts val="0"/>
-              </a:spcAft>
-              <a:buClr>
-                <a:schemeClr val="dk1"/>
-              </a:buClr>
-              <a:buSzPts val="2800"/>
-              <a:buChar char="–"/>
-            </a:pPr>
-            <a:r>
-              <a:rPr lang="en-US"/>
-              <a:t>Provides reliability when servers in the cluster fail</a:t>
+              <a:t>Moving the work to near the data</a:t>
             </a:r>
             <a:endParaRPr/>
           </a:p>
@@ -17870,6 +17958,253 @@
             </a:pPr>
             <a:r>
               <a:rPr lang="en-US"/>
+              <a:t>Apache Hadoop</a:t>
+            </a:r>
+            <a:endParaRPr/>
+          </a:p>
+        </p:txBody>
+      </p:sp>
+      <p:sp>
+        <p:nvSpPr>
+          <p:cNvPr id="189" name="Google Shape;189;p30"/>
+          <p:cNvSpPr txBox="1"/>
+          <p:nvPr>
+            <p:ph idx="1" type="body"/>
+          </p:nvPr>
+        </p:nvSpPr>
+        <p:spPr>
+          <a:xfrm>
+            <a:off x="375635" y="1600200"/>
+            <a:ext cx="8229600" cy="4525963"/>
+          </a:xfrm>
+          <a:prstGeom prst="rect">
+            <a:avLst/>
+          </a:prstGeom>
+          <a:noFill/>
+          <a:ln>
+            <a:noFill/>
+          </a:ln>
+        </p:spPr>
+        <p:txBody>
+          <a:bodyPr anchorCtr="0" anchor="t" bIns="45700" lIns="91425" spcFirstLastPara="1" rIns="91425" wrap="square" tIns="45700">
+            <a:noAutofit/>
+          </a:bodyPr>
+          <a:lstStyle/>
+          <a:p>
+            <a:pPr indent="-342900" lvl="0" marL="342900" rtl="0" algn="l">
+              <a:lnSpc>
+                <a:spcPct val="90000"/>
+              </a:lnSpc>
+              <a:spcBef>
+                <a:spcPts val="0"/>
+              </a:spcBef>
+              <a:spcAft>
+                <a:spcPts val="0"/>
+              </a:spcAft>
+              <a:buClr>
+                <a:schemeClr val="dk1"/>
+              </a:buClr>
+              <a:buSzPts val="3200"/>
+              <a:buChar char="•"/>
+            </a:pPr>
+            <a:r>
+              <a:rPr lang="en-US"/>
+              <a:t>The most famous and popular </a:t>
+            </a:r>
+            <a:br>
+              <a:rPr lang="en-US"/>
+            </a:br>
+            <a:r>
+              <a:rPr lang="en-US"/>
+              <a:t>Map Reduce framework</a:t>
+            </a:r>
+            <a:endParaRPr/>
+          </a:p>
+          <a:p>
+            <a:pPr indent="-285750" lvl="1" marL="742950" rtl="0" algn="l">
+              <a:lnSpc>
+                <a:spcPct val="90000"/>
+              </a:lnSpc>
+              <a:spcBef>
+                <a:spcPts val="560"/>
+              </a:spcBef>
+              <a:spcAft>
+                <a:spcPts val="0"/>
+              </a:spcAft>
+              <a:buClr>
+                <a:schemeClr val="dk1"/>
+              </a:buClr>
+              <a:buSzPts val="2800"/>
+              <a:buChar char="–"/>
+            </a:pPr>
+            <a:r>
+              <a:rPr lang="en-US"/>
+              <a:t>Open Source</a:t>
+            </a:r>
+            <a:endParaRPr/>
+          </a:p>
+          <a:p>
+            <a:pPr indent="-228600" lvl="2" marL="1143000" rtl="0" algn="l">
+              <a:lnSpc>
+                <a:spcPct val="90000"/>
+              </a:lnSpc>
+              <a:spcBef>
+                <a:spcPts val="480"/>
+              </a:spcBef>
+              <a:spcAft>
+                <a:spcPts val="0"/>
+              </a:spcAft>
+              <a:buClr>
+                <a:schemeClr val="dk1"/>
+              </a:buClr>
+              <a:buSzPts val="2400"/>
+              <a:buChar char="•"/>
+            </a:pPr>
+            <a:r>
+              <a:rPr lang="en-US"/>
+              <a:t>Written in Java, but supports other languages</a:t>
+            </a:r>
+            <a:endParaRPr/>
+          </a:p>
+          <a:p>
+            <a:pPr indent="-285750" lvl="1" marL="742950" rtl="0" algn="l">
+              <a:lnSpc>
+                <a:spcPct val="90000"/>
+              </a:lnSpc>
+              <a:spcBef>
+                <a:spcPts val="560"/>
+              </a:spcBef>
+              <a:spcAft>
+                <a:spcPts val="0"/>
+              </a:spcAft>
+              <a:buClr>
+                <a:schemeClr val="dk1"/>
+              </a:buClr>
+              <a:buSzPts val="2800"/>
+              <a:buChar char="–"/>
+            </a:pPr>
+            <a:r>
+              <a:rPr lang="en-US"/>
+              <a:t>Runs Map Reduce workloads across a cloud or cluster of machines</a:t>
+            </a:r>
+            <a:endParaRPr/>
+          </a:p>
+          <a:p>
+            <a:pPr indent="-285750" lvl="1" marL="742950" rtl="0" algn="l">
+              <a:lnSpc>
+                <a:spcPct val="90000"/>
+              </a:lnSpc>
+              <a:spcBef>
+                <a:spcPts val="560"/>
+              </a:spcBef>
+              <a:spcAft>
+                <a:spcPts val="0"/>
+              </a:spcAft>
+              <a:buClr>
+                <a:schemeClr val="dk1"/>
+              </a:buClr>
+              <a:buSzPts val="2800"/>
+              <a:buChar char="–"/>
+            </a:pPr>
+            <a:r>
+              <a:rPr lang="en-US"/>
+              <a:t>Supports a distributed filesystem to store data for these jobs</a:t>
+            </a:r>
+            <a:endParaRPr/>
+          </a:p>
+          <a:p>
+            <a:pPr indent="-285750" lvl="1" marL="742950" rtl="0" algn="l">
+              <a:lnSpc>
+                <a:spcPct val="90000"/>
+              </a:lnSpc>
+              <a:spcBef>
+                <a:spcPts val="560"/>
+              </a:spcBef>
+              <a:spcAft>
+                <a:spcPts val="0"/>
+              </a:spcAft>
+              <a:buClr>
+                <a:schemeClr val="dk1"/>
+              </a:buClr>
+              <a:buSzPts val="2800"/>
+              <a:buChar char="–"/>
+            </a:pPr>
+            <a:r>
+              <a:rPr lang="en-US"/>
+              <a:t>Provides reliability when servers in the cluster fail</a:t>
+            </a:r>
+            <a:endParaRPr/>
+          </a:p>
+        </p:txBody>
+      </p:sp>
+    </p:spTree>
+  </p:cSld>
+  <p:clrMapOvr>
+    <a:masterClrMapping/>
+  </p:clrMapOvr>
+</p:sld>
+</file>
+
+<file path=ppt/slides/slide19.xml><?xml version="1.0" encoding="utf-8"?>
+<p:sld xmlns:a="http://schemas.openxmlformats.org/drawingml/2006/main" xmlns:r="http://schemas.openxmlformats.org/officeDocument/2006/relationships" xmlns:mc="http://schemas.openxmlformats.org/markup-compatibility/2006" xmlns:mv="urn:schemas-microsoft-com:mac:vml" xmlns:p="http://schemas.openxmlformats.org/presentationml/2006/main" xmlns:c="http://schemas.openxmlformats.org/drawingml/2006/chart" xmlns:dgm="http://schemas.openxmlformats.org/drawingml/2006/diagram" xmlns:o="urn:schemas-microsoft-com:office:office" xmlns:v="urn:schemas-microsoft-com:vml" xmlns:pvml="urn:schemas-microsoft-com:office:powerpoint" xmlns:com="http://schemas.openxmlformats.org/drawingml/2006/compatibility" xmlns:p14="http://schemas.microsoft.com/office/powerpoint/2010/main" xmlns:p15="http://schemas.microsoft.com/office/powerpoint/2012/main" xmlns:ahyp="http://schemas.microsoft.com/office/drawing/2018/hyperlinkcolor">
+  <p:cSld>
+    <p:spTree>
+      <p:nvGrpSpPr>
+        <p:cNvPr id="193" name="Shape 193"/>
+        <p:cNvGrpSpPr/>
+        <p:nvPr/>
+      </p:nvGrpSpPr>
+      <p:grpSpPr>
+        <a:xfrm>
+          <a:off x="0" y="0"/>
+          <a:ext cx="0" cy="0"/>
+          <a:chOff x="0" y="0"/>
+          <a:chExt cx="0" cy="0"/>
+        </a:xfrm>
+      </p:grpSpPr>
+      <p:sp>
+        <p:nvSpPr>
+          <p:cNvPr id="194" name="Google Shape;194;p31"/>
+          <p:cNvSpPr txBox="1"/>
+          <p:nvPr>
+            <p:ph type="title"/>
+          </p:nvPr>
+        </p:nvSpPr>
+        <p:spPr>
+          <a:xfrm>
+            <a:off x="457200" y="274638"/>
+            <a:ext cx="8229600" cy="1143000"/>
+          </a:xfrm>
+          <a:prstGeom prst="rect">
+            <a:avLst/>
+          </a:prstGeom>
+          <a:noFill/>
+          <a:ln>
+            <a:noFill/>
+          </a:ln>
+        </p:spPr>
+        <p:txBody>
+          <a:bodyPr anchorCtr="0" anchor="ctr" bIns="45700" lIns="91425" spcFirstLastPara="1" rIns="91425" wrap="square" tIns="45700">
+            <a:noAutofit/>
+          </a:bodyPr>
+          <a:lstStyle/>
+          <a:p>
+            <a:pPr indent="0" lvl="0" marL="0" rtl="0" algn="ctr">
+              <a:spcBef>
+                <a:spcPts val="0"/>
+              </a:spcBef>
+              <a:spcAft>
+                <a:spcPts val="0"/>
+              </a:spcAft>
+              <a:buClr>
+                <a:schemeClr val="dk1"/>
+              </a:buClr>
+              <a:buSzPts val="4400"/>
+              <a:buFont typeface="Montserrat"/>
+              <a:buNone/>
+            </a:pPr>
+            <a:r>
+              <a:rPr lang="en-US"/>
               <a:t>Components of Hadoop</a:t>
             </a:r>
             <a:endParaRPr/>
@@ -17878,7 +18213,7 @@
       </p:sp>
       <p:sp>
         <p:nvSpPr>
-          <p:cNvPr id="189" name="Google Shape;189;p30"/>
+          <p:cNvPr id="195" name="Google Shape;195;p31"/>
           <p:cNvSpPr/>
           <p:nvPr/>
         </p:nvSpPr>
@@ -18000,7 +18335,7 @@
       </p:sp>
       <p:sp>
         <p:nvSpPr>
-          <p:cNvPr id="190" name="Google Shape;190;p30"/>
+          <p:cNvPr id="196" name="Google Shape;196;p31"/>
           <p:cNvSpPr/>
           <p:nvPr/>
         </p:nvSpPr>
@@ -18099,7 +18434,7 @@
       </p:sp>
       <p:sp>
         <p:nvSpPr>
-          <p:cNvPr id="191" name="Google Shape;191;p30"/>
+          <p:cNvPr id="197" name="Google Shape;197;p31"/>
           <p:cNvSpPr/>
           <p:nvPr/>
         </p:nvSpPr>
@@ -18218,1146 +18553,6 @@
             <a:endParaRPr sz="1800">
               <a:solidFill>
                 <a:schemeClr val="lt1"/>
-              </a:solidFill>
-              <a:latin typeface="Calibri"/>
-              <a:ea typeface="Calibri"/>
-              <a:cs typeface="Calibri"/>
-              <a:sym typeface="Calibri"/>
-            </a:endParaRPr>
-          </a:p>
-        </p:txBody>
-      </p:sp>
-    </p:spTree>
-  </p:cSld>
-  <p:clrMapOvr>
-    <a:masterClrMapping/>
-  </p:clrMapOvr>
-</p:sld>
-</file>
-
-<file path=ppt/slides/slide19.xml><?xml version="1.0" encoding="utf-8"?>
-<p:sld xmlns:a="http://schemas.openxmlformats.org/drawingml/2006/main" xmlns:r="http://schemas.openxmlformats.org/officeDocument/2006/relationships" xmlns:mc="http://schemas.openxmlformats.org/markup-compatibility/2006" xmlns:mv="urn:schemas-microsoft-com:mac:vml" xmlns:p="http://schemas.openxmlformats.org/presentationml/2006/main" xmlns:c="http://schemas.openxmlformats.org/drawingml/2006/chart" xmlns:dgm="http://schemas.openxmlformats.org/drawingml/2006/diagram" xmlns:o="urn:schemas-microsoft-com:office:office" xmlns:v="urn:schemas-microsoft-com:vml" xmlns:pvml="urn:schemas-microsoft-com:office:powerpoint" xmlns:com="http://schemas.openxmlformats.org/drawingml/2006/compatibility" xmlns:p14="http://schemas.microsoft.com/office/powerpoint/2010/main" xmlns:p15="http://schemas.microsoft.com/office/powerpoint/2012/main" xmlns:ahyp="http://schemas.microsoft.com/office/drawing/2018/hyperlinkcolor">
-  <p:cSld>
-    <p:spTree>
-      <p:nvGrpSpPr>
-        <p:cNvPr id="195" name="Shape 195"/>
-        <p:cNvGrpSpPr/>
-        <p:nvPr/>
-      </p:nvGrpSpPr>
-      <p:grpSpPr>
-        <a:xfrm>
-          <a:off x="0" y="0"/>
-          <a:ext cx="0" cy="0"/>
-          <a:chOff x="0" y="0"/>
-          <a:chExt cx="0" cy="0"/>
-        </a:xfrm>
-      </p:grpSpPr>
-      <p:sp>
-        <p:nvSpPr>
-          <p:cNvPr id="196" name="Google Shape;196;p31"/>
-          <p:cNvSpPr txBox="1"/>
-          <p:nvPr>
-            <p:ph type="title"/>
-          </p:nvPr>
-        </p:nvSpPr>
-        <p:spPr>
-          <a:xfrm>
-            <a:off x="457200" y="274638"/>
-            <a:ext cx="8229600" cy="1143000"/>
-          </a:xfrm>
-          <a:prstGeom prst="rect">
-            <a:avLst/>
-          </a:prstGeom>
-          <a:noFill/>
-          <a:ln>
-            <a:noFill/>
-          </a:ln>
-        </p:spPr>
-        <p:txBody>
-          <a:bodyPr anchorCtr="0" anchor="ctr" bIns="45700" lIns="91425" spcFirstLastPara="1" rIns="91425" wrap="square" tIns="45700">
-            <a:noAutofit/>
-          </a:bodyPr>
-          <a:lstStyle/>
-          <a:p>
-            <a:pPr indent="0" lvl="0" marL="0" rtl="0" algn="ctr">
-              <a:spcBef>
-                <a:spcPts val="0"/>
-              </a:spcBef>
-              <a:spcAft>
-                <a:spcPts val="0"/>
-              </a:spcAft>
-              <a:buClr>
-                <a:schemeClr val="dk1"/>
-              </a:buClr>
-              <a:buSzPts val="4400"/>
-              <a:buFont typeface="Montserrat"/>
-              <a:buNone/>
-            </a:pPr>
-            <a:r>
-              <a:rPr lang="en-US"/>
-              <a:t>HDFS in a nutshell</a:t>
-            </a:r>
-            <a:endParaRPr/>
-          </a:p>
-        </p:txBody>
-      </p:sp>
-      <p:sp>
-        <p:nvSpPr>
-          <p:cNvPr id="197" name="Google Shape;197;p31"/>
-          <p:cNvSpPr/>
-          <p:nvPr/>
-        </p:nvSpPr>
-        <p:spPr>
-          <a:xfrm>
-            <a:off x="966341" y="1918997"/>
-            <a:ext cx="1421901" cy="1283934"/>
-          </a:xfrm>
-          <a:prstGeom prst="roundRect">
-            <a:avLst>
-              <a:gd fmla="val 16667" name="adj"/>
-            </a:avLst>
-          </a:prstGeom>
-          <a:gradFill>
-            <a:gsLst>
-              <a:gs pos="0">
-                <a:srgbClr val="3E7FCD"/>
-              </a:gs>
-              <a:gs pos="100000">
-                <a:srgbClr val="96C0FF"/>
-              </a:gs>
-            </a:gsLst>
-            <a:lin ang="16200000" scaled="0"/>
-          </a:gradFill>
-          <a:ln cap="flat" cmpd="sng" w="9525">
-            <a:solidFill>
-              <a:srgbClr val="4A7DBA"/>
-            </a:solidFill>
-            <a:prstDash val="solid"/>
-            <a:round/>
-            <a:headEnd len="sm" w="sm" type="none"/>
-            <a:tailEnd len="sm" w="sm" type="none"/>
-          </a:ln>
-          <a:effectLst>
-            <a:outerShdw blurRad="40000" rotWithShape="0" dir="5400000" dist="23000">
-              <a:srgbClr val="000000">
-                <a:alpha val="34901"/>
-              </a:srgbClr>
-            </a:outerShdw>
-          </a:effectLst>
-        </p:spPr>
-        <p:txBody>
-          <a:bodyPr anchorCtr="0" anchor="ctr" bIns="45700" lIns="91425" spcFirstLastPara="1" rIns="91425" wrap="square" tIns="45700">
-            <a:noAutofit/>
-          </a:bodyPr>
-          <a:lstStyle/>
-          <a:p>
-            <a:pPr indent="0" lvl="0" marL="0" marR="0" rtl="0" algn="ctr">
-              <a:spcBef>
-                <a:spcPts val="0"/>
-              </a:spcBef>
-              <a:spcAft>
-                <a:spcPts val="0"/>
-              </a:spcAft>
-              <a:buNone/>
-            </a:pPr>
-            <a:r>
-              <a:rPr lang="en-US" sz="1800">
-                <a:solidFill>
-                  <a:schemeClr val="lt1"/>
-                </a:solidFill>
-                <a:latin typeface="Calibri"/>
-                <a:ea typeface="Calibri"/>
-                <a:cs typeface="Calibri"/>
-                <a:sym typeface="Calibri"/>
-              </a:rPr>
-              <a:t>Client</a:t>
-            </a:r>
-            <a:endParaRPr sz="1800">
-              <a:solidFill>
-                <a:schemeClr val="lt1"/>
-              </a:solidFill>
-              <a:latin typeface="Calibri"/>
-              <a:ea typeface="Calibri"/>
-              <a:cs typeface="Calibri"/>
-              <a:sym typeface="Calibri"/>
-            </a:endParaRPr>
-          </a:p>
-        </p:txBody>
-      </p:sp>
-      <p:sp>
-        <p:nvSpPr>
-          <p:cNvPr id="198" name="Google Shape;198;p31"/>
-          <p:cNvSpPr/>
-          <p:nvPr/>
-        </p:nvSpPr>
-        <p:spPr>
-          <a:xfrm>
-            <a:off x="4349080" y="1918997"/>
-            <a:ext cx="1421901" cy="1283934"/>
-          </a:xfrm>
-          <a:prstGeom prst="roundRect">
-            <a:avLst>
-              <a:gd fmla="val 16667" name="adj"/>
-            </a:avLst>
-          </a:prstGeom>
-          <a:gradFill>
-            <a:gsLst>
-              <a:gs pos="0">
-                <a:srgbClr val="3E7FCD"/>
-              </a:gs>
-              <a:gs pos="100000">
-                <a:srgbClr val="96C0FF"/>
-              </a:gs>
-            </a:gsLst>
-            <a:lin ang="16200000" scaled="0"/>
-          </a:gradFill>
-          <a:ln cap="flat" cmpd="sng" w="9525">
-            <a:solidFill>
-              <a:srgbClr val="4A7DBA"/>
-            </a:solidFill>
-            <a:prstDash val="solid"/>
-            <a:round/>
-            <a:headEnd len="sm" w="sm" type="none"/>
-            <a:tailEnd len="sm" w="sm" type="none"/>
-          </a:ln>
-          <a:effectLst>
-            <a:outerShdw blurRad="40000" rotWithShape="0" dir="5400000" dist="23000">
-              <a:srgbClr val="000000">
-                <a:alpha val="34901"/>
-              </a:srgbClr>
-            </a:outerShdw>
-          </a:effectLst>
-        </p:spPr>
-        <p:txBody>
-          <a:bodyPr anchorCtr="0" anchor="ctr" bIns="45700" lIns="91425" spcFirstLastPara="1" rIns="91425" wrap="square" tIns="45700">
-            <a:noAutofit/>
-          </a:bodyPr>
-          <a:lstStyle/>
-          <a:p>
-            <a:pPr indent="0" lvl="0" marL="0" marR="0" rtl="0" algn="ctr">
-              <a:spcBef>
-                <a:spcPts val="0"/>
-              </a:spcBef>
-              <a:spcAft>
-                <a:spcPts val="0"/>
-              </a:spcAft>
-              <a:buNone/>
-            </a:pPr>
-            <a:r>
-              <a:rPr lang="en-US" sz="1800">
-                <a:solidFill>
-                  <a:schemeClr val="lt1"/>
-                </a:solidFill>
-                <a:latin typeface="Calibri"/>
-                <a:ea typeface="Calibri"/>
-                <a:cs typeface="Calibri"/>
-                <a:sym typeface="Calibri"/>
-              </a:rPr>
-              <a:t>NameNode</a:t>
-            </a:r>
-            <a:endParaRPr sz="1800">
-              <a:solidFill>
-                <a:schemeClr val="lt1"/>
-              </a:solidFill>
-              <a:latin typeface="Calibri"/>
-              <a:ea typeface="Calibri"/>
-              <a:cs typeface="Calibri"/>
-              <a:sym typeface="Calibri"/>
-            </a:endParaRPr>
-          </a:p>
-        </p:txBody>
-      </p:sp>
-      <p:sp>
-        <p:nvSpPr>
-          <p:cNvPr id="199" name="Google Shape;199;p31"/>
-          <p:cNvSpPr/>
-          <p:nvPr/>
-        </p:nvSpPr>
-        <p:spPr>
-          <a:xfrm>
-            <a:off x="1677291" y="4156064"/>
-            <a:ext cx="1421901" cy="1283934"/>
-          </a:xfrm>
-          <a:prstGeom prst="roundRect">
-            <a:avLst>
-              <a:gd fmla="val 16667" name="adj"/>
-            </a:avLst>
-          </a:prstGeom>
-          <a:gradFill>
-            <a:gsLst>
-              <a:gs pos="0">
-                <a:srgbClr val="3E7FCD"/>
-              </a:gs>
-              <a:gs pos="100000">
-                <a:srgbClr val="96C0FF"/>
-              </a:gs>
-            </a:gsLst>
-            <a:lin ang="16200000" scaled="0"/>
-          </a:gradFill>
-          <a:ln cap="flat" cmpd="sng" w="9525">
-            <a:solidFill>
-              <a:srgbClr val="4A7DBA"/>
-            </a:solidFill>
-            <a:prstDash val="solid"/>
-            <a:round/>
-            <a:headEnd len="sm" w="sm" type="none"/>
-            <a:tailEnd len="sm" w="sm" type="none"/>
-          </a:ln>
-          <a:effectLst>
-            <a:outerShdw blurRad="40000" rotWithShape="0" dir="5400000" dist="23000">
-              <a:srgbClr val="000000">
-                <a:alpha val="34901"/>
-              </a:srgbClr>
-            </a:outerShdw>
-          </a:effectLst>
-        </p:spPr>
-        <p:txBody>
-          <a:bodyPr anchorCtr="0" anchor="ctr" bIns="45700" lIns="91425" spcFirstLastPara="1" rIns="91425" wrap="square" tIns="45700">
-            <a:noAutofit/>
-          </a:bodyPr>
-          <a:lstStyle/>
-          <a:p>
-            <a:pPr indent="0" lvl="0" marL="0" marR="0" rtl="0" algn="ctr">
-              <a:spcBef>
-                <a:spcPts val="0"/>
-              </a:spcBef>
-              <a:spcAft>
-                <a:spcPts val="0"/>
-              </a:spcAft>
-              <a:buNone/>
-            </a:pPr>
-            <a:r>
-              <a:rPr lang="en-US" sz="1800">
-                <a:solidFill>
-                  <a:schemeClr val="lt1"/>
-                </a:solidFill>
-                <a:latin typeface="Calibri"/>
-                <a:ea typeface="Calibri"/>
-                <a:cs typeface="Calibri"/>
-                <a:sym typeface="Calibri"/>
-              </a:rPr>
-              <a:t>DataNode</a:t>
-            </a:r>
-            <a:endParaRPr sz="1800">
-              <a:solidFill>
-                <a:schemeClr val="lt1"/>
-              </a:solidFill>
-              <a:latin typeface="Calibri"/>
-              <a:ea typeface="Calibri"/>
-              <a:cs typeface="Calibri"/>
-              <a:sym typeface="Calibri"/>
-            </a:endParaRPr>
-          </a:p>
-        </p:txBody>
-      </p:sp>
-      <p:sp>
-        <p:nvSpPr>
-          <p:cNvPr id="200" name="Google Shape;200;p31"/>
-          <p:cNvSpPr/>
-          <p:nvPr/>
-        </p:nvSpPr>
-        <p:spPr>
-          <a:xfrm>
-            <a:off x="3505889" y="4156064"/>
-            <a:ext cx="1421901" cy="1283934"/>
-          </a:xfrm>
-          <a:prstGeom prst="roundRect">
-            <a:avLst>
-              <a:gd fmla="val 16667" name="adj"/>
-            </a:avLst>
-          </a:prstGeom>
-          <a:gradFill>
-            <a:gsLst>
-              <a:gs pos="0">
-                <a:srgbClr val="3E7FCD"/>
-              </a:gs>
-              <a:gs pos="100000">
-                <a:srgbClr val="96C0FF"/>
-              </a:gs>
-            </a:gsLst>
-            <a:lin ang="16200000" scaled="0"/>
-          </a:gradFill>
-          <a:ln cap="flat" cmpd="sng" w="9525">
-            <a:solidFill>
-              <a:srgbClr val="4A7DBA"/>
-            </a:solidFill>
-            <a:prstDash val="solid"/>
-            <a:round/>
-            <a:headEnd len="sm" w="sm" type="none"/>
-            <a:tailEnd len="sm" w="sm" type="none"/>
-          </a:ln>
-          <a:effectLst>
-            <a:outerShdw blurRad="40000" rotWithShape="0" dir="5400000" dist="23000">
-              <a:srgbClr val="000000">
-                <a:alpha val="34901"/>
-              </a:srgbClr>
-            </a:outerShdw>
-          </a:effectLst>
-        </p:spPr>
-        <p:txBody>
-          <a:bodyPr anchorCtr="0" anchor="ctr" bIns="45700" lIns="91425" spcFirstLastPara="1" rIns="91425" wrap="square" tIns="45700">
-            <a:noAutofit/>
-          </a:bodyPr>
-          <a:lstStyle/>
-          <a:p>
-            <a:pPr indent="0" lvl="0" marL="0" marR="0" rtl="0" algn="ctr">
-              <a:spcBef>
-                <a:spcPts val="0"/>
-              </a:spcBef>
-              <a:spcAft>
-                <a:spcPts val="0"/>
-              </a:spcAft>
-              <a:buNone/>
-            </a:pPr>
-            <a:r>
-              <a:rPr lang="en-US" sz="1800">
-                <a:solidFill>
-                  <a:schemeClr val="lt1"/>
-                </a:solidFill>
-                <a:latin typeface="Calibri"/>
-                <a:ea typeface="Calibri"/>
-                <a:cs typeface="Calibri"/>
-                <a:sym typeface="Calibri"/>
-              </a:rPr>
-              <a:t>DataNode</a:t>
-            </a:r>
-            <a:endParaRPr sz="1800">
-              <a:solidFill>
-                <a:schemeClr val="lt1"/>
-              </a:solidFill>
-              <a:latin typeface="Calibri"/>
-              <a:ea typeface="Calibri"/>
-              <a:cs typeface="Calibri"/>
-              <a:sym typeface="Calibri"/>
-            </a:endParaRPr>
-          </a:p>
-        </p:txBody>
-      </p:sp>
-      <p:sp>
-        <p:nvSpPr>
-          <p:cNvPr id="201" name="Google Shape;201;p31"/>
-          <p:cNvSpPr/>
-          <p:nvPr/>
-        </p:nvSpPr>
-        <p:spPr>
-          <a:xfrm>
-            <a:off x="5334487" y="4156064"/>
-            <a:ext cx="1421901" cy="1283934"/>
-          </a:xfrm>
-          <a:prstGeom prst="roundRect">
-            <a:avLst>
-              <a:gd fmla="val 16667" name="adj"/>
-            </a:avLst>
-          </a:prstGeom>
-          <a:gradFill>
-            <a:gsLst>
-              <a:gs pos="0">
-                <a:srgbClr val="3E7FCD"/>
-              </a:gs>
-              <a:gs pos="100000">
-                <a:srgbClr val="96C0FF"/>
-              </a:gs>
-            </a:gsLst>
-            <a:lin ang="16200000" scaled="0"/>
-          </a:gradFill>
-          <a:ln cap="flat" cmpd="sng" w="9525">
-            <a:solidFill>
-              <a:srgbClr val="4A7DBA"/>
-            </a:solidFill>
-            <a:prstDash val="solid"/>
-            <a:round/>
-            <a:headEnd len="sm" w="sm" type="none"/>
-            <a:tailEnd len="sm" w="sm" type="none"/>
-          </a:ln>
-          <a:effectLst>
-            <a:outerShdw blurRad="40000" rotWithShape="0" dir="5400000" dist="23000">
-              <a:srgbClr val="000000">
-                <a:alpha val="34901"/>
-              </a:srgbClr>
-            </a:outerShdw>
-          </a:effectLst>
-        </p:spPr>
-        <p:txBody>
-          <a:bodyPr anchorCtr="0" anchor="ctr" bIns="45700" lIns="91425" spcFirstLastPara="1" rIns="91425" wrap="square" tIns="45700">
-            <a:noAutofit/>
-          </a:bodyPr>
-          <a:lstStyle/>
-          <a:p>
-            <a:pPr indent="0" lvl="0" marL="0" marR="0" rtl="0" algn="ctr">
-              <a:spcBef>
-                <a:spcPts val="0"/>
-              </a:spcBef>
-              <a:spcAft>
-                <a:spcPts val="0"/>
-              </a:spcAft>
-              <a:buNone/>
-            </a:pPr>
-            <a:r>
-              <a:rPr lang="en-US" sz="1800">
-                <a:solidFill>
-                  <a:schemeClr val="lt1"/>
-                </a:solidFill>
-                <a:latin typeface="Calibri"/>
-                <a:ea typeface="Calibri"/>
-                <a:cs typeface="Calibri"/>
-                <a:sym typeface="Calibri"/>
-              </a:rPr>
-              <a:t>DataNode</a:t>
-            </a:r>
-            <a:endParaRPr sz="1800">
-              <a:solidFill>
-                <a:schemeClr val="lt1"/>
-              </a:solidFill>
-              <a:latin typeface="Calibri"/>
-              <a:ea typeface="Calibri"/>
-              <a:cs typeface="Calibri"/>
-              <a:sym typeface="Calibri"/>
-            </a:endParaRPr>
-          </a:p>
-        </p:txBody>
-      </p:sp>
-      <p:sp>
-        <p:nvSpPr>
-          <p:cNvPr id="202" name="Google Shape;202;p31"/>
-          <p:cNvSpPr/>
-          <p:nvPr/>
-        </p:nvSpPr>
-        <p:spPr>
-          <a:xfrm>
-            <a:off x="7163085" y="4156064"/>
-            <a:ext cx="1421901" cy="1283934"/>
-          </a:xfrm>
-          <a:prstGeom prst="roundRect">
-            <a:avLst>
-              <a:gd fmla="val 16667" name="adj"/>
-            </a:avLst>
-          </a:prstGeom>
-          <a:gradFill>
-            <a:gsLst>
-              <a:gs pos="0">
-                <a:srgbClr val="3E7FCD"/>
-              </a:gs>
-              <a:gs pos="100000">
-                <a:srgbClr val="96C0FF"/>
-              </a:gs>
-            </a:gsLst>
-            <a:lin ang="16200000" scaled="0"/>
-          </a:gradFill>
-          <a:ln cap="flat" cmpd="sng" w="9525">
-            <a:solidFill>
-              <a:srgbClr val="4A7DBA"/>
-            </a:solidFill>
-            <a:prstDash val="solid"/>
-            <a:round/>
-            <a:headEnd len="sm" w="sm" type="none"/>
-            <a:tailEnd len="sm" w="sm" type="none"/>
-          </a:ln>
-          <a:effectLst>
-            <a:outerShdw blurRad="40000" rotWithShape="0" dir="5400000" dist="23000">
-              <a:srgbClr val="000000">
-                <a:alpha val="34901"/>
-              </a:srgbClr>
-            </a:outerShdw>
-          </a:effectLst>
-        </p:spPr>
-        <p:txBody>
-          <a:bodyPr anchorCtr="0" anchor="ctr" bIns="45700" lIns="91425" spcFirstLastPara="1" rIns="91425" wrap="square" tIns="45700">
-            <a:noAutofit/>
-          </a:bodyPr>
-          <a:lstStyle/>
-          <a:p>
-            <a:pPr indent="0" lvl="0" marL="0" marR="0" rtl="0" algn="ctr">
-              <a:spcBef>
-                <a:spcPts val="0"/>
-              </a:spcBef>
-              <a:spcAft>
-                <a:spcPts val="0"/>
-              </a:spcAft>
-              <a:buNone/>
-            </a:pPr>
-            <a:r>
-              <a:rPr lang="en-US" sz="1800">
-                <a:solidFill>
-                  <a:schemeClr val="lt1"/>
-                </a:solidFill>
-                <a:latin typeface="Calibri"/>
-                <a:ea typeface="Calibri"/>
-                <a:cs typeface="Calibri"/>
-                <a:sym typeface="Calibri"/>
-              </a:rPr>
-              <a:t>DataNode</a:t>
-            </a:r>
-            <a:endParaRPr sz="1800">
-              <a:solidFill>
-                <a:schemeClr val="lt1"/>
-              </a:solidFill>
-              <a:latin typeface="Calibri"/>
-              <a:ea typeface="Calibri"/>
-              <a:cs typeface="Calibri"/>
-              <a:sym typeface="Calibri"/>
-            </a:endParaRPr>
-          </a:p>
-        </p:txBody>
-      </p:sp>
-      <p:sp>
-        <p:nvSpPr>
-          <p:cNvPr id="203" name="Google Shape;203;p31"/>
-          <p:cNvSpPr/>
-          <p:nvPr/>
-        </p:nvSpPr>
-        <p:spPr>
-          <a:xfrm>
-            <a:off x="7163084" y="1918997"/>
-            <a:ext cx="1421901" cy="1283934"/>
-          </a:xfrm>
-          <a:prstGeom prst="roundRect">
-            <a:avLst>
-              <a:gd fmla="val 16667" name="adj"/>
-            </a:avLst>
-          </a:prstGeom>
-          <a:gradFill>
-            <a:gsLst>
-              <a:gs pos="0">
-                <a:srgbClr val="3E7FCD"/>
-              </a:gs>
-              <a:gs pos="100000">
-                <a:srgbClr val="96C0FF"/>
-              </a:gs>
-            </a:gsLst>
-            <a:lin ang="16200000" scaled="0"/>
-          </a:gradFill>
-          <a:ln cap="flat" cmpd="sng" w="9525">
-            <a:solidFill>
-              <a:srgbClr val="4A7DBA"/>
-            </a:solidFill>
-            <a:prstDash val="solid"/>
-            <a:round/>
-            <a:headEnd len="sm" w="sm" type="none"/>
-            <a:tailEnd len="sm" w="sm" type="none"/>
-          </a:ln>
-          <a:effectLst>
-            <a:outerShdw blurRad="40000" rotWithShape="0" dir="5400000" dist="23000">
-              <a:srgbClr val="000000">
-                <a:alpha val="34901"/>
-              </a:srgbClr>
-            </a:outerShdw>
-          </a:effectLst>
-        </p:spPr>
-        <p:txBody>
-          <a:bodyPr anchorCtr="0" anchor="ctr" bIns="45700" lIns="91425" spcFirstLastPara="1" rIns="91425" wrap="square" tIns="45700">
-            <a:noAutofit/>
-          </a:bodyPr>
-          <a:lstStyle/>
-          <a:p>
-            <a:pPr indent="0" lvl="0" marL="0" marR="0" rtl="0" algn="ctr">
-              <a:spcBef>
-                <a:spcPts val="0"/>
-              </a:spcBef>
-              <a:spcAft>
-                <a:spcPts val="0"/>
-              </a:spcAft>
-              <a:buNone/>
-            </a:pPr>
-            <a:r>
-              <a:rPr lang="en-US" sz="1800">
-                <a:solidFill>
-                  <a:schemeClr val="lt1"/>
-                </a:solidFill>
-                <a:latin typeface="Calibri"/>
-                <a:ea typeface="Calibri"/>
-                <a:cs typeface="Calibri"/>
-                <a:sym typeface="Calibri"/>
-              </a:rPr>
-              <a:t>Secondary</a:t>
-            </a:r>
-            <a:endParaRPr/>
-          </a:p>
-          <a:p>
-            <a:pPr indent="0" lvl="0" marL="0" marR="0" rtl="0" algn="ctr">
-              <a:spcBef>
-                <a:spcPts val="0"/>
-              </a:spcBef>
-              <a:spcAft>
-                <a:spcPts val="0"/>
-              </a:spcAft>
-              <a:buNone/>
-            </a:pPr>
-            <a:r>
-              <a:rPr lang="en-US" sz="1800">
-                <a:solidFill>
-                  <a:schemeClr val="lt1"/>
-                </a:solidFill>
-                <a:latin typeface="Calibri"/>
-                <a:ea typeface="Calibri"/>
-                <a:cs typeface="Calibri"/>
-                <a:sym typeface="Calibri"/>
-              </a:rPr>
-              <a:t>NameNode</a:t>
-            </a:r>
-            <a:endParaRPr sz="1800">
-              <a:solidFill>
-                <a:schemeClr val="lt1"/>
-              </a:solidFill>
-              <a:latin typeface="Calibri"/>
-              <a:ea typeface="Calibri"/>
-              <a:cs typeface="Calibri"/>
-              <a:sym typeface="Calibri"/>
-            </a:endParaRPr>
-          </a:p>
-        </p:txBody>
-      </p:sp>
-      <p:cxnSp>
-        <p:nvCxnSpPr>
-          <p:cNvPr id="204" name="Google Shape;204;p31"/>
-          <p:cNvCxnSpPr>
-            <a:stCxn id="198" idx="3"/>
-            <a:endCxn id="203" idx="1"/>
-          </p:cNvCxnSpPr>
-          <p:nvPr/>
-        </p:nvCxnSpPr>
-        <p:spPr>
-          <a:xfrm>
-            <a:off x="5770981" y="2560964"/>
-            <a:ext cx="1392000" cy="0"/>
-          </a:xfrm>
-          <a:prstGeom prst="straightConnector1">
-            <a:avLst/>
-          </a:prstGeom>
-          <a:noFill/>
-          <a:ln cap="flat" cmpd="sng" w="25400">
-            <a:solidFill>
-              <a:schemeClr val="accent1"/>
-            </a:solidFill>
-            <a:prstDash val="solid"/>
-            <a:round/>
-            <a:headEnd len="med" w="med" type="stealth"/>
-            <a:tailEnd len="med" w="med" type="stealth"/>
-          </a:ln>
-          <a:effectLst>
-            <a:outerShdw blurRad="40000" rotWithShape="0" dir="5400000" dist="20000">
-              <a:srgbClr val="000000">
-                <a:alpha val="37647"/>
-              </a:srgbClr>
-            </a:outerShdw>
-          </a:effectLst>
-        </p:spPr>
-      </p:cxnSp>
-      <p:cxnSp>
-        <p:nvCxnSpPr>
-          <p:cNvPr id="205" name="Google Shape;205;p31"/>
-          <p:cNvCxnSpPr>
-            <a:stCxn id="198" idx="2"/>
-            <a:endCxn id="199" idx="0"/>
-          </p:cNvCxnSpPr>
-          <p:nvPr/>
-        </p:nvCxnSpPr>
-        <p:spPr>
-          <a:xfrm flipH="1">
-            <a:off x="2388231" y="3202931"/>
-            <a:ext cx="2671800" cy="953100"/>
-          </a:xfrm>
-          <a:prstGeom prst="straightConnector1">
-            <a:avLst/>
-          </a:prstGeom>
-          <a:noFill/>
-          <a:ln cap="flat" cmpd="sng" w="25400">
-            <a:solidFill>
-              <a:schemeClr val="accent1"/>
-            </a:solidFill>
-            <a:prstDash val="solid"/>
-            <a:round/>
-            <a:headEnd len="med" w="med" type="stealth"/>
-            <a:tailEnd len="med" w="med" type="stealth"/>
-          </a:ln>
-          <a:effectLst>
-            <a:outerShdw blurRad="40000" rotWithShape="0" dir="5400000" dist="20000">
-              <a:srgbClr val="000000">
-                <a:alpha val="37647"/>
-              </a:srgbClr>
-            </a:outerShdw>
-          </a:effectLst>
-        </p:spPr>
-      </p:cxnSp>
-      <p:cxnSp>
-        <p:nvCxnSpPr>
-          <p:cNvPr id="206" name="Google Shape;206;p31"/>
-          <p:cNvCxnSpPr>
-            <a:stCxn id="198" idx="2"/>
-            <a:endCxn id="200" idx="0"/>
-          </p:cNvCxnSpPr>
-          <p:nvPr/>
-        </p:nvCxnSpPr>
-        <p:spPr>
-          <a:xfrm flipH="1">
-            <a:off x="4216731" y="3202931"/>
-            <a:ext cx="843300" cy="953100"/>
-          </a:xfrm>
-          <a:prstGeom prst="straightConnector1">
-            <a:avLst/>
-          </a:prstGeom>
-          <a:noFill/>
-          <a:ln cap="flat" cmpd="sng" w="25400">
-            <a:solidFill>
-              <a:schemeClr val="accent1"/>
-            </a:solidFill>
-            <a:prstDash val="solid"/>
-            <a:round/>
-            <a:headEnd len="med" w="med" type="stealth"/>
-            <a:tailEnd len="med" w="med" type="stealth"/>
-          </a:ln>
-          <a:effectLst>
-            <a:outerShdw blurRad="40000" rotWithShape="0" dir="5400000" dist="20000">
-              <a:srgbClr val="000000">
-                <a:alpha val="37647"/>
-              </a:srgbClr>
-            </a:outerShdw>
-          </a:effectLst>
-        </p:spPr>
-      </p:cxnSp>
-      <p:cxnSp>
-        <p:nvCxnSpPr>
-          <p:cNvPr id="207" name="Google Shape;207;p31"/>
-          <p:cNvCxnSpPr>
-            <a:stCxn id="198" idx="2"/>
-            <a:endCxn id="201" idx="0"/>
-          </p:cNvCxnSpPr>
-          <p:nvPr/>
-        </p:nvCxnSpPr>
-        <p:spPr>
-          <a:xfrm>
-            <a:off x="5060031" y="3202931"/>
-            <a:ext cx="985500" cy="953100"/>
-          </a:xfrm>
-          <a:prstGeom prst="straightConnector1">
-            <a:avLst/>
-          </a:prstGeom>
-          <a:noFill/>
-          <a:ln cap="flat" cmpd="sng" w="25400">
-            <a:solidFill>
-              <a:schemeClr val="accent1"/>
-            </a:solidFill>
-            <a:prstDash val="solid"/>
-            <a:round/>
-            <a:headEnd len="med" w="med" type="stealth"/>
-            <a:tailEnd len="med" w="med" type="stealth"/>
-          </a:ln>
-          <a:effectLst>
-            <a:outerShdw blurRad="40000" rotWithShape="0" dir="5400000" dist="20000">
-              <a:srgbClr val="000000">
-                <a:alpha val="37647"/>
-              </a:srgbClr>
-            </a:outerShdw>
-          </a:effectLst>
-        </p:spPr>
-      </p:cxnSp>
-      <p:cxnSp>
-        <p:nvCxnSpPr>
-          <p:cNvPr id="208" name="Google Shape;208;p31"/>
-          <p:cNvCxnSpPr>
-            <a:stCxn id="198" idx="2"/>
-            <a:endCxn id="202" idx="0"/>
-          </p:cNvCxnSpPr>
-          <p:nvPr/>
-        </p:nvCxnSpPr>
-        <p:spPr>
-          <a:xfrm>
-            <a:off x="5060031" y="3202931"/>
-            <a:ext cx="2814000" cy="953100"/>
-          </a:xfrm>
-          <a:prstGeom prst="straightConnector1">
-            <a:avLst/>
-          </a:prstGeom>
-          <a:noFill/>
-          <a:ln cap="flat" cmpd="sng" w="25400">
-            <a:solidFill>
-              <a:schemeClr val="accent1"/>
-            </a:solidFill>
-            <a:prstDash val="solid"/>
-            <a:round/>
-            <a:headEnd len="med" w="med" type="stealth"/>
-            <a:tailEnd len="med" w="med" type="stealth"/>
-          </a:ln>
-          <a:effectLst>
-            <a:outerShdw blurRad="40000" rotWithShape="0" dir="5400000" dist="20000">
-              <a:srgbClr val="000000">
-                <a:alpha val="37647"/>
-              </a:srgbClr>
-            </a:outerShdw>
-          </a:effectLst>
-        </p:spPr>
-      </p:cxnSp>
-      <p:cxnSp>
-        <p:nvCxnSpPr>
-          <p:cNvPr id="209" name="Google Shape;209;p31"/>
-          <p:cNvCxnSpPr>
-            <a:stCxn id="197" idx="3"/>
-            <a:endCxn id="198" idx="1"/>
-          </p:cNvCxnSpPr>
-          <p:nvPr/>
-        </p:nvCxnSpPr>
-        <p:spPr>
-          <a:xfrm>
-            <a:off x="2388242" y="2560964"/>
-            <a:ext cx="1960800" cy="0"/>
-          </a:xfrm>
-          <a:prstGeom prst="straightConnector1">
-            <a:avLst/>
-          </a:prstGeom>
-          <a:noFill/>
-          <a:ln cap="flat" cmpd="sng" w="25400">
-            <a:solidFill>
-              <a:schemeClr val="accent1"/>
-            </a:solidFill>
-            <a:prstDash val="solid"/>
-            <a:round/>
-            <a:headEnd len="med" w="med" type="stealth"/>
-            <a:tailEnd len="med" w="med" type="stealth"/>
-          </a:ln>
-          <a:effectLst>
-            <a:outerShdw blurRad="40000" rotWithShape="0" dir="5400000" dist="20000">
-              <a:srgbClr val="000000">
-                <a:alpha val="37647"/>
-              </a:srgbClr>
-            </a:outerShdw>
-          </a:effectLst>
-        </p:spPr>
-      </p:cxnSp>
-      <p:cxnSp>
-        <p:nvCxnSpPr>
-          <p:cNvPr id="210" name="Google Shape;210;p31"/>
-          <p:cNvCxnSpPr>
-            <a:endCxn id="199" idx="0"/>
-          </p:cNvCxnSpPr>
-          <p:nvPr/>
-        </p:nvCxnSpPr>
-        <p:spPr>
-          <a:xfrm>
-            <a:off x="1808341" y="3202964"/>
-            <a:ext cx="579900" cy="953100"/>
-          </a:xfrm>
-          <a:prstGeom prst="straightConnector1">
-            <a:avLst/>
-          </a:prstGeom>
-          <a:noFill/>
-          <a:ln cap="flat" cmpd="sng" w="25400">
-            <a:solidFill>
-              <a:schemeClr val="accent1"/>
-            </a:solidFill>
-            <a:prstDash val="solid"/>
-            <a:round/>
-            <a:headEnd len="med" w="med" type="stealth"/>
-            <a:tailEnd len="med" w="med" type="stealth"/>
-          </a:ln>
-          <a:effectLst>
-            <a:outerShdw blurRad="40000" rotWithShape="0" dir="5400000" dist="20000">
-              <a:srgbClr val="000000">
-                <a:alpha val="37647"/>
-              </a:srgbClr>
-            </a:outerShdw>
-          </a:effectLst>
-        </p:spPr>
-      </p:cxnSp>
-      <p:cxnSp>
-        <p:nvCxnSpPr>
-          <p:cNvPr id="211" name="Google Shape;211;p31"/>
-          <p:cNvCxnSpPr>
-            <a:stCxn id="197" idx="2"/>
-            <a:endCxn id="201" idx="0"/>
-          </p:cNvCxnSpPr>
-          <p:nvPr/>
-        </p:nvCxnSpPr>
-        <p:spPr>
-          <a:xfrm>
-            <a:off x="1677291" y="3202931"/>
-            <a:ext cx="4368000" cy="953100"/>
-          </a:xfrm>
-          <a:prstGeom prst="straightConnector1">
-            <a:avLst/>
-          </a:prstGeom>
-          <a:noFill/>
-          <a:ln cap="flat" cmpd="sng" w="25400">
-            <a:solidFill>
-              <a:schemeClr val="accent1"/>
-            </a:solidFill>
-            <a:prstDash val="solid"/>
-            <a:round/>
-            <a:headEnd len="med" w="med" type="stealth"/>
-            <a:tailEnd len="med" w="med" type="stealth"/>
-          </a:ln>
-          <a:effectLst>
-            <a:outerShdw blurRad="40000" rotWithShape="0" dir="5400000" dist="20000">
-              <a:srgbClr val="000000">
-                <a:alpha val="37647"/>
-              </a:srgbClr>
-            </a:outerShdw>
-          </a:effectLst>
-        </p:spPr>
-      </p:cxnSp>
-      <p:sp>
-        <p:nvSpPr>
-          <p:cNvPr id="212" name="Google Shape;212;p31"/>
-          <p:cNvSpPr txBox="1"/>
-          <p:nvPr/>
-        </p:nvSpPr>
-        <p:spPr>
-          <a:xfrm>
-            <a:off x="2843803" y="2277944"/>
-            <a:ext cx="890012" cy="307777"/>
-          </a:xfrm>
-          <a:prstGeom prst="rect">
-            <a:avLst/>
-          </a:prstGeom>
-          <a:noFill/>
-          <a:ln>
-            <a:noFill/>
-          </a:ln>
-        </p:spPr>
-        <p:txBody>
-          <a:bodyPr anchorCtr="0" anchor="t" bIns="45700" lIns="91425" spcFirstLastPara="1" rIns="91425" wrap="square" tIns="45700">
-            <a:noAutofit/>
-          </a:bodyPr>
-          <a:lstStyle/>
-          <a:p>
-            <a:pPr indent="0" lvl="0" marL="0" marR="0" rtl="0" algn="l">
-              <a:spcBef>
-                <a:spcPts val="0"/>
-              </a:spcBef>
-              <a:spcAft>
-                <a:spcPts val="0"/>
-              </a:spcAft>
-              <a:buNone/>
-            </a:pPr>
-            <a:r>
-              <a:rPr lang="en-US" sz="1400">
-                <a:solidFill>
-                  <a:schemeClr val="dk1"/>
-                </a:solidFill>
-                <a:latin typeface="Calibri"/>
-                <a:ea typeface="Calibri"/>
-                <a:cs typeface="Calibri"/>
-                <a:sym typeface="Calibri"/>
-              </a:rPr>
-              <a:t>metadata</a:t>
-            </a:r>
-            <a:endParaRPr sz="1400">
-              <a:solidFill>
-                <a:schemeClr val="dk1"/>
-              </a:solidFill>
-              <a:latin typeface="Calibri"/>
-              <a:ea typeface="Calibri"/>
-              <a:cs typeface="Calibri"/>
-              <a:sym typeface="Calibri"/>
-            </a:endParaRPr>
-          </a:p>
-        </p:txBody>
-      </p:sp>
-      <p:sp>
-        <p:nvSpPr>
-          <p:cNvPr id="213" name="Google Shape;213;p31"/>
-          <p:cNvSpPr txBox="1"/>
-          <p:nvPr/>
-        </p:nvSpPr>
-        <p:spPr>
-          <a:xfrm>
-            <a:off x="5937596" y="2277944"/>
-            <a:ext cx="986443" cy="307777"/>
-          </a:xfrm>
-          <a:prstGeom prst="rect">
-            <a:avLst/>
-          </a:prstGeom>
-          <a:noFill/>
-          <a:ln>
-            <a:noFill/>
-          </a:ln>
-        </p:spPr>
-        <p:txBody>
-          <a:bodyPr anchorCtr="0" anchor="t" bIns="45700" lIns="91425" spcFirstLastPara="1" rIns="91425" wrap="square" tIns="45700">
-            <a:noAutofit/>
-          </a:bodyPr>
-          <a:lstStyle/>
-          <a:p>
-            <a:pPr indent="0" lvl="0" marL="0" marR="0" rtl="0" algn="l">
-              <a:spcBef>
-                <a:spcPts val="0"/>
-              </a:spcBef>
-              <a:spcAft>
-                <a:spcPts val="0"/>
-              </a:spcAft>
-              <a:buNone/>
-            </a:pPr>
-            <a:r>
-              <a:rPr lang="en-US" sz="1400">
-                <a:solidFill>
-                  <a:schemeClr val="dk1"/>
-                </a:solidFill>
-                <a:latin typeface="Calibri"/>
-                <a:ea typeface="Calibri"/>
-                <a:cs typeface="Calibri"/>
-                <a:sym typeface="Calibri"/>
-              </a:rPr>
-              <a:t>checkpoint</a:t>
-            </a:r>
-            <a:endParaRPr sz="1400">
-              <a:solidFill>
-                <a:schemeClr val="dk1"/>
-              </a:solidFill>
-              <a:latin typeface="Calibri"/>
-              <a:ea typeface="Calibri"/>
-              <a:cs typeface="Calibri"/>
-              <a:sym typeface="Calibri"/>
-            </a:endParaRPr>
-          </a:p>
-        </p:txBody>
-      </p:sp>
-      <p:sp>
-        <p:nvSpPr>
-          <p:cNvPr id="214" name="Google Shape;214;p31"/>
-          <p:cNvSpPr txBox="1"/>
-          <p:nvPr/>
-        </p:nvSpPr>
-        <p:spPr>
-          <a:xfrm>
-            <a:off x="1677291" y="3389016"/>
-            <a:ext cx="1035447" cy="307777"/>
-          </a:xfrm>
-          <a:prstGeom prst="rect">
-            <a:avLst/>
-          </a:prstGeom>
-          <a:noFill/>
-          <a:ln>
-            <a:noFill/>
-          </a:ln>
-        </p:spPr>
-        <p:txBody>
-          <a:bodyPr anchorCtr="0" anchor="t" bIns="45700" lIns="91425" spcFirstLastPara="1" rIns="91425" wrap="square" tIns="45700">
-            <a:noAutofit/>
-          </a:bodyPr>
-          <a:lstStyle/>
-          <a:p>
-            <a:pPr indent="0" lvl="0" marL="0" marR="0" rtl="0" algn="l">
-              <a:spcBef>
-                <a:spcPts val="0"/>
-              </a:spcBef>
-              <a:spcAft>
-                <a:spcPts val="0"/>
-              </a:spcAft>
-              <a:buNone/>
-            </a:pPr>
-            <a:r>
-              <a:rPr lang="en-US" sz="1400">
-                <a:solidFill>
-                  <a:schemeClr val="dk1"/>
-                </a:solidFill>
-                <a:latin typeface="Calibri"/>
-                <a:ea typeface="Calibri"/>
-                <a:cs typeface="Calibri"/>
-                <a:sym typeface="Calibri"/>
-              </a:rPr>
-              <a:t>Data access</a:t>
-            </a:r>
-            <a:endParaRPr sz="1400">
-              <a:solidFill>
-                <a:schemeClr val="dk1"/>
               </a:solidFill>
               <a:latin typeface="Calibri"/>
               <a:ea typeface="Calibri"/>
@@ -19712,7 +18907,7 @@
   <p:cSld>
     <p:spTree>
       <p:nvGrpSpPr>
-        <p:cNvPr id="218" name="Shape 218"/>
+        <p:cNvPr id="201" name="Shape 201"/>
         <p:cNvGrpSpPr/>
         <p:nvPr/>
       </p:nvGrpSpPr>
@@ -19726,7 +18921,7 @@
       </p:grpSpPr>
       <p:sp>
         <p:nvSpPr>
-          <p:cNvPr id="219" name="Google Shape;219;p32"/>
+          <p:cNvPr id="202" name="Google Shape;202;p32"/>
           <p:cNvSpPr txBox="1"/>
           <p:nvPr>
             <p:ph type="title"/>
@@ -19767,6 +18962,1146 @@
             </a:pPr>
             <a:r>
               <a:rPr lang="en-US"/>
+              <a:t>HDFS in a nutshell</a:t>
+            </a:r>
+            <a:endParaRPr/>
+          </a:p>
+        </p:txBody>
+      </p:sp>
+      <p:sp>
+        <p:nvSpPr>
+          <p:cNvPr id="203" name="Google Shape;203;p32"/>
+          <p:cNvSpPr/>
+          <p:nvPr/>
+        </p:nvSpPr>
+        <p:spPr>
+          <a:xfrm>
+            <a:off x="966341" y="1918997"/>
+            <a:ext cx="1421901" cy="1283934"/>
+          </a:xfrm>
+          <a:prstGeom prst="roundRect">
+            <a:avLst>
+              <a:gd fmla="val 16667" name="adj"/>
+            </a:avLst>
+          </a:prstGeom>
+          <a:gradFill>
+            <a:gsLst>
+              <a:gs pos="0">
+                <a:srgbClr val="3E7FCD"/>
+              </a:gs>
+              <a:gs pos="100000">
+                <a:srgbClr val="96C0FF"/>
+              </a:gs>
+            </a:gsLst>
+            <a:lin ang="16200000" scaled="0"/>
+          </a:gradFill>
+          <a:ln cap="flat" cmpd="sng" w="9525">
+            <a:solidFill>
+              <a:srgbClr val="4A7DBA"/>
+            </a:solidFill>
+            <a:prstDash val="solid"/>
+            <a:round/>
+            <a:headEnd len="sm" w="sm" type="none"/>
+            <a:tailEnd len="sm" w="sm" type="none"/>
+          </a:ln>
+          <a:effectLst>
+            <a:outerShdw blurRad="40000" rotWithShape="0" dir="5400000" dist="23000">
+              <a:srgbClr val="000000">
+                <a:alpha val="34901"/>
+              </a:srgbClr>
+            </a:outerShdw>
+          </a:effectLst>
+        </p:spPr>
+        <p:txBody>
+          <a:bodyPr anchorCtr="0" anchor="ctr" bIns="45700" lIns="91425" spcFirstLastPara="1" rIns="91425" wrap="square" tIns="45700">
+            <a:noAutofit/>
+          </a:bodyPr>
+          <a:lstStyle/>
+          <a:p>
+            <a:pPr indent="0" lvl="0" marL="0" marR="0" rtl="0" algn="ctr">
+              <a:spcBef>
+                <a:spcPts val="0"/>
+              </a:spcBef>
+              <a:spcAft>
+                <a:spcPts val="0"/>
+              </a:spcAft>
+              <a:buNone/>
+            </a:pPr>
+            <a:r>
+              <a:rPr lang="en-US" sz="1800">
+                <a:solidFill>
+                  <a:schemeClr val="lt1"/>
+                </a:solidFill>
+                <a:latin typeface="Calibri"/>
+                <a:ea typeface="Calibri"/>
+                <a:cs typeface="Calibri"/>
+                <a:sym typeface="Calibri"/>
+              </a:rPr>
+              <a:t>Client</a:t>
+            </a:r>
+            <a:endParaRPr sz="1800">
+              <a:solidFill>
+                <a:schemeClr val="lt1"/>
+              </a:solidFill>
+              <a:latin typeface="Calibri"/>
+              <a:ea typeface="Calibri"/>
+              <a:cs typeface="Calibri"/>
+              <a:sym typeface="Calibri"/>
+            </a:endParaRPr>
+          </a:p>
+        </p:txBody>
+      </p:sp>
+      <p:sp>
+        <p:nvSpPr>
+          <p:cNvPr id="204" name="Google Shape;204;p32"/>
+          <p:cNvSpPr/>
+          <p:nvPr/>
+        </p:nvSpPr>
+        <p:spPr>
+          <a:xfrm>
+            <a:off x="4349080" y="1918997"/>
+            <a:ext cx="1421901" cy="1283934"/>
+          </a:xfrm>
+          <a:prstGeom prst="roundRect">
+            <a:avLst>
+              <a:gd fmla="val 16667" name="adj"/>
+            </a:avLst>
+          </a:prstGeom>
+          <a:gradFill>
+            <a:gsLst>
+              <a:gs pos="0">
+                <a:srgbClr val="3E7FCD"/>
+              </a:gs>
+              <a:gs pos="100000">
+                <a:srgbClr val="96C0FF"/>
+              </a:gs>
+            </a:gsLst>
+            <a:lin ang="16200000" scaled="0"/>
+          </a:gradFill>
+          <a:ln cap="flat" cmpd="sng" w="9525">
+            <a:solidFill>
+              <a:srgbClr val="4A7DBA"/>
+            </a:solidFill>
+            <a:prstDash val="solid"/>
+            <a:round/>
+            <a:headEnd len="sm" w="sm" type="none"/>
+            <a:tailEnd len="sm" w="sm" type="none"/>
+          </a:ln>
+          <a:effectLst>
+            <a:outerShdw blurRad="40000" rotWithShape="0" dir="5400000" dist="23000">
+              <a:srgbClr val="000000">
+                <a:alpha val="34901"/>
+              </a:srgbClr>
+            </a:outerShdw>
+          </a:effectLst>
+        </p:spPr>
+        <p:txBody>
+          <a:bodyPr anchorCtr="0" anchor="ctr" bIns="45700" lIns="91425" spcFirstLastPara="1" rIns="91425" wrap="square" tIns="45700">
+            <a:noAutofit/>
+          </a:bodyPr>
+          <a:lstStyle/>
+          <a:p>
+            <a:pPr indent="0" lvl="0" marL="0" marR="0" rtl="0" algn="ctr">
+              <a:spcBef>
+                <a:spcPts val="0"/>
+              </a:spcBef>
+              <a:spcAft>
+                <a:spcPts val="0"/>
+              </a:spcAft>
+              <a:buNone/>
+            </a:pPr>
+            <a:r>
+              <a:rPr lang="en-US" sz="1800">
+                <a:solidFill>
+                  <a:schemeClr val="lt1"/>
+                </a:solidFill>
+                <a:latin typeface="Calibri"/>
+                <a:ea typeface="Calibri"/>
+                <a:cs typeface="Calibri"/>
+                <a:sym typeface="Calibri"/>
+              </a:rPr>
+              <a:t>NameNode</a:t>
+            </a:r>
+            <a:endParaRPr sz="1800">
+              <a:solidFill>
+                <a:schemeClr val="lt1"/>
+              </a:solidFill>
+              <a:latin typeface="Calibri"/>
+              <a:ea typeface="Calibri"/>
+              <a:cs typeface="Calibri"/>
+              <a:sym typeface="Calibri"/>
+            </a:endParaRPr>
+          </a:p>
+        </p:txBody>
+      </p:sp>
+      <p:sp>
+        <p:nvSpPr>
+          <p:cNvPr id="205" name="Google Shape;205;p32"/>
+          <p:cNvSpPr/>
+          <p:nvPr/>
+        </p:nvSpPr>
+        <p:spPr>
+          <a:xfrm>
+            <a:off x="1677291" y="4156064"/>
+            <a:ext cx="1421901" cy="1283934"/>
+          </a:xfrm>
+          <a:prstGeom prst="roundRect">
+            <a:avLst>
+              <a:gd fmla="val 16667" name="adj"/>
+            </a:avLst>
+          </a:prstGeom>
+          <a:gradFill>
+            <a:gsLst>
+              <a:gs pos="0">
+                <a:srgbClr val="3E7FCD"/>
+              </a:gs>
+              <a:gs pos="100000">
+                <a:srgbClr val="96C0FF"/>
+              </a:gs>
+            </a:gsLst>
+            <a:lin ang="16200000" scaled="0"/>
+          </a:gradFill>
+          <a:ln cap="flat" cmpd="sng" w="9525">
+            <a:solidFill>
+              <a:srgbClr val="4A7DBA"/>
+            </a:solidFill>
+            <a:prstDash val="solid"/>
+            <a:round/>
+            <a:headEnd len="sm" w="sm" type="none"/>
+            <a:tailEnd len="sm" w="sm" type="none"/>
+          </a:ln>
+          <a:effectLst>
+            <a:outerShdw blurRad="40000" rotWithShape="0" dir="5400000" dist="23000">
+              <a:srgbClr val="000000">
+                <a:alpha val="34901"/>
+              </a:srgbClr>
+            </a:outerShdw>
+          </a:effectLst>
+        </p:spPr>
+        <p:txBody>
+          <a:bodyPr anchorCtr="0" anchor="ctr" bIns="45700" lIns="91425" spcFirstLastPara="1" rIns="91425" wrap="square" tIns="45700">
+            <a:noAutofit/>
+          </a:bodyPr>
+          <a:lstStyle/>
+          <a:p>
+            <a:pPr indent="0" lvl="0" marL="0" marR="0" rtl="0" algn="ctr">
+              <a:spcBef>
+                <a:spcPts val="0"/>
+              </a:spcBef>
+              <a:spcAft>
+                <a:spcPts val="0"/>
+              </a:spcAft>
+              <a:buNone/>
+            </a:pPr>
+            <a:r>
+              <a:rPr lang="en-US" sz="1800">
+                <a:solidFill>
+                  <a:schemeClr val="lt1"/>
+                </a:solidFill>
+                <a:latin typeface="Calibri"/>
+                <a:ea typeface="Calibri"/>
+                <a:cs typeface="Calibri"/>
+                <a:sym typeface="Calibri"/>
+              </a:rPr>
+              <a:t>DataNode</a:t>
+            </a:r>
+            <a:endParaRPr sz="1800">
+              <a:solidFill>
+                <a:schemeClr val="lt1"/>
+              </a:solidFill>
+              <a:latin typeface="Calibri"/>
+              <a:ea typeface="Calibri"/>
+              <a:cs typeface="Calibri"/>
+              <a:sym typeface="Calibri"/>
+            </a:endParaRPr>
+          </a:p>
+        </p:txBody>
+      </p:sp>
+      <p:sp>
+        <p:nvSpPr>
+          <p:cNvPr id="206" name="Google Shape;206;p32"/>
+          <p:cNvSpPr/>
+          <p:nvPr/>
+        </p:nvSpPr>
+        <p:spPr>
+          <a:xfrm>
+            <a:off x="3505889" y="4156064"/>
+            <a:ext cx="1421901" cy="1283934"/>
+          </a:xfrm>
+          <a:prstGeom prst="roundRect">
+            <a:avLst>
+              <a:gd fmla="val 16667" name="adj"/>
+            </a:avLst>
+          </a:prstGeom>
+          <a:gradFill>
+            <a:gsLst>
+              <a:gs pos="0">
+                <a:srgbClr val="3E7FCD"/>
+              </a:gs>
+              <a:gs pos="100000">
+                <a:srgbClr val="96C0FF"/>
+              </a:gs>
+            </a:gsLst>
+            <a:lin ang="16200000" scaled="0"/>
+          </a:gradFill>
+          <a:ln cap="flat" cmpd="sng" w="9525">
+            <a:solidFill>
+              <a:srgbClr val="4A7DBA"/>
+            </a:solidFill>
+            <a:prstDash val="solid"/>
+            <a:round/>
+            <a:headEnd len="sm" w="sm" type="none"/>
+            <a:tailEnd len="sm" w="sm" type="none"/>
+          </a:ln>
+          <a:effectLst>
+            <a:outerShdw blurRad="40000" rotWithShape="0" dir="5400000" dist="23000">
+              <a:srgbClr val="000000">
+                <a:alpha val="34901"/>
+              </a:srgbClr>
+            </a:outerShdw>
+          </a:effectLst>
+        </p:spPr>
+        <p:txBody>
+          <a:bodyPr anchorCtr="0" anchor="ctr" bIns="45700" lIns="91425" spcFirstLastPara="1" rIns="91425" wrap="square" tIns="45700">
+            <a:noAutofit/>
+          </a:bodyPr>
+          <a:lstStyle/>
+          <a:p>
+            <a:pPr indent="0" lvl="0" marL="0" marR="0" rtl="0" algn="ctr">
+              <a:spcBef>
+                <a:spcPts val="0"/>
+              </a:spcBef>
+              <a:spcAft>
+                <a:spcPts val="0"/>
+              </a:spcAft>
+              <a:buNone/>
+            </a:pPr>
+            <a:r>
+              <a:rPr lang="en-US" sz="1800">
+                <a:solidFill>
+                  <a:schemeClr val="lt1"/>
+                </a:solidFill>
+                <a:latin typeface="Calibri"/>
+                <a:ea typeface="Calibri"/>
+                <a:cs typeface="Calibri"/>
+                <a:sym typeface="Calibri"/>
+              </a:rPr>
+              <a:t>DataNode</a:t>
+            </a:r>
+            <a:endParaRPr sz="1800">
+              <a:solidFill>
+                <a:schemeClr val="lt1"/>
+              </a:solidFill>
+              <a:latin typeface="Calibri"/>
+              <a:ea typeface="Calibri"/>
+              <a:cs typeface="Calibri"/>
+              <a:sym typeface="Calibri"/>
+            </a:endParaRPr>
+          </a:p>
+        </p:txBody>
+      </p:sp>
+      <p:sp>
+        <p:nvSpPr>
+          <p:cNvPr id="207" name="Google Shape;207;p32"/>
+          <p:cNvSpPr/>
+          <p:nvPr/>
+        </p:nvSpPr>
+        <p:spPr>
+          <a:xfrm>
+            <a:off x="5334487" y="4156064"/>
+            <a:ext cx="1421901" cy="1283934"/>
+          </a:xfrm>
+          <a:prstGeom prst="roundRect">
+            <a:avLst>
+              <a:gd fmla="val 16667" name="adj"/>
+            </a:avLst>
+          </a:prstGeom>
+          <a:gradFill>
+            <a:gsLst>
+              <a:gs pos="0">
+                <a:srgbClr val="3E7FCD"/>
+              </a:gs>
+              <a:gs pos="100000">
+                <a:srgbClr val="96C0FF"/>
+              </a:gs>
+            </a:gsLst>
+            <a:lin ang="16200000" scaled="0"/>
+          </a:gradFill>
+          <a:ln cap="flat" cmpd="sng" w="9525">
+            <a:solidFill>
+              <a:srgbClr val="4A7DBA"/>
+            </a:solidFill>
+            <a:prstDash val="solid"/>
+            <a:round/>
+            <a:headEnd len="sm" w="sm" type="none"/>
+            <a:tailEnd len="sm" w="sm" type="none"/>
+          </a:ln>
+          <a:effectLst>
+            <a:outerShdw blurRad="40000" rotWithShape="0" dir="5400000" dist="23000">
+              <a:srgbClr val="000000">
+                <a:alpha val="34901"/>
+              </a:srgbClr>
+            </a:outerShdw>
+          </a:effectLst>
+        </p:spPr>
+        <p:txBody>
+          <a:bodyPr anchorCtr="0" anchor="ctr" bIns="45700" lIns="91425" spcFirstLastPara="1" rIns="91425" wrap="square" tIns="45700">
+            <a:noAutofit/>
+          </a:bodyPr>
+          <a:lstStyle/>
+          <a:p>
+            <a:pPr indent="0" lvl="0" marL="0" marR="0" rtl="0" algn="ctr">
+              <a:spcBef>
+                <a:spcPts val="0"/>
+              </a:spcBef>
+              <a:spcAft>
+                <a:spcPts val="0"/>
+              </a:spcAft>
+              <a:buNone/>
+            </a:pPr>
+            <a:r>
+              <a:rPr lang="en-US" sz="1800">
+                <a:solidFill>
+                  <a:schemeClr val="lt1"/>
+                </a:solidFill>
+                <a:latin typeface="Calibri"/>
+                <a:ea typeface="Calibri"/>
+                <a:cs typeface="Calibri"/>
+                <a:sym typeface="Calibri"/>
+              </a:rPr>
+              <a:t>DataNode</a:t>
+            </a:r>
+            <a:endParaRPr sz="1800">
+              <a:solidFill>
+                <a:schemeClr val="lt1"/>
+              </a:solidFill>
+              <a:latin typeface="Calibri"/>
+              <a:ea typeface="Calibri"/>
+              <a:cs typeface="Calibri"/>
+              <a:sym typeface="Calibri"/>
+            </a:endParaRPr>
+          </a:p>
+        </p:txBody>
+      </p:sp>
+      <p:sp>
+        <p:nvSpPr>
+          <p:cNvPr id="208" name="Google Shape;208;p32"/>
+          <p:cNvSpPr/>
+          <p:nvPr/>
+        </p:nvSpPr>
+        <p:spPr>
+          <a:xfrm>
+            <a:off x="7163085" y="4156064"/>
+            <a:ext cx="1421901" cy="1283934"/>
+          </a:xfrm>
+          <a:prstGeom prst="roundRect">
+            <a:avLst>
+              <a:gd fmla="val 16667" name="adj"/>
+            </a:avLst>
+          </a:prstGeom>
+          <a:gradFill>
+            <a:gsLst>
+              <a:gs pos="0">
+                <a:srgbClr val="3E7FCD"/>
+              </a:gs>
+              <a:gs pos="100000">
+                <a:srgbClr val="96C0FF"/>
+              </a:gs>
+            </a:gsLst>
+            <a:lin ang="16200000" scaled="0"/>
+          </a:gradFill>
+          <a:ln cap="flat" cmpd="sng" w="9525">
+            <a:solidFill>
+              <a:srgbClr val="4A7DBA"/>
+            </a:solidFill>
+            <a:prstDash val="solid"/>
+            <a:round/>
+            <a:headEnd len="sm" w="sm" type="none"/>
+            <a:tailEnd len="sm" w="sm" type="none"/>
+          </a:ln>
+          <a:effectLst>
+            <a:outerShdw blurRad="40000" rotWithShape="0" dir="5400000" dist="23000">
+              <a:srgbClr val="000000">
+                <a:alpha val="34901"/>
+              </a:srgbClr>
+            </a:outerShdw>
+          </a:effectLst>
+        </p:spPr>
+        <p:txBody>
+          <a:bodyPr anchorCtr="0" anchor="ctr" bIns="45700" lIns="91425" spcFirstLastPara="1" rIns="91425" wrap="square" tIns="45700">
+            <a:noAutofit/>
+          </a:bodyPr>
+          <a:lstStyle/>
+          <a:p>
+            <a:pPr indent="0" lvl="0" marL="0" marR="0" rtl="0" algn="ctr">
+              <a:spcBef>
+                <a:spcPts val="0"/>
+              </a:spcBef>
+              <a:spcAft>
+                <a:spcPts val="0"/>
+              </a:spcAft>
+              <a:buNone/>
+            </a:pPr>
+            <a:r>
+              <a:rPr lang="en-US" sz="1800">
+                <a:solidFill>
+                  <a:schemeClr val="lt1"/>
+                </a:solidFill>
+                <a:latin typeface="Calibri"/>
+                <a:ea typeface="Calibri"/>
+                <a:cs typeface="Calibri"/>
+                <a:sym typeface="Calibri"/>
+              </a:rPr>
+              <a:t>DataNode</a:t>
+            </a:r>
+            <a:endParaRPr sz="1800">
+              <a:solidFill>
+                <a:schemeClr val="lt1"/>
+              </a:solidFill>
+              <a:latin typeface="Calibri"/>
+              <a:ea typeface="Calibri"/>
+              <a:cs typeface="Calibri"/>
+              <a:sym typeface="Calibri"/>
+            </a:endParaRPr>
+          </a:p>
+        </p:txBody>
+      </p:sp>
+      <p:sp>
+        <p:nvSpPr>
+          <p:cNvPr id="209" name="Google Shape;209;p32"/>
+          <p:cNvSpPr/>
+          <p:nvPr/>
+        </p:nvSpPr>
+        <p:spPr>
+          <a:xfrm>
+            <a:off x="7163084" y="1918997"/>
+            <a:ext cx="1421901" cy="1283934"/>
+          </a:xfrm>
+          <a:prstGeom prst="roundRect">
+            <a:avLst>
+              <a:gd fmla="val 16667" name="adj"/>
+            </a:avLst>
+          </a:prstGeom>
+          <a:gradFill>
+            <a:gsLst>
+              <a:gs pos="0">
+                <a:srgbClr val="3E7FCD"/>
+              </a:gs>
+              <a:gs pos="100000">
+                <a:srgbClr val="96C0FF"/>
+              </a:gs>
+            </a:gsLst>
+            <a:lin ang="16200000" scaled="0"/>
+          </a:gradFill>
+          <a:ln cap="flat" cmpd="sng" w="9525">
+            <a:solidFill>
+              <a:srgbClr val="4A7DBA"/>
+            </a:solidFill>
+            <a:prstDash val="solid"/>
+            <a:round/>
+            <a:headEnd len="sm" w="sm" type="none"/>
+            <a:tailEnd len="sm" w="sm" type="none"/>
+          </a:ln>
+          <a:effectLst>
+            <a:outerShdw blurRad="40000" rotWithShape="0" dir="5400000" dist="23000">
+              <a:srgbClr val="000000">
+                <a:alpha val="34901"/>
+              </a:srgbClr>
+            </a:outerShdw>
+          </a:effectLst>
+        </p:spPr>
+        <p:txBody>
+          <a:bodyPr anchorCtr="0" anchor="ctr" bIns="45700" lIns="91425" spcFirstLastPara="1" rIns="91425" wrap="square" tIns="45700">
+            <a:noAutofit/>
+          </a:bodyPr>
+          <a:lstStyle/>
+          <a:p>
+            <a:pPr indent="0" lvl="0" marL="0" marR="0" rtl="0" algn="ctr">
+              <a:spcBef>
+                <a:spcPts val="0"/>
+              </a:spcBef>
+              <a:spcAft>
+                <a:spcPts val="0"/>
+              </a:spcAft>
+              <a:buNone/>
+            </a:pPr>
+            <a:r>
+              <a:rPr lang="en-US" sz="1800">
+                <a:solidFill>
+                  <a:schemeClr val="lt1"/>
+                </a:solidFill>
+                <a:latin typeface="Calibri"/>
+                <a:ea typeface="Calibri"/>
+                <a:cs typeface="Calibri"/>
+                <a:sym typeface="Calibri"/>
+              </a:rPr>
+              <a:t>Secondary</a:t>
+            </a:r>
+            <a:endParaRPr/>
+          </a:p>
+          <a:p>
+            <a:pPr indent="0" lvl="0" marL="0" marR="0" rtl="0" algn="ctr">
+              <a:spcBef>
+                <a:spcPts val="0"/>
+              </a:spcBef>
+              <a:spcAft>
+                <a:spcPts val="0"/>
+              </a:spcAft>
+              <a:buNone/>
+            </a:pPr>
+            <a:r>
+              <a:rPr lang="en-US" sz="1800">
+                <a:solidFill>
+                  <a:schemeClr val="lt1"/>
+                </a:solidFill>
+                <a:latin typeface="Calibri"/>
+                <a:ea typeface="Calibri"/>
+                <a:cs typeface="Calibri"/>
+                <a:sym typeface="Calibri"/>
+              </a:rPr>
+              <a:t>NameNode</a:t>
+            </a:r>
+            <a:endParaRPr sz="1800">
+              <a:solidFill>
+                <a:schemeClr val="lt1"/>
+              </a:solidFill>
+              <a:latin typeface="Calibri"/>
+              <a:ea typeface="Calibri"/>
+              <a:cs typeface="Calibri"/>
+              <a:sym typeface="Calibri"/>
+            </a:endParaRPr>
+          </a:p>
+        </p:txBody>
+      </p:sp>
+      <p:cxnSp>
+        <p:nvCxnSpPr>
+          <p:cNvPr id="210" name="Google Shape;210;p32"/>
+          <p:cNvCxnSpPr>
+            <a:stCxn id="204" idx="3"/>
+            <a:endCxn id="209" idx="1"/>
+          </p:cNvCxnSpPr>
+          <p:nvPr/>
+        </p:nvCxnSpPr>
+        <p:spPr>
+          <a:xfrm>
+            <a:off x="5770981" y="2560964"/>
+            <a:ext cx="1392000" cy="0"/>
+          </a:xfrm>
+          <a:prstGeom prst="straightConnector1">
+            <a:avLst/>
+          </a:prstGeom>
+          <a:noFill/>
+          <a:ln cap="flat" cmpd="sng" w="25400">
+            <a:solidFill>
+              <a:schemeClr val="accent1"/>
+            </a:solidFill>
+            <a:prstDash val="solid"/>
+            <a:round/>
+            <a:headEnd len="med" w="med" type="stealth"/>
+            <a:tailEnd len="med" w="med" type="stealth"/>
+          </a:ln>
+          <a:effectLst>
+            <a:outerShdw blurRad="40000" rotWithShape="0" dir="5400000" dist="20000">
+              <a:srgbClr val="000000">
+                <a:alpha val="37647"/>
+              </a:srgbClr>
+            </a:outerShdw>
+          </a:effectLst>
+        </p:spPr>
+      </p:cxnSp>
+      <p:cxnSp>
+        <p:nvCxnSpPr>
+          <p:cNvPr id="211" name="Google Shape;211;p32"/>
+          <p:cNvCxnSpPr>
+            <a:stCxn id="204" idx="2"/>
+            <a:endCxn id="205" idx="0"/>
+          </p:cNvCxnSpPr>
+          <p:nvPr/>
+        </p:nvCxnSpPr>
+        <p:spPr>
+          <a:xfrm flipH="1">
+            <a:off x="2388231" y="3202931"/>
+            <a:ext cx="2671800" cy="953100"/>
+          </a:xfrm>
+          <a:prstGeom prst="straightConnector1">
+            <a:avLst/>
+          </a:prstGeom>
+          <a:noFill/>
+          <a:ln cap="flat" cmpd="sng" w="25400">
+            <a:solidFill>
+              <a:schemeClr val="accent1"/>
+            </a:solidFill>
+            <a:prstDash val="solid"/>
+            <a:round/>
+            <a:headEnd len="med" w="med" type="stealth"/>
+            <a:tailEnd len="med" w="med" type="stealth"/>
+          </a:ln>
+          <a:effectLst>
+            <a:outerShdw blurRad="40000" rotWithShape="0" dir="5400000" dist="20000">
+              <a:srgbClr val="000000">
+                <a:alpha val="37647"/>
+              </a:srgbClr>
+            </a:outerShdw>
+          </a:effectLst>
+        </p:spPr>
+      </p:cxnSp>
+      <p:cxnSp>
+        <p:nvCxnSpPr>
+          <p:cNvPr id="212" name="Google Shape;212;p32"/>
+          <p:cNvCxnSpPr>
+            <a:stCxn id="204" idx="2"/>
+            <a:endCxn id="206" idx="0"/>
+          </p:cNvCxnSpPr>
+          <p:nvPr/>
+        </p:nvCxnSpPr>
+        <p:spPr>
+          <a:xfrm flipH="1">
+            <a:off x="4216731" y="3202931"/>
+            <a:ext cx="843300" cy="953100"/>
+          </a:xfrm>
+          <a:prstGeom prst="straightConnector1">
+            <a:avLst/>
+          </a:prstGeom>
+          <a:noFill/>
+          <a:ln cap="flat" cmpd="sng" w="25400">
+            <a:solidFill>
+              <a:schemeClr val="accent1"/>
+            </a:solidFill>
+            <a:prstDash val="solid"/>
+            <a:round/>
+            <a:headEnd len="med" w="med" type="stealth"/>
+            <a:tailEnd len="med" w="med" type="stealth"/>
+          </a:ln>
+          <a:effectLst>
+            <a:outerShdw blurRad="40000" rotWithShape="0" dir="5400000" dist="20000">
+              <a:srgbClr val="000000">
+                <a:alpha val="37647"/>
+              </a:srgbClr>
+            </a:outerShdw>
+          </a:effectLst>
+        </p:spPr>
+      </p:cxnSp>
+      <p:cxnSp>
+        <p:nvCxnSpPr>
+          <p:cNvPr id="213" name="Google Shape;213;p32"/>
+          <p:cNvCxnSpPr>
+            <a:stCxn id="204" idx="2"/>
+            <a:endCxn id="207" idx="0"/>
+          </p:cNvCxnSpPr>
+          <p:nvPr/>
+        </p:nvCxnSpPr>
+        <p:spPr>
+          <a:xfrm>
+            <a:off x="5060031" y="3202931"/>
+            <a:ext cx="985500" cy="953100"/>
+          </a:xfrm>
+          <a:prstGeom prst="straightConnector1">
+            <a:avLst/>
+          </a:prstGeom>
+          <a:noFill/>
+          <a:ln cap="flat" cmpd="sng" w="25400">
+            <a:solidFill>
+              <a:schemeClr val="accent1"/>
+            </a:solidFill>
+            <a:prstDash val="solid"/>
+            <a:round/>
+            <a:headEnd len="med" w="med" type="stealth"/>
+            <a:tailEnd len="med" w="med" type="stealth"/>
+          </a:ln>
+          <a:effectLst>
+            <a:outerShdw blurRad="40000" rotWithShape="0" dir="5400000" dist="20000">
+              <a:srgbClr val="000000">
+                <a:alpha val="37647"/>
+              </a:srgbClr>
+            </a:outerShdw>
+          </a:effectLst>
+        </p:spPr>
+      </p:cxnSp>
+      <p:cxnSp>
+        <p:nvCxnSpPr>
+          <p:cNvPr id="214" name="Google Shape;214;p32"/>
+          <p:cNvCxnSpPr>
+            <a:stCxn id="204" idx="2"/>
+            <a:endCxn id="208" idx="0"/>
+          </p:cNvCxnSpPr>
+          <p:nvPr/>
+        </p:nvCxnSpPr>
+        <p:spPr>
+          <a:xfrm>
+            <a:off x="5060031" y="3202931"/>
+            <a:ext cx="2814000" cy="953100"/>
+          </a:xfrm>
+          <a:prstGeom prst="straightConnector1">
+            <a:avLst/>
+          </a:prstGeom>
+          <a:noFill/>
+          <a:ln cap="flat" cmpd="sng" w="25400">
+            <a:solidFill>
+              <a:schemeClr val="accent1"/>
+            </a:solidFill>
+            <a:prstDash val="solid"/>
+            <a:round/>
+            <a:headEnd len="med" w="med" type="stealth"/>
+            <a:tailEnd len="med" w="med" type="stealth"/>
+          </a:ln>
+          <a:effectLst>
+            <a:outerShdw blurRad="40000" rotWithShape="0" dir="5400000" dist="20000">
+              <a:srgbClr val="000000">
+                <a:alpha val="37647"/>
+              </a:srgbClr>
+            </a:outerShdw>
+          </a:effectLst>
+        </p:spPr>
+      </p:cxnSp>
+      <p:cxnSp>
+        <p:nvCxnSpPr>
+          <p:cNvPr id="215" name="Google Shape;215;p32"/>
+          <p:cNvCxnSpPr>
+            <a:stCxn id="203" idx="3"/>
+            <a:endCxn id="204" idx="1"/>
+          </p:cNvCxnSpPr>
+          <p:nvPr/>
+        </p:nvCxnSpPr>
+        <p:spPr>
+          <a:xfrm>
+            <a:off x="2388242" y="2560964"/>
+            <a:ext cx="1960800" cy="0"/>
+          </a:xfrm>
+          <a:prstGeom prst="straightConnector1">
+            <a:avLst/>
+          </a:prstGeom>
+          <a:noFill/>
+          <a:ln cap="flat" cmpd="sng" w="25400">
+            <a:solidFill>
+              <a:schemeClr val="accent1"/>
+            </a:solidFill>
+            <a:prstDash val="solid"/>
+            <a:round/>
+            <a:headEnd len="med" w="med" type="stealth"/>
+            <a:tailEnd len="med" w="med" type="stealth"/>
+          </a:ln>
+          <a:effectLst>
+            <a:outerShdw blurRad="40000" rotWithShape="0" dir="5400000" dist="20000">
+              <a:srgbClr val="000000">
+                <a:alpha val="37647"/>
+              </a:srgbClr>
+            </a:outerShdw>
+          </a:effectLst>
+        </p:spPr>
+      </p:cxnSp>
+      <p:cxnSp>
+        <p:nvCxnSpPr>
+          <p:cNvPr id="216" name="Google Shape;216;p32"/>
+          <p:cNvCxnSpPr>
+            <a:endCxn id="205" idx="0"/>
+          </p:cNvCxnSpPr>
+          <p:nvPr/>
+        </p:nvCxnSpPr>
+        <p:spPr>
+          <a:xfrm>
+            <a:off x="1808341" y="3202964"/>
+            <a:ext cx="579900" cy="953100"/>
+          </a:xfrm>
+          <a:prstGeom prst="straightConnector1">
+            <a:avLst/>
+          </a:prstGeom>
+          <a:noFill/>
+          <a:ln cap="flat" cmpd="sng" w="25400">
+            <a:solidFill>
+              <a:schemeClr val="accent1"/>
+            </a:solidFill>
+            <a:prstDash val="solid"/>
+            <a:round/>
+            <a:headEnd len="med" w="med" type="stealth"/>
+            <a:tailEnd len="med" w="med" type="stealth"/>
+          </a:ln>
+          <a:effectLst>
+            <a:outerShdw blurRad="40000" rotWithShape="0" dir="5400000" dist="20000">
+              <a:srgbClr val="000000">
+                <a:alpha val="37647"/>
+              </a:srgbClr>
+            </a:outerShdw>
+          </a:effectLst>
+        </p:spPr>
+      </p:cxnSp>
+      <p:cxnSp>
+        <p:nvCxnSpPr>
+          <p:cNvPr id="217" name="Google Shape;217;p32"/>
+          <p:cNvCxnSpPr>
+            <a:stCxn id="203" idx="2"/>
+            <a:endCxn id="207" idx="0"/>
+          </p:cNvCxnSpPr>
+          <p:nvPr/>
+        </p:nvCxnSpPr>
+        <p:spPr>
+          <a:xfrm>
+            <a:off x="1677291" y="3202931"/>
+            <a:ext cx="4368000" cy="953100"/>
+          </a:xfrm>
+          <a:prstGeom prst="straightConnector1">
+            <a:avLst/>
+          </a:prstGeom>
+          <a:noFill/>
+          <a:ln cap="flat" cmpd="sng" w="25400">
+            <a:solidFill>
+              <a:schemeClr val="accent1"/>
+            </a:solidFill>
+            <a:prstDash val="solid"/>
+            <a:round/>
+            <a:headEnd len="med" w="med" type="stealth"/>
+            <a:tailEnd len="med" w="med" type="stealth"/>
+          </a:ln>
+          <a:effectLst>
+            <a:outerShdw blurRad="40000" rotWithShape="0" dir="5400000" dist="20000">
+              <a:srgbClr val="000000">
+                <a:alpha val="37647"/>
+              </a:srgbClr>
+            </a:outerShdw>
+          </a:effectLst>
+        </p:spPr>
+      </p:cxnSp>
+      <p:sp>
+        <p:nvSpPr>
+          <p:cNvPr id="218" name="Google Shape;218;p32"/>
+          <p:cNvSpPr txBox="1"/>
+          <p:nvPr/>
+        </p:nvSpPr>
+        <p:spPr>
+          <a:xfrm>
+            <a:off x="2843803" y="2277944"/>
+            <a:ext cx="890012" cy="307777"/>
+          </a:xfrm>
+          <a:prstGeom prst="rect">
+            <a:avLst/>
+          </a:prstGeom>
+          <a:noFill/>
+          <a:ln>
+            <a:noFill/>
+          </a:ln>
+        </p:spPr>
+        <p:txBody>
+          <a:bodyPr anchorCtr="0" anchor="t" bIns="45700" lIns="91425" spcFirstLastPara="1" rIns="91425" wrap="square" tIns="45700">
+            <a:noAutofit/>
+          </a:bodyPr>
+          <a:lstStyle/>
+          <a:p>
+            <a:pPr indent="0" lvl="0" marL="0" marR="0" rtl="0" algn="l">
+              <a:spcBef>
+                <a:spcPts val="0"/>
+              </a:spcBef>
+              <a:spcAft>
+                <a:spcPts val="0"/>
+              </a:spcAft>
+              <a:buNone/>
+            </a:pPr>
+            <a:r>
+              <a:rPr lang="en-US" sz="1400">
+                <a:solidFill>
+                  <a:schemeClr val="dk1"/>
+                </a:solidFill>
+                <a:latin typeface="Calibri"/>
+                <a:ea typeface="Calibri"/>
+                <a:cs typeface="Calibri"/>
+                <a:sym typeface="Calibri"/>
+              </a:rPr>
+              <a:t>metadata</a:t>
+            </a:r>
+            <a:endParaRPr sz="1400">
+              <a:solidFill>
+                <a:schemeClr val="dk1"/>
+              </a:solidFill>
+              <a:latin typeface="Calibri"/>
+              <a:ea typeface="Calibri"/>
+              <a:cs typeface="Calibri"/>
+              <a:sym typeface="Calibri"/>
+            </a:endParaRPr>
+          </a:p>
+        </p:txBody>
+      </p:sp>
+      <p:sp>
+        <p:nvSpPr>
+          <p:cNvPr id="219" name="Google Shape;219;p32"/>
+          <p:cNvSpPr txBox="1"/>
+          <p:nvPr/>
+        </p:nvSpPr>
+        <p:spPr>
+          <a:xfrm>
+            <a:off x="5937596" y="2277944"/>
+            <a:ext cx="986443" cy="307777"/>
+          </a:xfrm>
+          <a:prstGeom prst="rect">
+            <a:avLst/>
+          </a:prstGeom>
+          <a:noFill/>
+          <a:ln>
+            <a:noFill/>
+          </a:ln>
+        </p:spPr>
+        <p:txBody>
+          <a:bodyPr anchorCtr="0" anchor="t" bIns="45700" lIns="91425" spcFirstLastPara="1" rIns="91425" wrap="square" tIns="45700">
+            <a:noAutofit/>
+          </a:bodyPr>
+          <a:lstStyle/>
+          <a:p>
+            <a:pPr indent="0" lvl="0" marL="0" marR="0" rtl="0" algn="l">
+              <a:spcBef>
+                <a:spcPts val="0"/>
+              </a:spcBef>
+              <a:spcAft>
+                <a:spcPts val="0"/>
+              </a:spcAft>
+              <a:buNone/>
+            </a:pPr>
+            <a:r>
+              <a:rPr lang="en-US" sz="1400">
+                <a:solidFill>
+                  <a:schemeClr val="dk1"/>
+                </a:solidFill>
+                <a:latin typeface="Calibri"/>
+                <a:ea typeface="Calibri"/>
+                <a:cs typeface="Calibri"/>
+                <a:sym typeface="Calibri"/>
+              </a:rPr>
+              <a:t>checkpoint</a:t>
+            </a:r>
+            <a:endParaRPr sz="1400">
+              <a:solidFill>
+                <a:schemeClr val="dk1"/>
+              </a:solidFill>
+              <a:latin typeface="Calibri"/>
+              <a:ea typeface="Calibri"/>
+              <a:cs typeface="Calibri"/>
+              <a:sym typeface="Calibri"/>
+            </a:endParaRPr>
+          </a:p>
+        </p:txBody>
+      </p:sp>
+      <p:sp>
+        <p:nvSpPr>
+          <p:cNvPr id="220" name="Google Shape;220;p32"/>
+          <p:cNvSpPr txBox="1"/>
+          <p:nvPr/>
+        </p:nvSpPr>
+        <p:spPr>
+          <a:xfrm>
+            <a:off x="1677291" y="3389016"/>
+            <a:ext cx="1035447" cy="307777"/>
+          </a:xfrm>
+          <a:prstGeom prst="rect">
+            <a:avLst/>
+          </a:prstGeom>
+          <a:noFill/>
+          <a:ln>
+            <a:noFill/>
+          </a:ln>
+        </p:spPr>
+        <p:txBody>
+          <a:bodyPr anchorCtr="0" anchor="t" bIns="45700" lIns="91425" spcFirstLastPara="1" rIns="91425" wrap="square" tIns="45700">
+            <a:noAutofit/>
+          </a:bodyPr>
+          <a:lstStyle/>
+          <a:p>
+            <a:pPr indent="0" lvl="0" marL="0" marR="0" rtl="0" algn="l">
+              <a:spcBef>
+                <a:spcPts val="0"/>
+              </a:spcBef>
+              <a:spcAft>
+                <a:spcPts val="0"/>
+              </a:spcAft>
+              <a:buNone/>
+            </a:pPr>
+            <a:r>
+              <a:rPr lang="en-US" sz="1400">
+                <a:solidFill>
+                  <a:schemeClr val="dk1"/>
+                </a:solidFill>
+                <a:latin typeface="Calibri"/>
+                <a:ea typeface="Calibri"/>
+                <a:cs typeface="Calibri"/>
+                <a:sym typeface="Calibri"/>
+              </a:rPr>
+              <a:t>Data access</a:t>
+            </a:r>
+            <a:endParaRPr sz="1400">
+              <a:solidFill>
+                <a:schemeClr val="dk1"/>
+              </a:solidFill>
+              <a:latin typeface="Calibri"/>
+              <a:ea typeface="Calibri"/>
+              <a:cs typeface="Calibri"/>
+              <a:sym typeface="Calibri"/>
+            </a:endParaRPr>
+          </a:p>
+        </p:txBody>
+      </p:sp>
+    </p:spTree>
+  </p:cSld>
+  <p:clrMapOvr>
+    <a:masterClrMapping/>
+  </p:clrMapOvr>
+</p:sld>
+</file>
+
+<file path=ppt/slides/slide21.xml><?xml version="1.0" encoding="utf-8"?>
+<p:sld xmlns:a="http://schemas.openxmlformats.org/drawingml/2006/main" xmlns:r="http://schemas.openxmlformats.org/officeDocument/2006/relationships" xmlns:mc="http://schemas.openxmlformats.org/markup-compatibility/2006" xmlns:mv="urn:schemas-microsoft-com:mac:vml" xmlns:p="http://schemas.openxmlformats.org/presentationml/2006/main" xmlns:c="http://schemas.openxmlformats.org/drawingml/2006/chart" xmlns:dgm="http://schemas.openxmlformats.org/drawingml/2006/diagram" xmlns:o="urn:schemas-microsoft-com:office:office" xmlns:v="urn:schemas-microsoft-com:vml" xmlns:pvml="urn:schemas-microsoft-com:office:powerpoint" xmlns:com="http://schemas.openxmlformats.org/drawingml/2006/compatibility" xmlns:p14="http://schemas.microsoft.com/office/powerpoint/2010/main" xmlns:p15="http://schemas.microsoft.com/office/powerpoint/2012/main" xmlns:ahyp="http://schemas.microsoft.com/office/drawing/2018/hyperlinkcolor">
+  <p:cSld>
+    <p:spTree>
+      <p:nvGrpSpPr>
+        <p:cNvPr id="224" name="Shape 224"/>
+        <p:cNvGrpSpPr/>
+        <p:nvPr/>
+      </p:nvGrpSpPr>
+      <p:grpSpPr>
+        <a:xfrm>
+          <a:off x="0" y="0"/>
+          <a:ext cx="0" cy="0"/>
+          <a:chOff x="0" y="0"/>
+          <a:chExt cx="0" cy="0"/>
+        </a:xfrm>
+      </p:grpSpPr>
+      <p:sp>
+        <p:nvSpPr>
+          <p:cNvPr id="225" name="Google Shape;225;p33"/>
+          <p:cNvSpPr txBox="1"/>
+          <p:nvPr>
+            <p:ph type="title"/>
+          </p:nvPr>
+        </p:nvSpPr>
+        <p:spPr>
+          <a:xfrm>
+            <a:off x="457200" y="274638"/>
+            <a:ext cx="8229600" cy="1143000"/>
+          </a:xfrm>
+          <a:prstGeom prst="rect">
+            <a:avLst/>
+          </a:prstGeom>
+          <a:noFill/>
+          <a:ln>
+            <a:noFill/>
+          </a:ln>
+        </p:spPr>
+        <p:txBody>
+          <a:bodyPr anchorCtr="0" anchor="ctr" bIns="45700" lIns="91425" spcFirstLastPara="1" rIns="91425" wrap="square" tIns="45700">
+            <a:noAutofit/>
+          </a:bodyPr>
+          <a:lstStyle/>
+          <a:p>
+            <a:pPr indent="0" lvl="0" marL="0" rtl="0" algn="ctr">
+              <a:spcBef>
+                <a:spcPts val="0"/>
+              </a:spcBef>
+              <a:spcAft>
+                <a:spcPts val="0"/>
+              </a:spcAft>
+              <a:buClr>
+                <a:schemeClr val="dk1"/>
+              </a:buClr>
+              <a:buSzPts val="4400"/>
+              <a:buFont typeface="Montserrat"/>
+              <a:buNone/>
+            </a:pPr>
+            <a:r>
+              <a:rPr lang="en-US"/>
               <a:t>HDFS inspiration	</a:t>
             </a:r>
             <a:endParaRPr/>
@@ -19775,7 +20110,7 @@
       </p:sp>
       <p:sp>
         <p:nvSpPr>
-          <p:cNvPr id="220" name="Google Shape;220;p32"/>
+          <p:cNvPr id="226" name="Google Shape;226;p33"/>
           <p:cNvSpPr txBox="1"/>
           <p:nvPr>
             <p:ph idx="1" type="body"/>
@@ -19843,7 +20178,7 @@
       </p:sp>
       <p:pic>
         <p:nvPicPr>
-          <p:cNvPr id="221" name="Google Shape;221;p32"/>
+          <p:cNvPr id="227" name="Google Shape;227;p33"/>
           <p:cNvPicPr preferRelativeResize="0"/>
           <p:nvPr/>
         </p:nvPicPr>
@@ -19868,200 +20203,6 @@
           </a:ln>
         </p:spPr>
       </p:pic>
-    </p:spTree>
-  </p:cSld>
-  <p:clrMapOvr>
-    <a:masterClrMapping/>
-  </p:clrMapOvr>
-</p:sld>
-</file>
-
-<file path=ppt/slides/slide21.xml><?xml version="1.0" encoding="utf-8"?>
-<p:sld xmlns:a="http://schemas.openxmlformats.org/drawingml/2006/main" xmlns:r="http://schemas.openxmlformats.org/officeDocument/2006/relationships" xmlns:mc="http://schemas.openxmlformats.org/markup-compatibility/2006" xmlns:mv="urn:schemas-microsoft-com:mac:vml" xmlns:p="http://schemas.openxmlformats.org/presentationml/2006/main" xmlns:c="http://schemas.openxmlformats.org/drawingml/2006/chart" xmlns:dgm="http://schemas.openxmlformats.org/drawingml/2006/diagram" xmlns:o="urn:schemas-microsoft-com:office:office" xmlns:v="urn:schemas-microsoft-com:vml" xmlns:pvml="urn:schemas-microsoft-com:office:powerpoint" xmlns:com="http://schemas.openxmlformats.org/drawingml/2006/compatibility" xmlns:p14="http://schemas.microsoft.com/office/powerpoint/2010/main" xmlns:p15="http://schemas.microsoft.com/office/powerpoint/2012/main" xmlns:ahyp="http://schemas.microsoft.com/office/drawing/2018/hyperlinkcolor">
-  <p:cSld>
-    <p:spTree>
-      <p:nvGrpSpPr>
-        <p:cNvPr id="225" name="Shape 225"/>
-        <p:cNvGrpSpPr/>
-        <p:nvPr/>
-      </p:nvGrpSpPr>
-      <p:grpSpPr>
-        <a:xfrm>
-          <a:off x="0" y="0"/>
-          <a:ext cx="0" cy="0"/>
-          <a:chOff x="0" y="0"/>
-          <a:chExt cx="0" cy="0"/>
-        </a:xfrm>
-      </p:grpSpPr>
-      <p:sp>
-        <p:nvSpPr>
-          <p:cNvPr id="226" name="Google Shape;226;p33"/>
-          <p:cNvSpPr txBox="1"/>
-          <p:nvPr>
-            <p:ph type="title"/>
-          </p:nvPr>
-        </p:nvSpPr>
-        <p:spPr>
-          <a:xfrm>
-            <a:off x="457200" y="274638"/>
-            <a:ext cx="8229600" cy="1143000"/>
-          </a:xfrm>
-          <a:prstGeom prst="rect">
-            <a:avLst/>
-          </a:prstGeom>
-          <a:noFill/>
-          <a:ln>
-            <a:noFill/>
-          </a:ln>
-        </p:spPr>
-        <p:txBody>
-          <a:bodyPr anchorCtr="0" anchor="ctr" bIns="45700" lIns="91425" spcFirstLastPara="1" rIns="91425" wrap="square" tIns="45700">
-            <a:noAutofit/>
-          </a:bodyPr>
-          <a:lstStyle/>
-          <a:p>
-            <a:pPr indent="0" lvl="0" marL="0" rtl="0" algn="ctr">
-              <a:spcBef>
-                <a:spcPts val="0"/>
-              </a:spcBef>
-              <a:spcAft>
-                <a:spcPts val="0"/>
-              </a:spcAft>
-              <a:buClr>
-                <a:schemeClr val="dk1"/>
-              </a:buClr>
-              <a:buSzPts val="4400"/>
-              <a:buFont typeface="Montserrat"/>
-              <a:buNone/>
-            </a:pPr>
-            <a:r>
-              <a:rPr lang="en-US"/>
-              <a:t>HDFS overview</a:t>
-            </a:r>
-            <a:endParaRPr/>
-          </a:p>
-        </p:txBody>
-      </p:sp>
-      <p:sp>
-        <p:nvSpPr>
-          <p:cNvPr id="227" name="Google Shape;227;p33"/>
-          <p:cNvSpPr txBox="1"/>
-          <p:nvPr>
-            <p:ph idx="1" type="body"/>
-          </p:nvPr>
-        </p:nvSpPr>
-        <p:spPr>
-          <a:xfrm>
-            <a:off x="375635" y="1600200"/>
-            <a:ext cx="8229600" cy="4525963"/>
-          </a:xfrm>
-          <a:prstGeom prst="rect">
-            <a:avLst/>
-          </a:prstGeom>
-          <a:noFill/>
-          <a:ln>
-            <a:noFill/>
-          </a:ln>
-        </p:spPr>
-        <p:txBody>
-          <a:bodyPr anchorCtr="0" anchor="t" bIns="45700" lIns="91425" spcFirstLastPara="1" rIns="91425" wrap="square" tIns="45700">
-            <a:noAutofit/>
-          </a:bodyPr>
-          <a:lstStyle/>
-          <a:p>
-            <a:pPr indent="-342900" lvl="0" marL="342900" rtl="0" algn="l">
-              <a:lnSpc>
-                <a:spcPct val="90000"/>
-              </a:lnSpc>
-              <a:spcBef>
-                <a:spcPts val="0"/>
-              </a:spcBef>
-              <a:spcAft>
-                <a:spcPts val="0"/>
-              </a:spcAft>
-              <a:buClr>
-                <a:schemeClr val="dk1"/>
-              </a:buClr>
-              <a:buSzPts val="3200"/>
-              <a:buChar char="•"/>
-            </a:pPr>
-            <a:r>
-              <a:rPr lang="en-US"/>
-              <a:t>Good for streaming access to large files, reliability, scale</a:t>
-            </a:r>
-            <a:endParaRPr/>
-          </a:p>
-          <a:p>
-            <a:pPr indent="-342900" lvl="0" marL="342900" rtl="0" algn="l">
-              <a:lnSpc>
-                <a:spcPct val="90000"/>
-              </a:lnSpc>
-              <a:spcBef>
-                <a:spcPts val="640"/>
-              </a:spcBef>
-              <a:spcAft>
-                <a:spcPts val="0"/>
-              </a:spcAft>
-              <a:buClr>
-                <a:schemeClr val="dk1"/>
-              </a:buClr>
-              <a:buSzPts val="3200"/>
-              <a:buChar char="•"/>
-            </a:pPr>
-            <a:r>
-              <a:rPr lang="en-US"/>
-              <a:t>Not good for random access, small files</a:t>
-            </a:r>
-            <a:endParaRPr/>
-          </a:p>
-          <a:p>
-            <a:pPr indent="-342900" lvl="0" marL="342900" rtl="0" algn="l">
-              <a:lnSpc>
-                <a:spcPct val="90000"/>
-              </a:lnSpc>
-              <a:spcBef>
-                <a:spcPts val="640"/>
-              </a:spcBef>
-              <a:spcAft>
-                <a:spcPts val="0"/>
-              </a:spcAft>
-              <a:buClr>
-                <a:schemeClr val="dk1"/>
-              </a:buClr>
-              <a:buSzPts val="3200"/>
-              <a:buChar char="•"/>
-            </a:pPr>
-            <a:r>
-              <a:rPr lang="en-US"/>
-              <a:t>Blocks of data 64Mb in size (configurable)</a:t>
-            </a:r>
-            <a:endParaRPr/>
-          </a:p>
-          <a:p>
-            <a:pPr indent="-342900" lvl="0" marL="342900" rtl="0" algn="l">
-              <a:lnSpc>
-                <a:spcPct val="90000"/>
-              </a:lnSpc>
-              <a:spcBef>
-                <a:spcPts val="640"/>
-              </a:spcBef>
-              <a:spcAft>
-                <a:spcPts val="0"/>
-              </a:spcAft>
-              <a:buClr>
-                <a:schemeClr val="dk1"/>
-              </a:buClr>
-              <a:buSzPts val="3200"/>
-              <a:buChar char="•"/>
-            </a:pPr>
-            <a:r>
-              <a:rPr lang="en-US"/>
-              <a:t>Each block can be replicated across multiple data nodes for High Availability (HA)</a:t>
-            </a:r>
-            <a:endParaRPr/>
-          </a:p>
-        </p:txBody>
-      </p:sp>
     </p:spTree>
   </p:cSld>
   <p:clrMapOvr>
@@ -20130,7 +20271,7 @@
             </a:pPr>
             <a:r>
               <a:rPr lang="en-US"/>
-              <a:t>HDFS commands</a:t>
+              <a:t>HDFS overview</a:t>
             </a:r>
             <a:endParaRPr/>
           </a:p>
@@ -20164,143 +20305,95 @@
           <a:lstStyle/>
           <a:p>
             <a:pPr indent="-342900" lvl="0" marL="342900" rtl="0" algn="l">
-              <a:spcBef>
-                <a:spcPts val="0"/>
-              </a:spcBef>
-              <a:spcAft>
-                <a:spcPts val="0"/>
-              </a:spcAft>
-              <a:buClr>
-                <a:schemeClr val="dk1"/>
-              </a:buClr>
-              <a:buSzPts val="2800"/>
+              <a:lnSpc>
+                <a:spcPct val="90000"/>
+              </a:lnSpc>
+              <a:spcBef>
+                <a:spcPts val="0"/>
+              </a:spcBef>
+              <a:spcAft>
+                <a:spcPts val="0"/>
+              </a:spcAft>
+              <a:buClr>
+                <a:schemeClr val="dk1"/>
+              </a:buClr>
+              <a:buSzPts val="3200"/>
               <a:buChar char="•"/>
             </a:pPr>
             <a:r>
-              <a:rPr lang="en-US" sz="2800"/>
-              <a:t>start-dfs.sh</a:t>
-            </a:r>
-            <a:endParaRPr sz="2800"/>
-          </a:p>
-          <a:p>
-            <a:pPr indent="-342900" lvl="0" marL="342900" rtl="0" algn="l">
-              <a:spcBef>
-                <a:spcPts val="560"/>
-              </a:spcBef>
-              <a:spcAft>
-                <a:spcPts val="0"/>
-              </a:spcAft>
-              <a:buClr>
-                <a:schemeClr val="dk1"/>
-              </a:buClr>
-              <a:buSzPts val="2800"/>
-              <a:buChar char="•"/>
-            </a:pPr>
-            <a:r>
-              <a:rPr lang="en-US" sz="2800"/>
-              <a:t>stop-dfs.sh</a:t>
-            </a:r>
-            <a:endParaRPr sz="2800"/>
-          </a:p>
-          <a:p>
-            <a:pPr indent="-342900" lvl="0" marL="342900" rtl="0" algn="l">
-              <a:spcBef>
-                <a:spcPts val="560"/>
-              </a:spcBef>
-              <a:spcAft>
-                <a:spcPts val="0"/>
-              </a:spcAft>
-              <a:buClr>
-                <a:schemeClr val="dk1"/>
-              </a:buClr>
-              <a:buSzPts val="2800"/>
-              <a:buChar char="•"/>
-            </a:pPr>
-            <a:r>
-              <a:rPr lang="en-US" sz="2800"/>
-              <a:t>hadoop fs &lt;command&gt;</a:t>
+              <a:rPr lang="en-US"/>
+              <a:t>Good for streaming access to large files, reliability, scale</a:t>
             </a:r>
             <a:endParaRPr/>
           </a:p>
           <a:p>
-            <a:pPr indent="-285750" lvl="1" marL="742950" rtl="0" algn="l">
-              <a:spcBef>
-                <a:spcPts val="480"/>
-              </a:spcBef>
-              <a:spcAft>
-                <a:spcPts val="0"/>
-              </a:spcAft>
-              <a:buClr>
-                <a:schemeClr val="dk1"/>
-              </a:buClr>
-              <a:buSzPts val="2400"/>
-              <a:buChar char="–"/>
+            <a:pPr indent="-342900" lvl="0" marL="342900" rtl="0" algn="l">
+              <a:lnSpc>
+                <a:spcPct val="90000"/>
+              </a:lnSpc>
+              <a:spcBef>
+                <a:spcPts val="640"/>
+              </a:spcBef>
+              <a:spcAft>
+                <a:spcPts val="0"/>
+              </a:spcAft>
+              <a:buClr>
+                <a:schemeClr val="dk1"/>
+              </a:buClr>
+              <a:buSzPts val="3200"/>
+              <a:buChar char="•"/>
             </a:pPr>
             <a:r>
-              <a:rPr lang="en-US" sz="2400"/>
-              <a:t>e.g. hadoop fs cat /user/hduser/file</a:t>
+              <a:rPr lang="en-US"/>
+              <a:t>Not good for random access, small files</a:t>
             </a:r>
             <a:endParaRPr/>
           </a:p>
           <a:p>
-            <a:pPr indent="-285750" lvl="1" marL="742950" rtl="0" algn="l">
-              <a:spcBef>
-                <a:spcPts val="480"/>
-              </a:spcBef>
-              <a:spcAft>
-                <a:spcPts val="0"/>
-              </a:spcAft>
-              <a:buClr>
-                <a:schemeClr val="dk1"/>
-              </a:buClr>
-              <a:buSzPts val="2400"/>
-              <a:buChar char="–"/>
+            <a:pPr indent="-342900" lvl="0" marL="342900" rtl="0" algn="l">
+              <a:lnSpc>
+                <a:spcPct val="90000"/>
+              </a:lnSpc>
+              <a:spcBef>
+                <a:spcPts val="640"/>
+              </a:spcBef>
+              <a:spcAft>
+                <a:spcPts val="0"/>
+              </a:spcAft>
+              <a:buClr>
+                <a:schemeClr val="dk1"/>
+              </a:buClr>
+              <a:buSzPts val="3200"/>
+              <a:buChar char="•"/>
             </a:pPr>
             <a:r>
-              <a:rPr lang="en-US" sz="2400"/>
-              <a:t>hadoop fs mkdir –p /user/hduser/</a:t>
+              <a:rPr lang="en-US"/>
+              <a:t>Blocks of data 64Mb in size (configurable)</a:t>
             </a:r>
             <a:endParaRPr/>
           </a:p>
           <a:p>
-            <a:pPr indent="-285750" lvl="1" marL="742950" rtl="0" algn="l">
-              <a:spcBef>
-                <a:spcPts val="480"/>
-              </a:spcBef>
-              <a:spcAft>
-                <a:spcPts val="0"/>
-              </a:spcAft>
-              <a:buClr>
-                <a:schemeClr val="dk1"/>
-              </a:buClr>
-              <a:buSzPts val="2400"/>
-              <a:buChar char="–"/>
+            <a:pPr indent="-342900" lvl="0" marL="342900" rtl="0" algn="l">
+              <a:lnSpc>
+                <a:spcPct val="90000"/>
+              </a:lnSpc>
+              <a:spcBef>
+                <a:spcPts val="640"/>
+              </a:spcBef>
+              <a:spcAft>
+                <a:spcPts val="0"/>
+              </a:spcAft>
+              <a:buClr>
+                <a:schemeClr val="dk1"/>
+              </a:buClr>
+              <a:buSzPts val="3200"/>
+              <a:buChar char="•"/>
             </a:pPr>
             <a:r>
-              <a:rPr lang="en-US" sz="2400"/>
-              <a:t>hadoop fs put localfile /user/hduser/remotefile</a:t>
+              <a:rPr lang="en-US"/>
+              <a:t>Each block can be replicated across multiple data nodes for High Availability (HA)</a:t>
             </a:r>
-            <a:endParaRPr sz="2400"/>
-          </a:p>
-          <a:p>
-            <a:pPr indent="-285750" lvl="1" marL="742950" rtl="0" algn="l">
-              <a:spcBef>
-                <a:spcPts val="480"/>
-              </a:spcBef>
-              <a:spcAft>
-                <a:spcPts val="0"/>
-              </a:spcAft>
-              <a:buClr>
-                <a:schemeClr val="dk1"/>
-              </a:buClr>
-              <a:buSzPts val="2400"/>
-              <a:buChar char="–"/>
-            </a:pPr>
-            <a:r>
-              <a:rPr lang="en-US" sz="2400"/>
-              <a:t>hadoop fs get /user/hduser/remotefile localfile</a:t>
-            </a:r>
-            <a:endParaRPr sz="2400"/>
+            <a:endParaRPr/>
           </a:p>
         </p:txBody>
       </p:sp>
@@ -20372,7 +20465,7 @@
             </a:pPr>
             <a:r>
               <a:rPr lang="en-US"/>
-              <a:t>HDFS Usage</a:t>
+              <a:t>HDFS commands</a:t>
             </a:r>
             <a:endParaRPr/>
           </a:p>
@@ -20415,119 +20508,134 @@
               <a:buClr>
                 <a:schemeClr val="dk1"/>
               </a:buClr>
-              <a:buSzPts val="3200"/>
+              <a:buSzPts val="2800"/>
               <a:buChar char="•"/>
             </a:pPr>
             <a:r>
-              <a:rPr lang="en-US"/>
-              <a:t>Spotify has 1600+ nodes, storing 60+ petabytes of data</a:t>
+              <a:rPr lang="en-US" sz="2800"/>
+              <a:t>start-dfs.sh</a:t>
+            </a:r>
+            <a:endParaRPr sz="2800"/>
+          </a:p>
+          <a:p>
+            <a:pPr indent="-342900" lvl="0" marL="342900" rtl="0" algn="l">
+              <a:spcBef>
+                <a:spcPts val="560"/>
+              </a:spcBef>
+              <a:spcAft>
+                <a:spcPts val="0"/>
+              </a:spcAft>
+              <a:buClr>
+                <a:schemeClr val="dk1"/>
+              </a:buClr>
+              <a:buSzPts val="2800"/>
+              <a:buChar char="•"/>
+            </a:pPr>
+            <a:r>
+              <a:rPr lang="en-US" sz="2800"/>
+              <a:t>stop-dfs.sh</a:t>
+            </a:r>
+            <a:endParaRPr sz="2800"/>
+          </a:p>
+          <a:p>
+            <a:pPr indent="-342900" lvl="0" marL="342900" rtl="0" algn="l">
+              <a:spcBef>
+                <a:spcPts val="560"/>
+              </a:spcBef>
+              <a:spcAft>
+                <a:spcPts val="0"/>
+              </a:spcAft>
+              <a:buClr>
+                <a:schemeClr val="dk1"/>
+              </a:buClr>
+              <a:buSzPts val="2800"/>
+              <a:buChar char="•"/>
+            </a:pPr>
+            <a:r>
+              <a:rPr lang="en-US" sz="2800"/>
+              <a:t>hadoop fs &lt;command&gt;</a:t>
             </a:r>
             <a:endParaRPr/>
           </a:p>
           <a:p>
             <a:pPr indent="-285750" lvl="1" marL="742950" rtl="0" algn="l">
               <a:spcBef>
-                <a:spcPts val="340"/>
-              </a:spcBef>
-              <a:spcAft>
-                <a:spcPts val="0"/>
-              </a:spcAft>
-              <a:buClr>
-                <a:schemeClr val="dk1"/>
-              </a:buClr>
-              <a:buSzPts val="1700"/>
+                <a:spcPts val="480"/>
+              </a:spcBef>
+              <a:spcAft>
+                <a:spcPts val="0"/>
+              </a:spcAft>
+              <a:buClr>
+                <a:schemeClr val="dk1"/>
+              </a:buClr>
+              <a:buSzPts val="2400"/>
               <a:buChar char="–"/>
             </a:pPr>
             <a:r>
-              <a:rPr lang="en-US" sz="1700"/>
-              <a:t>https://www.usenix.org/system/files/conference/fast17/fast17-niazi.pdf</a:t>
-            </a:r>
-            <a:endParaRPr/>
-          </a:p>
-          <a:p>
-            <a:pPr indent="-342900" lvl="0" marL="342900" rtl="0" algn="l">
-              <a:spcBef>
-                <a:spcPts val="640"/>
-              </a:spcBef>
-              <a:spcAft>
-                <a:spcPts val="0"/>
-              </a:spcAft>
-              <a:buClr>
-                <a:schemeClr val="dk1"/>
-              </a:buClr>
-              <a:buSzPts val="3200"/>
-              <a:buChar char="•"/>
-            </a:pPr>
-            <a:r>
-              <a:rPr lang="en-US"/>
-              <a:t>One of the Facebook's largest clusters (based on HDFS) holds more than </a:t>
-            </a:r>
-            <a:br>
-              <a:rPr lang="en-US"/>
-            </a:br>
-            <a:r>
-              <a:rPr lang="en-US"/>
-              <a:t>100 PB of data, processing more than 60,000 Hive queries a day</a:t>
+              <a:rPr lang="en-US" sz="2400"/>
+              <a:t>e.g. hadoop fs cat /user/hduser/file</a:t>
             </a:r>
             <a:endParaRPr/>
           </a:p>
           <a:p>
             <a:pPr indent="-285750" lvl="1" marL="742950" rtl="0" algn="l">
               <a:spcBef>
-                <a:spcPts val="340"/>
-              </a:spcBef>
-              <a:spcAft>
-                <a:spcPts val="0"/>
-              </a:spcAft>
-              <a:buClr>
-                <a:schemeClr val="dk1"/>
-              </a:buClr>
-              <a:buSzPts val="1700"/>
+                <a:spcPts val="480"/>
+              </a:spcBef>
+              <a:spcAft>
+                <a:spcPts val="0"/>
+              </a:spcAft>
+              <a:buClr>
+                <a:schemeClr val="dk1"/>
+              </a:buClr>
+              <a:buSzPts val="2400"/>
               <a:buChar char="–"/>
             </a:pPr>
             <a:r>
-              <a:rPr lang="en-US" sz="1700"/>
-              <a:t>https://www.facebook.com/notes/facebook-engineering/under-the-hood-scheduling-mapreduce-jobs-more-efficiently-with-corona/</a:t>
-            </a:r>
-            <a:endParaRPr sz="1900"/>
-          </a:p>
-          <a:p>
-            <a:pPr indent="-139700" lvl="0" marL="342900" rtl="0" algn="l">
-              <a:spcBef>
-                <a:spcPts val="640"/>
-              </a:spcBef>
-              <a:spcAft>
-                <a:spcPts val="0"/>
-              </a:spcAft>
-              <a:buClr>
-                <a:schemeClr val="dk1"/>
-              </a:buClr>
-              <a:buSzPts val="3200"/>
-              <a:buNone/>
-            </a:pPr>
-            <a:r>
-              <a:t/>
+              <a:rPr lang="en-US" sz="2400"/>
+              <a:t>hadoop fs mkdir –p /user/hduser/</a:t>
             </a:r>
             <a:endParaRPr/>
           </a:p>
           <a:p>
-            <a:pPr indent="-139700" lvl="0" marL="342900" rtl="0" algn="l">
-              <a:spcBef>
-                <a:spcPts val="640"/>
-              </a:spcBef>
-              <a:spcAft>
-                <a:spcPts val="0"/>
-              </a:spcAft>
-              <a:buClr>
-                <a:schemeClr val="dk1"/>
-              </a:buClr>
-              <a:buSzPts val="3200"/>
-              <a:buNone/>
+            <a:pPr indent="-285750" lvl="1" marL="742950" rtl="0" algn="l">
+              <a:spcBef>
+                <a:spcPts val="480"/>
+              </a:spcBef>
+              <a:spcAft>
+                <a:spcPts val="0"/>
+              </a:spcAft>
+              <a:buClr>
+                <a:schemeClr val="dk1"/>
+              </a:buClr>
+              <a:buSzPts val="2400"/>
+              <a:buChar char="–"/>
             </a:pPr>
             <a:r>
-              <a:t/>
+              <a:rPr lang="en-US" sz="2400"/>
+              <a:t>hadoop fs put localfile /user/hduser/remotefile</a:t>
             </a:r>
-            <a:endParaRPr/>
+            <a:endParaRPr sz="2400"/>
+          </a:p>
+          <a:p>
+            <a:pPr indent="-285750" lvl="1" marL="742950" rtl="0" algn="l">
+              <a:spcBef>
+                <a:spcPts val="480"/>
+              </a:spcBef>
+              <a:spcAft>
+                <a:spcPts val="0"/>
+              </a:spcAft>
+              <a:buClr>
+                <a:schemeClr val="dk1"/>
+              </a:buClr>
+              <a:buSzPts val="2400"/>
+              <a:buChar char="–"/>
+            </a:pPr>
+            <a:r>
+              <a:rPr lang="en-US" sz="2400"/>
+              <a:t>hadoop fs get /user/hduser/remotefile localfile</a:t>
+            </a:r>
+            <a:endParaRPr sz="2400"/>
           </a:p>
         </p:txBody>
       </p:sp>
@@ -20599,6 +20707,233 @@
             </a:pPr>
             <a:r>
               <a:rPr lang="en-US"/>
+              <a:t>HDFS Usage</a:t>
+            </a:r>
+            <a:endParaRPr/>
+          </a:p>
+        </p:txBody>
+      </p:sp>
+      <p:sp>
+        <p:nvSpPr>
+          <p:cNvPr id="245" name="Google Shape;245;p36"/>
+          <p:cNvSpPr txBox="1"/>
+          <p:nvPr>
+            <p:ph idx="1" type="body"/>
+          </p:nvPr>
+        </p:nvSpPr>
+        <p:spPr>
+          <a:xfrm>
+            <a:off x="375635" y="1600200"/>
+            <a:ext cx="8229600" cy="4525963"/>
+          </a:xfrm>
+          <a:prstGeom prst="rect">
+            <a:avLst/>
+          </a:prstGeom>
+          <a:noFill/>
+          <a:ln>
+            <a:noFill/>
+          </a:ln>
+        </p:spPr>
+        <p:txBody>
+          <a:bodyPr anchorCtr="0" anchor="t" bIns="45700" lIns="91425" spcFirstLastPara="1" rIns="91425" wrap="square" tIns="45700">
+            <a:noAutofit/>
+          </a:bodyPr>
+          <a:lstStyle/>
+          <a:p>
+            <a:pPr indent="-342900" lvl="0" marL="342900" rtl="0" algn="l">
+              <a:spcBef>
+                <a:spcPts val="0"/>
+              </a:spcBef>
+              <a:spcAft>
+                <a:spcPts val="0"/>
+              </a:spcAft>
+              <a:buClr>
+                <a:schemeClr val="dk1"/>
+              </a:buClr>
+              <a:buSzPts val="3200"/>
+              <a:buChar char="•"/>
+            </a:pPr>
+            <a:r>
+              <a:rPr lang="en-US"/>
+              <a:t>Spotify has 1600+ nodes, storing 60+ petabytes of data</a:t>
+            </a:r>
+            <a:endParaRPr/>
+          </a:p>
+          <a:p>
+            <a:pPr indent="-285750" lvl="1" marL="742950" rtl="0" algn="l">
+              <a:spcBef>
+                <a:spcPts val="340"/>
+              </a:spcBef>
+              <a:spcAft>
+                <a:spcPts val="0"/>
+              </a:spcAft>
+              <a:buClr>
+                <a:schemeClr val="dk1"/>
+              </a:buClr>
+              <a:buSzPts val="1700"/>
+              <a:buChar char="–"/>
+            </a:pPr>
+            <a:r>
+              <a:rPr lang="en-US" sz="1700"/>
+              <a:t>https://www.usenix.org/system/files/conference/fast17/fast17-niazi.pdf</a:t>
+            </a:r>
+            <a:endParaRPr/>
+          </a:p>
+          <a:p>
+            <a:pPr indent="-342900" lvl="0" marL="342900" rtl="0" algn="l">
+              <a:spcBef>
+                <a:spcPts val="640"/>
+              </a:spcBef>
+              <a:spcAft>
+                <a:spcPts val="0"/>
+              </a:spcAft>
+              <a:buClr>
+                <a:schemeClr val="dk1"/>
+              </a:buClr>
+              <a:buSzPts val="3200"/>
+              <a:buChar char="•"/>
+            </a:pPr>
+            <a:r>
+              <a:rPr lang="en-US"/>
+              <a:t>One of the Facebook's largest clusters (based on HDFS) holds more than </a:t>
+            </a:r>
+            <a:br>
+              <a:rPr lang="en-US"/>
+            </a:br>
+            <a:r>
+              <a:rPr lang="en-US"/>
+              <a:t>100 PB of data, processing more than 60,000 Hive queries a day</a:t>
+            </a:r>
+            <a:endParaRPr/>
+          </a:p>
+          <a:p>
+            <a:pPr indent="-285750" lvl="1" marL="742950" rtl="0" algn="l">
+              <a:spcBef>
+                <a:spcPts val="340"/>
+              </a:spcBef>
+              <a:spcAft>
+                <a:spcPts val="0"/>
+              </a:spcAft>
+              <a:buClr>
+                <a:schemeClr val="dk1"/>
+              </a:buClr>
+              <a:buSzPts val="1700"/>
+              <a:buChar char="–"/>
+            </a:pPr>
+            <a:r>
+              <a:rPr lang="en-US" sz="1700"/>
+              <a:t>https://www.facebook.com/notes/facebook-engineering/under-the-hood-scheduling-mapreduce-jobs-more-efficiently-with-corona/</a:t>
+            </a:r>
+            <a:endParaRPr sz="1900"/>
+          </a:p>
+          <a:p>
+            <a:pPr indent="-139700" lvl="0" marL="342900" rtl="0" algn="l">
+              <a:spcBef>
+                <a:spcPts val="640"/>
+              </a:spcBef>
+              <a:spcAft>
+                <a:spcPts val="0"/>
+              </a:spcAft>
+              <a:buClr>
+                <a:schemeClr val="dk1"/>
+              </a:buClr>
+              <a:buSzPts val="3200"/>
+              <a:buNone/>
+            </a:pPr>
+            <a:r>
+              <a:t/>
+            </a:r>
+            <a:endParaRPr/>
+          </a:p>
+          <a:p>
+            <a:pPr indent="-139700" lvl="0" marL="342900" rtl="0" algn="l">
+              <a:spcBef>
+                <a:spcPts val="640"/>
+              </a:spcBef>
+              <a:spcAft>
+                <a:spcPts val="0"/>
+              </a:spcAft>
+              <a:buClr>
+                <a:schemeClr val="dk1"/>
+              </a:buClr>
+              <a:buSzPts val="3200"/>
+              <a:buNone/>
+            </a:pPr>
+            <a:r>
+              <a:t/>
+            </a:r>
+            <a:endParaRPr/>
+          </a:p>
+        </p:txBody>
+      </p:sp>
+    </p:spTree>
+  </p:cSld>
+  <p:clrMapOvr>
+    <a:masterClrMapping/>
+  </p:clrMapOvr>
+</p:sld>
+</file>
+
+<file path=ppt/slides/slide25.xml><?xml version="1.0" encoding="utf-8"?>
+<p:sld xmlns:a="http://schemas.openxmlformats.org/drawingml/2006/main" xmlns:r="http://schemas.openxmlformats.org/officeDocument/2006/relationships" xmlns:mc="http://schemas.openxmlformats.org/markup-compatibility/2006" xmlns:mv="urn:schemas-microsoft-com:mac:vml" xmlns:p="http://schemas.openxmlformats.org/presentationml/2006/main" xmlns:c="http://schemas.openxmlformats.org/drawingml/2006/chart" xmlns:dgm="http://schemas.openxmlformats.org/drawingml/2006/diagram" xmlns:o="urn:schemas-microsoft-com:office:office" xmlns:v="urn:schemas-microsoft-com:vml" xmlns:pvml="urn:schemas-microsoft-com:office:powerpoint" xmlns:com="http://schemas.openxmlformats.org/drawingml/2006/compatibility" xmlns:p14="http://schemas.microsoft.com/office/powerpoint/2010/main" xmlns:p15="http://schemas.microsoft.com/office/powerpoint/2012/main" xmlns:ahyp="http://schemas.microsoft.com/office/drawing/2018/hyperlinkcolor">
+  <p:cSld>
+    <p:spTree>
+      <p:nvGrpSpPr>
+        <p:cNvPr id="249" name="Shape 249"/>
+        <p:cNvGrpSpPr/>
+        <p:nvPr/>
+      </p:nvGrpSpPr>
+      <p:grpSpPr>
+        <a:xfrm>
+          <a:off x="0" y="0"/>
+          <a:ext cx="0" cy="0"/>
+          <a:chOff x="0" y="0"/>
+          <a:chExt cx="0" cy="0"/>
+        </a:xfrm>
+      </p:grpSpPr>
+      <p:sp>
+        <p:nvSpPr>
+          <p:cNvPr id="250" name="Google Shape;250;p37"/>
+          <p:cNvSpPr txBox="1"/>
+          <p:nvPr>
+            <p:ph type="title"/>
+          </p:nvPr>
+        </p:nvSpPr>
+        <p:spPr>
+          <a:xfrm>
+            <a:off x="457200" y="274638"/>
+            <a:ext cx="8229600" cy="1143000"/>
+          </a:xfrm>
+          <a:prstGeom prst="rect">
+            <a:avLst/>
+          </a:prstGeom>
+          <a:noFill/>
+          <a:ln>
+            <a:noFill/>
+          </a:ln>
+        </p:spPr>
+        <p:txBody>
+          <a:bodyPr anchorCtr="0" anchor="ctr" bIns="45700" lIns="91425" spcFirstLastPara="1" rIns="91425" wrap="square" tIns="45700">
+            <a:noAutofit/>
+          </a:bodyPr>
+          <a:lstStyle/>
+          <a:p>
+            <a:pPr indent="0" lvl="0" marL="0" rtl="0" algn="ctr">
+              <a:spcBef>
+                <a:spcPts val="0"/>
+              </a:spcBef>
+              <a:spcAft>
+                <a:spcPts val="0"/>
+              </a:spcAft>
+              <a:buClr>
+                <a:schemeClr val="dk1"/>
+              </a:buClr>
+              <a:buSzPts val="4400"/>
+              <a:buFont typeface="Montserrat"/>
+              <a:buNone/>
+            </a:pPr>
+            <a:r>
+              <a:rPr lang="en-US"/>
               <a:t>HopFS</a:t>
             </a:r>
             <a:endParaRPr/>
@@ -20607,7 +20942,7 @@
       </p:sp>
       <p:sp>
         <p:nvSpPr>
-          <p:cNvPr id="245" name="Google Shape;245;p36"/>
+          <p:cNvPr id="251" name="Google Shape;251;p37"/>
           <p:cNvSpPr txBox="1"/>
           <p:nvPr>
             <p:ph idx="1" type="body"/>
@@ -20655,7 +20990,7 @@
       </p:sp>
       <p:pic>
         <p:nvPicPr>
-          <p:cNvPr id="246" name="Google Shape;246;p36"/>
+          <p:cNvPr id="252" name="Google Shape;252;p37"/>
           <p:cNvPicPr preferRelativeResize="0"/>
           <p:nvPr/>
         </p:nvPicPr>
@@ -20682,7 +21017,7 @@
       </p:pic>
       <p:pic>
         <p:nvPicPr>
-          <p:cNvPr id="247" name="Google Shape;247;p36"/>
+          <p:cNvPr id="253" name="Google Shape;253;p37"/>
           <p:cNvPicPr preferRelativeResize="0"/>
           <p:nvPr/>
         </p:nvPicPr>
@@ -20707,207 +21042,6 @@
           </a:ln>
         </p:spPr>
       </p:pic>
-    </p:spTree>
-  </p:cSld>
-  <p:clrMapOvr>
-    <a:masterClrMapping/>
-  </p:clrMapOvr>
-</p:sld>
-</file>
-
-<file path=ppt/slides/slide25.xml><?xml version="1.0" encoding="utf-8"?>
-<p:sld xmlns:a="http://schemas.openxmlformats.org/drawingml/2006/main" xmlns:r="http://schemas.openxmlformats.org/officeDocument/2006/relationships" xmlns:mc="http://schemas.openxmlformats.org/markup-compatibility/2006" xmlns:mv="urn:schemas-microsoft-com:mac:vml" xmlns:p="http://schemas.openxmlformats.org/presentationml/2006/main" xmlns:c="http://schemas.openxmlformats.org/drawingml/2006/chart" xmlns:dgm="http://schemas.openxmlformats.org/drawingml/2006/diagram" xmlns:o="urn:schemas-microsoft-com:office:office" xmlns:v="urn:schemas-microsoft-com:vml" xmlns:pvml="urn:schemas-microsoft-com:office:powerpoint" xmlns:com="http://schemas.openxmlformats.org/drawingml/2006/compatibility" xmlns:p14="http://schemas.microsoft.com/office/powerpoint/2010/main" xmlns:p15="http://schemas.microsoft.com/office/powerpoint/2012/main" xmlns:ahyp="http://schemas.microsoft.com/office/drawing/2018/hyperlinkcolor">
-  <p:cSld>
-    <p:spTree>
-      <p:nvGrpSpPr>
-        <p:cNvPr id="251" name="Shape 251"/>
-        <p:cNvGrpSpPr/>
-        <p:nvPr/>
-      </p:nvGrpSpPr>
-      <p:grpSpPr>
-        <a:xfrm>
-          <a:off x="0" y="0"/>
-          <a:ext cx="0" cy="0"/>
-          <a:chOff x="0" y="0"/>
-          <a:chExt cx="0" cy="0"/>
-        </a:xfrm>
-      </p:grpSpPr>
-      <p:sp>
-        <p:nvSpPr>
-          <p:cNvPr id="252" name="Google Shape;252;p37"/>
-          <p:cNvSpPr txBox="1"/>
-          <p:nvPr>
-            <p:ph type="title"/>
-          </p:nvPr>
-        </p:nvSpPr>
-        <p:spPr>
-          <a:xfrm>
-            <a:off x="457200" y="274638"/>
-            <a:ext cx="8229600" cy="1143000"/>
-          </a:xfrm>
-          <a:prstGeom prst="rect">
-            <a:avLst/>
-          </a:prstGeom>
-          <a:noFill/>
-          <a:ln>
-            <a:noFill/>
-          </a:ln>
-        </p:spPr>
-        <p:txBody>
-          <a:bodyPr anchorCtr="0" anchor="ctr" bIns="45700" lIns="91425" spcFirstLastPara="1" rIns="91425" wrap="square" tIns="45700">
-            <a:noAutofit/>
-          </a:bodyPr>
-          <a:lstStyle/>
-          <a:p>
-            <a:pPr indent="0" lvl="0" marL="0" rtl="0" algn="ctr">
-              <a:spcBef>
-                <a:spcPts val="0"/>
-              </a:spcBef>
-              <a:spcAft>
-                <a:spcPts val="0"/>
-              </a:spcAft>
-              <a:buClr>
-                <a:schemeClr val="dk1"/>
-              </a:buClr>
-              <a:buSzPts val="4400"/>
-              <a:buFont typeface="Montserrat"/>
-              <a:buNone/>
-            </a:pPr>
-            <a:r>
-              <a:rPr lang="en-US"/>
-              <a:t>What is YARN?</a:t>
-            </a:r>
-            <a:endParaRPr/>
-          </a:p>
-        </p:txBody>
-      </p:sp>
-      <p:sp>
-        <p:nvSpPr>
-          <p:cNvPr id="253" name="Google Shape;253;p37"/>
-          <p:cNvSpPr txBox="1"/>
-          <p:nvPr>
-            <p:ph idx="1" type="body"/>
-          </p:nvPr>
-        </p:nvSpPr>
-        <p:spPr>
-          <a:xfrm>
-            <a:off x="375635" y="1600200"/>
-            <a:ext cx="8229600" cy="4525963"/>
-          </a:xfrm>
-          <a:prstGeom prst="rect">
-            <a:avLst/>
-          </a:prstGeom>
-          <a:noFill/>
-          <a:ln>
-            <a:noFill/>
-          </a:ln>
-        </p:spPr>
-        <p:txBody>
-          <a:bodyPr anchorCtr="0" anchor="t" bIns="45700" lIns="91425" spcFirstLastPara="1" rIns="91425" wrap="square" tIns="45700">
-            <a:noAutofit/>
-          </a:bodyPr>
-          <a:lstStyle/>
-          <a:p>
-            <a:pPr indent="-342900" lvl="0" marL="342900" rtl="0" algn="l">
-              <a:spcBef>
-                <a:spcPts val="0"/>
-              </a:spcBef>
-              <a:spcAft>
-                <a:spcPts val="0"/>
-              </a:spcAft>
-              <a:buClr>
-                <a:schemeClr val="dk1"/>
-              </a:buClr>
-              <a:buSzPts val="3200"/>
-              <a:buChar char="•"/>
-            </a:pPr>
-            <a:r>
-              <a:rPr b="1" lang="en-US"/>
-              <a:t>YARN is the system that runs your code on multiple nodes</a:t>
-            </a:r>
-            <a:endParaRPr/>
-          </a:p>
-          <a:p>
-            <a:pPr indent="-342900" lvl="0" marL="342900" rtl="0" algn="l">
-              <a:spcBef>
-                <a:spcPts val="640"/>
-              </a:spcBef>
-              <a:spcAft>
-                <a:spcPts val="0"/>
-              </a:spcAft>
-              <a:buClr>
-                <a:schemeClr val="dk1"/>
-              </a:buClr>
-              <a:buSzPts val="3200"/>
-              <a:buChar char="•"/>
-            </a:pPr>
-            <a:r>
-              <a:rPr lang="en-US"/>
-              <a:t>Hadoop 2.0 replacement for the cluster manager</a:t>
-            </a:r>
-            <a:endParaRPr/>
-          </a:p>
-          <a:p>
-            <a:pPr indent="-285750" lvl="1" marL="742950" rtl="0" algn="l">
-              <a:spcBef>
-                <a:spcPts val="560"/>
-              </a:spcBef>
-              <a:spcAft>
-                <a:spcPts val="0"/>
-              </a:spcAft>
-              <a:buClr>
-                <a:schemeClr val="dk1"/>
-              </a:buClr>
-              <a:buSzPts val="2800"/>
-              <a:buChar char="–"/>
-            </a:pPr>
-            <a:r>
-              <a:rPr lang="en-US"/>
-              <a:t>Basically a model to distribute and manage workloads</a:t>
-            </a:r>
-            <a:endParaRPr/>
-          </a:p>
-          <a:p>
-            <a:pPr indent="-285750" lvl="1" marL="742950" rtl="0" algn="l">
-              <a:spcBef>
-                <a:spcPts val="560"/>
-              </a:spcBef>
-              <a:spcAft>
-                <a:spcPts val="0"/>
-              </a:spcAft>
-              <a:buClr>
-                <a:schemeClr val="dk1"/>
-              </a:buClr>
-              <a:buSzPts val="2800"/>
-              <a:buChar char="–"/>
-            </a:pPr>
-            <a:r>
-              <a:rPr lang="en-US"/>
-              <a:t>Not just MapReduce but supports other workloads</a:t>
-            </a:r>
-            <a:endParaRPr/>
-          </a:p>
-          <a:p>
-            <a:pPr indent="0" lvl="1" marL="457200" rtl="0" algn="l">
-              <a:spcBef>
-                <a:spcPts val="560"/>
-              </a:spcBef>
-              <a:spcAft>
-                <a:spcPts val="0"/>
-              </a:spcAft>
-              <a:buClr>
-                <a:schemeClr val="dk1"/>
-              </a:buClr>
-              <a:buSzPts val="2800"/>
-              <a:buNone/>
-            </a:pPr>
-            <a:r>
-              <a:t/>
-            </a:r>
-            <a:endParaRPr/>
-          </a:p>
-        </p:txBody>
-      </p:sp>
     </p:spTree>
   </p:cSld>
   <p:clrMapOvr>
@@ -20976,29 +21110,24 @@
             </a:pPr>
             <a:r>
               <a:rPr lang="en-US"/>
-              <a:t>YARN architecture</a:t>
+              <a:t>What is YARN?</a:t>
             </a:r>
             <a:endParaRPr/>
           </a:p>
         </p:txBody>
       </p:sp>
-      <p:pic>
-        <p:nvPicPr>
+      <p:sp>
+        <p:nvSpPr>
           <p:cNvPr id="259" name="Google Shape;259;p38"/>
-          <p:cNvPicPr preferRelativeResize="0"/>
-          <p:nvPr/>
-        </p:nvPicPr>
-        <p:blipFill rotWithShape="1">
-          <a:blip r:embed="rId3">
-            <a:alphaModFix/>
-          </a:blip>
-          <a:srcRect b="0" l="0" r="0" t="0"/>
-          <a:stretch/>
-        </p:blipFill>
+          <p:cNvSpPr txBox="1"/>
+          <p:nvPr>
+            <p:ph idx="1" type="body"/>
+          </p:nvPr>
+        </p:nvSpPr>
         <p:spPr>
           <a:xfrm>
-            <a:off x="457200" y="1122492"/>
-            <a:ext cx="7665798" cy="4744907"/>
+            <a:off x="375635" y="1600200"/>
+            <a:ext cx="8229600" cy="4525963"/>
           </a:xfrm>
           <a:prstGeom prst="rect">
             <a:avLst/>
@@ -21008,7 +21137,112 @@
             <a:noFill/>
           </a:ln>
         </p:spPr>
-      </p:pic>
+        <p:txBody>
+          <a:bodyPr anchorCtr="0" anchor="t" bIns="45700" lIns="91425" spcFirstLastPara="1" rIns="91425" wrap="square" tIns="45700">
+            <a:noAutofit/>
+          </a:bodyPr>
+          <a:lstStyle/>
+          <a:p>
+            <a:pPr indent="-342900" lvl="0" marL="342900" rtl="0" algn="l">
+              <a:spcBef>
+                <a:spcPts val="0"/>
+              </a:spcBef>
+              <a:spcAft>
+                <a:spcPts val="0"/>
+              </a:spcAft>
+              <a:buClr>
+                <a:schemeClr val="dk1"/>
+              </a:buClr>
+              <a:buSzPts val="3200"/>
+              <a:buChar char="•"/>
+            </a:pPr>
+            <a:r>
+              <a:rPr b="1" lang="en-US"/>
+              <a:t>YARN is the system that runs your code on multiple nodes</a:t>
+            </a:r>
+            <a:endParaRPr/>
+          </a:p>
+          <a:p>
+            <a:pPr indent="-342900" lvl="0" marL="342900" rtl="0" algn="l">
+              <a:spcBef>
+                <a:spcPts val="640"/>
+              </a:spcBef>
+              <a:spcAft>
+                <a:spcPts val="0"/>
+              </a:spcAft>
+              <a:buClr>
+                <a:schemeClr val="dk1"/>
+              </a:buClr>
+              <a:buSzPts val="3200"/>
+              <a:buChar char="•"/>
+            </a:pPr>
+            <a:r>
+              <a:rPr lang="en-US"/>
+              <a:t>Hadoop 2.0 replacement for the cluster manager</a:t>
+            </a:r>
+            <a:endParaRPr/>
+          </a:p>
+          <a:p>
+            <a:pPr indent="-285750" lvl="1" marL="742950" rtl="0" algn="l">
+              <a:spcBef>
+                <a:spcPts val="560"/>
+              </a:spcBef>
+              <a:spcAft>
+                <a:spcPts val="0"/>
+              </a:spcAft>
+              <a:buClr>
+                <a:schemeClr val="dk1"/>
+              </a:buClr>
+              <a:buSzPts val="2800"/>
+              <a:buChar char="–"/>
+            </a:pPr>
+            <a:r>
+              <a:rPr lang="en-US"/>
+              <a:t>Basically a model to distribute and manage workloads</a:t>
+            </a:r>
+            <a:endParaRPr/>
+          </a:p>
+          <a:p>
+            <a:pPr indent="-285750" lvl="1" marL="742950" rtl="0" algn="l">
+              <a:spcBef>
+                <a:spcPts val="560"/>
+              </a:spcBef>
+              <a:spcAft>
+                <a:spcPts val="0"/>
+              </a:spcAft>
+              <a:buClr>
+                <a:schemeClr val="dk1"/>
+              </a:buClr>
+              <a:buSzPts val="2800"/>
+              <a:buChar char="–"/>
+            </a:pPr>
+            <a:r>
+              <a:rPr lang="en-US"/>
+              <a:t>Not just MapReduce but supports other workloads</a:t>
+            </a:r>
+            <a:endParaRPr/>
+          </a:p>
+          <a:p>
+            <a:pPr indent="0" lvl="1" marL="457200" rtl="0" algn="l">
+              <a:spcBef>
+                <a:spcPts val="560"/>
+              </a:spcBef>
+              <a:spcAft>
+                <a:spcPts val="0"/>
+              </a:spcAft>
+              <a:buClr>
+                <a:schemeClr val="dk1"/>
+              </a:buClr>
+              <a:buSzPts val="2800"/>
+              <a:buNone/>
+            </a:pPr>
+            <a:r>
+              <a:t/>
+            </a:r>
+            <a:endParaRPr/>
+          </a:p>
+        </p:txBody>
+      </p:sp>
     </p:spTree>
   </p:cSld>
   <p:clrMapOvr>
@@ -21077,24 +21311,29 @@
             </a:pPr>
             <a:r>
               <a:rPr lang="en-US"/>
-              <a:t>Map Reduce in Hadoop</a:t>
+              <a:t>YARN architecture</a:t>
             </a:r>
             <a:endParaRPr/>
           </a:p>
         </p:txBody>
       </p:sp>
-      <p:sp>
-        <p:nvSpPr>
+      <p:pic>
+        <p:nvPicPr>
           <p:cNvPr id="265" name="Google Shape;265;p39"/>
-          <p:cNvSpPr txBox="1"/>
-          <p:nvPr>
-            <p:ph idx="1" type="body"/>
-          </p:nvPr>
-        </p:nvSpPr>
+          <p:cNvPicPr preferRelativeResize="0"/>
+          <p:nvPr/>
+        </p:nvPicPr>
+        <p:blipFill rotWithShape="1">
+          <a:blip r:embed="rId3">
+            <a:alphaModFix/>
+          </a:blip>
+          <a:srcRect b="0" l="0" r="0" t="0"/>
+          <a:stretch/>
+        </p:blipFill>
         <p:spPr>
           <a:xfrm>
-            <a:off x="375635" y="1600200"/>
-            <a:ext cx="8229600" cy="4525963"/>
+            <a:off x="457200" y="1122492"/>
+            <a:ext cx="7665798" cy="4744907"/>
           </a:xfrm>
           <a:prstGeom prst="rect">
             <a:avLst/>
@@ -21104,174 +21343,7 @@
             <a:noFill/>
           </a:ln>
         </p:spPr>
-        <p:txBody>
-          <a:bodyPr anchorCtr="0" anchor="t" bIns="45700" lIns="91425" spcFirstLastPara="1" rIns="91425" wrap="square" tIns="45700">
-            <a:noAutofit/>
-          </a:bodyPr>
-          <a:lstStyle/>
-          <a:p>
-            <a:pPr indent="-342900" lvl="0" marL="342900" rtl="0" algn="l">
-              <a:lnSpc>
-                <a:spcPct val="90000"/>
-              </a:lnSpc>
-              <a:spcBef>
-                <a:spcPts val="0"/>
-              </a:spcBef>
-              <a:spcAft>
-                <a:spcPts val="0"/>
-              </a:spcAft>
-              <a:buClr>
-                <a:schemeClr val="dk1"/>
-              </a:buClr>
-              <a:buSzPts val="3200"/>
-              <a:buChar char="•"/>
-            </a:pPr>
-            <a:r>
-              <a:rPr lang="en-US"/>
-              <a:t>Map reduce in Hadoop actually consists of multiple steps</a:t>
-            </a:r>
-            <a:endParaRPr/>
-          </a:p>
-          <a:p>
-            <a:pPr indent="-285750" lvl="1" marL="742950" rtl="0" algn="l">
-              <a:lnSpc>
-                <a:spcPct val="90000"/>
-              </a:lnSpc>
-              <a:spcBef>
-                <a:spcPts val="560"/>
-              </a:spcBef>
-              <a:spcAft>
-                <a:spcPts val="0"/>
-              </a:spcAft>
-              <a:buClr>
-                <a:schemeClr val="dk1"/>
-              </a:buClr>
-              <a:buSzPts val="2800"/>
-              <a:buChar char="–"/>
-            </a:pPr>
-            <a:r>
-              <a:rPr lang="en-US"/>
-              <a:t>Mapper</a:t>
-            </a:r>
-            <a:endParaRPr/>
-          </a:p>
-          <a:p>
-            <a:pPr indent="-228600" lvl="2" marL="1143000" rtl="0" algn="l">
-              <a:lnSpc>
-                <a:spcPct val="90000"/>
-              </a:lnSpc>
-              <a:spcBef>
-                <a:spcPts val="480"/>
-              </a:spcBef>
-              <a:spcAft>
-                <a:spcPts val="0"/>
-              </a:spcAft>
-              <a:buClr>
-                <a:schemeClr val="dk1"/>
-              </a:buClr>
-              <a:buSzPts val="2400"/>
-              <a:buChar char="•"/>
-            </a:pPr>
-            <a:r>
-              <a:rPr lang="en-US"/>
-              <a:t>Works on a single file, line by line</a:t>
-            </a:r>
-            <a:endParaRPr/>
-          </a:p>
-          <a:p>
-            <a:pPr indent="-285750" lvl="1" marL="742950" rtl="0" algn="l">
-              <a:lnSpc>
-                <a:spcPct val="90000"/>
-              </a:lnSpc>
-              <a:spcBef>
-                <a:spcPts val="560"/>
-              </a:spcBef>
-              <a:spcAft>
-                <a:spcPts val="0"/>
-              </a:spcAft>
-              <a:buClr>
-                <a:schemeClr val="dk1"/>
-              </a:buClr>
-              <a:buSzPts val="2800"/>
-              <a:buChar char="–"/>
-            </a:pPr>
-            <a:r>
-              <a:rPr lang="en-US"/>
-              <a:t>Combiner</a:t>
-            </a:r>
-            <a:endParaRPr/>
-          </a:p>
-          <a:p>
-            <a:pPr indent="-228600" lvl="2" marL="1143000" rtl="0" algn="l">
-              <a:lnSpc>
-                <a:spcPct val="90000"/>
-              </a:lnSpc>
-              <a:spcBef>
-                <a:spcPts val="480"/>
-              </a:spcBef>
-              <a:spcAft>
-                <a:spcPts val="0"/>
-              </a:spcAft>
-              <a:buClr>
-                <a:schemeClr val="dk1"/>
-              </a:buClr>
-              <a:buSzPts val="2400"/>
-              <a:buChar char="•"/>
-            </a:pPr>
-            <a:r>
-              <a:rPr lang="en-US"/>
-              <a:t>Like a reducer, but still on a single system taking the output of the mapper</a:t>
-            </a:r>
-            <a:endParaRPr/>
-          </a:p>
-          <a:p>
-            <a:pPr indent="-285750" lvl="1" marL="742950" rtl="0" algn="l">
-              <a:lnSpc>
-                <a:spcPct val="90000"/>
-              </a:lnSpc>
-              <a:spcBef>
-                <a:spcPts val="560"/>
-              </a:spcBef>
-              <a:spcAft>
-                <a:spcPts val="0"/>
-              </a:spcAft>
-              <a:buClr>
-                <a:schemeClr val="dk1"/>
-              </a:buClr>
-              <a:buSzPts val="2800"/>
-              <a:buChar char="–"/>
-            </a:pPr>
-            <a:r>
-              <a:rPr lang="en-US"/>
-              <a:t>Reducer</a:t>
-            </a:r>
-            <a:endParaRPr/>
-          </a:p>
-          <a:p>
-            <a:pPr indent="-228600" lvl="2" marL="1143000" rtl="0" algn="l">
-              <a:lnSpc>
-                <a:spcPct val="90000"/>
-              </a:lnSpc>
-              <a:spcBef>
-                <a:spcPts val="480"/>
-              </a:spcBef>
-              <a:spcAft>
-                <a:spcPts val="0"/>
-              </a:spcAft>
-              <a:buClr>
-                <a:schemeClr val="dk1"/>
-              </a:buClr>
-              <a:buSzPts val="2400"/>
-              <a:buChar char="•"/>
-            </a:pPr>
-            <a:r>
-              <a:rPr lang="en-US"/>
-              <a:t>Takes the outputs of multiple mapper/combiners</a:t>
-            </a:r>
-            <a:endParaRPr/>
-          </a:p>
-        </p:txBody>
-      </p:sp>
+      </p:pic>
     </p:spTree>
   </p:cSld>
   <p:clrMapOvr>
@@ -21340,7 +21412,7 @@
             </a:pPr>
             <a:r>
               <a:rPr lang="en-US"/>
-              <a:t>The general flow	</a:t>
+              <a:t>Map Reduce in Hadoop</a:t>
             </a:r>
             <a:endParaRPr/>
           </a:p>
@@ -21374,6 +21446,9 @@
           <a:lstStyle/>
           <a:p>
             <a:pPr indent="-342900" lvl="0" marL="342900" rtl="0" algn="l">
+              <a:lnSpc>
+                <a:spcPct val="90000"/>
+              </a:lnSpc>
               <a:spcBef>
                 <a:spcPts val="0"/>
               </a:spcBef>
@@ -21388,12 +21463,15 @@
             </a:pPr>
             <a:r>
               <a:rPr lang="en-US"/>
-              <a:t>On the whole, we expect to produce key-value &lt;K,V&gt; pairs from any mapper or reducer</a:t>
+              <a:t>Map reduce in Hadoop actually consists of multiple steps</a:t>
             </a:r>
             <a:endParaRPr/>
           </a:p>
           <a:p>
             <a:pPr indent="-285750" lvl="1" marL="742950" rtl="0" algn="l">
+              <a:lnSpc>
+                <a:spcPct val="90000"/>
+              </a:lnSpc>
               <a:spcBef>
                 <a:spcPts val="560"/>
               </a:spcBef>
@@ -21408,46 +21486,122 @@
             </a:pPr>
             <a:r>
               <a:rPr lang="en-US"/>
-              <a:t>In some cases we may produce &lt;K,&lt;V1,V2,..&gt;&gt; </a:t>
+              <a:t>Mapper</a:t>
             </a:r>
             <a:endParaRPr/>
           </a:p>
           <a:p>
-            <a:pPr indent="-342900" lvl="0" marL="342900" rtl="0" algn="l">
-              <a:spcBef>
-                <a:spcPts val="640"/>
-              </a:spcBef>
-              <a:spcAft>
-                <a:spcPts val="0"/>
-              </a:spcAft>
-              <a:buClr>
-                <a:schemeClr val="dk1"/>
-              </a:buClr>
-              <a:buSzPts val="3200"/>
+            <a:pPr indent="-228600" lvl="2" marL="1143000" rtl="0" algn="l">
+              <a:lnSpc>
+                <a:spcPct val="90000"/>
+              </a:lnSpc>
+              <a:spcBef>
+                <a:spcPts val="480"/>
+              </a:spcBef>
+              <a:spcAft>
+                <a:spcPts val="0"/>
+              </a:spcAft>
+              <a:buClr>
+                <a:schemeClr val="dk1"/>
+              </a:buClr>
+              <a:buSzPts val="2400"/>
               <a:buChar char="•"/>
             </a:pPr>
             <a:r>
               <a:rPr lang="en-US"/>
-              <a:t>The results are stored to file and then read from file</a:t>
+              <a:t>Works on a single file, line by line</a:t>
             </a:r>
             <a:endParaRPr/>
           </a:p>
           <a:p>
-            <a:pPr indent="0" lvl="0" marL="0" rtl="0" algn="l">
-              <a:spcBef>
-                <a:spcPts val="640"/>
-              </a:spcBef>
-              <a:spcAft>
-                <a:spcPts val="0"/>
-              </a:spcAft>
-              <a:buClr>
-                <a:schemeClr val="dk1"/>
-              </a:buClr>
-              <a:buSzPts val="3200"/>
-              <a:buNone/>
+            <a:pPr indent="-285750" lvl="1" marL="742950" rtl="0" algn="l">
+              <a:lnSpc>
+                <a:spcPct val="90000"/>
+              </a:lnSpc>
+              <a:spcBef>
+                <a:spcPts val="560"/>
+              </a:spcBef>
+              <a:spcAft>
+                <a:spcPts val="0"/>
+              </a:spcAft>
+              <a:buClr>
+                <a:schemeClr val="dk1"/>
+              </a:buClr>
+              <a:buSzPts val="2800"/>
+              <a:buChar char="–"/>
             </a:pPr>
             <a:r>
-              <a:t/>
+              <a:rPr lang="en-US"/>
+              <a:t>Combiner</a:t>
+            </a:r>
+            <a:endParaRPr/>
+          </a:p>
+          <a:p>
+            <a:pPr indent="-228600" lvl="2" marL="1143000" rtl="0" algn="l">
+              <a:lnSpc>
+                <a:spcPct val="90000"/>
+              </a:lnSpc>
+              <a:spcBef>
+                <a:spcPts val="480"/>
+              </a:spcBef>
+              <a:spcAft>
+                <a:spcPts val="0"/>
+              </a:spcAft>
+              <a:buClr>
+                <a:schemeClr val="dk1"/>
+              </a:buClr>
+              <a:buSzPts val="2400"/>
+              <a:buChar char="•"/>
+            </a:pPr>
+            <a:r>
+              <a:rPr lang="en-US"/>
+              <a:t>Like a reducer, but still on a single system taking the output of the mapper</a:t>
+            </a:r>
+            <a:endParaRPr/>
+          </a:p>
+          <a:p>
+            <a:pPr indent="-285750" lvl="1" marL="742950" rtl="0" algn="l">
+              <a:lnSpc>
+                <a:spcPct val="90000"/>
+              </a:lnSpc>
+              <a:spcBef>
+                <a:spcPts val="560"/>
+              </a:spcBef>
+              <a:spcAft>
+                <a:spcPts val="0"/>
+              </a:spcAft>
+              <a:buClr>
+                <a:schemeClr val="dk1"/>
+              </a:buClr>
+              <a:buSzPts val="2800"/>
+              <a:buChar char="–"/>
+            </a:pPr>
+            <a:r>
+              <a:rPr lang="en-US"/>
+              <a:t>Reducer</a:t>
+            </a:r>
+            <a:endParaRPr/>
+          </a:p>
+          <a:p>
+            <a:pPr indent="-228600" lvl="2" marL="1143000" rtl="0" algn="l">
+              <a:lnSpc>
+                <a:spcPct val="90000"/>
+              </a:lnSpc>
+              <a:spcBef>
+                <a:spcPts val="480"/>
+              </a:spcBef>
+              <a:spcAft>
+                <a:spcPts val="0"/>
+              </a:spcAft>
+              <a:buClr>
+                <a:schemeClr val="dk1"/>
+              </a:buClr>
+              <a:buSzPts val="2400"/>
+              <a:buChar char="•"/>
+            </a:pPr>
+            <a:r>
+              <a:rPr lang="en-US"/>
+              <a:t>Takes the outputs of multiple mapper/combiners</a:t>
             </a:r>
             <a:endParaRPr/>
           </a:p>
@@ -21521,7 +21675,7 @@
             </a:pPr>
             <a:r>
               <a:rPr lang="en-US"/>
-              <a:t>Mappers</a:t>
+              <a:t>The general flow	</a:t>
             </a:r>
             <a:endParaRPr/>
           </a:p>
@@ -21569,7 +21723,27 @@
             </a:pPr>
             <a:r>
               <a:rPr lang="en-US"/>
-              <a:t>Take input files and produce &lt;K,V&gt; pairs</a:t>
+              <a:t>On the whole, we expect to produce key-value &lt;K,V&gt; pairs from any mapper or reducer</a:t>
+            </a:r>
+            <a:endParaRPr/>
+          </a:p>
+          <a:p>
+            <a:pPr indent="-285750" lvl="1" marL="742950" rtl="0" algn="l">
+              <a:spcBef>
+                <a:spcPts val="560"/>
+              </a:spcBef>
+              <a:spcAft>
+                <a:spcPts val="0"/>
+              </a:spcAft>
+              <a:buClr>
+                <a:schemeClr val="dk1"/>
+              </a:buClr>
+              <a:buSzPts val="2800"/>
+              <a:buChar char="–"/>
+            </a:pPr>
+            <a:r>
+              <a:rPr lang="en-US"/>
+              <a:t>In some cases we may produce &lt;K,&lt;V1,V2,..&gt;&gt; </a:t>
             </a:r>
             <a:endParaRPr/>
           </a:p>
@@ -21589,12 +21763,12 @@
             </a:pPr>
             <a:r>
               <a:rPr lang="en-US"/>
-              <a:t>Each mapper gets a complete file</a:t>
+              <a:t>The results are stored to file and then read from file</a:t>
             </a:r>
             <a:endParaRPr/>
           </a:p>
           <a:p>
-            <a:pPr indent="-342900" lvl="0" marL="342900" rtl="0" algn="l">
+            <a:pPr indent="0" lvl="0" marL="0" rtl="0" algn="l">
               <a:spcBef>
                 <a:spcPts val="640"/>
               </a:spcBef>
@@ -21605,11 +21779,10 @@
                 <a:schemeClr val="dk1"/>
               </a:buClr>
               <a:buSzPts val="3200"/>
-              <a:buChar char="•"/>
+              <a:buNone/>
             </a:pPr>
             <a:r>
-              <a:rPr lang="en-US"/>
-              <a:t>Each mapper runs on a single system</a:t>
+              <a:t/>
             </a:r>
             <a:endParaRPr/>
           </a:p>
@@ -21784,7 +21957,7 @@
             </a:pPr>
             <a:r>
               <a:rPr lang="en-US"/>
-              <a:t>Combiners</a:t>
+              <a:t>Mappers</a:t>
             </a:r>
             <a:endParaRPr/>
           </a:p>
@@ -21832,7 +22005,7 @@
             </a:pPr>
             <a:r>
               <a:rPr lang="en-US"/>
-              <a:t>The combiner function must take the &lt;K,V&gt; output of the mapper</a:t>
+              <a:t>Take input files and produce &lt;K,V&gt; pairs</a:t>
             </a:r>
             <a:endParaRPr/>
           </a:p>
@@ -21852,7 +22025,7 @@
             </a:pPr>
             <a:r>
               <a:rPr lang="en-US"/>
-              <a:t>Produce the same format &lt;K,V&gt;</a:t>
+              <a:t>Each mapper gets a complete file</a:t>
             </a:r>
             <a:endParaRPr/>
           </a:p>
@@ -21872,47 +22045,7 @@
             </a:pPr>
             <a:r>
               <a:rPr lang="en-US"/>
-              <a:t>Must be associative and commutative</a:t>
-            </a:r>
-            <a:endParaRPr/>
-          </a:p>
-          <a:p>
-            <a:pPr indent="-342900" lvl="0" marL="342900" rtl="0" algn="l">
-              <a:spcBef>
-                <a:spcPts val="640"/>
-              </a:spcBef>
-              <a:spcAft>
-                <a:spcPts val="0"/>
-              </a:spcAft>
-              <a:buClr>
-                <a:schemeClr val="dk1"/>
-              </a:buClr>
-              <a:buSzPts val="3200"/>
-              <a:buChar char="•"/>
-            </a:pPr>
-            <a:r>
-              <a:rPr i="1" lang="en-US"/>
-              <a:t>Runs on the same node as the mapper</a:t>
-            </a:r>
-            <a:endParaRPr/>
-          </a:p>
-          <a:p>
-            <a:pPr indent="-342900" lvl="0" marL="342900" rtl="0" algn="l">
-              <a:spcBef>
-                <a:spcPts val="640"/>
-              </a:spcBef>
-              <a:spcAft>
-                <a:spcPts val="0"/>
-              </a:spcAft>
-              <a:buClr>
-                <a:schemeClr val="dk1"/>
-              </a:buClr>
-              <a:buSzPts val="3200"/>
-              <a:buChar char="•"/>
-            </a:pPr>
-            <a:r>
-              <a:rPr lang="en-US"/>
-              <a:t>May actually be the reducer function if the reducer follows the rules above</a:t>
+              <a:t>Each mapper runs on a single system</a:t>
             </a:r>
             <a:endParaRPr/>
           </a:p>
@@ -21986,7 +22119,7 @@
             </a:pPr>
             <a:r>
               <a:rPr lang="en-US"/>
-              <a:t>Reducers	</a:t>
+              <a:t>Combiners</a:t>
             </a:r>
             <a:endParaRPr/>
           </a:p>
@@ -22034,7 +22167,7 @@
             </a:pPr>
             <a:r>
               <a:rPr lang="en-US"/>
-              <a:t>The reducers get the &lt;K,V&gt; pairs output from the mappers/combiners</a:t>
+              <a:t>The combiner function must take the &lt;K,V&gt; output of the mapper</a:t>
             </a:r>
             <a:endParaRPr/>
           </a:p>
@@ -22054,7 +22187,7 @@
             </a:pPr>
             <a:r>
               <a:rPr lang="en-US"/>
-              <a:t>The output is first sorted/partitioned</a:t>
+              <a:t>Produce the same format &lt;K,V&gt;</a:t>
             </a:r>
             <a:endParaRPr/>
           </a:p>
@@ -22074,7 +22207,47 @@
             </a:pPr>
             <a:r>
               <a:rPr lang="en-US"/>
-              <a:t>The reducers produce the final expected output, usually in the form of &lt;K,V&gt; pairs</a:t>
+              <a:t>Must be associative and commutative</a:t>
+            </a:r>
+            <a:endParaRPr/>
+          </a:p>
+          <a:p>
+            <a:pPr indent="-342900" lvl="0" marL="342900" rtl="0" algn="l">
+              <a:spcBef>
+                <a:spcPts val="640"/>
+              </a:spcBef>
+              <a:spcAft>
+                <a:spcPts val="0"/>
+              </a:spcAft>
+              <a:buClr>
+                <a:schemeClr val="dk1"/>
+              </a:buClr>
+              <a:buSzPts val="3200"/>
+              <a:buChar char="•"/>
+            </a:pPr>
+            <a:r>
+              <a:rPr i="1" lang="en-US"/>
+              <a:t>Runs on the same node as the mapper</a:t>
+            </a:r>
+            <a:endParaRPr/>
+          </a:p>
+          <a:p>
+            <a:pPr indent="-342900" lvl="0" marL="342900" rtl="0" algn="l">
+              <a:spcBef>
+                <a:spcPts val="640"/>
+              </a:spcBef>
+              <a:spcAft>
+                <a:spcPts val="0"/>
+              </a:spcAft>
+              <a:buClr>
+                <a:schemeClr val="dk1"/>
+              </a:buClr>
+              <a:buSzPts val="3200"/>
+              <a:buChar char="•"/>
+            </a:pPr>
+            <a:r>
+              <a:rPr lang="en-US"/>
+              <a:t>May actually be the reducer function if the reducer follows the rules above</a:t>
             </a:r>
             <a:endParaRPr/>
           </a:p>
@@ -22148,7 +22321,7 @@
             </a:pPr>
             <a:r>
               <a:rPr lang="en-US"/>
-              <a:t>Summary</a:t>
+              <a:t>Reducers	</a:t>
             </a:r>
             <a:endParaRPr/>
           </a:p>
@@ -22196,7 +22369,7 @@
             </a:pPr>
             <a:r>
               <a:rPr lang="en-US"/>
-              <a:t>Understanding the Map Reduce Model</a:t>
+              <a:t>The reducers get the &lt;K,V&gt; pairs output from the mappers/combiners</a:t>
             </a:r>
             <a:endParaRPr/>
           </a:p>
@@ -22216,7 +22389,7 @@
             </a:pPr>
             <a:r>
               <a:rPr lang="en-US"/>
-              <a:t>How is it implemented in Hadoop</a:t>
+              <a:t>The output is first sorted/partitioned</a:t>
             </a:r>
             <a:endParaRPr/>
           </a:p>
@@ -22236,42 +22409,7 @@
             </a:pPr>
             <a:r>
               <a:rPr lang="en-US"/>
-              <a:t>HDFS</a:t>
-            </a:r>
-            <a:endParaRPr/>
-          </a:p>
-          <a:p>
-            <a:pPr indent="-342900" lvl="0" marL="342900" rtl="0" algn="l">
-              <a:spcBef>
-                <a:spcPts val="640"/>
-              </a:spcBef>
-              <a:spcAft>
-                <a:spcPts val="0"/>
-              </a:spcAft>
-              <a:buClr>
-                <a:schemeClr val="dk1"/>
-              </a:buClr>
-              <a:buSzPts val="3200"/>
-              <a:buChar char="•"/>
-            </a:pPr>
-            <a:r>
-              <a:rPr lang="en-US"/>
-              <a:t>Yarn</a:t>
-            </a:r>
-            <a:endParaRPr/>
-          </a:p>
-          <a:p>
-            <a:pPr indent="0" lvl="0" marL="0" rtl="0" algn="l">
-              <a:spcBef>
-                <a:spcPts val="640"/>
-              </a:spcBef>
-              <a:spcAft>
-                <a:spcPts val="0"/>
-              </a:spcAft>
-              <a:buNone/>
-            </a:pPr>
-            <a:r>
-              <a:t/>
+              <a:t>The reducers produce the final expected output, usually in the form of &lt;K,V&gt; pairs</a:t>
             </a:r>
             <a:endParaRPr/>
           </a:p>
@@ -22305,6 +22443,203 @@
       <p:sp>
         <p:nvSpPr>
           <p:cNvPr id="300" name="Google Shape;300;p45"/>
+          <p:cNvSpPr txBox="1"/>
+          <p:nvPr>
+            <p:ph type="title"/>
+          </p:nvPr>
+        </p:nvSpPr>
+        <p:spPr>
+          <a:xfrm>
+            <a:off x="457200" y="274638"/>
+            <a:ext cx="8229600" cy="1143000"/>
+          </a:xfrm>
+          <a:prstGeom prst="rect">
+            <a:avLst/>
+          </a:prstGeom>
+          <a:noFill/>
+          <a:ln>
+            <a:noFill/>
+          </a:ln>
+        </p:spPr>
+        <p:txBody>
+          <a:bodyPr anchorCtr="0" anchor="ctr" bIns="45700" lIns="91425" spcFirstLastPara="1" rIns="91425" wrap="square" tIns="45700">
+            <a:noAutofit/>
+          </a:bodyPr>
+          <a:lstStyle/>
+          <a:p>
+            <a:pPr indent="0" lvl="0" marL="0" rtl="0" algn="ctr">
+              <a:spcBef>
+                <a:spcPts val="0"/>
+              </a:spcBef>
+              <a:spcAft>
+                <a:spcPts val="0"/>
+              </a:spcAft>
+              <a:buClr>
+                <a:schemeClr val="dk1"/>
+              </a:buClr>
+              <a:buSzPts val="4400"/>
+              <a:buFont typeface="Montserrat"/>
+              <a:buNone/>
+            </a:pPr>
+            <a:r>
+              <a:rPr lang="en-US"/>
+              <a:t>Summary</a:t>
+            </a:r>
+            <a:endParaRPr/>
+          </a:p>
+        </p:txBody>
+      </p:sp>
+      <p:sp>
+        <p:nvSpPr>
+          <p:cNvPr id="301" name="Google Shape;301;p45"/>
+          <p:cNvSpPr txBox="1"/>
+          <p:nvPr>
+            <p:ph idx="1" type="body"/>
+          </p:nvPr>
+        </p:nvSpPr>
+        <p:spPr>
+          <a:xfrm>
+            <a:off x="375635" y="1600200"/>
+            <a:ext cx="8229600" cy="4525963"/>
+          </a:xfrm>
+          <a:prstGeom prst="rect">
+            <a:avLst/>
+          </a:prstGeom>
+          <a:noFill/>
+          <a:ln>
+            <a:noFill/>
+          </a:ln>
+        </p:spPr>
+        <p:txBody>
+          <a:bodyPr anchorCtr="0" anchor="t" bIns="45700" lIns="91425" spcFirstLastPara="1" rIns="91425" wrap="square" tIns="45700">
+            <a:noAutofit/>
+          </a:bodyPr>
+          <a:lstStyle/>
+          <a:p>
+            <a:pPr indent="-342900" lvl="0" marL="342900" rtl="0" algn="l">
+              <a:spcBef>
+                <a:spcPts val="0"/>
+              </a:spcBef>
+              <a:spcAft>
+                <a:spcPts val="0"/>
+              </a:spcAft>
+              <a:buClr>
+                <a:schemeClr val="dk1"/>
+              </a:buClr>
+              <a:buSzPts val="3200"/>
+              <a:buChar char="•"/>
+            </a:pPr>
+            <a:r>
+              <a:rPr lang="en-US"/>
+              <a:t>Understanding the Map Reduce Model</a:t>
+            </a:r>
+            <a:endParaRPr/>
+          </a:p>
+          <a:p>
+            <a:pPr indent="-342900" lvl="0" marL="342900" rtl="0" algn="l">
+              <a:spcBef>
+                <a:spcPts val="640"/>
+              </a:spcBef>
+              <a:spcAft>
+                <a:spcPts val="0"/>
+              </a:spcAft>
+              <a:buClr>
+                <a:schemeClr val="dk1"/>
+              </a:buClr>
+              <a:buSzPts val="3200"/>
+              <a:buChar char="•"/>
+            </a:pPr>
+            <a:r>
+              <a:rPr lang="en-US"/>
+              <a:t>How is it implemented in Hadoop</a:t>
+            </a:r>
+            <a:endParaRPr/>
+          </a:p>
+          <a:p>
+            <a:pPr indent="-342900" lvl="0" marL="342900" rtl="0" algn="l">
+              <a:spcBef>
+                <a:spcPts val="640"/>
+              </a:spcBef>
+              <a:spcAft>
+                <a:spcPts val="0"/>
+              </a:spcAft>
+              <a:buClr>
+                <a:schemeClr val="dk1"/>
+              </a:buClr>
+              <a:buSzPts val="3200"/>
+              <a:buChar char="•"/>
+            </a:pPr>
+            <a:r>
+              <a:rPr lang="en-US"/>
+              <a:t>HDFS</a:t>
+            </a:r>
+            <a:endParaRPr/>
+          </a:p>
+          <a:p>
+            <a:pPr indent="-342900" lvl="0" marL="342900" rtl="0" algn="l">
+              <a:spcBef>
+                <a:spcPts val="640"/>
+              </a:spcBef>
+              <a:spcAft>
+                <a:spcPts val="0"/>
+              </a:spcAft>
+              <a:buClr>
+                <a:schemeClr val="dk1"/>
+              </a:buClr>
+              <a:buSzPts val="3200"/>
+              <a:buChar char="•"/>
+            </a:pPr>
+            <a:r>
+              <a:rPr lang="en-US"/>
+              <a:t>Yarn</a:t>
+            </a:r>
+            <a:endParaRPr/>
+          </a:p>
+          <a:p>
+            <a:pPr indent="0" lvl="0" marL="0" rtl="0" algn="l">
+              <a:spcBef>
+                <a:spcPts val="640"/>
+              </a:spcBef>
+              <a:spcAft>
+                <a:spcPts val="0"/>
+              </a:spcAft>
+              <a:buNone/>
+            </a:pPr>
+            <a:r>
+              <a:t/>
+            </a:r>
+            <a:endParaRPr/>
+          </a:p>
+        </p:txBody>
+      </p:sp>
+    </p:spTree>
+  </p:cSld>
+  <p:clrMapOvr>
+    <a:masterClrMapping/>
+  </p:clrMapOvr>
+</p:sld>
+</file>
+
+<file path=ppt/slides/slide34.xml><?xml version="1.0" encoding="utf-8"?>
+<p:sld xmlns:a="http://schemas.openxmlformats.org/drawingml/2006/main" xmlns:r="http://schemas.openxmlformats.org/officeDocument/2006/relationships" xmlns:mc="http://schemas.openxmlformats.org/markup-compatibility/2006" xmlns:mv="urn:schemas-microsoft-com:mac:vml" xmlns:p="http://schemas.openxmlformats.org/presentationml/2006/main" xmlns:c="http://schemas.openxmlformats.org/drawingml/2006/chart" xmlns:dgm="http://schemas.openxmlformats.org/drawingml/2006/diagram" xmlns:o="urn:schemas-microsoft-com:office:office" xmlns:v="urn:schemas-microsoft-com:vml" xmlns:pvml="urn:schemas-microsoft-com:office:powerpoint" xmlns:com="http://schemas.openxmlformats.org/drawingml/2006/compatibility" xmlns:p14="http://schemas.microsoft.com/office/powerpoint/2010/main" xmlns:p15="http://schemas.microsoft.com/office/powerpoint/2012/main" xmlns:ahyp="http://schemas.microsoft.com/office/drawing/2018/hyperlinkcolor">
+  <p:cSld>
+    <p:spTree>
+      <p:nvGrpSpPr>
+        <p:cNvPr id="305" name="Shape 305"/>
+        <p:cNvGrpSpPr/>
+        <p:nvPr/>
+      </p:nvGrpSpPr>
+      <p:grpSpPr>
+        <a:xfrm>
+          <a:off x="0" y="0"/>
+          <a:ext cx="0" cy="0"/>
+          <a:chOff x="0" y="0"/>
+          <a:chExt cx="0" cy="0"/>
+        </a:xfrm>
+      </p:grpSpPr>
+      <p:sp>
+        <p:nvSpPr>
+          <p:cNvPr id="306" name="Google Shape;306;p46"/>
           <p:cNvSpPr txBox="1"/>
           <p:nvPr>
             <p:ph type="title"/>
